--- a/Session III - Javascript/Session III - Javascript.pptx
+++ b/Session III - Javascript/Session III - Javascript.pptx
@@ -5,7 +5,7 @@
     <p:sldMasterId id="2147483648" r:id="rId1"/>
   </p:sldMasterIdLst>
   <p:notesMasterIdLst>
-    <p:notesMasterId r:id="rId9"/>
+    <p:notesMasterId r:id="rId13"/>
   </p:notesMasterIdLst>
   <p:sldIdLst>
     <p:sldId id="256" r:id="rId2"/>
@@ -13,8 +13,12 @@
     <p:sldId id="258" r:id="rId4"/>
     <p:sldId id="259" r:id="rId5"/>
     <p:sldId id="260" r:id="rId6"/>
-    <p:sldId id="261" r:id="rId7"/>
-    <p:sldId id="262" r:id="rId8"/>
+    <p:sldId id="264" r:id="rId7"/>
+    <p:sldId id="261" r:id="rId8"/>
+    <p:sldId id="267" r:id="rId9"/>
+    <p:sldId id="268" r:id="rId10"/>
+    <p:sldId id="265" r:id="rId11"/>
+    <p:sldId id="266" r:id="rId12"/>
   </p:sldIdLst>
   <p:sldSz cx="9144000" cy="6858000" type="screen4x3"/>
   <p:notesSz cx="6858000" cy="9144000"/>
@@ -198,7 +202,7 @@
           <a:p>
             <a:fld id="{4CE4D18D-5A8C-490C-B74C-2A622DAD4B6A}" type="datetimeFigureOut">
               <a:rPr lang="en-US" smtClean="0"/>
-              <a:t>22/6/2015</a:t>
+              <a:t>28/6/15</a:t>
             </a:fld>
             <a:endParaRPr lang="en-US"/>
           </a:p>
@@ -913,7 +917,7 @@
     </p:spTree>
     <p:extLst>
       <p:ext uri="{BB962C8B-B14F-4D97-AF65-F5344CB8AC3E}">
-        <p14:creationId xmlns:p14="http://schemas.microsoft.com/office/powerpoint/2010/main" val="2525163576"/>
+        <p14:creationId xmlns:p14="http://schemas.microsoft.com/office/powerpoint/2010/main" val="3811911041"/>
       </p:ext>
     </p:extLst>
   </p:cSld>
@@ -1002,7 +1006,185 @@
     </p:spTree>
     <p:extLst>
       <p:ext uri="{BB962C8B-B14F-4D97-AF65-F5344CB8AC3E}">
-        <p14:creationId xmlns:p14="http://schemas.microsoft.com/office/powerpoint/2010/main" val="3811911041"/>
+        <p14:creationId xmlns:p14="http://schemas.microsoft.com/office/powerpoint/2010/main" val="2525163576"/>
+      </p:ext>
+    </p:extLst>
+  </p:cSld>
+  <p:clrMapOvr>
+    <a:masterClrMapping/>
+  </p:clrMapOvr>
+</p:notes>
+</file>
+
+<file path=ppt/notesSlides/notesSlide7.xml><?xml version="1.0" encoding="utf-8"?>
+<p:notes xmlns:a="http://schemas.openxmlformats.org/drawingml/2006/main" xmlns:r="http://schemas.openxmlformats.org/officeDocument/2006/relationships" xmlns:p="http://schemas.openxmlformats.org/presentationml/2006/main">
+  <p:cSld>
+    <p:spTree>
+      <p:nvGrpSpPr>
+        <p:cNvPr id="1" name=""/>
+        <p:cNvGrpSpPr/>
+        <p:nvPr/>
+      </p:nvGrpSpPr>
+      <p:grpSpPr>
+        <a:xfrm>
+          <a:off x="0" y="0"/>
+          <a:ext cx="0" cy="0"/>
+          <a:chOff x="0" y="0"/>
+          <a:chExt cx="0" cy="0"/>
+        </a:xfrm>
+      </p:grpSpPr>
+      <p:sp>
+        <p:nvSpPr>
+          <p:cNvPr id="2" name="Slide Image Placeholder 1"/>
+          <p:cNvSpPr>
+            <a:spLocks noGrp="1" noRot="1" noChangeAspect="1"/>
+          </p:cNvSpPr>
+          <p:nvPr>
+            <p:ph type="sldImg"/>
+          </p:nvPr>
+        </p:nvSpPr>
+        <p:spPr>
+          <a:xfrm>
+            <a:off x="1143000" y="685800"/>
+            <a:ext cx="4572000" cy="3429000"/>
+          </a:xfrm>
+        </p:spPr>
+      </p:sp>
+      <p:sp>
+        <p:nvSpPr>
+          <p:cNvPr id="3" name="Notes Placeholder 2"/>
+          <p:cNvSpPr>
+            <a:spLocks noGrp="1"/>
+          </p:cNvSpPr>
+          <p:nvPr>
+            <p:ph type="body" idx="1"/>
+          </p:nvPr>
+        </p:nvSpPr>
+        <p:spPr/>
+        <p:txBody>
+          <a:bodyPr/>
+          <a:lstStyle/>
+          <a:p>
+            <a:endParaRPr lang="en-US" dirty="0"/>
+          </a:p>
+        </p:txBody>
+      </p:sp>
+      <p:sp>
+        <p:nvSpPr>
+          <p:cNvPr id="4" name="Slide Number Placeholder 3"/>
+          <p:cNvSpPr>
+            <a:spLocks noGrp="1"/>
+          </p:cNvSpPr>
+          <p:nvPr>
+            <p:ph type="sldNum" sz="quarter" idx="10"/>
+          </p:nvPr>
+        </p:nvSpPr>
+        <p:spPr/>
+        <p:txBody>
+          <a:bodyPr/>
+          <a:lstStyle/>
+          <a:p>
+            <a:fld id="{B46DC61D-F376-43F7-97B2-0F5A9328ABFE}" type="slidenum">
+              <a:rPr lang="en-US" smtClean="0"/>
+              <a:t>8</a:t>
+            </a:fld>
+            <a:endParaRPr lang="en-US"/>
+          </a:p>
+        </p:txBody>
+      </p:sp>
+    </p:spTree>
+    <p:extLst>
+      <p:ext uri="{BB962C8B-B14F-4D97-AF65-F5344CB8AC3E}">
+        <p14:creationId xmlns:p14="http://schemas.microsoft.com/office/powerpoint/2010/main" val="2525163576"/>
+      </p:ext>
+    </p:extLst>
+  </p:cSld>
+  <p:clrMapOvr>
+    <a:masterClrMapping/>
+  </p:clrMapOvr>
+</p:notes>
+</file>
+
+<file path=ppt/notesSlides/notesSlide8.xml><?xml version="1.0" encoding="utf-8"?>
+<p:notes xmlns:a="http://schemas.openxmlformats.org/drawingml/2006/main" xmlns:r="http://schemas.openxmlformats.org/officeDocument/2006/relationships" xmlns:p="http://schemas.openxmlformats.org/presentationml/2006/main">
+  <p:cSld>
+    <p:spTree>
+      <p:nvGrpSpPr>
+        <p:cNvPr id="1" name=""/>
+        <p:cNvGrpSpPr/>
+        <p:nvPr/>
+      </p:nvGrpSpPr>
+      <p:grpSpPr>
+        <a:xfrm>
+          <a:off x="0" y="0"/>
+          <a:ext cx="0" cy="0"/>
+          <a:chOff x="0" y="0"/>
+          <a:chExt cx="0" cy="0"/>
+        </a:xfrm>
+      </p:grpSpPr>
+      <p:sp>
+        <p:nvSpPr>
+          <p:cNvPr id="2" name="Slide Image Placeholder 1"/>
+          <p:cNvSpPr>
+            <a:spLocks noGrp="1" noRot="1" noChangeAspect="1"/>
+          </p:cNvSpPr>
+          <p:nvPr>
+            <p:ph type="sldImg"/>
+          </p:nvPr>
+        </p:nvSpPr>
+        <p:spPr>
+          <a:xfrm>
+            <a:off x="1143000" y="685800"/>
+            <a:ext cx="4572000" cy="3429000"/>
+          </a:xfrm>
+        </p:spPr>
+      </p:sp>
+      <p:sp>
+        <p:nvSpPr>
+          <p:cNvPr id="3" name="Notes Placeholder 2"/>
+          <p:cNvSpPr>
+            <a:spLocks noGrp="1"/>
+          </p:cNvSpPr>
+          <p:nvPr>
+            <p:ph type="body" idx="1"/>
+          </p:nvPr>
+        </p:nvSpPr>
+        <p:spPr/>
+        <p:txBody>
+          <a:bodyPr/>
+          <a:lstStyle/>
+          <a:p>
+            <a:endParaRPr lang="en-US" dirty="0"/>
+          </a:p>
+        </p:txBody>
+      </p:sp>
+      <p:sp>
+        <p:nvSpPr>
+          <p:cNvPr id="4" name="Slide Number Placeholder 3"/>
+          <p:cNvSpPr>
+            <a:spLocks noGrp="1"/>
+          </p:cNvSpPr>
+          <p:nvPr>
+            <p:ph type="sldNum" sz="quarter" idx="10"/>
+          </p:nvPr>
+        </p:nvSpPr>
+        <p:spPr/>
+        <p:txBody>
+          <a:bodyPr/>
+          <a:lstStyle/>
+          <a:p>
+            <a:fld id="{B46DC61D-F376-43F7-97B2-0F5A9328ABFE}" type="slidenum">
+              <a:rPr lang="en-US" smtClean="0"/>
+              <a:t>9</a:t>
+            </a:fld>
+            <a:endParaRPr lang="en-US"/>
+          </a:p>
+        </p:txBody>
+      </p:sp>
+    </p:spTree>
+    <p:extLst>
+      <p:ext uri="{BB962C8B-B14F-4D97-AF65-F5344CB8AC3E}">
+        <p14:creationId xmlns:p14="http://schemas.microsoft.com/office/powerpoint/2010/main" val="2525163576"/>
       </p:ext>
     </p:extLst>
   </p:cSld>
@@ -1143,7 +1325,7 @@
           <a:p>
             <a:fld id="{544FE318-C7DE-4051-894E-ED2E119555D3}" type="datetimeFigureOut">
               <a:rPr lang="en-US" smtClean="0"/>
-              <a:t>22/6/2015</a:t>
+              <a:t>28/6/15</a:t>
             </a:fld>
             <a:endParaRPr lang="en-US"/>
           </a:p>
@@ -1313,7 +1495,7 @@
           <a:p>
             <a:fld id="{544FE318-C7DE-4051-894E-ED2E119555D3}" type="datetimeFigureOut">
               <a:rPr lang="en-US" smtClean="0"/>
-              <a:t>22/6/2015</a:t>
+              <a:t>28/6/15</a:t>
             </a:fld>
             <a:endParaRPr lang="en-US"/>
           </a:p>
@@ -1493,7 +1675,7 @@
           <a:p>
             <a:fld id="{544FE318-C7DE-4051-894E-ED2E119555D3}" type="datetimeFigureOut">
               <a:rPr lang="en-US" smtClean="0"/>
-              <a:t>22/6/2015</a:t>
+              <a:t>28/6/15</a:t>
             </a:fld>
             <a:endParaRPr lang="en-US"/>
           </a:p>
@@ -1663,7 +1845,7 @@
           <a:p>
             <a:fld id="{544FE318-C7DE-4051-894E-ED2E119555D3}" type="datetimeFigureOut">
               <a:rPr lang="en-US" smtClean="0"/>
-              <a:t>22/6/2015</a:t>
+              <a:t>28/6/15</a:t>
             </a:fld>
             <a:endParaRPr lang="en-US"/>
           </a:p>
@@ -1909,7 +2091,7 @@
           <a:p>
             <a:fld id="{544FE318-C7DE-4051-894E-ED2E119555D3}" type="datetimeFigureOut">
               <a:rPr lang="en-US" smtClean="0"/>
-              <a:t>22/6/2015</a:t>
+              <a:t>28/6/15</a:t>
             </a:fld>
             <a:endParaRPr lang="en-US"/>
           </a:p>
@@ -2141,7 +2323,7 @@
           <a:p>
             <a:fld id="{544FE318-C7DE-4051-894E-ED2E119555D3}" type="datetimeFigureOut">
               <a:rPr lang="en-US" smtClean="0"/>
-              <a:t>22/6/2015</a:t>
+              <a:t>28/6/15</a:t>
             </a:fld>
             <a:endParaRPr lang="en-US"/>
           </a:p>
@@ -2508,7 +2690,7 @@
           <a:p>
             <a:fld id="{544FE318-C7DE-4051-894E-ED2E119555D3}" type="datetimeFigureOut">
               <a:rPr lang="en-US" smtClean="0"/>
-              <a:t>22/6/2015</a:t>
+              <a:t>28/6/15</a:t>
             </a:fld>
             <a:endParaRPr lang="en-US"/>
           </a:p>
@@ -2626,7 +2808,7 @@
           <a:p>
             <a:fld id="{544FE318-C7DE-4051-894E-ED2E119555D3}" type="datetimeFigureOut">
               <a:rPr lang="en-US" smtClean="0"/>
-              <a:t>22/6/2015</a:t>
+              <a:t>28/6/15</a:t>
             </a:fld>
             <a:endParaRPr lang="en-US"/>
           </a:p>
@@ -2721,7 +2903,7 @@
           <a:p>
             <a:fld id="{544FE318-C7DE-4051-894E-ED2E119555D3}" type="datetimeFigureOut">
               <a:rPr lang="en-US" smtClean="0"/>
-              <a:t>22/6/2015</a:t>
+              <a:t>28/6/15</a:t>
             </a:fld>
             <a:endParaRPr lang="en-US"/>
           </a:p>
@@ -2998,7 +3180,7 @@
           <a:p>
             <a:fld id="{544FE318-C7DE-4051-894E-ED2E119555D3}" type="datetimeFigureOut">
               <a:rPr lang="en-US" smtClean="0"/>
-              <a:t>22/6/2015</a:t>
+              <a:t>28/6/15</a:t>
             </a:fld>
             <a:endParaRPr lang="en-US"/>
           </a:p>
@@ -3251,7 +3433,7 @@
           <a:p>
             <a:fld id="{544FE318-C7DE-4051-894E-ED2E119555D3}" type="datetimeFigureOut">
               <a:rPr lang="en-US" smtClean="0"/>
-              <a:t>22/6/2015</a:t>
+              <a:t>28/6/15</a:t>
             </a:fld>
             <a:endParaRPr lang="en-US"/>
           </a:p>
@@ -3464,7 +3646,7 @@
           <a:p>
             <a:fld id="{544FE318-C7DE-4051-894E-ED2E119555D3}" type="datetimeFigureOut">
               <a:rPr lang="en-US" smtClean="0"/>
-              <a:t>22/6/2015</a:t>
+              <a:t>28/6/15</a:t>
             </a:fld>
             <a:endParaRPr lang="en-US"/>
           </a:p>
@@ -3928,7 +4110,187 @@
   <p:timing>
     <p:tnLst>
       <p:par>
-        <p:cTn id="1" dur="indefinite" restart="never" nodeType="tmRoot"/>
+        <p:cTn xmlns:p14="http://schemas.microsoft.com/office/powerpoint/2010/main" id="1" dur="indefinite" restart="never" nodeType="tmRoot"/>
+      </p:par>
+    </p:tnLst>
+  </p:timing>
+</p:sld>
+</file>
+
+<file path=ppt/slides/slide10.xml><?xml version="1.0" encoding="utf-8"?>
+<p:sld xmlns:a="http://schemas.openxmlformats.org/drawingml/2006/main" xmlns:r="http://schemas.openxmlformats.org/officeDocument/2006/relationships" xmlns:p="http://schemas.openxmlformats.org/presentationml/2006/main">
+  <p:cSld>
+    <p:bg>
+      <p:bgPr>
+        <a:solidFill>
+          <a:schemeClr val="tx1">
+            <a:lumMod val="85000"/>
+            <a:lumOff val="15000"/>
+          </a:schemeClr>
+        </a:solidFill>
+        <a:effectLst/>
+      </p:bgPr>
+    </p:bg>
+    <p:spTree>
+      <p:nvGrpSpPr>
+        <p:cNvPr id="1" name=""/>
+        <p:cNvGrpSpPr/>
+        <p:nvPr/>
+      </p:nvGrpSpPr>
+      <p:grpSpPr>
+        <a:xfrm>
+          <a:off x="0" y="0"/>
+          <a:ext cx="0" cy="0"/>
+          <a:chOff x="0" y="0"/>
+          <a:chExt cx="0" cy="0"/>
+        </a:xfrm>
+      </p:grpSpPr>
+      <p:sp>
+        <p:nvSpPr>
+          <p:cNvPr id="4" name="TextBox 3"/>
+          <p:cNvSpPr txBox="1"/>
+          <p:nvPr/>
+        </p:nvSpPr>
+        <p:spPr>
+          <a:xfrm>
+            <a:off x="609600" y="3124201"/>
+            <a:ext cx="5257800" cy="523220"/>
+          </a:xfrm>
+          <a:prstGeom prst="rect">
+            <a:avLst/>
+          </a:prstGeom>
+          <a:noFill/>
+        </p:spPr>
+        <p:txBody>
+          <a:bodyPr wrap="square" rtlCol="0">
+            <a:spAutoFit/>
+          </a:bodyPr>
+          <a:lstStyle/>
+          <a:p>
+            <a:r>
+              <a:rPr lang="en-US" sz="2800" b="1" dirty="0" err="1" smtClean="0">
+                <a:solidFill>
+                  <a:schemeClr val="bg1"/>
+                </a:solidFill>
+                <a:latin typeface="Candara" panose="020E0502030303020204" pitchFamily="34" charset="0"/>
+                <a:cs typeface="Iskoola Pota" panose="020B0502040204020203" pitchFamily="34" charset="0"/>
+              </a:rPr>
+              <a:t>jQuery</a:t>
+            </a:r>
+            <a:endParaRPr lang="en-US" sz="2800" b="1" dirty="0">
+              <a:solidFill>
+                <a:schemeClr val="bg1"/>
+              </a:solidFill>
+              <a:latin typeface="Candara" panose="020E0502030303020204" pitchFamily="34" charset="0"/>
+              <a:cs typeface="Iskoola Pota" panose="020B0502040204020203" pitchFamily="34" charset="0"/>
+            </a:endParaRPr>
+          </a:p>
+        </p:txBody>
+      </p:sp>
+    </p:spTree>
+    <p:extLst>
+      <p:ext uri="{BB962C8B-B14F-4D97-AF65-F5344CB8AC3E}">
+        <p14:creationId xmlns:p14="http://schemas.microsoft.com/office/powerpoint/2010/main" val="2813627542"/>
+      </p:ext>
+    </p:extLst>
+  </p:cSld>
+  <p:clrMapOvr>
+    <a:masterClrMapping/>
+  </p:clrMapOvr>
+  <p:timing>
+    <p:tnLst>
+      <p:par>
+        <p:cTn xmlns:p14="http://schemas.microsoft.com/office/powerpoint/2010/main" id="1" dur="indefinite" restart="never" nodeType="tmRoot"/>
+      </p:par>
+    </p:tnLst>
+  </p:timing>
+</p:sld>
+</file>
+
+<file path=ppt/slides/slide11.xml><?xml version="1.0" encoding="utf-8"?>
+<p:sld xmlns:a="http://schemas.openxmlformats.org/drawingml/2006/main" xmlns:r="http://schemas.openxmlformats.org/officeDocument/2006/relationships" xmlns:p="http://schemas.openxmlformats.org/presentationml/2006/main">
+  <p:cSld>
+    <p:bg>
+      <p:bgPr>
+        <a:solidFill>
+          <a:schemeClr val="tx1">
+            <a:lumMod val="85000"/>
+            <a:lumOff val="15000"/>
+          </a:schemeClr>
+        </a:solidFill>
+        <a:effectLst/>
+      </p:bgPr>
+    </p:bg>
+    <p:spTree>
+      <p:nvGrpSpPr>
+        <p:cNvPr id="1" name=""/>
+        <p:cNvGrpSpPr/>
+        <p:nvPr/>
+      </p:nvGrpSpPr>
+      <p:grpSpPr>
+        <a:xfrm>
+          <a:off x="0" y="0"/>
+          <a:ext cx="0" cy="0"/>
+          <a:chOff x="0" y="0"/>
+          <a:chExt cx="0" cy="0"/>
+        </a:xfrm>
+      </p:grpSpPr>
+      <p:sp>
+        <p:nvSpPr>
+          <p:cNvPr id="4" name="TextBox 3"/>
+          <p:cNvSpPr txBox="1"/>
+          <p:nvPr/>
+        </p:nvSpPr>
+        <p:spPr>
+          <a:xfrm>
+            <a:off x="609600" y="3124201"/>
+            <a:ext cx="5257800" cy="523220"/>
+          </a:xfrm>
+          <a:prstGeom prst="rect">
+            <a:avLst/>
+          </a:prstGeom>
+          <a:noFill/>
+        </p:spPr>
+        <p:txBody>
+          <a:bodyPr wrap="square" rtlCol="0">
+            <a:spAutoFit/>
+          </a:bodyPr>
+          <a:lstStyle/>
+          <a:p>
+            <a:r>
+              <a:rPr lang="en-US" sz="2800" b="1" dirty="0" smtClean="0">
+                <a:solidFill>
+                  <a:schemeClr val="bg1"/>
+                </a:solidFill>
+                <a:latin typeface="Candara" panose="020E0502030303020204" pitchFamily="34" charset="0"/>
+                <a:cs typeface="Iskoola Pota" panose="020B0502040204020203" pitchFamily="34" charset="0"/>
+              </a:rPr>
+              <a:t>Other JS frameworks</a:t>
+            </a:r>
+            <a:endParaRPr lang="en-US" sz="2800" b="1" dirty="0">
+              <a:solidFill>
+                <a:schemeClr val="bg1"/>
+              </a:solidFill>
+              <a:latin typeface="Candara" panose="020E0502030303020204" pitchFamily="34" charset="0"/>
+              <a:cs typeface="Iskoola Pota" panose="020B0502040204020203" pitchFamily="34" charset="0"/>
+            </a:endParaRPr>
+          </a:p>
+        </p:txBody>
+      </p:sp>
+    </p:spTree>
+    <p:extLst>
+      <p:ext uri="{BB962C8B-B14F-4D97-AF65-F5344CB8AC3E}">
+        <p14:creationId xmlns:p14="http://schemas.microsoft.com/office/powerpoint/2010/main" val="207097700"/>
+      </p:ext>
+    </p:extLst>
+  </p:cSld>
+  <p:clrMapOvr>
+    <a:masterClrMapping/>
+  </p:clrMapOvr>
+  <p:timing>
+    <p:tnLst>
+      <p:par>
+        <p:cTn xmlns:p14="http://schemas.microsoft.com/office/powerpoint/2010/main" id="1" dur="indefinite" restart="never" nodeType="tmRoot"/>
       </p:par>
     </p:tnLst>
   </p:timing>
@@ -3989,12 +4351,6 @@
               </a:rPr>
               <a:t>JAVASCRIPT</a:t>
             </a:r>
-            <a:endParaRPr lang="en-US" sz="1600" b="1" dirty="0">
-              <a:solidFill>
-                <a:schemeClr val="bg1"/>
-              </a:solidFill>
-              <a:latin typeface="Candara" panose="020E0502030303020204" pitchFamily="34" charset="0"/>
-            </a:endParaRPr>
           </a:p>
         </p:txBody>
       </p:sp>
@@ -4032,12 +4388,6 @@
               </a:rPr>
               <a:t>INTRO</a:t>
             </a:r>
-            <a:endParaRPr lang="en-US" sz="1600" b="1" dirty="0">
-              <a:solidFill>
-                <a:schemeClr val="bg1"/>
-              </a:solidFill>
-              <a:latin typeface="Candara" panose="020E0502030303020204" pitchFamily="34" charset="0"/>
-            </a:endParaRPr>
           </a:p>
         </p:txBody>
       </p:sp>
@@ -4050,7 +4400,7 @@
         <p:spPr>
           <a:xfrm>
             <a:off x="1676403" y="1066803"/>
-            <a:ext cx="6315447" cy="4247317"/>
+            <a:ext cx="6314549" cy="4985981"/>
           </a:xfrm>
           <a:prstGeom prst="rect">
             <a:avLst/>
@@ -4071,7 +4421,7 @@
               <a:buChar char="•"/>
             </a:pPr>
             <a:r>
-              <a:rPr lang="en-US" dirty="0">
+              <a:rPr lang="en-US" dirty="0" smtClean="0">
                 <a:solidFill>
                   <a:schemeClr val="tx1">
                     <a:lumMod val="75000"/>
@@ -4080,8 +4430,74 @@
                 </a:solidFill>
                 <a:latin typeface="Candara" panose="020E0502030303020204" pitchFamily="34" charset="0"/>
               </a:rPr>
-              <a:t>Originally LiveScript developed by Netscape</a:t>
-            </a:r>
+              <a:t>Originally </a:t>
+            </a:r>
+            <a:r>
+              <a:rPr lang="en-US" dirty="0">
+                <a:solidFill>
+                  <a:schemeClr val="tx1">
+                    <a:lumMod val="75000"/>
+                    <a:lumOff val="25000"/>
+                  </a:schemeClr>
+                </a:solidFill>
+                <a:latin typeface="Candara" panose="020E0502030303020204" pitchFamily="34" charset="0"/>
+              </a:rPr>
+              <a:t>LiveScript developed by </a:t>
+            </a:r>
+            <a:r>
+              <a:rPr lang="en-US" dirty="0" smtClean="0">
+                <a:solidFill>
+                  <a:schemeClr val="tx1">
+                    <a:lumMod val="75000"/>
+                    <a:lumOff val="25000"/>
+                  </a:schemeClr>
+                </a:solidFill>
+                <a:latin typeface="Candara" panose="020E0502030303020204" pitchFamily="34" charset="0"/>
+              </a:rPr>
+              <a:t>Netscape</a:t>
+            </a:r>
+          </a:p>
+          <a:p>
+            <a:pPr marL="285744" indent="-285744">
+              <a:lnSpc>
+                <a:spcPct val="300000"/>
+              </a:lnSpc>
+              <a:buFont typeface="Arial" panose="020B0604020202020204" pitchFamily="34" charset="0"/>
+              <a:buChar char="•"/>
+            </a:pPr>
+            <a:r>
+              <a:rPr lang="en-US" dirty="0" smtClean="0">
+                <a:solidFill>
+                  <a:schemeClr val="tx1">
+                    <a:lumMod val="75000"/>
+                    <a:lumOff val="25000"/>
+                  </a:schemeClr>
+                </a:solidFill>
+                <a:latin typeface="Candara" panose="020E0502030303020204" pitchFamily="34" charset="0"/>
+              </a:rPr>
+              <a:t>Invented by Brendan </a:t>
+            </a:r>
+            <a:r>
+              <a:rPr lang="en-US" dirty="0" err="1" smtClean="0">
+                <a:solidFill>
+                  <a:schemeClr val="tx1">
+                    <a:lumMod val="75000"/>
+                    <a:lumOff val="25000"/>
+                  </a:schemeClr>
+                </a:solidFill>
+                <a:latin typeface="Candara" panose="020E0502030303020204" pitchFamily="34" charset="0"/>
+              </a:rPr>
+              <a:t>Eich</a:t>
+            </a:r>
+            <a:endParaRPr lang="en-US" dirty="0">
+              <a:solidFill>
+                <a:schemeClr val="tx1">
+                  <a:lumMod val="75000"/>
+                  <a:lumOff val="25000"/>
+                </a:schemeClr>
+              </a:solidFill>
+              <a:latin typeface="Candara" panose="020E0502030303020204" pitchFamily="34" charset="0"/>
+            </a:endParaRPr>
           </a:p>
           <a:p>
             <a:pPr marL="285744" indent="-285744">
@@ -4215,7 +4631,7 @@
   <p:timing>
     <p:tnLst>
       <p:par>
-        <p:cTn id="1" dur="indefinite" restart="never" nodeType="tmRoot"/>
+        <p:cTn xmlns:p14="http://schemas.microsoft.com/office/powerpoint/2010/main" id="1" dur="indefinite" restart="never" nodeType="tmRoot"/>
       </p:par>
     </p:tnLst>
   </p:timing>
@@ -4276,12 +4692,6 @@
               </a:rPr>
               <a:t>JAVASCRIPT</a:t>
             </a:r>
-            <a:endParaRPr lang="en-US" sz="1600" b="1" dirty="0">
-              <a:solidFill>
-                <a:schemeClr val="bg1"/>
-              </a:solidFill>
-              <a:latin typeface="Candara" panose="020E0502030303020204" pitchFamily="34" charset="0"/>
-            </a:endParaRPr>
           </a:p>
         </p:txBody>
       </p:sp>
@@ -4319,12 +4729,6 @@
               </a:rPr>
               <a:t>LIFECYCLE</a:t>
             </a:r>
-            <a:endParaRPr lang="en-US" sz="1600" b="1" dirty="0">
-              <a:solidFill>
-                <a:schemeClr val="bg1"/>
-              </a:solidFill>
-              <a:latin typeface="Candara" panose="020E0502030303020204" pitchFamily="34" charset="0"/>
-            </a:endParaRPr>
           </a:p>
         </p:txBody>
       </p:sp>
@@ -4359,7 +4763,7 @@
           </a:prstGeom>
           <a:noFill/>
           <a:extLst>
-            <a:ext uri="{909E8E84-426E-40DD-AFC4-6F175D3DCCD1}">
+            <a:ext uri="{909E8E84-426E-40dd-AFC4-6F175D3DCCD1}">
               <a14:hiddenFill xmlns:a14="http://schemas.microsoft.com/office/drawing/2010/main">
                 <a:solidFill>
                   <a:srgbClr val="FFFFFF"/>
@@ -4382,7 +4786,7 @@
   <p:timing>
     <p:tnLst>
       <p:par>
-        <p:cTn id="1" dur="indefinite" restart="never" nodeType="tmRoot"/>
+        <p:cTn xmlns:p14="http://schemas.microsoft.com/office/powerpoint/2010/main" id="1" dur="indefinite" restart="never" nodeType="tmRoot"/>
       </p:par>
     </p:tnLst>
   </p:timing>
@@ -4443,12 +4847,6 @@
               </a:rPr>
               <a:t>JAVASCRIPT</a:t>
             </a:r>
-            <a:endParaRPr lang="en-US" sz="1600" b="1" dirty="0">
-              <a:solidFill>
-                <a:schemeClr val="bg1"/>
-              </a:solidFill>
-              <a:latin typeface="Candara" panose="020E0502030303020204" pitchFamily="34" charset="0"/>
-            </a:endParaRPr>
           </a:p>
         </p:txBody>
       </p:sp>
@@ -4486,12 +4884,6 @@
               </a:rPr>
               <a:t>DOM</a:t>
             </a:r>
-            <a:endParaRPr lang="en-US" sz="1600" b="1" dirty="0">
-              <a:solidFill>
-                <a:schemeClr val="bg1"/>
-              </a:solidFill>
-              <a:latin typeface="Candara" panose="020E0502030303020204" pitchFamily="34" charset="0"/>
-            </a:endParaRPr>
           </a:p>
         </p:txBody>
       </p:sp>
@@ -4583,15 +4975,6 @@
               </a:rPr>
               <a:t>is constructed as a tree of Objects and allows dynamic HTML/CSS document manipulation.</a:t>
             </a:r>
-            <a:endParaRPr lang="en-US" dirty="0">
-              <a:solidFill>
-                <a:schemeClr val="tx1">
-                  <a:lumMod val="65000"/>
-                  <a:lumOff val="35000"/>
-                </a:schemeClr>
-              </a:solidFill>
-              <a:latin typeface="Candara" panose="020E0502030303020204" pitchFamily="34" charset="0"/>
-            </a:endParaRPr>
           </a:p>
         </p:txBody>
       </p:sp>
@@ -4635,12 +5018,6 @@
               </a:rPr>
               <a:t> can access all the nodes in the tree</a:t>
             </a:r>
-            <a:endParaRPr lang="en-US" sz="1600" dirty="0">
-              <a:solidFill>
-                <a:schemeClr val="accent2"/>
-              </a:solidFill>
-              <a:latin typeface="Candara" panose="020E0502030303020204" pitchFamily="34" charset="0"/>
-            </a:endParaRPr>
           </a:p>
         </p:txBody>
       </p:sp>
@@ -4657,7 +5034,7 @@
   <p:timing>
     <p:tnLst>
       <p:par>
-        <p:cTn id="1" dur="indefinite" restart="never" nodeType="tmRoot"/>
+        <p:cTn xmlns:p14="http://schemas.microsoft.com/office/powerpoint/2010/main" id="1" dur="indefinite" restart="never" nodeType="tmRoot"/>
       </p:par>
     </p:tnLst>
   </p:timing>
@@ -4718,12 +5095,6 @@
               </a:rPr>
               <a:t>JAVASCRIPT</a:t>
             </a:r>
-            <a:endParaRPr lang="en-US" sz="1600" b="1" dirty="0">
-              <a:solidFill>
-                <a:schemeClr val="bg1"/>
-              </a:solidFill>
-              <a:latin typeface="Candara" panose="020E0502030303020204" pitchFamily="34" charset="0"/>
-            </a:endParaRPr>
           </a:p>
         </p:txBody>
       </p:sp>
@@ -4761,12 +5132,6 @@
               </a:rPr>
               <a:t>ADDING IT TO PAGE</a:t>
             </a:r>
-            <a:endParaRPr lang="en-US" sz="1600" b="1" dirty="0">
-              <a:solidFill>
-                <a:schemeClr val="bg1"/>
-              </a:solidFill>
-              <a:latin typeface="Candara" panose="020E0502030303020204" pitchFamily="34" charset="0"/>
-            </a:endParaRPr>
           </a:p>
         </p:txBody>
       </p:sp>
@@ -4804,15 +5169,6 @@
               </a:rPr>
               <a:t>Inline</a:t>
             </a:r>
-            <a:endParaRPr lang="en-US" b="1" dirty="0">
-              <a:solidFill>
-                <a:schemeClr val="tx1">
-                  <a:lumMod val="65000"/>
-                  <a:lumOff val="35000"/>
-                </a:schemeClr>
-              </a:solidFill>
-              <a:latin typeface="Candara" panose="020E0502030303020204" pitchFamily="34" charset="0"/>
-            </a:endParaRPr>
           </a:p>
         </p:txBody>
       </p:sp>
@@ -4850,15 +5206,6 @@
               </a:rPr>
               <a:t>External File</a:t>
             </a:r>
-            <a:endParaRPr lang="en-US" b="1" dirty="0">
-              <a:solidFill>
-                <a:schemeClr val="tx1">
-                  <a:lumMod val="65000"/>
-                  <a:lumOff val="35000"/>
-                </a:schemeClr>
-              </a:solidFill>
-              <a:latin typeface="Candara" panose="020E0502030303020204" pitchFamily="34" charset="0"/>
-            </a:endParaRPr>
           </a:p>
         </p:txBody>
       </p:sp>
@@ -4951,12 +5298,6 @@
               </a:rPr>
               <a:t>&lt;/script&gt;</a:t>
             </a:r>
-            <a:endParaRPr lang="en-US" dirty="0">
-              <a:solidFill>
-                <a:schemeClr val="accent2"/>
-              </a:solidFill>
-              <a:latin typeface="Candara" panose="020E0502030303020204" pitchFamily="34" charset="0"/>
-            </a:endParaRPr>
           </a:p>
         </p:txBody>
       </p:sp>
@@ -5043,7 +5384,7 @@
   <p:timing>
     <p:tnLst>
       <p:par>
-        <p:cTn id="1" dur="indefinite" restart="never" nodeType="tmRoot"/>
+        <p:cTn xmlns:p14="http://schemas.microsoft.com/office/powerpoint/2010/main" id="1" dur="indefinite" restart="never" nodeType="tmRoot"/>
       </p:par>
     </p:tnLst>
   </p:timing>
@@ -5104,6 +5445,43 @@
               </a:rPr>
               <a:t>JAVASCRIPT</a:t>
             </a:r>
+          </a:p>
+        </p:txBody>
+      </p:sp>
+      <p:sp>
+        <p:nvSpPr>
+          <p:cNvPr id="4" name="TextBox 3"/>
+          <p:cNvSpPr txBox="1"/>
+          <p:nvPr/>
+        </p:nvSpPr>
+        <p:spPr>
+          <a:xfrm>
+            <a:off x="7837715" y="159446"/>
+            <a:ext cx="1313662" cy="338554"/>
+          </a:xfrm>
+          <a:prstGeom prst="rect">
+            <a:avLst/>
+          </a:prstGeom>
+          <a:solidFill>
+            <a:schemeClr val="accent5"/>
+          </a:solidFill>
+        </p:spPr>
+        <p:txBody>
+          <a:bodyPr wrap="square" rtlCol="0">
+            <a:spAutoFit/>
+          </a:bodyPr>
+          <a:lstStyle/>
+          <a:p>
+            <a:pPr algn="ctr"/>
+            <a:r>
+              <a:rPr lang="en-US" sz="1600" b="1" dirty="0" smtClean="0">
+                <a:solidFill>
+                  <a:schemeClr val="bg1"/>
+                </a:solidFill>
+                <a:latin typeface="Candara" panose="020E0502030303020204" pitchFamily="34" charset="0"/>
+              </a:rPr>
+              <a:t>CONSOLE</a:t>
+            </a:r>
             <a:endParaRPr lang="en-US" sz="1600" b="1" dirty="0">
               <a:solidFill>
                 <a:schemeClr val="bg1"/>
@@ -5115,57 +5493,14 @@
       </p:sp>
       <p:sp>
         <p:nvSpPr>
-          <p:cNvPr id="4" name="TextBox 3"/>
+          <p:cNvPr id="2" name="TextBox 1"/>
           <p:cNvSpPr txBox="1"/>
           <p:nvPr/>
         </p:nvSpPr>
         <p:spPr>
           <a:xfrm>
-            <a:off x="8305803" y="159446"/>
-            <a:ext cx="845573" cy="338554"/>
-          </a:xfrm>
-          <a:prstGeom prst="rect">
-            <a:avLst/>
-          </a:prstGeom>
-          <a:solidFill>
-            <a:schemeClr val="accent5"/>
-          </a:solidFill>
-        </p:spPr>
-        <p:txBody>
-          <a:bodyPr wrap="square" rtlCol="0">
-            <a:spAutoFit/>
-          </a:bodyPr>
-          <a:lstStyle/>
-          <a:p>
-            <a:pPr algn="ctr"/>
-            <a:r>
-              <a:rPr lang="en-US" sz="1600" b="1" dirty="0">
-                <a:solidFill>
-                  <a:schemeClr val="bg1"/>
-                </a:solidFill>
-                <a:latin typeface="Candara" panose="020E0502030303020204" pitchFamily="34" charset="0"/>
-              </a:rPr>
-              <a:t>HTML </a:t>
-            </a:r>
-            <a:endParaRPr lang="en-US" sz="1600" b="1" dirty="0">
-              <a:solidFill>
-                <a:schemeClr val="bg1"/>
-              </a:solidFill>
-              <a:latin typeface="Candara" panose="020E0502030303020204" pitchFamily="34" charset="0"/>
-            </a:endParaRPr>
-          </a:p>
-        </p:txBody>
-      </p:sp>
-      <p:sp>
-        <p:nvSpPr>
-          <p:cNvPr id="6" name="TextBox 5"/>
-          <p:cNvSpPr txBox="1"/>
-          <p:nvPr/>
-        </p:nvSpPr>
-        <p:spPr>
-          <a:xfrm>
-            <a:off x="1600203" y="1066803"/>
-            <a:ext cx="4564711" cy="3477875"/>
+            <a:off x="2818191" y="1185333"/>
+            <a:ext cx="2696321" cy="369332"/>
           </a:xfrm>
           <a:prstGeom prst="rect">
             <a:avLst/>
@@ -5179,206 +5514,129 @@
           <a:lstStyle/>
           <a:p>
             <a:r>
-              <a:rPr lang="en-US" sz="2000" dirty="0">
-                <a:solidFill>
-                  <a:schemeClr val="tx1">
-                    <a:lumMod val="65000"/>
-                    <a:lumOff val="35000"/>
-                  </a:schemeClr>
-                </a:solidFill>
-                <a:latin typeface="Candara" panose="020E0502030303020204" pitchFamily="34" charset="0"/>
+              <a:rPr lang="en-US" dirty="0" err="1" smtClean="0">
+                <a:solidFill>
+                  <a:srgbClr val="CC3333"/>
+                </a:solidFill>
               </a:rPr>
-              <a:t>&lt;!DOCTYPE html&gt;</a:t>
-            </a:r>
-          </a:p>
-          <a:p>
-            <a:r>
-              <a:rPr lang="en-US" sz="2000" dirty="0">
-                <a:solidFill>
-                  <a:schemeClr val="tx1">
-                    <a:lumMod val="65000"/>
-                    <a:lumOff val="35000"/>
-                  </a:schemeClr>
-                </a:solidFill>
-                <a:latin typeface="Candara" panose="020E0502030303020204" pitchFamily="34" charset="0"/>
+              <a:t>console.log</a:t>
+            </a:r>
+            <a:r>
+              <a:rPr lang="en-US" dirty="0" smtClean="0">
+                <a:solidFill>
+                  <a:srgbClr val="CC3333"/>
+                </a:solidFill>
               </a:rPr>
-              <a:t>&lt;html&gt;</a:t>
-            </a:r>
-          </a:p>
-          <a:p>
-            <a:r>
-              <a:rPr lang="en-US" sz="2000" dirty="0">
-                <a:solidFill>
-                  <a:schemeClr val="tx1">
-                    <a:lumMod val="65000"/>
-                    <a:lumOff val="35000"/>
-                  </a:schemeClr>
-                </a:solidFill>
-                <a:latin typeface="Candara" panose="020E0502030303020204" pitchFamily="34" charset="0"/>
-              </a:rPr>
-              <a:t>&lt;head&gt;</a:t>
-            </a:r>
-          </a:p>
-          <a:p>
-            <a:r>
-              <a:rPr lang="en-US" sz="2000" dirty="0">
-                <a:solidFill>
-                  <a:schemeClr val="tx1">
-                    <a:lumMod val="65000"/>
-                    <a:lumOff val="35000"/>
-                  </a:schemeClr>
-                </a:solidFill>
-                <a:latin typeface="Candara" panose="020E0502030303020204" pitchFamily="34" charset="0"/>
-              </a:rPr>
-              <a:t>	&lt;title&gt;Hello World&lt;/title&gt;</a:t>
-            </a:r>
-          </a:p>
-          <a:p>
-            <a:r>
-              <a:rPr lang="en-US" sz="2000" dirty="0">
-                <a:solidFill>
-                  <a:schemeClr val="tx1">
-                    <a:lumMod val="65000"/>
-                    <a:lumOff val="35000"/>
-                  </a:schemeClr>
-                </a:solidFill>
-                <a:latin typeface="Candara" panose="020E0502030303020204" pitchFamily="34" charset="0"/>
-              </a:rPr>
-              <a:t>&lt;/head&gt;</a:t>
-            </a:r>
-          </a:p>
-          <a:p>
-            <a:r>
-              <a:rPr lang="en-US" sz="2000" dirty="0">
-                <a:solidFill>
-                  <a:schemeClr val="tx1">
-                    <a:lumMod val="65000"/>
-                    <a:lumOff val="35000"/>
-                  </a:schemeClr>
-                </a:solidFill>
-                <a:latin typeface="Candara" panose="020E0502030303020204" pitchFamily="34" charset="0"/>
-              </a:rPr>
-              <a:t>&lt;body&gt;</a:t>
-            </a:r>
-          </a:p>
-          <a:p>
-            <a:r>
-              <a:rPr lang="en-US" sz="2000" dirty="0">
-                <a:solidFill>
-                  <a:schemeClr val="tx1">
-                    <a:lumMod val="65000"/>
-                    <a:lumOff val="35000"/>
-                  </a:schemeClr>
-                </a:solidFill>
-                <a:latin typeface="Candara" panose="020E0502030303020204" pitchFamily="34" charset="0"/>
-              </a:rPr>
-              <a:t>&lt;script type="text/</a:t>
-            </a:r>
-            <a:r>
-              <a:rPr lang="en-US" sz="2000" dirty="0" err="1">
-                <a:solidFill>
-                  <a:schemeClr val="tx1">
-                    <a:lumMod val="65000"/>
-                    <a:lumOff val="35000"/>
-                  </a:schemeClr>
-                </a:solidFill>
-                <a:latin typeface="Candara" panose="020E0502030303020204" pitchFamily="34" charset="0"/>
-              </a:rPr>
-              <a:t>javascript</a:t>
-            </a:r>
-            <a:r>
-              <a:rPr lang="en-US" sz="2000" dirty="0">
-                <a:solidFill>
-                  <a:schemeClr val="tx1">
-                    <a:lumMod val="65000"/>
-                    <a:lumOff val="35000"/>
-                  </a:schemeClr>
-                </a:solidFill>
-                <a:latin typeface="Candara" panose="020E0502030303020204" pitchFamily="34" charset="0"/>
-              </a:rPr>
-              <a:t>"&gt;</a:t>
-            </a:r>
-          </a:p>
-          <a:p>
-            <a:r>
-              <a:rPr lang="en-US" sz="2000" dirty="0">
-                <a:solidFill>
-                  <a:schemeClr val="tx1">
-                    <a:lumMod val="65000"/>
-                    <a:lumOff val="35000"/>
-                  </a:schemeClr>
-                </a:solidFill>
-                <a:latin typeface="Candara" panose="020E0502030303020204" pitchFamily="34" charset="0"/>
-              </a:rPr>
-              <a:t>	</a:t>
-            </a:r>
-            <a:r>
-              <a:rPr lang="en-US" sz="2000" dirty="0" err="1">
-                <a:solidFill>
-                  <a:schemeClr val="accent2"/>
-                </a:solidFill>
-                <a:latin typeface="Candara" panose="020E0502030303020204" pitchFamily="34" charset="0"/>
-              </a:rPr>
-              <a:t>document.write</a:t>
-            </a:r>
-            <a:r>
-              <a:rPr lang="en-US" sz="2000" dirty="0">
-                <a:solidFill>
-                  <a:schemeClr val="accent2"/>
-                </a:solidFill>
-                <a:latin typeface="Candara" panose="020E0502030303020204" pitchFamily="34" charset="0"/>
-              </a:rPr>
-              <a:t>('hello, world!');</a:t>
-            </a:r>
-          </a:p>
-          <a:p>
-            <a:r>
-              <a:rPr lang="en-US" sz="2000" dirty="0">
-                <a:solidFill>
-                  <a:schemeClr val="tx1">
-                    <a:lumMod val="65000"/>
-                    <a:lumOff val="35000"/>
-                  </a:schemeClr>
-                </a:solidFill>
-                <a:latin typeface="Candara" panose="020E0502030303020204" pitchFamily="34" charset="0"/>
-              </a:rPr>
-              <a:t>&lt;/script&gt;</a:t>
-            </a:r>
-          </a:p>
-          <a:p>
-            <a:r>
-              <a:rPr lang="en-US" sz="2000" dirty="0">
-                <a:solidFill>
-                  <a:schemeClr val="tx1">
-                    <a:lumMod val="65000"/>
-                    <a:lumOff val="35000"/>
-                  </a:schemeClr>
-                </a:solidFill>
-                <a:latin typeface="Candara" panose="020E0502030303020204" pitchFamily="34" charset="0"/>
-              </a:rPr>
-              <a:t>&lt;/body&gt;</a:t>
-            </a:r>
-          </a:p>
-          <a:p>
-            <a:r>
-              <a:rPr lang="en-US" sz="2000" dirty="0">
-                <a:solidFill>
-                  <a:schemeClr val="tx1">
-                    <a:lumMod val="65000"/>
-                    <a:lumOff val="35000"/>
-                  </a:schemeClr>
-                </a:solidFill>
-                <a:latin typeface="Candara" panose="020E0502030303020204" pitchFamily="34" charset="0"/>
-              </a:rPr>
-              <a:t>&lt;/html&gt;</a:t>
-            </a:r>
-          </a:p>
-        </p:txBody>
-      </p:sp>
+              <a:t>(‘hello world!’);</a:t>
+            </a:r>
+            <a:endParaRPr lang="en-US" dirty="0">
+              <a:solidFill>
+                <a:srgbClr val="CC3333"/>
+              </a:solidFill>
+            </a:endParaRPr>
+          </a:p>
+        </p:txBody>
+      </p:sp>
+      <p:sp>
+        <p:nvSpPr>
+          <p:cNvPr id="8" name="TextBox 7"/>
+          <p:cNvSpPr txBox="1"/>
+          <p:nvPr/>
+        </p:nvSpPr>
+        <p:spPr>
+          <a:xfrm>
+            <a:off x="2922210" y="4833258"/>
+            <a:ext cx="3000303" cy="369332"/>
+          </a:xfrm>
+          <a:prstGeom prst="rect">
+            <a:avLst/>
+          </a:prstGeom>
+          <a:noFill/>
+        </p:spPr>
+        <p:txBody>
+          <a:bodyPr wrap="none" rtlCol="0">
+            <a:spAutoFit/>
+          </a:bodyPr>
+          <a:lstStyle/>
+          <a:p>
+            <a:r>
+              <a:rPr lang="en-US" dirty="0" err="1"/>
+              <a:t>c</a:t>
+            </a:r>
+            <a:r>
+              <a:rPr lang="en-US" dirty="0" err="1" smtClean="0"/>
+              <a:t>onsole.debug</a:t>
+            </a:r>
+            <a:r>
+              <a:rPr lang="en-US" dirty="0" smtClean="0"/>
+              <a:t>(‘hello world!’);</a:t>
+            </a:r>
+            <a:endParaRPr lang="en-US" dirty="0"/>
+          </a:p>
+        </p:txBody>
+      </p:sp>
+      <p:sp>
+        <p:nvSpPr>
+          <p:cNvPr id="9" name="TextBox 8"/>
+          <p:cNvSpPr txBox="1"/>
+          <p:nvPr/>
+        </p:nvSpPr>
+        <p:spPr>
+          <a:xfrm>
+            <a:off x="2989943" y="5360610"/>
+            <a:ext cx="2890973" cy="369332"/>
+          </a:xfrm>
+          <a:prstGeom prst="rect">
+            <a:avLst/>
+          </a:prstGeom>
+          <a:noFill/>
+        </p:spPr>
+        <p:txBody>
+          <a:bodyPr wrap="none" rtlCol="0">
+            <a:spAutoFit/>
+          </a:bodyPr>
+          <a:lstStyle/>
+          <a:p>
+            <a:r>
+              <a:rPr lang="en-US" dirty="0" err="1" smtClean="0"/>
+              <a:t>console.error</a:t>
+            </a:r>
+            <a:r>
+              <a:rPr lang="en-US" dirty="0" smtClean="0"/>
+              <a:t>(‘hello world!’);</a:t>
+            </a:r>
+            <a:endParaRPr lang="en-US" dirty="0"/>
+          </a:p>
+        </p:txBody>
+      </p:sp>
+      <p:pic>
+        <p:nvPicPr>
+          <p:cNvPr id="11" name="Picture 10"/>
+          <p:cNvPicPr>
+            <a:picLocks noChangeAspect="1"/>
+          </p:cNvPicPr>
+          <p:nvPr/>
+        </p:nvPicPr>
+        <p:blipFill>
+          <a:blip r:embed="rId3"/>
+          <a:stretch>
+            <a:fillRect/>
+          </a:stretch>
+        </p:blipFill>
+        <p:spPr>
+          <a:xfrm>
+            <a:off x="723900" y="2311400"/>
+            <a:ext cx="7683500" cy="2222500"/>
+          </a:xfrm>
+          <a:prstGeom prst="rect">
+            <a:avLst/>
+          </a:prstGeom>
+        </p:spPr>
+      </p:pic>
     </p:spTree>
     <p:extLst>
       <p:ext uri="{BB962C8B-B14F-4D97-AF65-F5344CB8AC3E}">
-        <p14:creationId xmlns:p14="http://schemas.microsoft.com/office/powerpoint/2010/main" val="3477953400"/>
+        <p14:creationId xmlns:p14="http://schemas.microsoft.com/office/powerpoint/2010/main" val="1067508998"/>
       </p:ext>
     </p:extLst>
   </p:cSld>
@@ -5388,7 +5646,7 @@
   <p:timing>
     <p:tnLst>
       <p:par>
-        <p:cTn id="1" dur="indefinite" restart="never" nodeType="tmRoot"/>
+        <p:cTn xmlns:p14="http://schemas.microsoft.com/office/powerpoint/2010/main" id="1" dur="indefinite" restart="never" nodeType="tmRoot"/>
       </p:par>
     </p:tnLst>
   </p:timing>
@@ -5449,12 +5707,6 @@
               </a:rPr>
               <a:t>JAVASCRIPT</a:t>
             </a:r>
-            <a:endParaRPr lang="en-US" sz="1600" b="1" dirty="0">
-              <a:solidFill>
-                <a:schemeClr val="bg1"/>
-              </a:solidFill>
-              <a:latin typeface="Candara" panose="020E0502030303020204" pitchFamily="34" charset="0"/>
-            </a:endParaRPr>
           </a:p>
         </p:txBody>
       </p:sp>
@@ -5466,8 +5718,8 @@
         </p:nvSpPr>
         <p:spPr>
           <a:xfrm>
-            <a:off x="8229603" y="159446"/>
-            <a:ext cx="921773" cy="338554"/>
+            <a:off x="8305803" y="159446"/>
+            <a:ext cx="845573" cy="338554"/>
           </a:xfrm>
           <a:prstGeom prst="rect">
             <a:avLst/>
@@ -5490,93 +5742,265 @@
                 </a:solidFill>
                 <a:latin typeface="Candara" panose="020E0502030303020204" pitchFamily="34" charset="0"/>
               </a:rPr>
-              <a:t>EVENTS</a:t>
-            </a:r>
-            <a:endParaRPr lang="en-US" sz="1600" b="1" dirty="0">
-              <a:solidFill>
-                <a:schemeClr val="bg1"/>
-              </a:solidFill>
-              <a:latin typeface="Candara" panose="020E0502030303020204" pitchFamily="34" charset="0"/>
-            </a:endParaRPr>
-          </a:p>
-        </p:txBody>
-      </p:sp>
-      <p:sp>
-        <p:nvSpPr>
-          <p:cNvPr id="5" name="Rectangle 4"/>
-          <p:cNvSpPr/>
+              <a:t>HTML </a:t>
+            </a:r>
+          </a:p>
+        </p:txBody>
+      </p:sp>
+      <p:sp>
+        <p:nvSpPr>
+          <p:cNvPr id="6" name="TextBox 5"/>
+          <p:cNvSpPr txBox="1"/>
           <p:nvPr/>
         </p:nvSpPr>
         <p:spPr>
           <a:xfrm>
-            <a:off x="304800" y="1657483"/>
-            <a:ext cx="7315200" cy="1477328"/>
+            <a:off x="1600203" y="1066803"/>
+            <a:ext cx="4564711" cy="3477875"/>
           </a:xfrm>
           <a:prstGeom prst="rect">
             <a:avLst/>
           </a:prstGeom>
-        </p:spPr>
-        <p:txBody>
-          <a:bodyPr wrap="square">
+          <a:noFill/>
+        </p:spPr>
+        <p:txBody>
+          <a:bodyPr wrap="none" rtlCol="0">
             <a:spAutoFit/>
           </a:bodyPr>
           <a:lstStyle/>
           <a:p>
             <a:r>
-              <a:rPr lang="en-US" dirty="0"/>
+              <a:rPr lang="en-US" sz="2000" dirty="0">
+                <a:solidFill>
+                  <a:schemeClr val="tx1">
+                    <a:lumMod val="65000"/>
+                    <a:lumOff val="35000"/>
+                  </a:schemeClr>
+                </a:solidFill>
+                <a:latin typeface="Candara" panose="020E0502030303020204" pitchFamily="34" charset="0"/>
+              </a:rPr>
+              <a:t>&lt;!DOCTYPE html&gt;</a:t>
+            </a:r>
+          </a:p>
+          <a:p>
+            <a:r>
+              <a:rPr lang="en-US" sz="2000" dirty="0">
+                <a:solidFill>
+                  <a:schemeClr val="tx1">
+                    <a:lumMod val="65000"/>
+                    <a:lumOff val="35000"/>
+                  </a:schemeClr>
+                </a:solidFill>
+                <a:latin typeface="Candara" panose="020E0502030303020204" pitchFamily="34" charset="0"/>
+              </a:rPr>
+              <a:t>&lt;html&gt;</a:t>
+            </a:r>
+          </a:p>
+          <a:p>
+            <a:r>
+              <a:rPr lang="en-US" sz="2000" dirty="0">
+                <a:solidFill>
+                  <a:schemeClr val="tx1">
+                    <a:lumMod val="65000"/>
+                    <a:lumOff val="35000"/>
+                  </a:schemeClr>
+                </a:solidFill>
+                <a:latin typeface="Candara" panose="020E0502030303020204" pitchFamily="34" charset="0"/>
+              </a:rPr>
+              <a:t>&lt;head&gt;</a:t>
+            </a:r>
+          </a:p>
+          <a:p>
+            <a:r>
+              <a:rPr lang="en-US" sz="2000" dirty="0">
+                <a:solidFill>
+                  <a:schemeClr val="tx1">
+                    <a:lumMod val="65000"/>
+                    <a:lumOff val="35000"/>
+                  </a:schemeClr>
+                </a:solidFill>
+                <a:latin typeface="Candara" panose="020E0502030303020204" pitchFamily="34" charset="0"/>
+              </a:rPr>
+              <a:t>	&lt;title&gt;Hello World&lt;/title&gt;</a:t>
+            </a:r>
+          </a:p>
+          <a:p>
+            <a:r>
+              <a:rPr lang="en-US" sz="2000" dirty="0">
+                <a:solidFill>
+                  <a:schemeClr val="tx1">
+                    <a:lumMod val="65000"/>
+                    <a:lumOff val="35000"/>
+                  </a:schemeClr>
+                </a:solidFill>
+                <a:latin typeface="Candara" panose="020E0502030303020204" pitchFamily="34" charset="0"/>
+              </a:rPr>
+              <a:t>&lt;/head&gt;</a:t>
+            </a:r>
+          </a:p>
+          <a:p>
+            <a:r>
+              <a:rPr lang="en-US" sz="2000" dirty="0">
+                <a:solidFill>
+                  <a:schemeClr val="tx1">
+                    <a:lumMod val="65000"/>
+                    <a:lumOff val="35000"/>
+                  </a:schemeClr>
+                </a:solidFill>
+                <a:latin typeface="Candara" panose="020E0502030303020204" pitchFamily="34" charset="0"/>
+              </a:rPr>
               <a:t>&lt;body&gt;</a:t>
             </a:r>
           </a:p>
           <a:p>
             <a:r>
-              <a:rPr lang="en-US" dirty="0"/>
-              <a:t>    &lt;</a:t>
-            </a:r>
-            <a:r>
-              <a:rPr lang="en-US" dirty="0"/>
-              <a:t>form&gt;</a:t>
-            </a:r>
-          </a:p>
-          <a:p>
-            <a:r>
-              <a:rPr lang="en-US" dirty="0"/>
-              <a:t>          &lt;</a:t>
-            </a:r>
-            <a:r>
-              <a:rPr lang="en-US" dirty="0"/>
-              <a:t>input type="button" value="Pinch Me!" </a:t>
-            </a:r>
-            <a:r>
-              <a:rPr lang="en-US" dirty="0" err="1"/>
-              <a:t>onClick</a:t>
-            </a:r>
-            <a:r>
-              <a:rPr lang="en-US" dirty="0"/>
-              <a:t>="alert('ouch!')" /&gt; </a:t>
-            </a:r>
-          </a:p>
-          <a:p>
-            <a:r>
-              <a:rPr lang="en-US" dirty="0"/>
-              <a:t>    &lt;/</a:t>
-            </a:r>
-            <a:r>
-              <a:rPr lang="en-US" dirty="0"/>
-              <a:t>form&gt;</a:t>
-            </a:r>
-          </a:p>
-          <a:p>
-            <a:r>
-              <a:rPr lang="en-US" dirty="0"/>
+              <a:rPr lang="en-US" sz="2000" dirty="0">
+                <a:solidFill>
+                  <a:schemeClr val="tx1">
+                    <a:lumMod val="65000"/>
+                    <a:lumOff val="35000"/>
+                  </a:schemeClr>
+                </a:solidFill>
+                <a:latin typeface="Candara" panose="020E0502030303020204" pitchFamily="34" charset="0"/>
+              </a:rPr>
+              <a:t>&lt;script type="text/</a:t>
+            </a:r>
+            <a:r>
+              <a:rPr lang="en-US" sz="2000" dirty="0" err="1">
+                <a:solidFill>
+                  <a:schemeClr val="tx1">
+                    <a:lumMod val="65000"/>
+                    <a:lumOff val="35000"/>
+                  </a:schemeClr>
+                </a:solidFill>
+                <a:latin typeface="Candara" panose="020E0502030303020204" pitchFamily="34" charset="0"/>
+              </a:rPr>
+              <a:t>javascript</a:t>
+            </a:r>
+            <a:r>
+              <a:rPr lang="en-US" sz="2000" dirty="0">
+                <a:solidFill>
+                  <a:schemeClr val="tx1">
+                    <a:lumMod val="65000"/>
+                    <a:lumOff val="35000"/>
+                  </a:schemeClr>
+                </a:solidFill>
+                <a:latin typeface="Candara" panose="020E0502030303020204" pitchFamily="34" charset="0"/>
+              </a:rPr>
+              <a:t>"&gt;</a:t>
+            </a:r>
+          </a:p>
+          <a:p>
+            <a:r>
+              <a:rPr lang="en-US" sz="2000" dirty="0">
+                <a:solidFill>
+                  <a:srgbClr val="CC3333"/>
+                </a:solidFill>
+                <a:latin typeface="Candara" panose="020E0502030303020204" pitchFamily="34" charset="0"/>
+              </a:rPr>
+              <a:t>	</a:t>
+            </a:r>
+            <a:r>
+              <a:rPr lang="en-US" sz="2000" dirty="0" err="1">
+                <a:solidFill>
+                  <a:srgbClr val="CC3333"/>
+                </a:solidFill>
+                <a:latin typeface="Candara" panose="020E0502030303020204" pitchFamily="34" charset="0"/>
+              </a:rPr>
+              <a:t>document.write</a:t>
+            </a:r>
+            <a:r>
+              <a:rPr lang="en-US" sz="2000" dirty="0">
+                <a:solidFill>
+                  <a:srgbClr val="CC3333"/>
+                </a:solidFill>
+                <a:latin typeface="Candara" panose="020E0502030303020204" pitchFamily="34" charset="0"/>
+              </a:rPr>
+              <a:t>('hello, world!');</a:t>
+            </a:r>
+          </a:p>
+          <a:p>
+            <a:r>
+              <a:rPr lang="en-US" sz="2000" dirty="0">
+                <a:solidFill>
+                  <a:schemeClr val="tx1">
+                    <a:lumMod val="65000"/>
+                    <a:lumOff val="35000"/>
+                  </a:schemeClr>
+                </a:solidFill>
+                <a:latin typeface="Candara" panose="020E0502030303020204" pitchFamily="34" charset="0"/>
+              </a:rPr>
+              <a:t>&lt;/script&gt;</a:t>
+            </a:r>
+          </a:p>
+          <a:p>
+            <a:r>
+              <a:rPr lang="en-US" sz="2000" dirty="0">
+                <a:solidFill>
+                  <a:schemeClr val="tx1">
+                    <a:lumMod val="65000"/>
+                    <a:lumOff val="35000"/>
+                  </a:schemeClr>
+                </a:solidFill>
+                <a:latin typeface="Candara" panose="020E0502030303020204" pitchFamily="34" charset="0"/>
+              </a:rPr>
               <a:t>&lt;/body&gt;</a:t>
             </a:r>
+          </a:p>
+          <a:p>
+            <a:r>
+              <a:rPr lang="en-US" sz="2000" dirty="0">
+                <a:solidFill>
+                  <a:schemeClr val="tx1">
+                    <a:lumMod val="65000"/>
+                    <a:lumOff val="35000"/>
+                  </a:schemeClr>
+                </a:solidFill>
+                <a:latin typeface="Candara" panose="020E0502030303020204" pitchFamily="34" charset="0"/>
+              </a:rPr>
+              <a:t>&lt;/html&gt;</a:t>
+            </a:r>
+          </a:p>
+        </p:txBody>
+      </p:sp>
+      <p:sp>
+        <p:nvSpPr>
+          <p:cNvPr id="2" name="Rectangle 1"/>
+          <p:cNvSpPr/>
+          <p:nvPr/>
+        </p:nvSpPr>
+        <p:spPr>
+          <a:xfrm>
+            <a:off x="4542606" y="6535708"/>
+            <a:ext cx="249287" cy="400110"/>
+          </a:xfrm>
+          <a:prstGeom prst="rect">
+            <a:avLst/>
+          </a:prstGeom>
+        </p:spPr>
+        <p:txBody>
+          <a:bodyPr wrap="none">
+            <a:spAutoFit/>
+          </a:bodyPr>
+          <a:lstStyle/>
+          <a:p>
+            <a:r>
+              <a:rPr lang="en-US" sz="2000" dirty="0">
+                <a:solidFill>
+                  <a:srgbClr val="ED7D31"/>
+                </a:solidFill>
+                <a:latin typeface="Candara" panose="020E0502030303020204" pitchFamily="34" charset="0"/>
+              </a:rPr>
+              <a:t>, </a:t>
+            </a:r>
+            <a:endParaRPr lang="en-US" dirty="0"/>
           </a:p>
         </p:txBody>
       </p:sp>
     </p:spTree>
     <p:extLst>
       <p:ext uri="{BB962C8B-B14F-4D97-AF65-F5344CB8AC3E}">
-        <p14:creationId xmlns:p14="http://schemas.microsoft.com/office/powerpoint/2010/main" val="3973704343"/>
+        <p14:creationId xmlns:p14="http://schemas.microsoft.com/office/powerpoint/2010/main" val="3477953400"/>
       </p:ext>
     </p:extLst>
   </p:cSld>
@@ -5586,7 +6010,363 @@
   <p:timing>
     <p:tnLst>
       <p:par>
-        <p:cTn id="1" dur="indefinite" restart="never" nodeType="tmRoot"/>
+        <p:cTn xmlns:p14="http://schemas.microsoft.com/office/powerpoint/2010/main" id="1" dur="indefinite" restart="never" nodeType="tmRoot"/>
+      </p:par>
+    </p:tnLst>
+  </p:timing>
+</p:sld>
+</file>
+
+<file path=ppt/slides/slide8.xml><?xml version="1.0" encoding="utf-8"?>
+<p:sld xmlns:a="http://schemas.openxmlformats.org/drawingml/2006/main" xmlns:r="http://schemas.openxmlformats.org/officeDocument/2006/relationships" xmlns:p="http://schemas.openxmlformats.org/presentationml/2006/main">
+  <p:cSld>
+    <p:spTree>
+      <p:nvGrpSpPr>
+        <p:cNvPr id="1" name=""/>
+        <p:cNvGrpSpPr/>
+        <p:nvPr/>
+      </p:nvGrpSpPr>
+      <p:grpSpPr>
+        <a:xfrm>
+          <a:off x="0" y="0"/>
+          <a:ext cx="0" cy="0"/>
+          <a:chOff x="0" y="0"/>
+          <a:chExt cx="0" cy="0"/>
+        </a:xfrm>
+      </p:grpSpPr>
+      <p:sp>
+        <p:nvSpPr>
+          <p:cNvPr id="3" name="TextBox 2"/>
+          <p:cNvSpPr txBox="1"/>
+          <p:nvPr/>
+        </p:nvSpPr>
+        <p:spPr>
+          <a:xfrm>
+            <a:off x="0" y="152402"/>
+            <a:ext cx="1371600" cy="338554"/>
+          </a:xfrm>
+          <a:prstGeom prst="rect">
+            <a:avLst/>
+          </a:prstGeom>
+          <a:solidFill>
+            <a:schemeClr val="tx1">
+              <a:lumMod val="85000"/>
+              <a:lumOff val="15000"/>
+            </a:schemeClr>
+          </a:solidFill>
+        </p:spPr>
+        <p:txBody>
+          <a:bodyPr wrap="square" rtlCol="0">
+            <a:spAutoFit/>
+          </a:bodyPr>
+          <a:lstStyle/>
+          <a:p>
+            <a:pPr algn="ctr"/>
+            <a:r>
+              <a:rPr lang="en-US" sz="1600" b="1" dirty="0">
+                <a:solidFill>
+                  <a:schemeClr val="bg1"/>
+                </a:solidFill>
+                <a:latin typeface="Candara" panose="020E0502030303020204" pitchFamily="34" charset="0"/>
+              </a:rPr>
+              <a:t>JAVASCRIPT</a:t>
+            </a:r>
+          </a:p>
+        </p:txBody>
+      </p:sp>
+      <p:sp>
+        <p:nvSpPr>
+          <p:cNvPr id="4" name="TextBox 3"/>
+          <p:cNvSpPr txBox="1"/>
+          <p:nvPr/>
+        </p:nvSpPr>
+        <p:spPr>
+          <a:xfrm>
+            <a:off x="8305803" y="159446"/>
+            <a:ext cx="845573" cy="338554"/>
+          </a:xfrm>
+          <a:prstGeom prst="rect">
+            <a:avLst/>
+          </a:prstGeom>
+          <a:solidFill>
+            <a:schemeClr val="accent5"/>
+          </a:solidFill>
+        </p:spPr>
+        <p:txBody>
+          <a:bodyPr wrap="square" rtlCol="0">
+            <a:spAutoFit/>
+          </a:bodyPr>
+          <a:lstStyle/>
+          <a:p>
+            <a:pPr algn="ctr"/>
+            <a:r>
+              <a:rPr lang="en-US" sz="1600" b="1" dirty="0" smtClean="0">
+                <a:solidFill>
+                  <a:schemeClr val="bg1"/>
+                </a:solidFill>
+                <a:latin typeface="Candara" panose="020E0502030303020204" pitchFamily="34" charset="0"/>
+              </a:rPr>
+              <a:t>BASICS</a:t>
+            </a:r>
+            <a:endParaRPr lang="en-US" sz="1600" b="1" dirty="0">
+              <a:solidFill>
+                <a:schemeClr val="bg1"/>
+              </a:solidFill>
+              <a:latin typeface="Candara" panose="020E0502030303020204" pitchFamily="34" charset="0"/>
+            </a:endParaRPr>
+          </a:p>
+        </p:txBody>
+      </p:sp>
+      <p:sp>
+        <p:nvSpPr>
+          <p:cNvPr id="2" name="Rectangle 1"/>
+          <p:cNvSpPr/>
+          <p:nvPr/>
+        </p:nvSpPr>
+        <p:spPr>
+          <a:xfrm>
+            <a:off x="4542606" y="6535708"/>
+            <a:ext cx="249287" cy="400110"/>
+          </a:xfrm>
+          <a:prstGeom prst="rect">
+            <a:avLst/>
+          </a:prstGeom>
+        </p:spPr>
+        <p:txBody>
+          <a:bodyPr wrap="none">
+            <a:spAutoFit/>
+          </a:bodyPr>
+          <a:lstStyle/>
+          <a:p>
+            <a:r>
+              <a:rPr lang="en-US" sz="2000" dirty="0">
+                <a:solidFill>
+                  <a:srgbClr val="ED7D31"/>
+                </a:solidFill>
+                <a:latin typeface="Candara" panose="020E0502030303020204" pitchFamily="34" charset="0"/>
+              </a:rPr>
+              <a:t>, </a:t>
+            </a:r>
+            <a:endParaRPr lang="en-US" dirty="0"/>
+          </a:p>
+        </p:txBody>
+      </p:sp>
+      <p:pic>
+        <p:nvPicPr>
+          <p:cNvPr id="7" name="Picture 6"/>
+          <p:cNvPicPr>
+            <a:picLocks noChangeAspect="1"/>
+          </p:cNvPicPr>
+          <p:nvPr/>
+        </p:nvPicPr>
+        <p:blipFill>
+          <a:blip r:embed="rId3"/>
+          <a:stretch>
+            <a:fillRect/>
+          </a:stretch>
+        </p:blipFill>
+        <p:spPr>
+          <a:xfrm>
+            <a:off x="0" y="651930"/>
+            <a:ext cx="9144000" cy="5883880"/>
+          </a:xfrm>
+          <a:prstGeom prst="rect">
+            <a:avLst/>
+          </a:prstGeom>
+        </p:spPr>
+      </p:pic>
+    </p:spTree>
+    <p:extLst>
+      <p:ext uri="{BB962C8B-B14F-4D97-AF65-F5344CB8AC3E}">
+        <p14:creationId xmlns:p14="http://schemas.microsoft.com/office/powerpoint/2010/main" val="602757066"/>
+      </p:ext>
+    </p:extLst>
+  </p:cSld>
+  <p:clrMapOvr>
+    <a:masterClrMapping/>
+  </p:clrMapOvr>
+  <p:timing>
+    <p:tnLst>
+      <p:par>
+        <p:cTn xmlns:p14="http://schemas.microsoft.com/office/powerpoint/2010/main" id="1" dur="indefinite" restart="never" nodeType="tmRoot"/>
+      </p:par>
+    </p:tnLst>
+  </p:timing>
+</p:sld>
+</file>
+
+<file path=ppt/slides/slide9.xml><?xml version="1.0" encoding="utf-8"?>
+<p:sld xmlns:a="http://schemas.openxmlformats.org/drawingml/2006/main" xmlns:r="http://schemas.openxmlformats.org/officeDocument/2006/relationships" xmlns:p="http://schemas.openxmlformats.org/presentationml/2006/main">
+  <p:cSld>
+    <p:spTree>
+      <p:nvGrpSpPr>
+        <p:cNvPr id="1" name=""/>
+        <p:cNvGrpSpPr/>
+        <p:nvPr/>
+      </p:nvGrpSpPr>
+      <p:grpSpPr>
+        <a:xfrm>
+          <a:off x="0" y="0"/>
+          <a:ext cx="0" cy="0"/>
+          <a:chOff x="0" y="0"/>
+          <a:chExt cx="0" cy="0"/>
+        </a:xfrm>
+      </p:grpSpPr>
+      <p:sp>
+        <p:nvSpPr>
+          <p:cNvPr id="3" name="TextBox 2"/>
+          <p:cNvSpPr txBox="1"/>
+          <p:nvPr/>
+        </p:nvSpPr>
+        <p:spPr>
+          <a:xfrm>
+            <a:off x="0" y="152402"/>
+            <a:ext cx="1371600" cy="338554"/>
+          </a:xfrm>
+          <a:prstGeom prst="rect">
+            <a:avLst/>
+          </a:prstGeom>
+          <a:solidFill>
+            <a:schemeClr val="tx1">
+              <a:lumMod val="85000"/>
+              <a:lumOff val="15000"/>
+            </a:schemeClr>
+          </a:solidFill>
+        </p:spPr>
+        <p:txBody>
+          <a:bodyPr wrap="square" rtlCol="0">
+            <a:spAutoFit/>
+          </a:bodyPr>
+          <a:lstStyle/>
+          <a:p>
+            <a:pPr algn="ctr"/>
+            <a:r>
+              <a:rPr lang="en-US" sz="1600" b="1" dirty="0">
+                <a:solidFill>
+                  <a:schemeClr val="bg1"/>
+                </a:solidFill>
+                <a:latin typeface="Candara" panose="020E0502030303020204" pitchFamily="34" charset="0"/>
+              </a:rPr>
+              <a:t>JAVASCRIPT</a:t>
+            </a:r>
+          </a:p>
+        </p:txBody>
+      </p:sp>
+      <p:sp>
+        <p:nvSpPr>
+          <p:cNvPr id="4" name="TextBox 3"/>
+          <p:cNvSpPr txBox="1"/>
+          <p:nvPr/>
+        </p:nvSpPr>
+        <p:spPr>
+          <a:xfrm>
+            <a:off x="7027333" y="159446"/>
+            <a:ext cx="2124043" cy="338554"/>
+          </a:xfrm>
+          <a:prstGeom prst="rect">
+            <a:avLst/>
+          </a:prstGeom>
+          <a:solidFill>
+            <a:schemeClr val="accent5"/>
+          </a:solidFill>
+        </p:spPr>
+        <p:txBody>
+          <a:bodyPr wrap="square" rtlCol="0">
+            <a:spAutoFit/>
+          </a:bodyPr>
+          <a:lstStyle/>
+          <a:p>
+            <a:pPr algn="ctr"/>
+            <a:r>
+              <a:rPr lang="en-US" sz="1600" b="1" dirty="0" smtClean="0">
+                <a:solidFill>
+                  <a:schemeClr val="bg1"/>
+                </a:solidFill>
+                <a:latin typeface="Candara" panose="020E0502030303020204" pitchFamily="34" charset="0"/>
+              </a:rPr>
+              <a:t>BASIC OPERATORS</a:t>
+            </a:r>
+            <a:endParaRPr lang="en-US" sz="1600" b="1" dirty="0">
+              <a:solidFill>
+                <a:schemeClr val="bg1"/>
+              </a:solidFill>
+              <a:latin typeface="Candara" panose="020E0502030303020204" pitchFamily="34" charset="0"/>
+            </a:endParaRPr>
+          </a:p>
+        </p:txBody>
+      </p:sp>
+      <p:sp>
+        <p:nvSpPr>
+          <p:cNvPr id="2" name="Rectangle 1"/>
+          <p:cNvSpPr/>
+          <p:nvPr/>
+        </p:nvSpPr>
+        <p:spPr>
+          <a:xfrm>
+            <a:off x="4542606" y="6535708"/>
+            <a:ext cx="249287" cy="400110"/>
+          </a:xfrm>
+          <a:prstGeom prst="rect">
+            <a:avLst/>
+          </a:prstGeom>
+        </p:spPr>
+        <p:txBody>
+          <a:bodyPr wrap="none">
+            <a:spAutoFit/>
+          </a:bodyPr>
+          <a:lstStyle/>
+          <a:p>
+            <a:r>
+              <a:rPr lang="en-US" sz="2000" dirty="0">
+                <a:solidFill>
+                  <a:srgbClr val="ED7D31"/>
+                </a:solidFill>
+                <a:latin typeface="Candara" panose="020E0502030303020204" pitchFamily="34" charset="0"/>
+              </a:rPr>
+              <a:t>, </a:t>
+            </a:r>
+            <a:endParaRPr lang="en-US" dirty="0"/>
+          </a:p>
+        </p:txBody>
+      </p:sp>
+      <p:pic>
+        <p:nvPicPr>
+          <p:cNvPr id="6" name="Picture 5"/>
+          <p:cNvPicPr>
+            <a:picLocks noChangeAspect="1"/>
+          </p:cNvPicPr>
+          <p:nvPr/>
+        </p:nvPicPr>
+        <p:blipFill>
+          <a:blip r:embed="rId3"/>
+          <a:stretch>
+            <a:fillRect/>
+          </a:stretch>
+        </p:blipFill>
+        <p:spPr>
+          <a:xfrm>
+            <a:off x="0" y="749900"/>
+            <a:ext cx="9144000" cy="5833911"/>
+          </a:xfrm>
+          <a:prstGeom prst="rect">
+            <a:avLst/>
+          </a:prstGeom>
+        </p:spPr>
+      </p:pic>
+    </p:spTree>
+    <p:extLst>
+      <p:ext uri="{BB962C8B-B14F-4D97-AF65-F5344CB8AC3E}">
+        <p14:creationId xmlns:p14="http://schemas.microsoft.com/office/powerpoint/2010/main" val="3538058785"/>
+      </p:ext>
+    </p:extLst>
+  </p:cSld>
+  <p:clrMapOvr>
+    <a:masterClrMapping/>
+  </p:clrMapOvr>
+  <p:timing>
+    <p:tnLst>
+      <p:par>
+        <p:cTn xmlns:p14="http://schemas.microsoft.com/office/powerpoint/2010/main" id="1" dur="indefinite" restart="never" nodeType="tmRoot"/>
       </p:par>
     </p:tnLst>
   </p:timing>
@@ -5636,7 +6416,7 @@
     </a:clrScheme>
     <a:fontScheme name="Office">
       <a:majorFont>
-        <a:latin typeface="Calibri Light" panose="020F0302020204030204"/>
+        <a:latin typeface="Calibri Light"/>
         <a:ea typeface=""/>
         <a:cs typeface=""/>
         <a:font script="Jpan" typeface="ＭＳ Ｐゴシック"/>
@@ -5671,7 +6451,7 @@
         <a:font script="Geor" typeface="Sylfaen"/>
       </a:majorFont>
       <a:minorFont>
-        <a:latin typeface="Calibri" panose="020F0502020204030204"/>
+        <a:latin typeface="Calibri"/>
         <a:ea typeface=""/>
         <a:cs typeface=""/>
         <a:font script="Jpan" typeface="ＭＳ Ｐゴシック"/>
@@ -5848,7 +6628,7 @@
   <a:extraClrSchemeLst/>
   <a:extLst>
     <a:ext uri="{05A4C25C-085E-4340-85A3-A5531E510DB2}">
-      <thm15:themeFamily xmlns:thm15="http://schemas.microsoft.com/office/thememl/2012/main" name="Office Theme" id="{62F939B6-93AF-4DB8-9C6B-D6C7DFDC589F}" vid="{4A3C46E8-61CC-4603-A589-7422A47A8E4A}"/>
+      <thm15:themeFamily xmlns="" xmlns:thm15="http://schemas.microsoft.com/office/thememl/2012/main" name="Office Theme" id="{62F939B6-93AF-4DB8-9C6B-D6C7DFDC589F}" vid="{4A3C46E8-61CC-4603-A589-7422A47A8E4A}"/>
     </a:ext>
   </a:extLst>
 </a:theme>
@@ -5897,7 +6677,7 @@
     </a:clrScheme>
     <a:fontScheme name="Office">
       <a:majorFont>
-        <a:latin typeface="Calibri Light" panose="020F0302020204030204"/>
+        <a:latin typeface="Calibri Light"/>
         <a:ea typeface=""/>
         <a:cs typeface=""/>
         <a:font script="Jpan" typeface="ＭＳ Ｐゴシック"/>
@@ -5932,7 +6712,7 @@
         <a:font script="Geor" typeface="Sylfaen"/>
       </a:majorFont>
       <a:minorFont>
-        <a:latin typeface="Calibri" panose="020F0502020204030204"/>
+        <a:latin typeface="Calibri"/>
         <a:ea typeface=""/>
         <a:cs typeface=""/>
         <a:font script="Jpan" typeface="ＭＳ Ｐゴシック"/>
@@ -6109,7 +6889,7 @@
   <a:extraClrSchemeLst/>
   <a:extLst>
     <a:ext uri="{05A4C25C-085E-4340-85A3-A5531E510DB2}">
-      <thm15:themeFamily xmlns:thm15="http://schemas.microsoft.com/office/thememl/2012/main" name="Office Theme" id="{62F939B6-93AF-4DB8-9C6B-D6C7DFDC589F}" vid="{4A3C46E8-61CC-4603-A589-7422A47A8E4A}"/>
+      <thm15:themeFamily xmlns="" xmlns:thm15="http://schemas.microsoft.com/office/thememl/2012/main" name="Office Theme" id="{62F939B6-93AF-4DB8-9C6B-D6C7DFDC589F}" vid="{4A3C46E8-61CC-4603-A589-7422A47A8E4A}"/>
     </a:ext>
   </a:extLst>
 </a:theme>

--- a/Session III - Javascript/Session III - Javascript.pptx
+++ b/Session III - Javascript/Session III - Javascript.pptx
@@ -5,7 +5,7 @@
     <p:sldMasterId id="2147483648" r:id="rId1"/>
   </p:sldMasterIdLst>
   <p:notesMasterIdLst>
-    <p:notesMasterId r:id="rId13"/>
+    <p:notesMasterId r:id="rId29"/>
   </p:notesMasterIdLst>
   <p:sldIdLst>
     <p:sldId id="256" r:id="rId2"/>
@@ -17,8 +17,24 @@
     <p:sldId id="261" r:id="rId8"/>
     <p:sldId id="267" r:id="rId9"/>
     <p:sldId id="268" r:id="rId10"/>
-    <p:sldId id="265" r:id="rId11"/>
-    <p:sldId id="266" r:id="rId12"/>
+    <p:sldId id="269" r:id="rId11"/>
+    <p:sldId id="270" r:id="rId12"/>
+    <p:sldId id="271" r:id="rId13"/>
+    <p:sldId id="272" r:id="rId14"/>
+    <p:sldId id="273" r:id="rId15"/>
+    <p:sldId id="274" r:id="rId16"/>
+    <p:sldId id="275" r:id="rId17"/>
+    <p:sldId id="276" r:id="rId18"/>
+    <p:sldId id="277" r:id="rId19"/>
+    <p:sldId id="278" r:id="rId20"/>
+    <p:sldId id="279" r:id="rId21"/>
+    <p:sldId id="280" r:id="rId22"/>
+    <p:sldId id="281" r:id="rId23"/>
+    <p:sldId id="282" r:id="rId24"/>
+    <p:sldId id="265" r:id="rId25"/>
+    <p:sldId id="283" r:id="rId26"/>
+    <p:sldId id="284" r:id="rId27"/>
+    <p:sldId id="266" r:id="rId28"/>
   </p:sldIdLst>
   <p:sldSz cx="9144000" cy="6858000" type="screen4x3"/>
   <p:notesSz cx="6858000" cy="9144000"/>
@@ -571,6 +587,896 @@
 </p:notes>
 </file>
 
+<file path=ppt/notesSlides/notesSlide10.xml><?xml version="1.0" encoding="utf-8"?>
+<p:notes xmlns:a="http://schemas.openxmlformats.org/drawingml/2006/main" xmlns:r="http://schemas.openxmlformats.org/officeDocument/2006/relationships" xmlns:p="http://schemas.openxmlformats.org/presentationml/2006/main">
+  <p:cSld>
+    <p:spTree>
+      <p:nvGrpSpPr>
+        <p:cNvPr id="1" name=""/>
+        <p:cNvGrpSpPr/>
+        <p:nvPr/>
+      </p:nvGrpSpPr>
+      <p:grpSpPr>
+        <a:xfrm>
+          <a:off x="0" y="0"/>
+          <a:ext cx="0" cy="0"/>
+          <a:chOff x="0" y="0"/>
+          <a:chExt cx="0" cy="0"/>
+        </a:xfrm>
+      </p:grpSpPr>
+      <p:sp>
+        <p:nvSpPr>
+          <p:cNvPr id="2" name="Slide Image Placeholder 1"/>
+          <p:cNvSpPr>
+            <a:spLocks noGrp="1" noRot="1" noChangeAspect="1"/>
+          </p:cNvSpPr>
+          <p:nvPr>
+            <p:ph type="sldImg"/>
+          </p:nvPr>
+        </p:nvSpPr>
+        <p:spPr>
+          <a:xfrm>
+            <a:off x="1143000" y="685800"/>
+            <a:ext cx="4572000" cy="3429000"/>
+          </a:xfrm>
+        </p:spPr>
+      </p:sp>
+      <p:sp>
+        <p:nvSpPr>
+          <p:cNvPr id="3" name="Notes Placeholder 2"/>
+          <p:cNvSpPr>
+            <a:spLocks noGrp="1"/>
+          </p:cNvSpPr>
+          <p:nvPr>
+            <p:ph type="body" idx="1"/>
+          </p:nvPr>
+        </p:nvSpPr>
+        <p:spPr/>
+        <p:txBody>
+          <a:bodyPr/>
+          <a:lstStyle/>
+          <a:p>
+            <a:endParaRPr lang="en-US" dirty="0"/>
+          </a:p>
+        </p:txBody>
+      </p:sp>
+      <p:sp>
+        <p:nvSpPr>
+          <p:cNvPr id="4" name="Slide Number Placeholder 3"/>
+          <p:cNvSpPr>
+            <a:spLocks noGrp="1"/>
+          </p:cNvSpPr>
+          <p:nvPr>
+            <p:ph type="sldNum" sz="quarter" idx="10"/>
+          </p:nvPr>
+        </p:nvSpPr>
+        <p:spPr/>
+        <p:txBody>
+          <a:bodyPr/>
+          <a:lstStyle/>
+          <a:p>
+            <a:fld id="{B46DC61D-F376-43F7-97B2-0F5A9328ABFE}" type="slidenum">
+              <a:rPr lang="en-US" smtClean="0"/>
+              <a:t>11</a:t>
+            </a:fld>
+            <a:endParaRPr lang="en-US"/>
+          </a:p>
+        </p:txBody>
+      </p:sp>
+    </p:spTree>
+    <p:extLst>
+      <p:ext uri="{BB962C8B-B14F-4D97-AF65-F5344CB8AC3E}">
+        <p14:creationId xmlns:p14="http://schemas.microsoft.com/office/powerpoint/2010/main" val="2525163576"/>
+      </p:ext>
+    </p:extLst>
+  </p:cSld>
+  <p:clrMapOvr>
+    <a:masterClrMapping/>
+  </p:clrMapOvr>
+</p:notes>
+</file>
+
+<file path=ppt/notesSlides/notesSlide11.xml><?xml version="1.0" encoding="utf-8"?>
+<p:notes xmlns:a="http://schemas.openxmlformats.org/drawingml/2006/main" xmlns:r="http://schemas.openxmlformats.org/officeDocument/2006/relationships" xmlns:p="http://schemas.openxmlformats.org/presentationml/2006/main">
+  <p:cSld>
+    <p:spTree>
+      <p:nvGrpSpPr>
+        <p:cNvPr id="1" name=""/>
+        <p:cNvGrpSpPr/>
+        <p:nvPr/>
+      </p:nvGrpSpPr>
+      <p:grpSpPr>
+        <a:xfrm>
+          <a:off x="0" y="0"/>
+          <a:ext cx="0" cy="0"/>
+          <a:chOff x="0" y="0"/>
+          <a:chExt cx="0" cy="0"/>
+        </a:xfrm>
+      </p:grpSpPr>
+      <p:sp>
+        <p:nvSpPr>
+          <p:cNvPr id="2" name="Slide Image Placeholder 1"/>
+          <p:cNvSpPr>
+            <a:spLocks noGrp="1" noRot="1" noChangeAspect="1"/>
+          </p:cNvSpPr>
+          <p:nvPr>
+            <p:ph type="sldImg"/>
+          </p:nvPr>
+        </p:nvSpPr>
+        <p:spPr>
+          <a:xfrm>
+            <a:off x="1143000" y="685800"/>
+            <a:ext cx="4572000" cy="3429000"/>
+          </a:xfrm>
+        </p:spPr>
+      </p:sp>
+      <p:sp>
+        <p:nvSpPr>
+          <p:cNvPr id="3" name="Notes Placeholder 2"/>
+          <p:cNvSpPr>
+            <a:spLocks noGrp="1"/>
+          </p:cNvSpPr>
+          <p:nvPr>
+            <p:ph type="body" idx="1"/>
+          </p:nvPr>
+        </p:nvSpPr>
+        <p:spPr/>
+        <p:txBody>
+          <a:bodyPr/>
+          <a:lstStyle/>
+          <a:p>
+            <a:endParaRPr lang="en-US" dirty="0"/>
+          </a:p>
+        </p:txBody>
+      </p:sp>
+      <p:sp>
+        <p:nvSpPr>
+          <p:cNvPr id="4" name="Slide Number Placeholder 3"/>
+          <p:cNvSpPr>
+            <a:spLocks noGrp="1"/>
+          </p:cNvSpPr>
+          <p:nvPr>
+            <p:ph type="sldNum" sz="quarter" idx="10"/>
+          </p:nvPr>
+        </p:nvSpPr>
+        <p:spPr/>
+        <p:txBody>
+          <a:bodyPr/>
+          <a:lstStyle/>
+          <a:p>
+            <a:fld id="{B46DC61D-F376-43F7-97B2-0F5A9328ABFE}" type="slidenum">
+              <a:rPr lang="en-US" smtClean="0"/>
+              <a:t>12</a:t>
+            </a:fld>
+            <a:endParaRPr lang="en-US"/>
+          </a:p>
+        </p:txBody>
+      </p:sp>
+    </p:spTree>
+    <p:extLst>
+      <p:ext uri="{BB962C8B-B14F-4D97-AF65-F5344CB8AC3E}">
+        <p14:creationId xmlns:p14="http://schemas.microsoft.com/office/powerpoint/2010/main" val="2525163576"/>
+      </p:ext>
+    </p:extLst>
+  </p:cSld>
+  <p:clrMapOvr>
+    <a:masterClrMapping/>
+  </p:clrMapOvr>
+</p:notes>
+</file>
+
+<file path=ppt/notesSlides/notesSlide12.xml><?xml version="1.0" encoding="utf-8"?>
+<p:notes xmlns:a="http://schemas.openxmlformats.org/drawingml/2006/main" xmlns:r="http://schemas.openxmlformats.org/officeDocument/2006/relationships" xmlns:p="http://schemas.openxmlformats.org/presentationml/2006/main">
+  <p:cSld>
+    <p:spTree>
+      <p:nvGrpSpPr>
+        <p:cNvPr id="1" name=""/>
+        <p:cNvGrpSpPr/>
+        <p:nvPr/>
+      </p:nvGrpSpPr>
+      <p:grpSpPr>
+        <a:xfrm>
+          <a:off x="0" y="0"/>
+          <a:ext cx="0" cy="0"/>
+          <a:chOff x="0" y="0"/>
+          <a:chExt cx="0" cy="0"/>
+        </a:xfrm>
+      </p:grpSpPr>
+      <p:sp>
+        <p:nvSpPr>
+          <p:cNvPr id="2" name="Slide Image Placeholder 1"/>
+          <p:cNvSpPr>
+            <a:spLocks noGrp="1" noRot="1" noChangeAspect="1"/>
+          </p:cNvSpPr>
+          <p:nvPr>
+            <p:ph type="sldImg"/>
+          </p:nvPr>
+        </p:nvSpPr>
+        <p:spPr>
+          <a:xfrm>
+            <a:off x="1143000" y="685800"/>
+            <a:ext cx="4572000" cy="3429000"/>
+          </a:xfrm>
+        </p:spPr>
+      </p:sp>
+      <p:sp>
+        <p:nvSpPr>
+          <p:cNvPr id="3" name="Notes Placeholder 2"/>
+          <p:cNvSpPr>
+            <a:spLocks noGrp="1"/>
+          </p:cNvSpPr>
+          <p:nvPr>
+            <p:ph type="body" idx="1"/>
+          </p:nvPr>
+        </p:nvSpPr>
+        <p:spPr/>
+        <p:txBody>
+          <a:bodyPr/>
+          <a:lstStyle/>
+          <a:p>
+            <a:endParaRPr lang="en-US" dirty="0"/>
+          </a:p>
+        </p:txBody>
+      </p:sp>
+      <p:sp>
+        <p:nvSpPr>
+          <p:cNvPr id="4" name="Slide Number Placeholder 3"/>
+          <p:cNvSpPr>
+            <a:spLocks noGrp="1"/>
+          </p:cNvSpPr>
+          <p:nvPr>
+            <p:ph type="sldNum" sz="quarter" idx="10"/>
+          </p:nvPr>
+        </p:nvSpPr>
+        <p:spPr/>
+        <p:txBody>
+          <a:bodyPr/>
+          <a:lstStyle/>
+          <a:p>
+            <a:fld id="{B46DC61D-F376-43F7-97B2-0F5A9328ABFE}" type="slidenum">
+              <a:rPr lang="en-US" smtClean="0"/>
+              <a:t>13</a:t>
+            </a:fld>
+            <a:endParaRPr lang="en-US"/>
+          </a:p>
+        </p:txBody>
+      </p:sp>
+    </p:spTree>
+    <p:extLst>
+      <p:ext uri="{BB962C8B-B14F-4D97-AF65-F5344CB8AC3E}">
+        <p14:creationId xmlns:p14="http://schemas.microsoft.com/office/powerpoint/2010/main" val="2525163576"/>
+      </p:ext>
+    </p:extLst>
+  </p:cSld>
+  <p:clrMapOvr>
+    <a:masterClrMapping/>
+  </p:clrMapOvr>
+</p:notes>
+</file>
+
+<file path=ppt/notesSlides/notesSlide13.xml><?xml version="1.0" encoding="utf-8"?>
+<p:notes xmlns:a="http://schemas.openxmlformats.org/drawingml/2006/main" xmlns:r="http://schemas.openxmlformats.org/officeDocument/2006/relationships" xmlns:p="http://schemas.openxmlformats.org/presentationml/2006/main">
+  <p:cSld>
+    <p:spTree>
+      <p:nvGrpSpPr>
+        <p:cNvPr id="1" name=""/>
+        <p:cNvGrpSpPr/>
+        <p:nvPr/>
+      </p:nvGrpSpPr>
+      <p:grpSpPr>
+        <a:xfrm>
+          <a:off x="0" y="0"/>
+          <a:ext cx="0" cy="0"/>
+          <a:chOff x="0" y="0"/>
+          <a:chExt cx="0" cy="0"/>
+        </a:xfrm>
+      </p:grpSpPr>
+      <p:sp>
+        <p:nvSpPr>
+          <p:cNvPr id="2" name="Slide Image Placeholder 1"/>
+          <p:cNvSpPr>
+            <a:spLocks noGrp="1" noRot="1" noChangeAspect="1"/>
+          </p:cNvSpPr>
+          <p:nvPr>
+            <p:ph type="sldImg"/>
+          </p:nvPr>
+        </p:nvSpPr>
+        <p:spPr>
+          <a:xfrm>
+            <a:off x="1143000" y="685800"/>
+            <a:ext cx="4572000" cy="3429000"/>
+          </a:xfrm>
+        </p:spPr>
+      </p:sp>
+      <p:sp>
+        <p:nvSpPr>
+          <p:cNvPr id="3" name="Notes Placeholder 2"/>
+          <p:cNvSpPr>
+            <a:spLocks noGrp="1"/>
+          </p:cNvSpPr>
+          <p:nvPr>
+            <p:ph type="body" idx="1"/>
+          </p:nvPr>
+        </p:nvSpPr>
+        <p:spPr/>
+        <p:txBody>
+          <a:bodyPr/>
+          <a:lstStyle/>
+          <a:p>
+            <a:endParaRPr lang="en-US" dirty="0"/>
+          </a:p>
+        </p:txBody>
+      </p:sp>
+      <p:sp>
+        <p:nvSpPr>
+          <p:cNvPr id="4" name="Slide Number Placeholder 3"/>
+          <p:cNvSpPr>
+            <a:spLocks noGrp="1"/>
+          </p:cNvSpPr>
+          <p:nvPr>
+            <p:ph type="sldNum" sz="quarter" idx="10"/>
+          </p:nvPr>
+        </p:nvSpPr>
+        <p:spPr/>
+        <p:txBody>
+          <a:bodyPr/>
+          <a:lstStyle/>
+          <a:p>
+            <a:fld id="{B46DC61D-F376-43F7-97B2-0F5A9328ABFE}" type="slidenum">
+              <a:rPr lang="en-US" smtClean="0"/>
+              <a:t>14</a:t>
+            </a:fld>
+            <a:endParaRPr lang="en-US"/>
+          </a:p>
+        </p:txBody>
+      </p:sp>
+    </p:spTree>
+    <p:extLst>
+      <p:ext uri="{BB962C8B-B14F-4D97-AF65-F5344CB8AC3E}">
+        <p14:creationId xmlns:p14="http://schemas.microsoft.com/office/powerpoint/2010/main" val="2525163576"/>
+      </p:ext>
+    </p:extLst>
+  </p:cSld>
+  <p:clrMapOvr>
+    <a:masterClrMapping/>
+  </p:clrMapOvr>
+</p:notes>
+</file>
+
+<file path=ppt/notesSlides/notesSlide14.xml><?xml version="1.0" encoding="utf-8"?>
+<p:notes xmlns:a="http://schemas.openxmlformats.org/drawingml/2006/main" xmlns:r="http://schemas.openxmlformats.org/officeDocument/2006/relationships" xmlns:p="http://schemas.openxmlformats.org/presentationml/2006/main">
+  <p:cSld>
+    <p:spTree>
+      <p:nvGrpSpPr>
+        <p:cNvPr id="1" name=""/>
+        <p:cNvGrpSpPr/>
+        <p:nvPr/>
+      </p:nvGrpSpPr>
+      <p:grpSpPr>
+        <a:xfrm>
+          <a:off x="0" y="0"/>
+          <a:ext cx="0" cy="0"/>
+          <a:chOff x="0" y="0"/>
+          <a:chExt cx="0" cy="0"/>
+        </a:xfrm>
+      </p:grpSpPr>
+      <p:sp>
+        <p:nvSpPr>
+          <p:cNvPr id="2" name="Slide Image Placeholder 1"/>
+          <p:cNvSpPr>
+            <a:spLocks noGrp="1" noRot="1" noChangeAspect="1"/>
+          </p:cNvSpPr>
+          <p:nvPr>
+            <p:ph type="sldImg"/>
+          </p:nvPr>
+        </p:nvSpPr>
+        <p:spPr>
+          <a:xfrm>
+            <a:off x="1143000" y="685800"/>
+            <a:ext cx="4572000" cy="3429000"/>
+          </a:xfrm>
+        </p:spPr>
+      </p:sp>
+      <p:sp>
+        <p:nvSpPr>
+          <p:cNvPr id="3" name="Notes Placeholder 2"/>
+          <p:cNvSpPr>
+            <a:spLocks noGrp="1"/>
+          </p:cNvSpPr>
+          <p:nvPr>
+            <p:ph type="body" idx="1"/>
+          </p:nvPr>
+        </p:nvSpPr>
+        <p:spPr/>
+        <p:txBody>
+          <a:bodyPr/>
+          <a:lstStyle/>
+          <a:p>
+            <a:endParaRPr lang="en-US" dirty="0"/>
+          </a:p>
+        </p:txBody>
+      </p:sp>
+      <p:sp>
+        <p:nvSpPr>
+          <p:cNvPr id="4" name="Slide Number Placeholder 3"/>
+          <p:cNvSpPr>
+            <a:spLocks noGrp="1"/>
+          </p:cNvSpPr>
+          <p:nvPr>
+            <p:ph type="sldNum" sz="quarter" idx="10"/>
+          </p:nvPr>
+        </p:nvSpPr>
+        <p:spPr/>
+        <p:txBody>
+          <a:bodyPr/>
+          <a:lstStyle/>
+          <a:p>
+            <a:fld id="{B46DC61D-F376-43F7-97B2-0F5A9328ABFE}" type="slidenum">
+              <a:rPr lang="en-US" smtClean="0"/>
+              <a:t>15</a:t>
+            </a:fld>
+            <a:endParaRPr lang="en-US"/>
+          </a:p>
+        </p:txBody>
+      </p:sp>
+    </p:spTree>
+    <p:extLst>
+      <p:ext uri="{BB962C8B-B14F-4D97-AF65-F5344CB8AC3E}">
+        <p14:creationId xmlns:p14="http://schemas.microsoft.com/office/powerpoint/2010/main" val="2525163576"/>
+      </p:ext>
+    </p:extLst>
+  </p:cSld>
+  <p:clrMapOvr>
+    <a:masterClrMapping/>
+  </p:clrMapOvr>
+</p:notes>
+</file>
+
+<file path=ppt/notesSlides/notesSlide15.xml><?xml version="1.0" encoding="utf-8"?>
+<p:notes xmlns:a="http://schemas.openxmlformats.org/drawingml/2006/main" xmlns:r="http://schemas.openxmlformats.org/officeDocument/2006/relationships" xmlns:p="http://schemas.openxmlformats.org/presentationml/2006/main">
+  <p:cSld>
+    <p:spTree>
+      <p:nvGrpSpPr>
+        <p:cNvPr id="1" name=""/>
+        <p:cNvGrpSpPr/>
+        <p:nvPr/>
+      </p:nvGrpSpPr>
+      <p:grpSpPr>
+        <a:xfrm>
+          <a:off x="0" y="0"/>
+          <a:ext cx="0" cy="0"/>
+          <a:chOff x="0" y="0"/>
+          <a:chExt cx="0" cy="0"/>
+        </a:xfrm>
+      </p:grpSpPr>
+      <p:sp>
+        <p:nvSpPr>
+          <p:cNvPr id="2" name="Slide Image Placeholder 1"/>
+          <p:cNvSpPr>
+            <a:spLocks noGrp="1" noRot="1" noChangeAspect="1"/>
+          </p:cNvSpPr>
+          <p:nvPr>
+            <p:ph type="sldImg"/>
+          </p:nvPr>
+        </p:nvSpPr>
+        <p:spPr>
+          <a:xfrm>
+            <a:off x="1143000" y="685800"/>
+            <a:ext cx="4572000" cy="3429000"/>
+          </a:xfrm>
+        </p:spPr>
+      </p:sp>
+      <p:sp>
+        <p:nvSpPr>
+          <p:cNvPr id="3" name="Notes Placeholder 2"/>
+          <p:cNvSpPr>
+            <a:spLocks noGrp="1"/>
+          </p:cNvSpPr>
+          <p:nvPr>
+            <p:ph type="body" idx="1"/>
+          </p:nvPr>
+        </p:nvSpPr>
+        <p:spPr/>
+        <p:txBody>
+          <a:bodyPr/>
+          <a:lstStyle/>
+          <a:p>
+            <a:endParaRPr lang="en-US" dirty="0"/>
+          </a:p>
+        </p:txBody>
+      </p:sp>
+      <p:sp>
+        <p:nvSpPr>
+          <p:cNvPr id="4" name="Slide Number Placeholder 3"/>
+          <p:cNvSpPr>
+            <a:spLocks noGrp="1"/>
+          </p:cNvSpPr>
+          <p:nvPr>
+            <p:ph type="sldNum" sz="quarter" idx="10"/>
+          </p:nvPr>
+        </p:nvSpPr>
+        <p:spPr/>
+        <p:txBody>
+          <a:bodyPr/>
+          <a:lstStyle/>
+          <a:p>
+            <a:fld id="{B46DC61D-F376-43F7-97B2-0F5A9328ABFE}" type="slidenum">
+              <a:rPr lang="en-US" smtClean="0"/>
+              <a:t>16</a:t>
+            </a:fld>
+            <a:endParaRPr lang="en-US"/>
+          </a:p>
+        </p:txBody>
+      </p:sp>
+    </p:spTree>
+    <p:extLst>
+      <p:ext uri="{BB962C8B-B14F-4D97-AF65-F5344CB8AC3E}">
+        <p14:creationId xmlns:p14="http://schemas.microsoft.com/office/powerpoint/2010/main" val="2525163576"/>
+      </p:ext>
+    </p:extLst>
+  </p:cSld>
+  <p:clrMapOvr>
+    <a:masterClrMapping/>
+  </p:clrMapOvr>
+</p:notes>
+</file>
+
+<file path=ppt/notesSlides/notesSlide16.xml><?xml version="1.0" encoding="utf-8"?>
+<p:notes xmlns:a="http://schemas.openxmlformats.org/drawingml/2006/main" xmlns:r="http://schemas.openxmlformats.org/officeDocument/2006/relationships" xmlns:p="http://schemas.openxmlformats.org/presentationml/2006/main">
+  <p:cSld>
+    <p:spTree>
+      <p:nvGrpSpPr>
+        <p:cNvPr id="1" name=""/>
+        <p:cNvGrpSpPr/>
+        <p:nvPr/>
+      </p:nvGrpSpPr>
+      <p:grpSpPr>
+        <a:xfrm>
+          <a:off x="0" y="0"/>
+          <a:ext cx="0" cy="0"/>
+          <a:chOff x="0" y="0"/>
+          <a:chExt cx="0" cy="0"/>
+        </a:xfrm>
+      </p:grpSpPr>
+      <p:sp>
+        <p:nvSpPr>
+          <p:cNvPr id="2" name="Slide Image Placeholder 1"/>
+          <p:cNvSpPr>
+            <a:spLocks noGrp="1" noRot="1" noChangeAspect="1"/>
+          </p:cNvSpPr>
+          <p:nvPr>
+            <p:ph type="sldImg"/>
+          </p:nvPr>
+        </p:nvSpPr>
+        <p:spPr>
+          <a:xfrm>
+            <a:off x="1143000" y="685800"/>
+            <a:ext cx="4572000" cy="3429000"/>
+          </a:xfrm>
+        </p:spPr>
+      </p:sp>
+      <p:sp>
+        <p:nvSpPr>
+          <p:cNvPr id="3" name="Notes Placeholder 2"/>
+          <p:cNvSpPr>
+            <a:spLocks noGrp="1"/>
+          </p:cNvSpPr>
+          <p:nvPr>
+            <p:ph type="body" idx="1"/>
+          </p:nvPr>
+        </p:nvSpPr>
+        <p:spPr/>
+        <p:txBody>
+          <a:bodyPr/>
+          <a:lstStyle/>
+          <a:p>
+            <a:endParaRPr lang="en-US" dirty="0"/>
+          </a:p>
+        </p:txBody>
+      </p:sp>
+      <p:sp>
+        <p:nvSpPr>
+          <p:cNvPr id="4" name="Slide Number Placeholder 3"/>
+          <p:cNvSpPr>
+            <a:spLocks noGrp="1"/>
+          </p:cNvSpPr>
+          <p:nvPr>
+            <p:ph type="sldNum" sz="quarter" idx="10"/>
+          </p:nvPr>
+        </p:nvSpPr>
+        <p:spPr/>
+        <p:txBody>
+          <a:bodyPr/>
+          <a:lstStyle/>
+          <a:p>
+            <a:fld id="{B46DC61D-F376-43F7-97B2-0F5A9328ABFE}" type="slidenum">
+              <a:rPr lang="en-US" smtClean="0"/>
+              <a:t>17</a:t>
+            </a:fld>
+            <a:endParaRPr lang="en-US"/>
+          </a:p>
+        </p:txBody>
+      </p:sp>
+    </p:spTree>
+    <p:extLst>
+      <p:ext uri="{BB962C8B-B14F-4D97-AF65-F5344CB8AC3E}">
+        <p14:creationId xmlns:p14="http://schemas.microsoft.com/office/powerpoint/2010/main" val="2525163576"/>
+      </p:ext>
+    </p:extLst>
+  </p:cSld>
+  <p:clrMapOvr>
+    <a:masterClrMapping/>
+  </p:clrMapOvr>
+</p:notes>
+</file>
+
+<file path=ppt/notesSlides/notesSlide17.xml><?xml version="1.0" encoding="utf-8"?>
+<p:notes xmlns:a="http://schemas.openxmlformats.org/drawingml/2006/main" xmlns:r="http://schemas.openxmlformats.org/officeDocument/2006/relationships" xmlns:p="http://schemas.openxmlformats.org/presentationml/2006/main">
+  <p:cSld>
+    <p:spTree>
+      <p:nvGrpSpPr>
+        <p:cNvPr id="1" name=""/>
+        <p:cNvGrpSpPr/>
+        <p:nvPr/>
+      </p:nvGrpSpPr>
+      <p:grpSpPr>
+        <a:xfrm>
+          <a:off x="0" y="0"/>
+          <a:ext cx="0" cy="0"/>
+          <a:chOff x="0" y="0"/>
+          <a:chExt cx="0" cy="0"/>
+        </a:xfrm>
+      </p:grpSpPr>
+      <p:sp>
+        <p:nvSpPr>
+          <p:cNvPr id="2" name="Slide Image Placeholder 1"/>
+          <p:cNvSpPr>
+            <a:spLocks noGrp="1" noRot="1" noChangeAspect="1"/>
+          </p:cNvSpPr>
+          <p:nvPr>
+            <p:ph type="sldImg"/>
+          </p:nvPr>
+        </p:nvSpPr>
+        <p:spPr>
+          <a:xfrm>
+            <a:off x="1143000" y="685800"/>
+            <a:ext cx="4572000" cy="3429000"/>
+          </a:xfrm>
+        </p:spPr>
+      </p:sp>
+      <p:sp>
+        <p:nvSpPr>
+          <p:cNvPr id="3" name="Notes Placeholder 2"/>
+          <p:cNvSpPr>
+            <a:spLocks noGrp="1"/>
+          </p:cNvSpPr>
+          <p:nvPr>
+            <p:ph type="body" idx="1"/>
+          </p:nvPr>
+        </p:nvSpPr>
+        <p:spPr/>
+        <p:txBody>
+          <a:bodyPr/>
+          <a:lstStyle/>
+          <a:p>
+            <a:endParaRPr lang="en-US" dirty="0"/>
+          </a:p>
+        </p:txBody>
+      </p:sp>
+      <p:sp>
+        <p:nvSpPr>
+          <p:cNvPr id="4" name="Slide Number Placeholder 3"/>
+          <p:cNvSpPr>
+            <a:spLocks noGrp="1"/>
+          </p:cNvSpPr>
+          <p:nvPr>
+            <p:ph type="sldNum" sz="quarter" idx="10"/>
+          </p:nvPr>
+        </p:nvSpPr>
+        <p:spPr/>
+        <p:txBody>
+          <a:bodyPr/>
+          <a:lstStyle/>
+          <a:p>
+            <a:fld id="{B46DC61D-F376-43F7-97B2-0F5A9328ABFE}" type="slidenum">
+              <a:rPr lang="en-US" smtClean="0"/>
+              <a:t>18</a:t>
+            </a:fld>
+            <a:endParaRPr lang="en-US"/>
+          </a:p>
+        </p:txBody>
+      </p:sp>
+    </p:spTree>
+    <p:extLst>
+      <p:ext uri="{BB962C8B-B14F-4D97-AF65-F5344CB8AC3E}">
+        <p14:creationId xmlns:p14="http://schemas.microsoft.com/office/powerpoint/2010/main" val="2525163576"/>
+      </p:ext>
+    </p:extLst>
+  </p:cSld>
+  <p:clrMapOvr>
+    <a:masterClrMapping/>
+  </p:clrMapOvr>
+</p:notes>
+</file>
+
+<file path=ppt/notesSlides/notesSlide18.xml><?xml version="1.0" encoding="utf-8"?>
+<p:notes xmlns:a="http://schemas.openxmlformats.org/drawingml/2006/main" xmlns:r="http://schemas.openxmlformats.org/officeDocument/2006/relationships" xmlns:p="http://schemas.openxmlformats.org/presentationml/2006/main">
+  <p:cSld>
+    <p:spTree>
+      <p:nvGrpSpPr>
+        <p:cNvPr id="1" name=""/>
+        <p:cNvGrpSpPr/>
+        <p:nvPr/>
+      </p:nvGrpSpPr>
+      <p:grpSpPr>
+        <a:xfrm>
+          <a:off x="0" y="0"/>
+          <a:ext cx="0" cy="0"/>
+          <a:chOff x="0" y="0"/>
+          <a:chExt cx="0" cy="0"/>
+        </a:xfrm>
+      </p:grpSpPr>
+      <p:sp>
+        <p:nvSpPr>
+          <p:cNvPr id="2" name="Slide Image Placeholder 1"/>
+          <p:cNvSpPr>
+            <a:spLocks noGrp="1" noRot="1" noChangeAspect="1"/>
+          </p:cNvSpPr>
+          <p:nvPr>
+            <p:ph type="sldImg"/>
+          </p:nvPr>
+        </p:nvSpPr>
+        <p:spPr>
+          <a:xfrm>
+            <a:off x="1143000" y="685800"/>
+            <a:ext cx="4572000" cy="3429000"/>
+          </a:xfrm>
+        </p:spPr>
+      </p:sp>
+      <p:sp>
+        <p:nvSpPr>
+          <p:cNvPr id="3" name="Notes Placeholder 2"/>
+          <p:cNvSpPr>
+            <a:spLocks noGrp="1"/>
+          </p:cNvSpPr>
+          <p:nvPr>
+            <p:ph type="body" idx="1"/>
+          </p:nvPr>
+        </p:nvSpPr>
+        <p:spPr/>
+        <p:txBody>
+          <a:bodyPr/>
+          <a:lstStyle/>
+          <a:p>
+            <a:endParaRPr lang="en-US" dirty="0"/>
+          </a:p>
+        </p:txBody>
+      </p:sp>
+      <p:sp>
+        <p:nvSpPr>
+          <p:cNvPr id="4" name="Slide Number Placeholder 3"/>
+          <p:cNvSpPr>
+            <a:spLocks noGrp="1"/>
+          </p:cNvSpPr>
+          <p:nvPr>
+            <p:ph type="sldNum" sz="quarter" idx="10"/>
+          </p:nvPr>
+        </p:nvSpPr>
+        <p:spPr/>
+        <p:txBody>
+          <a:bodyPr/>
+          <a:lstStyle/>
+          <a:p>
+            <a:fld id="{B46DC61D-F376-43F7-97B2-0F5A9328ABFE}" type="slidenum">
+              <a:rPr lang="en-US" smtClean="0"/>
+              <a:t>19</a:t>
+            </a:fld>
+            <a:endParaRPr lang="en-US"/>
+          </a:p>
+        </p:txBody>
+      </p:sp>
+    </p:spTree>
+    <p:extLst>
+      <p:ext uri="{BB962C8B-B14F-4D97-AF65-F5344CB8AC3E}">
+        <p14:creationId xmlns:p14="http://schemas.microsoft.com/office/powerpoint/2010/main" val="2525163576"/>
+      </p:ext>
+    </p:extLst>
+  </p:cSld>
+  <p:clrMapOvr>
+    <a:masterClrMapping/>
+  </p:clrMapOvr>
+</p:notes>
+</file>
+
+<file path=ppt/notesSlides/notesSlide19.xml><?xml version="1.0" encoding="utf-8"?>
+<p:notes xmlns:a="http://schemas.openxmlformats.org/drawingml/2006/main" xmlns:r="http://schemas.openxmlformats.org/officeDocument/2006/relationships" xmlns:p="http://schemas.openxmlformats.org/presentationml/2006/main">
+  <p:cSld>
+    <p:spTree>
+      <p:nvGrpSpPr>
+        <p:cNvPr id="1" name=""/>
+        <p:cNvGrpSpPr/>
+        <p:nvPr/>
+      </p:nvGrpSpPr>
+      <p:grpSpPr>
+        <a:xfrm>
+          <a:off x="0" y="0"/>
+          <a:ext cx="0" cy="0"/>
+          <a:chOff x="0" y="0"/>
+          <a:chExt cx="0" cy="0"/>
+        </a:xfrm>
+      </p:grpSpPr>
+      <p:sp>
+        <p:nvSpPr>
+          <p:cNvPr id="2" name="Slide Image Placeholder 1"/>
+          <p:cNvSpPr>
+            <a:spLocks noGrp="1" noRot="1" noChangeAspect="1"/>
+          </p:cNvSpPr>
+          <p:nvPr>
+            <p:ph type="sldImg"/>
+          </p:nvPr>
+        </p:nvSpPr>
+        <p:spPr>
+          <a:xfrm>
+            <a:off x="1143000" y="685800"/>
+            <a:ext cx="4572000" cy="3429000"/>
+          </a:xfrm>
+        </p:spPr>
+      </p:sp>
+      <p:sp>
+        <p:nvSpPr>
+          <p:cNvPr id="3" name="Notes Placeholder 2"/>
+          <p:cNvSpPr>
+            <a:spLocks noGrp="1"/>
+          </p:cNvSpPr>
+          <p:nvPr>
+            <p:ph type="body" idx="1"/>
+          </p:nvPr>
+        </p:nvSpPr>
+        <p:spPr/>
+        <p:txBody>
+          <a:bodyPr/>
+          <a:lstStyle/>
+          <a:p>
+            <a:endParaRPr lang="en-US" dirty="0"/>
+          </a:p>
+        </p:txBody>
+      </p:sp>
+      <p:sp>
+        <p:nvSpPr>
+          <p:cNvPr id="4" name="Slide Number Placeholder 3"/>
+          <p:cNvSpPr>
+            <a:spLocks noGrp="1"/>
+          </p:cNvSpPr>
+          <p:nvPr>
+            <p:ph type="sldNum" sz="quarter" idx="10"/>
+          </p:nvPr>
+        </p:nvSpPr>
+        <p:spPr/>
+        <p:txBody>
+          <a:bodyPr/>
+          <a:lstStyle/>
+          <a:p>
+            <a:fld id="{B46DC61D-F376-43F7-97B2-0F5A9328ABFE}" type="slidenum">
+              <a:rPr lang="en-US" smtClean="0"/>
+              <a:t>20</a:t>
+            </a:fld>
+            <a:endParaRPr lang="en-US"/>
+          </a:p>
+        </p:txBody>
+      </p:sp>
+    </p:spTree>
+    <p:extLst>
+      <p:ext uri="{BB962C8B-B14F-4D97-AF65-F5344CB8AC3E}">
+        <p14:creationId xmlns:p14="http://schemas.microsoft.com/office/powerpoint/2010/main" val="2525163576"/>
+      </p:ext>
+    </p:extLst>
+  </p:cSld>
+  <p:clrMapOvr>
+    <a:masterClrMapping/>
+  </p:clrMapOvr>
+</p:notes>
+</file>
+
 <file path=ppt/notesSlides/notesSlide2.xml><?xml version="1.0" encoding="utf-8"?>
 <p:notes xmlns:a="http://schemas.openxmlformats.org/drawingml/2006/main" xmlns:r="http://schemas.openxmlformats.org/officeDocument/2006/relationships" xmlns:p="http://schemas.openxmlformats.org/presentationml/2006/main">
   <p:cSld>
@@ -651,6 +1557,451 @@
     <p:extLst>
       <p:ext uri="{BB962C8B-B14F-4D97-AF65-F5344CB8AC3E}">
         <p14:creationId xmlns:p14="http://schemas.microsoft.com/office/powerpoint/2010/main" val="939792030"/>
+      </p:ext>
+    </p:extLst>
+  </p:cSld>
+  <p:clrMapOvr>
+    <a:masterClrMapping/>
+  </p:clrMapOvr>
+</p:notes>
+</file>
+
+<file path=ppt/notesSlides/notesSlide20.xml><?xml version="1.0" encoding="utf-8"?>
+<p:notes xmlns:a="http://schemas.openxmlformats.org/drawingml/2006/main" xmlns:r="http://schemas.openxmlformats.org/officeDocument/2006/relationships" xmlns:p="http://schemas.openxmlformats.org/presentationml/2006/main">
+  <p:cSld>
+    <p:spTree>
+      <p:nvGrpSpPr>
+        <p:cNvPr id="1" name=""/>
+        <p:cNvGrpSpPr/>
+        <p:nvPr/>
+      </p:nvGrpSpPr>
+      <p:grpSpPr>
+        <a:xfrm>
+          <a:off x="0" y="0"/>
+          <a:ext cx="0" cy="0"/>
+          <a:chOff x="0" y="0"/>
+          <a:chExt cx="0" cy="0"/>
+        </a:xfrm>
+      </p:grpSpPr>
+      <p:sp>
+        <p:nvSpPr>
+          <p:cNvPr id="2" name="Slide Image Placeholder 1"/>
+          <p:cNvSpPr>
+            <a:spLocks noGrp="1" noRot="1" noChangeAspect="1"/>
+          </p:cNvSpPr>
+          <p:nvPr>
+            <p:ph type="sldImg"/>
+          </p:nvPr>
+        </p:nvSpPr>
+        <p:spPr>
+          <a:xfrm>
+            <a:off x="1143000" y="685800"/>
+            <a:ext cx="4572000" cy="3429000"/>
+          </a:xfrm>
+        </p:spPr>
+      </p:sp>
+      <p:sp>
+        <p:nvSpPr>
+          <p:cNvPr id="3" name="Notes Placeholder 2"/>
+          <p:cNvSpPr>
+            <a:spLocks noGrp="1"/>
+          </p:cNvSpPr>
+          <p:nvPr>
+            <p:ph type="body" idx="1"/>
+          </p:nvPr>
+        </p:nvSpPr>
+        <p:spPr/>
+        <p:txBody>
+          <a:bodyPr/>
+          <a:lstStyle/>
+          <a:p>
+            <a:endParaRPr lang="en-US" dirty="0"/>
+          </a:p>
+        </p:txBody>
+      </p:sp>
+      <p:sp>
+        <p:nvSpPr>
+          <p:cNvPr id="4" name="Slide Number Placeholder 3"/>
+          <p:cNvSpPr>
+            <a:spLocks noGrp="1"/>
+          </p:cNvSpPr>
+          <p:nvPr>
+            <p:ph type="sldNum" sz="quarter" idx="10"/>
+          </p:nvPr>
+        </p:nvSpPr>
+        <p:spPr/>
+        <p:txBody>
+          <a:bodyPr/>
+          <a:lstStyle/>
+          <a:p>
+            <a:fld id="{B46DC61D-F376-43F7-97B2-0F5A9328ABFE}" type="slidenum">
+              <a:rPr lang="en-US" smtClean="0"/>
+              <a:t>21</a:t>
+            </a:fld>
+            <a:endParaRPr lang="en-US"/>
+          </a:p>
+        </p:txBody>
+      </p:sp>
+    </p:spTree>
+    <p:extLst>
+      <p:ext uri="{BB962C8B-B14F-4D97-AF65-F5344CB8AC3E}">
+        <p14:creationId xmlns:p14="http://schemas.microsoft.com/office/powerpoint/2010/main" val="2525163576"/>
+      </p:ext>
+    </p:extLst>
+  </p:cSld>
+  <p:clrMapOvr>
+    <a:masterClrMapping/>
+  </p:clrMapOvr>
+</p:notes>
+</file>
+
+<file path=ppt/notesSlides/notesSlide21.xml><?xml version="1.0" encoding="utf-8"?>
+<p:notes xmlns:a="http://schemas.openxmlformats.org/drawingml/2006/main" xmlns:r="http://schemas.openxmlformats.org/officeDocument/2006/relationships" xmlns:p="http://schemas.openxmlformats.org/presentationml/2006/main">
+  <p:cSld>
+    <p:spTree>
+      <p:nvGrpSpPr>
+        <p:cNvPr id="1" name=""/>
+        <p:cNvGrpSpPr/>
+        <p:nvPr/>
+      </p:nvGrpSpPr>
+      <p:grpSpPr>
+        <a:xfrm>
+          <a:off x="0" y="0"/>
+          <a:ext cx="0" cy="0"/>
+          <a:chOff x="0" y="0"/>
+          <a:chExt cx="0" cy="0"/>
+        </a:xfrm>
+      </p:grpSpPr>
+      <p:sp>
+        <p:nvSpPr>
+          <p:cNvPr id="2" name="Slide Image Placeholder 1"/>
+          <p:cNvSpPr>
+            <a:spLocks noGrp="1" noRot="1" noChangeAspect="1"/>
+          </p:cNvSpPr>
+          <p:nvPr>
+            <p:ph type="sldImg"/>
+          </p:nvPr>
+        </p:nvSpPr>
+        <p:spPr>
+          <a:xfrm>
+            <a:off x="1143000" y="685800"/>
+            <a:ext cx="4572000" cy="3429000"/>
+          </a:xfrm>
+        </p:spPr>
+      </p:sp>
+      <p:sp>
+        <p:nvSpPr>
+          <p:cNvPr id="3" name="Notes Placeholder 2"/>
+          <p:cNvSpPr>
+            <a:spLocks noGrp="1"/>
+          </p:cNvSpPr>
+          <p:nvPr>
+            <p:ph type="body" idx="1"/>
+          </p:nvPr>
+        </p:nvSpPr>
+        <p:spPr/>
+        <p:txBody>
+          <a:bodyPr/>
+          <a:lstStyle/>
+          <a:p>
+            <a:endParaRPr lang="en-US" dirty="0"/>
+          </a:p>
+        </p:txBody>
+      </p:sp>
+      <p:sp>
+        <p:nvSpPr>
+          <p:cNvPr id="4" name="Slide Number Placeholder 3"/>
+          <p:cNvSpPr>
+            <a:spLocks noGrp="1"/>
+          </p:cNvSpPr>
+          <p:nvPr>
+            <p:ph type="sldNum" sz="quarter" idx="10"/>
+          </p:nvPr>
+        </p:nvSpPr>
+        <p:spPr/>
+        <p:txBody>
+          <a:bodyPr/>
+          <a:lstStyle/>
+          <a:p>
+            <a:fld id="{B46DC61D-F376-43F7-97B2-0F5A9328ABFE}" type="slidenum">
+              <a:rPr lang="en-US" smtClean="0"/>
+              <a:t>22</a:t>
+            </a:fld>
+            <a:endParaRPr lang="en-US"/>
+          </a:p>
+        </p:txBody>
+      </p:sp>
+    </p:spTree>
+    <p:extLst>
+      <p:ext uri="{BB962C8B-B14F-4D97-AF65-F5344CB8AC3E}">
+        <p14:creationId xmlns:p14="http://schemas.microsoft.com/office/powerpoint/2010/main" val="2525163576"/>
+      </p:ext>
+    </p:extLst>
+  </p:cSld>
+  <p:clrMapOvr>
+    <a:masterClrMapping/>
+  </p:clrMapOvr>
+</p:notes>
+</file>
+
+<file path=ppt/notesSlides/notesSlide22.xml><?xml version="1.0" encoding="utf-8"?>
+<p:notes xmlns:a="http://schemas.openxmlformats.org/drawingml/2006/main" xmlns:r="http://schemas.openxmlformats.org/officeDocument/2006/relationships" xmlns:p="http://schemas.openxmlformats.org/presentationml/2006/main">
+  <p:cSld>
+    <p:spTree>
+      <p:nvGrpSpPr>
+        <p:cNvPr id="1" name=""/>
+        <p:cNvGrpSpPr/>
+        <p:nvPr/>
+      </p:nvGrpSpPr>
+      <p:grpSpPr>
+        <a:xfrm>
+          <a:off x="0" y="0"/>
+          <a:ext cx="0" cy="0"/>
+          <a:chOff x="0" y="0"/>
+          <a:chExt cx="0" cy="0"/>
+        </a:xfrm>
+      </p:grpSpPr>
+      <p:sp>
+        <p:nvSpPr>
+          <p:cNvPr id="2" name="Slide Image Placeholder 1"/>
+          <p:cNvSpPr>
+            <a:spLocks noGrp="1" noRot="1" noChangeAspect="1"/>
+          </p:cNvSpPr>
+          <p:nvPr>
+            <p:ph type="sldImg"/>
+          </p:nvPr>
+        </p:nvSpPr>
+        <p:spPr>
+          <a:xfrm>
+            <a:off x="1143000" y="685800"/>
+            <a:ext cx="4572000" cy="3429000"/>
+          </a:xfrm>
+        </p:spPr>
+      </p:sp>
+      <p:sp>
+        <p:nvSpPr>
+          <p:cNvPr id="3" name="Notes Placeholder 2"/>
+          <p:cNvSpPr>
+            <a:spLocks noGrp="1"/>
+          </p:cNvSpPr>
+          <p:nvPr>
+            <p:ph type="body" idx="1"/>
+          </p:nvPr>
+        </p:nvSpPr>
+        <p:spPr/>
+        <p:txBody>
+          <a:bodyPr/>
+          <a:lstStyle/>
+          <a:p>
+            <a:endParaRPr lang="en-US" dirty="0"/>
+          </a:p>
+        </p:txBody>
+      </p:sp>
+      <p:sp>
+        <p:nvSpPr>
+          <p:cNvPr id="4" name="Slide Number Placeholder 3"/>
+          <p:cNvSpPr>
+            <a:spLocks noGrp="1"/>
+          </p:cNvSpPr>
+          <p:nvPr>
+            <p:ph type="sldNum" sz="quarter" idx="10"/>
+          </p:nvPr>
+        </p:nvSpPr>
+        <p:spPr/>
+        <p:txBody>
+          <a:bodyPr/>
+          <a:lstStyle/>
+          <a:p>
+            <a:fld id="{B46DC61D-F376-43F7-97B2-0F5A9328ABFE}" type="slidenum">
+              <a:rPr lang="en-US" smtClean="0"/>
+              <a:t>23</a:t>
+            </a:fld>
+            <a:endParaRPr lang="en-US"/>
+          </a:p>
+        </p:txBody>
+      </p:sp>
+    </p:spTree>
+    <p:extLst>
+      <p:ext uri="{BB962C8B-B14F-4D97-AF65-F5344CB8AC3E}">
+        <p14:creationId xmlns:p14="http://schemas.microsoft.com/office/powerpoint/2010/main" val="2525163576"/>
+      </p:ext>
+    </p:extLst>
+  </p:cSld>
+  <p:clrMapOvr>
+    <a:masterClrMapping/>
+  </p:clrMapOvr>
+</p:notes>
+</file>
+
+<file path=ppt/notesSlides/notesSlide23.xml><?xml version="1.0" encoding="utf-8"?>
+<p:notes xmlns:a="http://schemas.openxmlformats.org/drawingml/2006/main" xmlns:r="http://schemas.openxmlformats.org/officeDocument/2006/relationships" xmlns:p="http://schemas.openxmlformats.org/presentationml/2006/main">
+  <p:cSld>
+    <p:spTree>
+      <p:nvGrpSpPr>
+        <p:cNvPr id="1" name=""/>
+        <p:cNvGrpSpPr/>
+        <p:nvPr/>
+      </p:nvGrpSpPr>
+      <p:grpSpPr>
+        <a:xfrm>
+          <a:off x="0" y="0"/>
+          <a:ext cx="0" cy="0"/>
+          <a:chOff x="0" y="0"/>
+          <a:chExt cx="0" cy="0"/>
+        </a:xfrm>
+      </p:grpSpPr>
+      <p:sp>
+        <p:nvSpPr>
+          <p:cNvPr id="2" name="Slide Image Placeholder 1"/>
+          <p:cNvSpPr>
+            <a:spLocks noGrp="1" noRot="1" noChangeAspect="1"/>
+          </p:cNvSpPr>
+          <p:nvPr>
+            <p:ph type="sldImg"/>
+          </p:nvPr>
+        </p:nvSpPr>
+        <p:spPr>
+          <a:xfrm>
+            <a:off x="1143000" y="685800"/>
+            <a:ext cx="4572000" cy="3429000"/>
+          </a:xfrm>
+        </p:spPr>
+      </p:sp>
+      <p:sp>
+        <p:nvSpPr>
+          <p:cNvPr id="3" name="Notes Placeholder 2"/>
+          <p:cNvSpPr>
+            <a:spLocks noGrp="1"/>
+          </p:cNvSpPr>
+          <p:nvPr>
+            <p:ph type="body" idx="1"/>
+          </p:nvPr>
+        </p:nvSpPr>
+        <p:spPr/>
+        <p:txBody>
+          <a:bodyPr/>
+          <a:lstStyle/>
+          <a:p>
+            <a:endParaRPr lang="en-US" dirty="0"/>
+          </a:p>
+        </p:txBody>
+      </p:sp>
+      <p:sp>
+        <p:nvSpPr>
+          <p:cNvPr id="4" name="Slide Number Placeholder 3"/>
+          <p:cNvSpPr>
+            <a:spLocks noGrp="1"/>
+          </p:cNvSpPr>
+          <p:nvPr>
+            <p:ph type="sldNum" sz="quarter" idx="10"/>
+          </p:nvPr>
+        </p:nvSpPr>
+        <p:spPr/>
+        <p:txBody>
+          <a:bodyPr/>
+          <a:lstStyle/>
+          <a:p>
+            <a:fld id="{B46DC61D-F376-43F7-97B2-0F5A9328ABFE}" type="slidenum">
+              <a:rPr lang="en-US" smtClean="0"/>
+              <a:t>25</a:t>
+            </a:fld>
+            <a:endParaRPr lang="en-US"/>
+          </a:p>
+        </p:txBody>
+      </p:sp>
+    </p:spTree>
+    <p:extLst>
+      <p:ext uri="{BB962C8B-B14F-4D97-AF65-F5344CB8AC3E}">
+        <p14:creationId xmlns:p14="http://schemas.microsoft.com/office/powerpoint/2010/main" val="2525163576"/>
+      </p:ext>
+    </p:extLst>
+  </p:cSld>
+  <p:clrMapOvr>
+    <a:masterClrMapping/>
+  </p:clrMapOvr>
+</p:notes>
+</file>
+
+<file path=ppt/notesSlides/notesSlide24.xml><?xml version="1.0" encoding="utf-8"?>
+<p:notes xmlns:a="http://schemas.openxmlformats.org/drawingml/2006/main" xmlns:r="http://schemas.openxmlformats.org/officeDocument/2006/relationships" xmlns:p="http://schemas.openxmlformats.org/presentationml/2006/main">
+  <p:cSld>
+    <p:spTree>
+      <p:nvGrpSpPr>
+        <p:cNvPr id="1" name=""/>
+        <p:cNvGrpSpPr/>
+        <p:nvPr/>
+      </p:nvGrpSpPr>
+      <p:grpSpPr>
+        <a:xfrm>
+          <a:off x="0" y="0"/>
+          <a:ext cx="0" cy="0"/>
+          <a:chOff x="0" y="0"/>
+          <a:chExt cx="0" cy="0"/>
+        </a:xfrm>
+      </p:grpSpPr>
+      <p:sp>
+        <p:nvSpPr>
+          <p:cNvPr id="2" name="Slide Image Placeholder 1"/>
+          <p:cNvSpPr>
+            <a:spLocks noGrp="1" noRot="1" noChangeAspect="1"/>
+          </p:cNvSpPr>
+          <p:nvPr>
+            <p:ph type="sldImg"/>
+          </p:nvPr>
+        </p:nvSpPr>
+        <p:spPr>
+          <a:xfrm>
+            <a:off x="1143000" y="685800"/>
+            <a:ext cx="4572000" cy="3429000"/>
+          </a:xfrm>
+        </p:spPr>
+      </p:sp>
+      <p:sp>
+        <p:nvSpPr>
+          <p:cNvPr id="3" name="Notes Placeholder 2"/>
+          <p:cNvSpPr>
+            <a:spLocks noGrp="1"/>
+          </p:cNvSpPr>
+          <p:nvPr>
+            <p:ph type="body" idx="1"/>
+          </p:nvPr>
+        </p:nvSpPr>
+        <p:spPr/>
+        <p:txBody>
+          <a:bodyPr/>
+          <a:lstStyle/>
+          <a:p>
+            <a:endParaRPr lang="en-US" dirty="0"/>
+          </a:p>
+        </p:txBody>
+      </p:sp>
+      <p:sp>
+        <p:nvSpPr>
+          <p:cNvPr id="4" name="Slide Number Placeholder 3"/>
+          <p:cNvSpPr>
+            <a:spLocks noGrp="1"/>
+          </p:cNvSpPr>
+          <p:nvPr>
+            <p:ph type="sldNum" sz="quarter" idx="10"/>
+          </p:nvPr>
+        </p:nvSpPr>
+        <p:spPr/>
+        <p:txBody>
+          <a:bodyPr/>
+          <a:lstStyle/>
+          <a:p>
+            <a:fld id="{B46DC61D-F376-43F7-97B2-0F5A9328ABFE}" type="slidenum">
+              <a:rPr lang="en-US" smtClean="0"/>
+              <a:t>26</a:t>
+            </a:fld>
+            <a:endParaRPr lang="en-US"/>
+          </a:p>
+        </p:txBody>
+      </p:sp>
+    </p:spTree>
+    <p:extLst>
+      <p:ext uri="{BB962C8B-B14F-4D97-AF65-F5344CB8AC3E}">
+        <p14:creationId xmlns:p14="http://schemas.microsoft.com/office/powerpoint/2010/main" val="2525163576"/>
       </p:ext>
     </p:extLst>
   </p:cSld>
@@ -1176,6 +2527,95 @@
             <a:fld id="{B46DC61D-F376-43F7-97B2-0F5A9328ABFE}" type="slidenum">
               <a:rPr lang="en-US" smtClean="0"/>
               <a:t>9</a:t>
+            </a:fld>
+            <a:endParaRPr lang="en-US"/>
+          </a:p>
+        </p:txBody>
+      </p:sp>
+    </p:spTree>
+    <p:extLst>
+      <p:ext uri="{BB962C8B-B14F-4D97-AF65-F5344CB8AC3E}">
+        <p14:creationId xmlns:p14="http://schemas.microsoft.com/office/powerpoint/2010/main" val="2525163576"/>
+      </p:ext>
+    </p:extLst>
+  </p:cSld>
+  <p:clrMapOvr>
+    <a:masterClrMapping/>
+  </p:clrMapOvr>
+</p:notes>
+</file>
+
+<file path=ppt/notesSlides/notesSlide9.xml><?xml version="1.0" encoding="utf-8"?>
+<p:notes xmlns:a="http://schemas.openxmlformats.org/drawingml/2006/main" xmlns:r="http://schemas.openxmlformats.org/officeDocument/2006/relationships" xmlns:p="http://schemas.openxmlformats.org/presentationml/2006/main">
+  <p:cSld>
+    <p:spTree>
+      <p:nvGrpSpPr>
+        <p:cNvPr id="1" name=""/>
+        <p:cNvGrpSpPr/>
+        <p:nvPr/>
+      </p:nvGrpSpPr>
+      <p:grpSpPr>
+        <a:xfrm>
+          <a:off x="0" y="0"/>
+          <a:ext cx="0" cy="0"/>
+          <a:chOff x="0" y="0"/>
+          <a:chExt cx="0" cy="0"/>
+        </a:xfrm>
+      </p:grpSpPr>
+      <p:sp>
+        <p:nvSpPr>
+          <p:cNvPr id="2" name="Slide Image Placeholder 1"/>
+          <p:cNvSpPr>
+            <a:spLocks noGrp="1" noRot="1" noChangeAspect="1"/>
+          </p:cNvSpPr>
+          <p:nvPr>
+            <p:ph type="sldImg"/>
+          </p:nvPr>
+        </p:nvSpPr>
+        <p:spPr>
+          <a:xfrm>
+            <a:off x="1143000" y="685800"/>
+            <a:ext cx="4572000" cy="3429000"/>
+          </a:xfrm>
+        </p:spPr>
+      </p:sp>
+      <p:sp>
+        <p:nvSpPr>
+          <p:cNvPr id="3" name="Notes Placeholder 2"/>
+          <p:cNvSpPr>
+            <a:spLocks noGrp="1"/>
+          </p:cNvSpPr>
+          <p:nvPr>
+            <p:ph type="body" idx="1"/>
+          </p:nvPr>
+        </p:nvSpPr>
+        <p:spPr/>
+        <p:txBody>
+          <a:bodyPr/>
+          <a:lstStyle/>
+          <a:p>
+            <a:endParaRPr lang="en-US" dirty="0"/>
+          </a:p>
+        </p:txBody>
+      </p:sp>
+      <p:sp>
+        <p:nvSpPr>
+          <p:cNvPr id="4" name="Slide Number Placeholder 3"/>
+          <p:cNvSpPr>
+            <a:spLocks noGrp="1"/>
+          </p:cNvSpPr>
+          <p:nvPr>
+            <p:ph type="sldNum" sz="quarter" idx="10"/>
+          </p:nvPr>
+        </p:nvSpPr>
+        <p:spPr/>
+        <p:txBody>
+          <a:bodyPr/>
+          <a:lstStyle/>
+          <a:p>
+            <a:fld id="{B46DC61D-F376-43F7-97B2-0F5A9328ABFE}" type="slidenum">
+              <a:rPr lang="en-US" smtClean="0"/>
+              <a:t>10</a:t>
             </a:fld>
             <a:endParaRPr lang="en-US"/>
           </a:p>
@@ -4120,17 +5560,6 @@
 <file path=ppt/slides/slide10.xml><?xml version="1.0" encoding="utf-8"?>
 <p:sld xmlns:a="http://schemas.openxmlformats.org/drawingml/2006/main" xmlns:r="http://schemas.openxmlformats.org/officeDocument/2006/relationships" xmlns:p="http://schemas.openxmlformats.org/presentationml/2006/main">
   <p:cSld>
-    <p:bg>
-      <p:bgPr>
-        <a:solidFill>
-          <a:schemeClr val="tx1">
-            <a:lumMod val="85000"/>
-            <a:lumOff val="15000"/>
-          </a:schemeClr>
-        </a:solidFill>
-        <a:effectLst/>
-      </p:bgPr>
-    </p:bg>
     <p:spTree>
       <p:nvGrpSpPr>
         <p:cNvPr id="1" name=""/>
@@ -4147,19 +5576,61 @@
       </p:grpSpPr>
       <p:sp>
         <p:nvSpPr>
+          <p:cNvPr id="3" name="TextBox 2"/>
+          <p:cNvSpPr txBox="1"/>
+          <p:nvPr/>
+        </p:nvSpPr>
+        <p:spPr>
+          <a:xfrm>
+            <a:off x="0" y="152402"/>
+            <a:ext cx="1371600" cy="338554"/>
+          </a:xfrm>
+          <a:prstGeom prst="rect">
+            <a:avLst/>
+          </a:prstGeom>
+          <a:solidFill>
+            <a:schemeClr val="tx1">
+              <a:lumMod val="85000"/>
+              <a:lumOff val="15000"/>
+            </a:schemeClr>
+          </a:solidFill>
+        </p:spPr>
+        <p:txBody>
+          <a:bodyPr wrap="square" rtlCol="0">
+            <a:spAutoFit/>
+          </a:bodyPr>
+          <a:lstStyle/>
+          <a:p>
+            <a:pPr algn="ctr"/>
+            <a:r>
+              <a:rPr lang="en-US" sz="1600" b="1" dirty="0">
+                <a:solidFill>
+                  <a:schemeClr val="bg1"/>
+                </a:solidFill>
+                <a:latin typeface="Candara" panose="020E0502030303020204" pitchFamily="34" charset="0"/>
+              </a:rPr>
+              <a:t>JAVASCRIPT</a:t>
+            </a:r>
+          </a:p>
+        </p:txBody>
+      </p:sp>
+      <p:sp>
+        <p:nvSpPr>
           <p:cNvPr id="4" name="TextBox 3"/>
           <p:cNvSpPr txBox="1"/>
           <p:nvPr/>
         </p:nvSpPr>
         <p:spPr>
           <a:xfrm>
-            <a:off x="609600" y="3124201"/>
-            <a:ext cx="5257800" cy="523220"/>
+            <a:off x="7027333" y="159446"/>
+            <a:ext cx="2124043" cy="338554"/>
           </a:xfrm>
           <a:prstGeom prst="rect">
             <a:avLst/>
           </a:prstGeom>
-          <a:noFill/>
+          <a:solidFill>
+            <a:schemeClr val="accent5"/>
+          </a:solidFill>
         </p:spPr>
         <p:txBody>
           <a:bodyPr wrap="square" rtlCol="0">
@@ -4167,30 +5638,87 @@
           </a:bodyPr>
           <a:lstStyle/>
           <a:p>
-            <a:r>
-              <a:rPr lang="en-US" sz="2800" b="1" dirty="0" err="1" smtClean="0">
+            <a:pPr algn="ctr"/>
+            <a:r>
+              <a:rPr lang="en-US" sz="1600" b="1" dirty="0" smtClean="0">
                 <a:solidFill>
                   <a:schemeClr val="bg1"/>
                 </a:solidFill>
                 <a:latin typeface="Candara" panose="020E0502030303020204" pitchFamily="34" charset="0"/>
-                <a:cs typeface="Iskoola Pota" panose="020B0502040204020203" pitchFamily="34" charset="0"/>
-              </a:rPr>
-              <a:t>jQuery</a:t>
-            </a:r>
-            <a:endParaRPr lang="en-US" sz="2800" b="1" dirty="0">
+              </a:rPr>
+              <a:t>NUMBER &amp; STRINGS</a:t>
+            </a:r>
+            <a:endParaRPr lang="en-US" sz="1600" b="1" dirty="0">
               <a:solidFill>
                 <a:schemeClr val="bg1"/>
               </a:solidFill>
               <a:latin typeface="Candara" panose="020E0502030303020204" pitchFamily="34" charset="0"/>
-              <a:cs typeface="Iskoola Pota" panose="020B0502040204020203" pitchFamily="34" charset="0"/>
             </a:endParaRPr>
           </a:p>
         </p:txBody>
       </p:sp>
+      <p:sp>
+        <p:nvSpPr>
+          <p:cNvPr id="2" name="Rectangle 1"/>
+          <p:cNvSpPr/>
+          <p:nvPr/>
+        </p:nvSpPr>
+        <p:spPr>
+          <a:xfrm>
+            <a:off x="4542606" y="6535708"/>
+            <a:ext cx="249287" cy="400110"/>
+          </a:xfrm>
+          <a:prstGeom prst="rect">
+            <a:avLst/>
+          </a:prstGeom>
+        </p:spPr>
+        <p:txBody>
+          <a:bodyPr wrap="none">
+            <a:spAutoFit/>
+          </a:bodyPr>
+          <a:lstStyle/>
+          <a:p>
+            <a:r>
+              <a:rPr lang="en-US" sz="2000" dirty="0">
+                <a:solidFill>
+                  <a:srgbClr val="ED7D31"/>
+                </a:solidFill>
+                <a:latin typeface="Candara" panose="020E0502030303020204" pitchFamily="34" charset="0"/>
+              </a:rPr>
+              <a:t>, </a:t>
+            </a:r>
+            <a:endParaRPr lang="en-US" dirty="0"/>
+          </a:p>
+        </p:txBody>
+      </p:sp>
+      <p:pic>
+        <p:nvPicPr>
+          <p:cNvPr id="7" name="Picture 6"/>
+          <p:cNvPicPr>
+            <a:picLocks noChangeAspect="1"/>
+          </p:cNvPicPr>
+          <p:nvPr/>
+        </p:nvPicPr>
+        <p:blipFill>
+          <a:blip r:embed="rId3"/>
+          <a:stretch>
+            <a:fillRect/>
+          </a:stretch>
+        </p:blipFill>
+        <p:spPr>
+          <a:xfrm>
+            <a:off x="338666" y="685123"/>
+            <a:ext cx="8285239" cy="6140825"/>
+          </a:xfrm>
+          <a:prstGeom prst="rect">
+            <a:avLst/>
+          </a:prstGeom>
+        </p:spPr>
+      </p:pic>
     </p:spTree>
     <p:extLst>
       <p:ext uri="{BB962C8B-B14F-4D97-AF65-F5344CB8AC3E}">
-        <p14:creationId xmlns:p14="http://schemas.microsoft.com/office/powerpoint/2010/main" val="2813627542"/>
+        <p14:creationId xmlns:p14="http://schemas.microsoft.com/office/powerpoint/2010/main" val="4026564961"/>
       </p:ext>
     </p:extLst>
   </p:cSld>
@@ -4210,17 +5738,6 @@
 <file path=ppt/slides/slide11.xml><?xml version="1.0" encoding="utf-8"?>
 <p:sld xmlns:a="http://schemas.openxmlformats.org/drawingml/2006/main" xmlns:r="http://schemas.openxmlformats.org/officeDocument/2006/relationships" xmlns:p="http://schemas.openxmlformats.org/presentationml/2006/main">
   <p:cSld>
-    <p:bg>
-      <p:bgPr>
-        <a:solidFill>
-          <a:schemeClr val="tx1">
-            <a:lumMod val="85000"/>
-            <a:lumOff val="15000"/>
-          </a:schemeClr>
-        </a:solidFill>
-        <a:effectLst/>
-      </p:bgPr>
-    </p:bg>
     <p:spTree>
       <p:nvGrpSpPr>
         <p:cNvPr id="1" name=""/>
@@ -4237,19 +5754,61 @@
       </p:grpSpPr>
       <p:sp>
         <p:nvSpPr>
+          <p:cNvPr id="3" name="TextBox 2"/>
+          <p:cNvSpPr txBox="1"/>
+          <p:nvPr/>
+        </p:nvSpPr>
+        <p:spPr>
+          <a:xfrm>
+            <a:off x="0" y="152402"/>
+            <a:ext cx="1371600" cy="338554"/>
+          </a:xfrm>
+          <a:prstGeom prst="rect">
+            <a:avLst/>
+          </a:prstGeom>
+          <a:solidFill>
+            <a:schemeClr val="tx1">
+              <a:lumMod val="85000"/>
+              <a:lumOff val="15000"/>
+            </a:schemeClr>
+          </a:solidFill>
+        </p:spPr>
+        <p:txBody>
+          <a:bodyPr wrap="square" rtlCol="0">
+            <a:spAutoFit/>
+          </a:bodyPr>
+          <a:lstStyle/>
+          <a:p>
+            <a:pPr algn="ctr"/>
+            <a:r>
+              <a:rPr lang="en-US" sz="1600" b="1" dirty="0">
+                <a:solidFill>
+                  <a:schemeClr val="bg1"/>
+                </a:solidFill>
+                <a:latin typeface="Candara" panose="020E0502030303020204" pitchFamily="34" charset="0"/>
+              </a:rPr>
+              <a:t>JAVASCRIPT</a:t>
+            </a:r>
+          </a:p>
+        </p:txBody>
+      </p:sp>
+      <p:sp>
+        <p:nvSpPr>
           <p:cNvPr id="4" name="TextBox 3"/>
           <p:cNvSpPr txBox="1"/>
           <p:nvPr/>
         </p:nvSpPr>
         <p:spPr>
           <a:xfrm>
-            <a:off x="609600" y="3124201"/>
-            <a:ext cx="5257800" cy="523220"/>
+            <a:off x="7027333" y="159446"/>
+            <a:ext cx="2124043" cy="338554"/>
           </a:xfrm>
           <a:prstGeom prst="rect">
             <a:avLst/>
           </a:prstGeom>
-          <a:noFill/>
+          <a:solidFill>
+            <a:schemeClr val="accent5"/>
+          </a:solidFill>
         </p:spPr>
         <p:txBody>
           <a:bodyPr wrap="square" rtlCol="0">
@@ -4257,30 +5816,1438 @@
           </a:bodyPr>
           <a:lstStyle/>
           <a:p>
-            <a:r>
-              <a:rPr lang="en-US" sz="2800" b="1" dirty="0" smtClean="0">
+            <a:pPr algn="ctr"/>
+            <a:r>
+              <a:rPr lang="en-US" sz="1600" b="1" dirty="0" smtClean="0">
                 <a:solidFill>
                   <a:schemeClr val="bg1"/>
                 </a:solidFill>
                 <a:latin typeface="Candara" panose="020E0502030303020204" pitchFamily="34" charset="0"/>
-                <a:cs typeface="Iskoola Pota" panose="020B0502040204020203" pitchFamily="34" charset="0"/>
-              </a:rPr>
-              <a:t>Other JS frameworks</a:t>
-            </a:r>
-            <a:endParaRPr lang="en-US" sz="2800" b="1" dirty="0">
+              </a:rPr>
+              <a:t>LOGICAL OPERATORS</a:t>
+            </a:r>
+            <a:endParaRPr lang="en-US" sz="1600" b="1" dirty="0">
               <a:solidFill>
                 <a:schemeClr val="bg1"/>
               </a:solidFill>
               <a:latin typeface="Candara" panose="020E0502030303020204" pitchFamily="34" charset="0"/>
-              <a:cs typeface="Iskoola Pota" panose="020B0502040204020203" pitchFamily="34" charset="0"/>
             </a:endParaRPr>
           </a:p>
         </p:txBody>
       </p:sp>
+      <p:pic>
+        <p:nvPicPr>
+          <p:cNvPr id="5" name="Picture 4"/>
+          <p:cNvPicPr>
+            <a:picLocks noChangeAspect="1"/>
+          </p:cNvPicPr>
+          <p:nvPr/>
+        </p:nvPicPr>
+        <p:blipFill>
+          <a:blip r:embed="rId3"/>
+          <a:stretch>
+            <a:fillRect/>
+          </a:stretch>
+        </p:blipFill>
+        <p:spPr>
+          <a:xfrm>
+            <a:off x="0" y="694266"/>
+            <a:ext cx="9144000" cy="3591930"/>
+          </a:xfrm>
+          <a:prstGeom prst="rect">
+            <a:avLst/>
+          </a:prstGeom>
+        </p:spPr>
+      </p:pic>
+      <p:pic>
+        <p:nvPicPr>
+          <p:cNvPr id="6" name="Picture 5"/>
+          <p:cNvPicPr>
+            <a:picLocks noChangeAspect="1"/>
+          </p:cNvPicPr>
+          <p:nvPr/>
+        </p:nvPicPr>
+        <p:blipFill>
+          <a:blip r:embed="rId4"/>
+          <a:stretch>
+            <a:fillRect/>
+          </a:stretch>
+        </p:blipFill>
+        <p:spPr>
+          <a:xfrm>
+            <a:off x="0" y="4338896"/>
+            <a:ext cx="9144000" cy="2325584"/>
+          </a:xfrm>
+          <a:prstGeom prst="rect">
+            <a:avLst/>
+          </a:prstGeom>
+        </p:spPr>
+      </p:pic>
     </p:spTree>
     <p:extLst>
       <p:ext uri="{BB962C8B-B14F-4D97-AF65-F5344CB8AC3E}">
-        <p14:creationId xmlns:p14="http://schemas.microsoft.com/office/powerpoint/2010/main" val="207097700"/>
+        <p14:creationId xmlns:p14="http://schemas.microsoft.com/office/powerpoint/2010/main" val="413154612"/>
+      </p:ext>
+    </p:extLst>
+  </p:cSld>
+  <p:clrMapOvr>
+    <a:masterClrMapping/>
+  </p:clrMapOvr>
+  <p:timing>
+    <p:tnLst>
+      <p:par>
+        <p:cTn xmlns:p14="http://schemas.microsoft.com/office/powerpoint/2010/main" id="1" dur="indefinite" restart="never" nodeType="tmRoot"/>
+      </p:par>
+    </p:tnLst>
+  </p:timing>
+</p:sld>
+</file>
+
+<file path=ppt/slides/slide12.xml><?xml version="1.0" encoding="utf-8"?>
+<p:sld xmlns:a="http://schemas.openxmlformats.org/drawingml/2006/main" xmlns:r="http://schemas.openxmlformats.org/officeDocument/2006/relationships" xmlns:p="http://schemas.openxmlformats.org/presentationml/2006/main">
+  <p:cSld>
+    <p:spTree>
+      <p:nvGrpSpPr>
+        <p:cNvPr id="1" name=""/>
+        <p:cNvGrpSpPr/>
+        <p:nvPr/>
+      </p:nvGrpSpPr>
+      <p:grpSpPr>
+        <a:xfrm>
+          <a:off x="0" y="0"/>
+          <a:ext cx="0" cy="0"/>
+          <a:chOff x="0" y="0"/>
+          <a:chExt cx="0" cy="0"/>
+        </a:xfrm>
+      </p:grpSpPr>
+      <p:sp>
+        <p:nvSpPr>
+          <p:cNvPr id="3" name="TextBox 2"/>
+          <p:cNvSpPr txBox="1"/>
+          <p:nvPr/>
+        </p:nvSpPr>
+        <p:spPr>
+          <a:xfrm>
+            <a:off x="0" y="152402"/>
+            <a:ext cx="1371600" cy="338554"/>
+          </a:xfrm>
+          <a:prstGeom prst="rect">
+            <a:avLst/>
+          </a:prstGeom>
+          <a:solidFill>
+            <a:schemeClr val="tx1">
+              <a:lumMod val="85000"/>
+              <a:lumOff val="15000"/>
+            </a:schemeClr>
+          </a:solidFill>
+        </p:spPr>
+        <p:txBody>
+          <a:bodyPr wrap="square" rtlCol="0">
+            <a:spAutoFit/>
+          </a:bodyPr>
+          <a:lstStyle/>
+          <a:p>
+            <a:pPr algn="ctr"/>
+            <a:r>
+              <a:rPr lang="en-US" sz="1600" b="1" dirty="0">
+                <a:solidFill>
+                  <a:schemeClr val="bg1"/>
+                </a:solidFill>
+                <a:latin typeface="Candara" panose="020E0502030303020204" pitchFamily="34" charset="0"/>
+              </a:rPr>
+              <a:t>JAVASCRIPT</a:t>
+            </a:r>
+          </a:p>
+        </p:txBody>
+      </p:sp>
+      <p:sp>
+        <p:nvSpPr>
+          <p:cNvPr id="4" name="TextBox 3"/>
+          <p:cNvSpPr txBox="1"/>
+          <p:nvPr/>
+        </p:nvSpPr>
+        <p:spPr>
+          <a:xfrm>
+            <a:off x="6458857" y="159446"/>
+            <a:ext cx="2692519" cy="338554"/>
+          </a:xfrm>
+          <a:prstGeom prst="rect">
+            <a:avLst/>
+          </a:prstGeom>
+          <a:solidFill>
+            <a:schemeClr val="accent5"/>
+          </a:solidFill>
+        </p:spPr>
+        <p:txBody>
+          <a:bodyPr wrap="square" rtlCol="0">
+            <a:spAutoFit/>
+          </a:bodyPr>
+          <a:lstStyle/>
+          <a:p>
+            <a:pPr algn="ctr"/>
+            <a:r>
+              <a:rPr lang="en-US" sz="1600" b="1" dirty="0" smtClean="0">
+                <a:solidFill>
+                  <a:schemeClr val="bg1"/>
+                </a:solidFill>
+                <a:latin typeface="Candara" panose="020E0502030303020204" pitchFamily="34" charset="0"/>
+              </a:rPr>
+              <a:t>COMPARISON </a:t>
+            </a:r>
+            <a:r>
+              <a:rPr lang="en-US" sz="1600" b="1" dirty="0" smtClean="0">
+                <a:solidFill>
+                  <a:schemeClr val="bg1"/>
+                </a:solidFill>
+                <a:latin typeface="Candara" panose="020E0502030303020204" pitchFamily="34" charset="0"/>
+              </a:rPr>
+              <a:t>OPERATORS</a:t>
+            </a:r>
+            <a:endParaRPr lang="en-US" sz="1600" b="1" dirty="0">
+              <a:solidFill>
+                <a:schemeClr val="bg1"/>
+              </a:solidFill>
+              <a:latin typeface="Candara" panose="020E0502030303020204" pitchFamily="34" charset="0"/>
+            </a:endParaRPr>
+          </a:p>
+        </p:txBody>
+      </p:sp>
+      <p:pic>
+        <p:nvPicPr>
+          <p:cNvPr id="2" name="Picture 1"/>
+          <p:cNvPicPr>
+            <a:picLocks noChangeAspect="1"/>
+          </p:cNvPicPr>
+          <p:nvPr/>
+        </p:nvPicPr>
+        <p:blipFill rotWithShape="1">
+          <a:blip r:embed="rId3"/>
+          <a:srcRect t="8051"/>
+          <a:stretch/>
+        </p:blipFill>
+        <p:spPr>
+          <a:xfrm>
+            <a:off x="0" y="1233714"/>
+            <a:ext cx="9144000" cy="4807047"/>
+          </a:xfrm>
+          <a:prstGeom prst="rect">
+            <a:avLst/>
+          </a:prstGeom>
+        </p:spPr>
+      </p:pic>
+    </p:spTree>
+    <p:extLst>
+      <p:ext uri="{BB962C8B-B14F-4D97-AF65-F5344CB8AC3E}">
+        <p14:creationId xmlns:p14="http://schemas.microsoft.com/office/powerpoint/2010/main" val="2601292741"/>
+      </p:ext>
+    </p:extLst>
+  </p:cSld>
+  <p:clrMapOvr>
+    <a:masterClrMapping/>
+  </p:clrMapOvr>
+  <p:timing>
+    <p:tnLst>
+      <p:par>
+        <p:cTn xmlns:p14="http://schemas.microsoft.com/office/powerpoint/2010/main" id="1" dur="indefinite" restart="never" nodeType="tmRoot"/>
+      </p:par>
+    </p:tnLst>
+  </p:timing>
+</p:sld>
+</file>
+
+<file path=ppt/slides/slide13.xml><?xml version="1.0" encoding="utf-8"?>
+<p:sld xmlns:a="http://schemas.openxmlformats.org/drawingml/2006/main" xmlns:r="http://schemas.openxmlformats.org/officeDocument/2006/relationships" xmlns:p="http://schemas.openxmlformats.org/presentationml/2006/main">
+  <p:cSld>
+    <p:spTree>
+      <p:nvGrpSpPr>
+        <p:cNvPr id="1" name=""/>
+        <p:cNvGrpSpPr/>
+        <p:nvPr/>
+      </p:nvGrpSpPr>
+      <p:grpSpPr>
+        <a:xfrm>
+          <a:off x="0" y="0"/>
+          <a:ext cx="0" cy="0"/>
+          <a:chOff x="0" y="0"/>
+          <a:chExt cx="0" cy="0"/>
+        </a:xfrm>
+      </p:grpSpPr>
+      <p:sp>
+        <p:nvSpPr>
+          <p:cNvPr id="3" name="TextBox 2"/>
+          <p:cNvSpPr txBox="1"/>
+          <p:nvPr/>
+        </p:nvSpPr>
+        <p:spPr>
+          <a:xfrm>
+            <a:off x="0" y="152402"/>
+            <a:ext cx="1371600" cy="338554"/>
+          </a:xfrm>
+          <a:prstGeom prst="rect">
+            <a:avLst/>
+          </a:prstGeom>
+          <a:solidFill>
+            <a:schemeClr val="tx1">
+              <a:lumMod val="85000"/>
+              <a:lumOff val="15000"/>
+            </a:schemeClr>
+          </a:solidFill>
+        </p:spPr>
+        <p:txBody>
+          <a:bodyPr wrap="square" rtlCol="0">
+            <a:spAutoFit/>
+          </a:bodyPr>
+          <a:lstStyle/>
+          <a:p>
+            <a:pPr algn="ctr"/>
+            <a:r>
+              <a:rPr lang="en-US" sz="1600" b="1" dirty="0">
+                <a:solidFill>
+                  <a:schemeClr val="bg1"/>
+                </a:solidFill>
+                <a:latin typeface="Candara" panose="020E0502030303020204" pitchFamily="34" charset="0"/>
+              </a:rPr>
+              <a:t>JAVASCRIPT</a:t>
+            </a:r>
+          </a:p>
+        </p:txBody>
+      </p:sp>
+      <p:sp>
+        <p:nvSpPr>
+          <p:cNvPr id="4" name="TextBox 3"/>
+          <p:cNvSpPr txBox="1"/>
+          <p:nvPr/>
+        </p:nvSpPr>
+        <p:spPr>
+          <a:xfrm>
+            <a:off x="7208762" y="159446"/>
+            <a:ext cx="1942614" cy="338554"/>
+          </a:xfrm>
+          <a:prstGeom prst="rect">
+            <a:avLst/>
+          </a:prstGeom>
+          <a:solidFill>
+            <a:schemeClr val="accent5"/>
+          </a:solidFill>
+        </p:spPr>
+        <p:txBody>
+          <a:bodyPr wrap="square" rtlCol="0">
+            <a:spAutoFit/>
+          </a:bodyPr>
+          <a:lstStyle/>
+          <a:p>
+            <a:pPr algn="ctr"/>
+            <a:r>
+              <a:rPr lang="en-US" sz="1600" b="1" dirty="0" smtClean="0">
+                <a:solidFill>
+                  <a:schemeClr val="bg1"/>
+                </a:solidFill>
+                <a:latin typeface="Candara" panose="020E0502030303020204" pitchFamily="34" charset="0"/>
+              </a:rPr>
+              <a:t>FLOW CONTROL</a:t>
+            </a:r>
+            <a:endParaRPr lang="en-US" sz="1600" b="1" dirty="0">
+              <a:solidFill>
+                <a:schemeClr val="bg1"/>
+              </a:solidFill>
+              <a:latin typeface="Candara" panose="020E0502030303020204" pitchFamily="34" charset="0"/>
+            </a:endParaRPr>
+          </a:p>
+        </p:txBody>
+      </p:sp>
+      <p:pic>
+        <p:nvPicPr>
+          <p:cNvPr id="5" name="Picture 4"/>
+          <p:cNvPicPr>
+            <a:picLocks noChangeAspect="1"/>
+          </p:cNvPicPr>
+          <p:nvPr/>
+        </p:nvPicPr>
+        <p:blipFill>
+          <a:blip r:embed="rId3"/>
+          <a:stretch>
+            <a:fillRect/>
+          </a:stretch>
+        </p:blipFill>
+        <p:spPr>
+          <a:xfrm>
+            <a:off x="0" y="939800"/>
+            <a:ext cx="9144000" cy="4973226"/>
+          </a:xfrm>
+          <a:prstGeom prst="rect">
+            <a:avLst/>
+          </a:prstGeom>
+        </p:spPr>
+      </p:pic>
+    </p:spTree>
+    <p:extLst>
+      <p:ext uri="{BB962C8B-B14F-4D97-AF65-F5344CB8AC3E}">
+        <p14:creationId xmlns:p14="http://schemas.microsoft.com/office/powerpoint/2010/main" val="2162133954"/>
+      </p:ext>
+    </p:extLst>
+  </p:cSld>
+  <p:clrMapOvr>
+    <a:masterClrMapping/>
+  </p:clrMapOvr>
+  <p:timing>
+    <p:tnLst>
+      <p:par>
+        <p:cTn xmlns:p14="http://schemas.microsoft.com/office/powerpoint/2010/main" id="1" dur="indefinite" restart="never" nodeType="tmRoot"/>
+      </p:par>
+    </p:tnLst>
+  </p:timing>
+</p:sld>
+</file>
+
+<file path=ppt/slides/slide14.xml><?xml version="1.0" encoding="utf-8"?>
+<p:sld xmlns:a="http://schemas.openxmlformats.org/drawingml/2006/main" xmlns:r="http://schemas.openxmlformats.org/officeDocument/2006/relationships" xmlns:p="http://schemas.openxmlformats.org/presentationml/2006/main">
+  <p:cSld>
+    <p:spTree>
+      <p:nvGrpSpPr>
+        <p:cNvPr id="1" name=""/>
+        <p:cNvGrpSpPr/>
+        <p:nvPr/>
+      </p:nvGrpSpPr>
+      <p:grpSpPr>
+        <a:xfrm>
+          <a:off x="0" y="0"/>
+          <a:ext cx="0" cy="0"/>
+          <a:chOff x="0" y="0"/>
+          <a:chExt cx="0" cy="0"/>
+        </a:xfrm>
+      </p:grpSpPr>
+      <p:sp>
+        <p:nvSpPr>
+          <p:cNvPr id="3" name="TextBox 2"/>
+          <p:cNvSpPr txBox="1"/>
+          <p:nvPr/>
+        </p:nvSpPr>
+        <p:spPr>
+          <a:xfrm>
+            <a:off x="0" y="152402"/>
+            <a:ext cx="1371600" cy="338554"/>
+          </a:xfrm>
+          <a:prstGeom prst="rect">
+            <a:avLst/>
+          </a:prstGeom>
+          <a:solidFill>
+            <a:schemeClr val="tx1">
+              <a:lumMod val="85000"/>
+              <a:lumOff val="15000"/>
+            </a:schemeClr>
+          </a:solidFill>
+        </p:spPr>
+        <p:txBody>
+          <a:bodyPr wrap="square" rtlCol="0">
+            <a:spAutoFit/>
+          </a:bodyPr>
+          <a:lstStyle/>
+          <a:p>
+            <a:pPr algn="ctr"/>
+            <a:r>
+              <a:rPr lang="en-US" sz="1600" b="1" dirty="0">
+                <a:solidFill>
+                  <a:schemeClr val="bg1"/>
+                </a:solidFill>
+                <a:latin typeface="Candara" panose="020E0502030303020204" pitchFamily="34" charset="0"/>
+              </a:rPr>
+              <a:t>JAVASCRIPT</a:t>
+            </a:r>
+          </a:p>
+        </p:txBody>
+      </p:sp>
+      <p:sp>
+        <p:nvSpPr>
+          <p:cNvPr id="4" name="TextBox 3"/>
+          <p:cNvSpPr txBox="1"/>
+          <p:nvPr/>
+        </p:nvSpPr>
+        <p:spPr>
+          <a:xfrm>
+            <a:off x="7208762" y="159446"/>
+            <a:ext cx="1942614" cy="338554"/>
+          </a:xfrm>
+          <a:prstGeom prst="rect">
+            <a:avLst/>
+          </a:prstGeom>
+          <a:solidFill>
+            <a:schemeClr val="accent5"/>
+          </a:solidFill>
+        </p:spPr>
+        <p:txBody>
+          <a:bodyPr wrap="square" rtlCol="0">
+            <a:spAutoFit/>
+          </a:bodyPr>
+          <a:lstStyle/>
+          <a:p>
+            <a:pPr algn="ctr"/>
+            <a:r>
+              <a:rPr lang="en-US" sz="1600" b="1" dirty="0" smtClean="0">
+                <a:solidFill>
+                  <a:schemeClr val="bg1"/>
+                </a:solidFill>
+                <a:latin typeface="Candara" panose="020E0502030303020204" pitchFamily="34" charset="0"/>
+              </a:rPr>
+              <a:t>TRUTHY &amp; FALSY</a:t>
+            </a:r>
+            <a:endParaRPr lang="en-US" sz="1600" b="1" dirty="0">
+              <a:solidFill>
+                <a:schemeClr val="bg1"/>
+              </a:solidFill>
+              <a:latin typeface="Candara" panose="020E0502030303020204" pitchFamily="34" charset="0"/>
+            </a:endParaRPr>
+          </a:p>
+        </p:txBody>
+      </p:sp>
+      <p:pic>
+        <p:nvPicPr>
+          <p:cNvPr id="2" name="Picture 1"/>
+          <p:cNvPicPr>
+            <a:picLocks noChangeAspect="1"/>
+          </p:cNvPicPr>
+          <p:nvPr/>
+        </p:nvPicPr>
+        <p:blipFill>
+          <a:blip r:embed="rId3"/>
+          <a:stretch>
+            <a:fillRect/>
+          </a:stretch>
+        </p:blipFill>
+        <p:spPr>
+          <a:xfrm>
+            <a:off x="0" y="1079500"/>
+            <a:ext cx="9144000" cy="4690241"/>
+          </a:xfrm>
+          <a:prstGeom prst="rect">
+            <a:avLst/>
+          </a:prstGeom>
+        </p:spPr>
+      </p:pic>
+    </p:spTree>
+    <p:extLst>
+      <p:ext uri="{BB962C8B-B14F-4D97-AF65-F5344CB8AC3E}">
+        <p14:creationId xmlns:p14="http://schemas.microsoft.com/office/powerpoint/2010/main" val="3643009602"/>
+      </p:ext>
+    </p:extLst>
+  </p:cSld>
+  <p:clrMapOvr>
+    <a:masterClrMapping/>
+  </p:clrMapOvr>
+  <p:timing>
+    <p:tnLst>
+      <p:par>
+        <p:cTn xmlns:p14="http://schemas.microsoft.com/office/powerpoint/2010/main" id="1" dur="indefinite" restart="never" nodeType="tmRoot"/>
+      </p:par>
+    </p:tnLst>
+  </p:timing>
+</p:sld>
+</file>
+
+<file path=ppt/slides/slide15.xml><?xml version="1.0" encoding="utf-8"?>
+<p:sld xmlns:a="http://schemas.openxmlformats.org/drawingml/2006/main" xmlns:r="http://schemas.openxmlformats.org/officeDocument/2006/relationships" xmlns:p="http://schemas.openxmlformats.org/presentationml/2006/main">
+  <p:cSld>
+    <p:spTree>
+      <p:nvGrpSpPr>
+        <p:cNvPr id="1" name=""/>
+        <p:cNvGrpSpPr/>
+        <p:nvPr/>
+      </p:nvGrpSpPr>
+      <p:grpSpPr>
+        <a:xfrm>
+          <a:off x="0" y="0"/>
+          <a:ext cx="0" cy="0"/>
+          <a:chOff x="0" y="0"/>
+          <a:chExt cx="0" cy="0"/>
+        </a:xfrm>
+      </p:grpSpPr>
+      <p:sp>
+        <p:nvSpPr>
+          <p:cNvPr id="3" name="TextBox 2"/>
+          <p:cNvSpPr txBox="1"/>
+          <p:nvPr/>
+        </p:nvSpPr>
+        <p:spPr>
+          <a:xfrm>
+            <a:off x="0" y="152402"/>
+            <a:ext cx="1371600" cy="338554"/>
+          </a:xfrm>
+          <a:prstGeom prst="rect">
+            <a:avLst/>
+          </a:prstGeom>
+          <a:solidFill>
+            <a:schemeClr val="tx1">
+              <a:lumMod val="85000"/>
+              <a:lumOff val="15000"/>
+            </a:schemeClr>
+          </a:solidFill>
+        </p:spPr>
+        <p:txBody>
+          <a:bodyPr wrap="square" rtlCol="0">
+            <a:spAutoFit/>
+          </a:bodyPr>
+          <a:lstStyle/>
+          <a:p>
+            <a:pPr algn="ctr"/>
+            <a:r>
+              <a:rPr lang="en-US" sz="1600" b="1" dirty="0">
+                <a:solidFill>
+                  <a:schemeClr val="bg1"/>
+                </a:solidFill>
+                <a:latin typeface="Candara" panose="020E0502030303020204" pitchFamily="34" charset="0"/>
+              </a:rPr>
+              <a:t>JAVASCRIPT</a:t>
+            </a:r>
+          </a:p>
+        </p:txBody>
+      </p:sp>
+      <p:sp>
+        <p:nvSpPr>
+          <p:cNvPr id="4" name="TextBox 3"/>
+          <p:cNvSpPr txBox="1"/>
+          <p:nvPr/>
+        </p:nvSpPr>
+        <p:spPr>
+          <a:xfrm>
+            <a:off x="7208762" y="159446"/>
+            <a:ext cx="1942614" cy="338554"/>
+          </a:xfrm>
+          <a:prstGeom prst="rect">
+            <a:avLst/>
+          </a:prstGeom>
+          <a:solidFill>
+            <a:schemeClr val="accent5"/>
+          </a:solidFill>
+        </p:spPr>
+        <p:txBody>
+          <a:bodyPr wrap="square" rtlCol="0">
+            <a:spAutoFit/>
+          </a:bodyPr>
+          <a:lstStyle/>
+          <a:p>
+            <a:pPr algn="ctr"/>
+            <a:r>
+              <a:rPr lang="en-US" sz="1600" b="1" dirty="0" smtClean="0">
+                <a:solidFill>
+                  <a:schemeClr val="bg1"/>
+                </a:solidFill>
+                <a:latin typeface="Candara" panose="020E0502030303020204" pitchFamily="34" charset="0"/>
+              </a:rPr>
+              <a:t>TRUTHY &amp; FALSY</a:t>
+            </a:r>
+            <a:endParaRPr lang="en-US" sz="1600" b="1" dirty="0">
+              <a:solidFill>
+                <a:schemeClr val="bg1"/>
+              </a:solidFill>
+              <a:latin typeface="Candara" panose="020E0502030303020204" pitchFamily="34" charset="0"/>
+            </a:endParaRPr>
+          </a:p>
+        </p:txBody>
+      </p:sp>
+      <p:pic>
+        <p:nvPicPr>
+          <p:cNvPr id="7" name="Picture 6"/>
+          <p:cNvPicPr>
+            <a:picLocks noChangeAspect="1"/>
+          </p:cNvPicPr>
+          <p:nvPr/>
+        </p:nvPicPr>
+        <p:blipFill>
+          <a:blip r:embed="rId3">
+            <a:grayscl/>
+          </a:blip>
+          <a:stretch>
+            <a:fillRect/>
+          </a:stretch>
+        </p:blipFill>
+        <p:spPr>
+          <a:xfrm>
+            <a:off x="322699" y="788144"/>
+            <a:ext cx="3637418" cy="2822968"/>
+          </a:xfrm>
+          <a:prstGeom prst="rect">
+            <a:avLst/>
+          </a:prstGeom>
+        </p:spPr>
+      </p:pic>
+      <p:pic>
+        <p:nvPicPr>
+          <p:cNvPr id="8" name="Picture 7"/>
+          <p:cNvPicPr>
+            <a:picLocks noChangeAspect="1"/>
+          </p:cNvPicPr>
+          <p:nvPr/>
+        </p:nvPicPr>
+        <p:blipFill>
+          <a:blip r:embed="rId4">
+            <a:grayscl/>
+          </a:blip>
+          <a:stretch>
+            <a:fillRect/>
+          </a:stretch>
+        </p:blipFill>
+        <p:spPr>
+          <a:xfrm>
+            <a:off x="4879686" y="2652300"/>
+            <a:ext cx="4264314" cy="4215672"/>
+          </a:xfrm>
+          <a:prstGeom prst="rect">
+            <a:avLst/>
+          </a:prstGeom>
+        </p:spPr>
+      </p:pic>
+      <p:cxnSp>
+        <p:nvCxnSpPr>
+          <p:cNvPr id="10" name="Elbow Connector 9"/>
+          <p:cNvCxnSpPr>
+            <a:stCxn id="7" idx="2"/>
+            <a:endCxn id="8" idx="1"/>
+          </p:cNvCxnSpPr>
+          <p:nvPr/>
+        </p:nvCxnSpPr>
+        <p:spPr>
+          <a:xfrm rot="16200000" flipH="1">
+            <a:off x="2936035" y="2816485"/>
+            <a:ext cx="1149024" cy="2738278"/>
+          </a:xfrm>
+          <a:prstGeom prst="bentConnector2">
+            <a:avLst/>
+          </a:prstGeom>
+          <a:ln w="38100" cmpd="sng">
+            <a:solidFill>
+              <a:srgbClr val="CC3333"/>
+            </a:solidFill>
+            <a:tailEnd type="arrow"/>
+          </a:ln>
+        </p:spPr>
+        <p:style>
+          <a:lnRef idx="2">
+            <a:schemeClr val="accent1"/>
+          </a:lnRef>
+          <a:fillRef idx="0">
+            <a:schemeClr val="accent1"/>
+          </a:fillRef>
+          <a:effectRef idx="1">
+            <a:schemeClr val="accent1"/>
+          </a:effectRef>
+          <a:fontRef idx="minor">
+            <a:schemeClr val="tx1"/>
+          </a:fontRef>
+        </p:style>
+      </p:cxnSp>
+    </p:spTree>
+    <p:extLst>
+      <p:ext uri="{BB962C8B-B14F-4D97-AF65-F5344CB8AC3E}">
+        <p14:creationId xmlns:p14="http://schemas.microsoft.com/office/powerpoint/2010/main" val="1880584893"/>
+      </p:ext>
+    </p:extLst>
+  </p:cSld>
+  <p:clrMapOvr>
+    <a:masterClrMapping/>
+  </p:clrMapOvr>
+  <p:timing>
+    <p:tnLst>
+      <p:par>
+        <p:cTn xmlns:p14="http://schemas.microsoft.com/office/powerpoint/2010/main" id="1" dur="indefinite" restart="never" nodeType="tmRoot"/>
+      </p:par>
+    </p:tnLst>
+  </p:timing>
+</p:sld>
+</file>
+
+<file path=ppt/slides/slide16.xml><?xml version="1.0" encoding="utf-8"?>
+<p:sld xmlns:a="http://schemas.openxmlformats.org/drawingml/2006/main" xmlns:r="http://schemas.openxmlformats.org/officeDocument/2006/relationships" xmlns:p="http://schemas.openxmlformats.org/presentationml/2006/main">
+  <p:cSld>
+    <p:spTree>
+      <p:nvGrpSpPr>
+        <p:cNvPr id="1" name=""/>
+        <p:cNvGrpSpPr/>
+        <p:nvPr/>
+      </p:nvGrpSpPr>
+      <p:grpSpPr>
+        <a:xfrm>
+          <a:off x="0" y="0"/>
+          <a:ext cx="0" cy="0"/>
+          <a:chOff x="0" y="0"/>
+          <a:chExt cx="0" cy="0"/>
+        </a:xfrm>
+      </p:grpSpPr>
+      <p:sp>
+        <p:nvSpPr>
+          <p:cNvPr id="3" name="TextBox 2"/>
+          <p:cNvSpPr txBox="1"/>
+          <p:nvPr/>
+        </p:nvSpPr>
+        <p:spPr>
+          <a:xfrm>
+            <a:off x="0" y="152402"/>
+            <a:ext cx="1371600" cy="338554"/>
+          </a:xfrm>
+          <a:prstGeom prst="rect">
+            <a:avLst/>
+          </a:prstGeom>
+          <a:solidFill>
+            <a:schemeClr val="tx1">
+              <a:lumMod val="85000"/>
+              <a:lumOff val="15000"/>
+            </a:schemeClr>
+          </a:solidFill>
+        </p:spPr>
+        <p:txBody>
+          <a:bodyPr wrap="square" rtlCol="0">
+            <a:spAutoFit/>
+          </a:bodyPr>
+          <a:lstStyle/>
+          <a:p>
+            <a:pPr algn="ctr"/>
+            <a:r>
+              <a:rPr lang="en-US" sz="1600" b="1" dirty="0">
+                <a:solidFill>
+                  <a:schemeClr val="bg1"/>
+                </a:solidFill>
+                <a:latin typeface="Candara" panose="020E0502030303020204" pitchFamily="34" charset="0"/>
+              </a:rPr>
+              <a:t>JAVASCRIPT</a:t>
+            </a:r>
+          </a:p>
+        </p:txBody>
+      </p:sp>
+      <p:sp>
+        <p:nvSpPr>
+          <p:cNvPr id="4" name="TextBox 3"/>
+          <p:cNvSpPr txBox="1"/>
+          <p:nvPr/>
+        </p:nvSpPr>
+        <p:spPr>
+          <a:xfrm>
+            <a:off x="8115905" y="159446"/>
+            <a:ext cx="1035470" cy="338554"/>
+          </a:xfrm>
+          <a:prstGeom prst="rect">
+            <a:avLst/>
+          </a:prstGeom>
+          <a:solidFill>
+            <a:schemeClr val="accent5"/>
+          </a:solidFill>
+        </p:spPr>
+        <p:txBody>
+          <a:bodyPr wrap="square" rtlCol="0">
+            <a:spAutoFit/>
+          </a:bodyPr>
+          <a:lstStyle/>
+          <a:p>
+            <a:pPr algn="ctr"/>
+            <a:r>
+              <a:rPr lang="en-US" sz="1600" b="1" dirty="0" smtClean="0">
+                <a:solidFill>
+                  <a:schemeClr val="bg1"/>
+                </a:solidFill>
+                <a:latin typeface="Candara" panose="020E0502030303020204" pitchFamily="34" charset="0"/>
+              </a:rPr>
+              <a:t>LOOPS</a:t>
+            </a:r>
+            <a:endParaRPr lang="en-US" sz="1600" b="1" dirty="0">
+              <a:solidFill>
+                <a:schemeClr val="bg1"/>
+              </a:solidFill>
+              <a:latin typeface="Candara" panose="020E0502030303020204" pitchFamily="34" charset="0"/>
+            </a:endParaRPr>
+          </a:p>
+        </p:txBody>
+      </p:sp>
+      <p:pic>
+        <p:nvPicPr>
+          <p:cNvPr id="2" name="Picture 1"/>
+          <p:cNvPicPr>
+            <a:picLocks noChangeAspect="1"/>
+          </p:cNvPicPr>
+          <p:nvPr/>
+        </p:nvPicPr>
+        <p:blipFill>
+          <a:blip r:embed="rId3">
+            <a:grayscl/>
+          </a:blip>
+          <a:stretch>
+            <a:fillRect/>
+          </a:stretch>
+        </p:blipFill>
+        <p:spPr>
+          <a:xfrm>
+            <a:off x="157237" y="856503"/>
+            <a:ext cx="4168019" cy="997091"/>
+          </a:xfrm>
+          <a:prstGeom prst="rect">
+            <a:avLst/>
+          </a:prstGeom>
+        </p:spPr>
+      </p:pic>
+      <p:pic>
+        <p:nvPicPr>
+          <p:cNvPr id="5" name="Picture 4"/>
+          <p:cNvPicPr>
+            <a:picLocks noChangeAspect="1"/>
+          </p:cNvPicPr>
+          <p:nvPr/>
+        </p:nvPicPr>
+        <p:blipFill>
+          <a:blip r:embed="rId4">
+            <a:grayscl/>
+          </a:blip>
+          <a:stretch>
+            <a:fillRect/>
+          </a:stretch>
+        </p:blipFill>
+        <p:spPr>
+          <a:xfrm>
+            <a:off x="284160" y="2975430"/>
+            <a:ext cx="3950382" cy="1820938"/>
+          </a:xfrm>
+          <a:prstGeom prst="rect">
+            <a:avLst/>
+          </a:prstGeom>
+        </p:spPr>
+      </p:pic>
+      <p:pic>
+        <p:nvPicPr>
+          <p:cNvPr id="6" name="Picture 5"/>
+          <p:cNvPicPr>
+            <a:picLocks noChangeAspect="1"/>
+          </p:cNvPicPr>
+          <p:nvPr/>
+        </p:nvPicPr>
+        <p:blipFill>
+          <a:blip r:embed="rId5">
+            <a:grayscl/>
+          </a:blip>
+          <a:stretch>
+            <a:fillRect/>
+          </a:stretch>
+        </p:blipFill>
+        <p:spPr>
+          <a:xfrm>
+            <a:off x="4498813" y="2975430"/>
+            <a:ext cx="4445012" cy="1123646"/>
+          </a:xfrm>
+          <a:prstGeom prst="rect">
+            <a:avLst/>
+          </a:prstGeom>
+        </p:spPr>
+      </p:pic>
+      <p:pic>
+        <p:nvPicPr>
+          <p:cNvPr id="9" name="Picture 8"/>
+          <p:cNvPicPr>
+            <a:picLocks noChangeAspect="1"/>
+          </p:cNvPicPr>
+          <p:nvPr/>
+        </p:nvPicPr>
+        <p:blipFill>
+          <a:blip r:embed="rId6">
+            <a:grayscl/>
+          </a:blip>
+          <a:stretch>
+            <a:fillRect/>
+          </a:stretch>
+        </p:blipFill>
+        <p:spPr>
+          <a:xfrm>
+            <a:off x="4481890" y="642994"/>
+            <a:ext cx="4662110" cy="1667195"/>
+          </a:xfrm>
+          <a:prstGeom prst="rect">
+            <a:avLst/>
+          </a:prstGeom>
+        </p:spPr>
+      </p:pic>
+      <p:pic>
+        <p:nvPicPr>
+          <p:cNvPr id="11" name="Picture 10"/>
+          <p:cNvPicPr>
+            <a:picLocks noChangeAspect="1"/>
+          </p:cNvPicPr>
+          <p:nvPr/>
+        </p:nvPicPr>
+        <p:blipFill>
+          <a:blip r:embed="rId7">
+            <a:grayscl/>
+          </a:blip>
+          <a:stretch>
+            <a:fillRect/>
+          </a:stretch>
+        </p:blipFill>
+        <p:spPr>
+          <a:xfrm>
+            <a:off x="338666" y="5474598"/>
+            <a:ext cx="3133271" cy="1151174"/>
+          </a:xfrm>
+          <a:prstGeom prst="rect">
+            <a:avLst/>
+          </a:prstGeom>
+        </p:spPr>
+      </p:pic>
+      <p:pic>
+        <p:nvPicPr>
+          <p:cNvPr id="12" name="Picture 11"/>
+          <p:cNvPicPr>
+            <a:picLocks noChangeAspect="1"/>
+          </p:cNvPicPr>
+          <p:nvPr/>
+        </p:nvPicPr>
+        <p:blipFill>
+          <a:blip r:embed="rId8">
+            <a:grayscl/>
+          </a:blip>
+          <a:stretch>
+            <a:fillRect/>
+          </a:stretch>
+        </p:blipFill>
+        <p:spPr>
+          <a:xfrm>
+            <a:off x="4407004" y="4596189"/>
+            <a:ext cx="4232020" cy="1946729"/>
+          </a:xfrm>
+          <a:prstGeom prst="rect">
+            <a:avLst/>
+          </a:prstGeom>
+        </p:spPr>
+      </p:pic>
+    </p:spTree>
+    <p:extLst>
+      <p:ext uri="{BB962C8B-B14F-4D97-AF65-F5344CB8AC3E}">
+        <p14:creationId xmlns:p14="http://schemas.microsoft.com/office/powerpoint/2010/main" val="4110825052"/>
+      </p:ext>
+    </p:extLst>
+  </p:cSld>
+  <p:clrMapOvr>
+    <a:masterClrMapping/>
+  </p:clrMapOvr>
+  <p:timing>
+    <p:tnLst>
+      <p:par>
+        <p:cTn xmlns:p14="http://schemas.microsoft.com/office/powerpoint/2010/main" id="1" dur="indefinite" restart="never" nodeType="tmRoot"/>
+      </p:par>
+    </p:tnLst>
+  </p:timing>
+</p:sld>
+</file>
+
+<file path=ppt/slides/slide17.xml><?xml version="1.0" encoding="utf-8"?>
+<p:sld xmlns:a="http://schemas.openxmlformats.org/drawingml/2006/main" xmlns:r="http://schemas.openxmlformats.org/officeDocument/2006/relationships" xmlns:p="http://schemas.openxmlformats.org/presentationml/2006/main">
+  <p:cSld>
+    <p:spTree>
+      <p:nvGrpSpPr>
+        <p:cNvPr id="1" name=""/>
+        <p:cNvGrpSpPr/>
+        <p:nvPr/>
+      </p:nvGrpSpPr>
+      <p:grpSpPr>
+        <a:xfrm>
+          <a:off x="0" y="0"/>
+          <a:ext cx="0" cy="0"/>
+          <a:chOff x="0" y="0"/>
+          <a:chExt cx="0" cy="0"/>
+        </a:xfrm>
+      </p:grpSpPr>
+      <p:sp>
+        <p:nvSpPr>
+          <p:cNvPr id="3" name="TextBox 2"/>
+          <p:cNvSpPr txBox="1"/>
+          <p:nvPr/>
+        </p:nvSpPr>
+        <p:spPr>
+          <a:xfrm>
+            <a:off x="0" y="152402"/>
+            <a:ext cx="1371600" cy="338554"/>
+          </a:xfrm>
+          <a:prstGeom prst="rect">
+            <a:avLst/>
+          </a:prstGeom>
+          <a:solidFill>
+            <a:schemeClr val="tx1">
+              <a:lumMod val="85000"/>
+              <a:lumOff val="15000"/>
+            </a:schemeClr>
+          </a:solidFill>
+        </p:spPr>
+        <p:txBody>
+          <a:bodyPr wrap="square" rtlCol="0">
+            <a:spAutoFit/>
+          </a:bodyPr>
+          <a:lstStyle/>
+          <a:p>
+            <a:pPr algn="ctr"/>
+            <a:r>
+              <a:rPr lang="en-US" sz="1600" b="1" dirty="0">
+                <a:solidFill>
+                  <a:schemeClr val="bg1"/>
+                </a:solidFill>
+                <a:latin typeface="Candara" panose="020E0502030303020204" pitchFamily="34" charset="0"/>
+              </a:rPr>
+              <a:t>JAVASCRIPT</a:t>
+            </a:r>
+          </a:p>
+        </p:txBody>
+      </p:sp>
+      <p:sp>
+        <p:nvSpPr>
+          <p:cNvPr id="4" name="TextBox 3"/>
+          <p:cNvSpPr txBox="1"/>
+          <p:nvPr/>
+        </p:nvSpPr>
+        <p:spPr>
+          <a:xfrm>
+            <a:off x="7801429" y="159446"/>
+            <a:ext cx="1349946" cy="338554"/>
+          </a:xfrm>
+          <a:prstGeom prst="rect">
+            <a:avLst/>
+          </a:prstGeom>
+          <a:solidFill>
+            <a:schemeClr val="accent5"/>
+          </a:solidFill>
+        </p:spPr>
+        <p:txBody>
+          <a:bodyPr wrap="square" rtlCol="0">
+            <a:spAutoFit/>
+          </a:bodyPr>
+          <a:lstStyle/>
+          <a:p>
+            <a:pPr algn="ctr"/>
+            <a:r>
+              <a:rPr lang="en-US" sz="1600" b="1" dirty="0" smtClean="0">
+                <a:solidFill>
+                  <a:schemeClr val="bg1"/>
+                </a:solidFill>
+                <a:latin typeface="Candara" panose="020E0502030303020204" pitchFamily="34" charset="0"/>
+              </a:rPr>
+              <a:t>KEYWORDS</a:t>
+            </a:r>
+            <a:endParaRPr lang="en-US" sz="1600" b="1" dirty="0">
+              <a:solidFill>
+                <a:schemeClr val="bg1"/>
+              </a:solidFill>
+              <a:latin typeface="Candara" panose="020E0502030303020204" pitchFamily="34" charset="0"/>
+            </a:endParaRPr>
+          </a:p>
+        </p:txBody>
+      </p:sp>
+      <p:pic>
+        <p:nvPicPr>
+          <p:cNvPr id="8" name="Picture 7"/>
+          <p:cNvPicPr>
+            <a:picLocks noChangeAspect="1"/>
+          </p:cNvPicPr>
+          <p:nvPr/>
+        </p:nvPicPr>
+        <p:blipFill>
+          <a:blip r:embed="rId3">
+            <a:grayscl/>
+          </a:blip>
+          <a:stretch>
+            <a:fillRect/>
+          </a:stretch>
+        </p:blipFill>
+        <p:spPr>
+          <a:xfrm>
+            <a:off x="1257300" y="664025"/>
+            <a:ext cx="6629400" cy="5880100"/>
+          </a:xfrm>
+          <a:prstGeom prst="rect">
+            <a:avLst/>
+          </a:prstGeom>
+        </p:spPr>
+      </p:pic>
+    </p:spTree>
+    <p:extLst>
+      <p:ext uri="{BB962C8B-B14F-4D97-AF65-F5344CB8AC3E}">
+        <p14:creationId xmlns:p14="http://schemas.microsoft.com/office/powerpoint/2010/main" val="2578812702"/>
+      </p:ext>
+    </p:extLst>
+  </p:cSld>
+  <p:clrMapOvr>
+    <a:masterClrMapping/>
+  </p:clrMapOvr>
+  <p:timing>
+    <p:tnLst>
+      <p:par>
+        <p:cTn xmlns:p14="http://schemas.microsoft.com/office/powerpoint/2010/main" id="1" dur="indefinite" restart="never" nodeType="tmRoot"/>
+      </p:par>
+    </p:tnLst>
+  </p:timing>
+</p:sld>
+</file>
+
+<file path=ppt/slides/slide18.xml><?xml version="1.0" encoding="utf-8"?>
+<p:sld xmlns:a="http://schemas.openxmlformats.org/drawingml/2006/main" xmlns:r="http://schemas.openxmlformats.org/officeDocument/2006/relationships" xmlns:p="http://schemas.openxmlformats.org/presentationml/2006/main">
+  <p:cSld>
+    <p:spTree>
+      <p:nvGrpSpPr>
+        <p:cNvPr id="1" name=""/>
+        <p:cNvGrpSpPr/>
+        <p:nvPr/>
+      </p:nvGrpSpPr>
+      <p:grpSpPr>
+        <a:xfrm>
+          <a:off x="0" y="0"/>
+          <a:ext cx="0" cy="0"/>
+          <a:chOff x="0" y="0"/>
+          <a:chExt cx="0" cy="0"/>
+        </a:xfrm>
+      </p:grpSpPr>
+      <p:sp>
+        <p:nvSpPr>
+          <p:cNvPr id="3" name="TextBox 2"/>
+          <p:cNvSpPr txBox="1"/>
+          <p:nvPr/>
+        </p:nvSpPr>
+        <p:spPr>
+          <a:xfrm>
+            <a:off x="0" y="152402"/>
+            <a:ext cx="1371600" cy="338554"/>
+          </a:xfrm>
+          <a:prstGeom prst="rect">
+            <a:avLst/>
+          </a:prstGeom>
+          <a:solidFill>
+            <a:schemeClr val="tx1">
+              <a:lumMod val="85000"/>
+              <a:lumOff val="15000"/>
+            </a:schemeClr>
+          </a:solidFill>
+        </p:spPr>
+        <p:txBody>
+          <a:bodyPr wrap="square" rtlCol="0">
+            <a:spAutoFit/>
+          </a:bodyPr>
+          <a:lstStyle/>
+          <a:p>
+            <a:pPr algn="ctr"/>
+            <a:r>
+              <a:rPr lang="en-US" sz="1600" b="1" dirty="0">
+                <a:solidFill>
+                  <a:schemeClr val="bg1"/>
+                </a:solidFill>
+                <a:latin typeface="Candara" panose="020E0502030303020204" pitchFamily="34" charset="0"/>
+              </a:rPr>
+              <a:t>JAVASCRIPT</a:t>
+            </a:r>
+          </a:p>
+        </p:txBody>
+      </p:sp>
+      <p:sp>
+        <p:nvSpPr>
+          <p:cNvPr id="4" name="TextBox 3"/>
+          <p:cNvSpPr txBox="1"/>
+          <p:nvPr/>
+        </p:nvSpPr>
+        <p:spPr>
+          <a:xfrm>
+            <a:off x="7801429" y="159446"/>
+            <a:ext cx="1349946" cy="338554"/>
+          </a:xfrm>
+          <a:prstGeom prst="rect">
+            <a:avLst/>
+          </a:prstGeom>
+          <a:solidFill>
+            <a:schemeClr val="accent5"/>
+          </a:solidFill>
+        </p:spPr>
+        <p:txBody>
+          <a:bodyPr wrap="square" rtlCol="0">
+            <a:spAutoFit/>
+          </a:bodyPr>
+          <a:lstStyle/>
+          <a:p>
+            <a:pPr algn="ctr"/>
+            <a:r>
+              <a:rPr lang="en-US" sz="1600" b="1" dirty="0" smtClean="0">
+                <a:solidFill>
+                  <a:schemeClr val="bg1"/>
+                </a:solidFill>
+                <a:latin typeface="Candara" panose="020E0502030303020204" pitchFamily="34" charset="0"/>
+              </a:rPr>
+              <a:t>ARRAY - I</a:t>
+            </a:r>
+            <a:endParaRPr lang="en-US" sz="1600" b="1" dirty="0">
+              <a:solidFill>
+                <a:schemeClr val="bg1"/>
+              </a:solidFill>
+              <a:latin typeface="Candara" panose="020E0502030303020204" pitchFamily="34" charset="0"/>
+            </a:endParaRPr>
+          </a:p>
+        </p:txBody>
+      </p:sp>
+      <p:pic>
+        <p:nvPicPr>
+          <p:cNvPr id="2" name="Picture 1"/>
+          <p:cNvPicPr>
+            <a:picLocks noChangeAspect="1"/>
+          </p:cNvPicPr>
+          <p:nvPr/>
+        </p:nvPicPr>
+        <p:blipFill>
+          <a:blip r:embed="rId3"/>
+          <a:stretch>
+            <a:fillRect/>
+          </a:stretch>
+        </p:blipFill>
+        <p:spPr>
+          <a:xfrm>
+            <a:off x="0" y="663420"/>
+            <a:ext cx="9144000" cy="5913251"/>
+          </a:xfrm>
+          <a:prstGeom prst="rect">
+            <a:avLst/>
+          </a:prstGeom>
+        </p:spPr>
+      </p:pic>
+    </p:spTree>
+    <p:extLst>
+      <p:ext uri="{BB962C8B-B14F-4D97-AF65-F5344CB8AC3E}">
+        <p14:creationId xmlns:p14="http://schemas.microsoft.com/office/powerpoint/2010/main" val="2771486181"/>
+      </p:ext>
+    </p:extLst>
+  </p:cSld>
+  <p:clrMapOvr>
+    <a:masterClrMapping/>
+  </p:clrMapOvr>
+  <p:timing>
+    <p:tnLst>
+      <p:par>
+        <p:cTn xmlns:p14="http://schemas.microsoft.com/office/powerpoint/2010/main" id="1" dur="indefinite" restart="never" nodeType="tmRoot"/>
+      </p:par>
+    </p:tnLst>
+  </p:timing>
+</p:sld>
+</file>
+
+<file path=ppt/slides/slide19.xml><?xml version="1.0" encoding="utf-8"?>
+<p:sld xmlns:a="http://schemas.openxmlformats.org/drawingml/2006/main" xmlns:r="http://schemas.openxmlformats.org/officeDocument/2006/relationships" xmlns:p="http://schemas.openxmlformats.org/presentationml/2006/main">
+  <p:cSld>
+    <p:spTree>
+      <p:nvGrpSpPr>
+        <p:cNvPr id="1" name=""/>
+        <p:cNvGrpSpPr/>
+        <p:nvPr/>
+      </p:nvGrpSpPr>
+      <p:grpSpPr>
+        <a:xfrm>
+          <a:off x="0" y="0"/>
+          <a:ext cx="0" cy="0"/>
+          <a:chOff x="0" y="0"/>
+          <a:chExt cx="0" cy="0"/>
+        </a:xfrm>
+      </p:grpSpPr>
+      <p:sp>
+        <p:nvSpPr>
+          <p:cNvPr id="3" name="TextBox 2"/>
+          <p:cNvSpPr txBox="1"/>
+          <p:nvPr/>
+        </p:nvSpPr>
+        <p:spPr>
+          <a:xfrm>
+            <a:off x="0" y="152402"/>
+            <a:ext cx="1371600" cy="338554"/>
+          </a:xfrm>
+          <a:prstGeom prst="rect">
+            <a:avLst/>
+          </a:prstGeom>
+          <a:solidFill>
+            <a:schemeClr val="tx1">
+              <a:lumMod val="85000"/>
+              <a:lumOff val="15000"/>
+            </a:schemeClr>
+          </a:solidFill>
+        </p:spPr>
+        <p:txBody>
+          <a:bodyPr wrap="square" rtlCol="0">
+            <a:spAutoFit/>
+          </a:bodyPr>
+          <a:lstStyle/>
+          <a:p>
+            <a:pPr algn="ctr"/>
+            <a:r>
+              <a:rPr lang="en-US" sz="1600" b="1" dirty="0">
+                <a:solidFill>
+                  <a:schemeClr val="bg1"/>
+                </a:solidFill>
+                <a:latin typeface="Candara" panose="020E0502030303020204" pitchFamily="34" charset="0"/>
+              </a:rPr>
+              <a:t>JAVASCRIPT</a:t>
+            </a:r>
+          </a:p>
+        </p:txBody>
+      </p:sp>
+      <p:sp>
+        <p:nvSpPr>
+          <p:cNvPr id="4" name="TextBox 3"/>
+          <p:cNvSpPr txBox="1"/>
+          <p:nvPr/>
+        </p:nvSpPr>
+        <p:spPr>
+          <a:xfrm>
+            <a:off x="7801429" y="159446"/>
+            <a:ext cx="1349946" cy="338554"/>
+          </a:xfrm>
+          <a:prstGeom prst="rect">
+            <a:avLst/>
+          </a:prstGeom>
+          <a:solidFill>
+            <a:schemeClr val="accent5"/>
+          </a:solidFill>
+        </p:spPr>
+        <p:txBody>
+          <a:bodyPr wrap="square" rtlCol="0">
+            <a:spAutoFit/>
+          </a:bodyPr>
+          <a:lstStyle/>
+          <a:p>
+            <a:pPr algn="ctr"/>
+            <a:r>
+              <a:rPr lang="en-US" sz="1600" b="1" dirty="0" smtClean="0">
+                <a:solidFill>
+                  <a:schemeClr val="bg1"/>
+                </a:solidFill>
+                <a:latin typeface="Candara" panose="020E0502030303020204" pitchFamily="34" charset="0"/>
+              </a:rPr>
+              <a:t>ARRAY - II</a:t>
+            </a:r>
+            <a:endParaRPr lang="en-US" sz="1600" b="1" dirty="0">
+              <a:solidFill>
+                <a:schemeClr val="bg1"/>
+              </a:solidFill>
+              <a:latin typeface="Candara" panose="020E0502030303020204" pitchFamily="34" charset="0"/>
+            </a:endParaRPr>
+          </a:p>
+        </p:txBody>
+      </p:sp>
+      <p:pic>
+        <p:nvPicPr>
+          <p:cNvPr id="5" name="Picture 4"/>
+          <p:cNvPicPr>
+            <a:picLocks noChangeAspect="1"/>
+          </p:cNvPicPr>
+          <p:nvPr/>
+        </p:nvPicPr>
+        <p:blipFill>
+          <a:blip r:embed="rId3"/>
+          <a:stretch>
+            <a:fillRect/>
+          </a:stretch>
+        </p:blipFill>
+        <p:spPr>
+          <a:xfrm>
+            <a:off x="0" y="1306287"/>
+            <a:ext cx="9144000" cy="3291052"/>
+          </a:xfrm>
+          <a:prstGeom prst="rect">
+            <a:avLst/>
+          </a:prstGeom>
+        </p:spPr>
+      </p:pic>
+    </p:spTree>
+    <p:extLst>
+      <p:ext uri="{BB962C8B-B14F-4D97-AF65-F5344CB8AC3E}">
+        <p14:creationId xmlns:p14="http://schemas.microsoft.com/office/powerpoint/2010/main" val="1407081690"/>
       </p:ext>
     </p:extLst>
   </p:cSld>
@@ -4622,6 +7589,1829 @@
     <p:extLst>
       <p:ext uri="{BB962C8B-B14F-4D97-AF65-F5344CB8AC3E}">
         <p14:creationId xmlns:p14="http://schemas.microsoft.com/office/powerpoint/2010/main" val="2920036611"/>
+      </p:ext>
+    </p:extLst>
+  </p:cSld>
+  <p:clrMapOvr>
+    <a:masterClrMapping/>
+  </p:clrMapOvr>
+  <p:timing>
+    <p:tnLst>
+      <p:par>
+        <p:cTn xmlns:p14="http://schemas.microsoft.com/office/powerpoint/2010/main" id="1" dur="indefinite" restart="never" nodeType="tmRoot"/>
+      </p:par>
+    </p:tnLst>
+  </p:timing>
+</p:sld>
+</file>
+
+<file path=ppt/slides/slide20.xml><?xml version="1.0" encoding="utf-8"?>
+<p:sld xmlns:a="http://schemas.openxmlformats.org/drawingml/2006/main" xmlns:r="http://schemas.openxmlformats.org/officeDocument/2006/relationships" xmlns:p="http://schemas.openxmlformats.org/presentationml/2006/main">
+  <p:cSld>
+    <p:spTree>
+      <p:nvGrpSpPr>
+        <p:cNvPr id="1" name=""/>
+        <p:cNvGrpSpPr/>
+        <p:nvPr/>
+      </p:nvGrpSpPr>
+      <p:grpSpPr>
+        <a:xfrm>
+          <a:off x="0" y="0"/>
+          <a:ext cx="0" cy="0"/>
+          <a:chOff x="0" y="0"/>
+          <a:chExt cx="0" cy="0"/>
+        </a:xfrm>
+      </p:grpSpPr>
+      <p:sp>
+        <p:nvSpPr>
+          <p:cNvPr id="3" name="TextBox 2"/>
+          <p:cNvSpPr txBox="1"/>
+          <p:nvPr/>
+        </p:nvSpPr>
+        <p:spPr>
+          <a:xfrm>
+            <a:off x="0" y="152402"/>
+            <a:ext cx="1371600" cy="338554"/>
+          </a:xfrm>
+          <a:prstGeom prst="rect">
+            <a:avLst/>
+          </a:prstGeom>
+          <a:solidFill>
+            <a:schemeClr val="tx1">
+              <a:lumMod val="85000"/>
+              <a:lumOff val="15000"/>
+            </a:schemeClr>
+          </a:solidFill>
+        </p:spPr>
+        <p:txBody>
+          <a:bodyPr wrap="square" rtlCol="0">
+            <a:spAutoFit/>
+          </a:bodyPr>
+          <a:lstStyle/>
+          <a:p>
+            <a:pPr algn="ctr"/>
+            <a:r>
+              <a:rPr lang="en-US" sz="1600" b="1" dirty="0">
+                <a:solidFill>
+                  <a:schemeClr val="bg1"/>
+                </a:solidFill>
+                <a:latin typeface="Candara" panose="020E0502030303020204" pitchFamily="34" charset="0"/>
+              </a:rPr>
+              <a:t>JAVASCRIPT</a:t>
+            </a:r>
+          </a:p>
+        </p:txBody>
+      </p:sp>
+      <p:sp>
+        <p:nvSpPr>
+          <p:cNvPr id="4" name="TextBox 3"/>
+          <p:cNvSpPr txBox="1"/>
+          <p:nvPr/>
+        </p:nvSpPr>
+        <p:spPr>
+          <a:xfrm>
+            <a:off x="8031237" y="159446"/>
+            <a:ext cx="1120137" cy="338554"/>
+          </a:xfrm>
+          <a:prstGeom prst="rect">
+            <a:avLst/>
+          </a:prstGeom>
+          <a:solidFill>
+            <a:schemeClr val="accent5"/>
+          </a:solidFill>
+        </p:spPr>
+        <p:txBody>
+          <a:bodyPr wrap="square" rtlCol="0">
+            <a:spAutoFit/>
+          </a:bodyPr>
+          <a:lstStyle/>
+          <a:p>
+            <a:pPr algn="ctr"/>
+            <a:r>
+              <a:rPr lang="en-US" sz="1600" b="1" dirty="0" smtClean="0">
+                <a:solidFill>
+                  <a:schemeClr val="bg1"/>
+                </a:solidFill>
+                <a:latin typeface="Candara" panose="020E0502030303020204" pitchFamily="34" charset="0"/>
+              </a:rPr>
+              <a:t>OBJECTS</a:t>
+            </a:r>
+            <a:endParaRPr lang="en-US" sz="1600" b="1" dirty="0">
+              <a:solidFill>
+                <a:schemeClr val="bg1"/>
+              </a:solidFill>
+              <a:latin typeface="Candara" panose="020E0502030303020204" pitchFamily="34" charset="0"/>
+            </a:endParaRPr>
+          </a:p>
+        </p:txBody>
+      </p:sp>
+      <p:sp>
+        <p:nvSpPr>
+          <p:cNvPr id="2" name="Rectangle 1"/>
+          <p:cNvSpPr/>
+          <p:nvPr/>
+        </p:nvSpPr>
+        <p:spPr>
+          <a:xfrm>
+            <a:off x="520095" y="863955"/>
+            <a:ext cx="8321524" cy="923330"/>
+          </a:xfrm>
+          <a:prstGeom prst="rect">
+            <a:avLst/>
+          </a:prstGeom>
+        </p:spPr>
+        <p:txBody>
+          <a:bodyPr wrap="square">
+            <a:spAutoFit/>
+          </a:bodyPr>
+          <a:lstStyle/>
+          <a:p>
+            <a:r>
+              <a:rPr lang="en-US" dirty="0" smtClean="0">
+                <a:solidFill>
+                  <a:srgbClr val="CC3333"/>
+                </a:solidFill>
+                <a:latin typeface="Candara"/>
+                <a:cs typeface="Candara"/>
+              </a:rPr>
+              <a:t>Objects</a:t>
+            </a:r>
+            <a:r>
+              <a:rPr lang="en-US" dirty="0" smtClean="0">
+                <a:latin typeface="Candara"/>
+                <a:cs typeface="Candara"/>
+              </a:rPr>
+              <a:t> contain one or more key-value pairs. The key portion can be any string. The value portion can be any type of value: a </a:t>
+            </a:r>
+            <a:r>
+              <a:rPr lang="en-US" dirty="0" smtClean="0">
+                <a:solidFill>
+                  <a:srgbClr val="CC3333"/>
+                </a:solidFill>
+                <a:latin typeface="Candara"/>
+                <a:cs typeface="Candara"/>
+              </a:rPr>
+              <a:t>number</a:t>
+            </a:r>
+            <a:r>
+              <a:rPr lang="en-US" dirty="0" smtClean="0">
+                <a:latin typeface="Candara"/>
+                <a:cs typeface="Candara"/>
+              </a:rPr>
+              <a:t>, a </a:t>
+            </a:r>
+            <a:r>
+              <a:rPr lang="en-US" dirty="0" smtClean="0">
+                <a:solidFill>
+                  <a:srgbClr val="CC3333"/>
+                </a:solidFill>
+                <a:latin typeface="Candara"/>
+                <a:cs typeface="Candara"/>
+              </a:rPr>
+              <a:t>string</a:t>
+            </a:r>
+            <a:r>
+              <a:rPr lang="en-US" dirty="0" smtClean="0">
+                <a:latin typeface="Candara"/>
+                <a:cs typeface="Candara"/>
+              </a:rPr>
+              <a:t>, an </a:t>
+            </a:r>
+            <a:r>
+              <a:rPr lang="en-US" dirty="0" smtClean="0">
+                <a:solidFill>
+                  <a:srgbClr val="CC3333"/>
+                </a:solidFill>
+                <a:latin typeface="Candara"/>
+                <a:cs typeface="Candara"/>
+              </a:rPr>
+              <a:t>array</a:t>
+            </a:r>
+            <a:r>
+              <a:rPr lang="en-US" dirty="0" smtClean="0">
+                <a:latin typeface="Candara"/>
+                <a:cs typeface="Candara"/>
+              </a:rPr>
+              <a:t>, a </a:t>
+            </a:r>
+            <a:r>
+              <a:rPr lang="en-US" dirty="0" smtClean="0">
+                <a:solidFill>
+                  <a:srgbClr val="CC3333"/>
+                </a:solidFill>
+                <a:latin typeface="Candara"/>
+                <a:cs typeface="Candara"/>
+              </a:rPr>
+              <a:t>function</a:t>
+            </a:r>
+            <a:r>
+              <a:rPr lang="en-US" dirty="0" smtClean="0">
+                <a:latin typeface="Candara"/>
+                <a:cs typeface="Candara"/>
+              </a:rPr>
+              <a:t>, or </a:t>
+            </a:r>
+            <a:r>
+              <a:rPr lang="en-US" dirty="0" smtClean="0">
+                <a:solidFill>
+                  <a:srgbClr val="CC3333"/>
+                </a:solidFill>
+                <a:latin typeface="Candara"/>
+                <a:cs typeface="Candara"/>
+              </a:rPr>
+              <a:t>even another object</a:t>
+            </a:r>
+            <a:r>
+              <a:rPr lang="en-US" dirty="0" smtClean="0">
+                <a:latin typeface="Candara"/>
+                <a:cs typeface="Candara"/>
+              </a:rPr>
+              <a:t>.</a:t>
+            </a:r>
+            <a:endParaRPr lang="en-US" dirty="0">
+              <a:latin typeface="Candara"/>
+              <a:cs typeface="Candara"/>
+            </a:endParaRPr>
+          </a:p>
+        </p:txBody>
+      </p:sp>
+      <p:sp>
+        <p:nvSpPr>
+          <p:cNvPr id="6" name="Rectangle 5"/>
+          <p:cNvSpPr/>
+          <p:nvPr/>
+        </p:nvSpPr>
+        <p:spPr>
+          <a:xfrm>
+            <a:off x="592666" y="1890860"/>
+            <a:ext cx="8140095" cy="646331"/>
+          </a:xfrm>
+          <a:prstGeom prst="rect">
+            <a:avLst/>
+          </a:prstGeom>
+        </p:spPr>
+        <p:txBody>
+          <a:bodyPr wrap="square">
+            <a:spAutoFit/>
+          </a:bodyPr>
+          <a:lstStyle/>
+          <a:p>
+            <a:r>
+              <a:rPr lang="en-US" smtClean="0">
+                <a:latin typeface="Candara"/>
+                <a:cs typeface="Candara"/>
+              </a:rPr>
+              <a:t>Everything in JavaScript is an object — arrays, functions, numbers, even strings — and they all have properties and methods.</a:t>
+            </a:r>
+            <a:endParaRPr lang="en-US" dirty="0">
+              <a:latin typeface="Candara"/>
+              <a:cs typeface="Candara"/>
+            </a:endParaRPr>
+          </a:p>
+        </p:txBody>
+      </p:sp>
+      <p:pic>
+        <p:nvPicPr>
+          <p:cNvPr id="7" name="Picture 6"/>
+          <p:cNvPicPr>
+            <a:picLocks noChangeAspect="1"/>
+          </p:cNvPicPr>
+          <p:nvPr/>
+        </p:nvPicPr>
+        <p:blipFill>
+          <a:blip r:embed="rId3">
+            <a:grayscl/>
+          </a:blip>
+          <a:stretch>
+            <a:fillRect/>
+          </a:stretch>
+        </p:blipFill>
+        <p:spPr>
+          <a:xfrm>
+            <a:off x="798890" y="3119362"/>
+            <a:ext cx="7594600" cy="2844800"/>
+          </a:xfrm>
+          <a:prstGeom prst="rect">
+            <a:avLst/>
+          </a:prstGeom>
+        </p:spPr>
+      </p:pic>
+    </p:spTree>
+    <p:extLst>
+      <p:ext uri="{BB962C8B-B14F-4D97-AF65-F5344CB8AC3E}">
+        <p14:creationId xmlns:p14="http://schemas.microsoft.com/office/powerpoint/2010/main" val="4272549938"/>
+      </p:ext>
+    </p:extLst>
+  </p:cSld>
+  <p:clrMapOvr>
+    <a:masterClrMapping/>
+  </p:clrMapOvr>
+  <p:timing>
+    <p:tnLst>
+      <p:par>
+        <p:cTn xmlns:p14="http://schemas.microsoft.com/office/powerpoint/2010/main" id="1" dur="indefinite" restart="never" nodeType="tmRoot"/>
+      </p:par>
+    </p:tnLst>
+  </p:timing>
+</p:sld>
+</file>
+
+<file path=ppt/slides/slide21.xml><?xml version="1.0" encoding="utf-8"?>
+<p:sld xmlns:a="http://schemas.openxmlformats.org/drawingml/2006/main" xmlns:r="http://schemas.openxmlformats.org/officeDocument/2006/relationships" xmlns:p="http://schemas.openxmlformats.org/presentationml/2006/main">
+  <p:cSld>
+    <p:spTree>
+      <p:nvGrpSpPr>
+        <p:cNvPr id="1" name=""/>
+        <p:cNvGrpSpPr/>
+        <p:nvPr/>
+      </p:nvGrpSpPr>
+      <p:grpSpPr>
+        <a:xfrm>
+          <a:off x="0" y="0"/>
+          <a:ext cx="0" cy="0"/>
+          <a:chOff x="0" y="0"/>
+          <a:chExt cx="0" cy="0"/>
+        </a:xfrm>
+      </p:grpSpPr>
+      <p:sp>
+        <p:nvSpPr>
+          <p:cNvPr id="3" name="TextBox 2"/>
+          <p:cNvSpPr txBox="1"/>
+          <p:nvPr/>
+        </p:nvSpPr>
+        <p:spPr>
+          <a:xfrm>
+            <a:off x="0" y="152402"/>
+            <a:ext cx="1371600" cy="338554"/>
+          </a:xfrm>
+          <a:prstGeom prst="rect">
+            <a:avLst/>
+          </a:prstGeom>
+          <a:solidFill>
+            <a:schemeClr val="tx1">
+              <a:lumMod val="85000"/>
+              <a:lumOff val="15000"/>
+            </a:schemeClr>
+          </a:solidFill>
+        </p:spPr>
+        <p:txBody>
+          <a:bodyPr wrap="square" rtlCol="0">
+            <a:spAutoFit/>
+          </a:bodyPr>
+          <a:lstStyle/>
+          <a:p>
+            <a:pPr algn="ctr"/>
+            <a:r>
+              <a:rPr lang="en-US" sz="1600" b="1" dirty="0">
+                <a:solidFill>
+                  <a:schemeClr val="bg1"/>
+                </a:solidFill>
+                <a:latin typeface="Candara" panose="020E0502030303020204" pitchFamily="34" charset="0"/>
+              </a:rPr>
+              <a:t>JAVASCRIPT</a:t>
+            </a:r>
+          </a:p>
+        </p:txBody>
+      </p:sp>
+      <p:sp>
+        <p:nvSpPr>
+          <p:cNvPr id="4" name="TextBox 3"/>
+          <p:cNvSpPr txBox="1"/>
+          <p:nvPr/>
+        </p:nvSpPr>
+        <p:spPr>
+          <a:xfrm>
+            <a:off x="7499048" y="159446"/>
+            <a:ext cx="1652327" cy="338554"/>
+          </a:xfrm>
+          <a:prstGeom prst="rect">
+            <a:avLst/>
+          </a:prstGeom>
+          <a:solidFill>
+            <a:schemeClr val="accent5"/>
+          </a:solidFill>
+        </p:spPr>
+        <p:txBody>
+          <a:bodyPr wrap="square" rtlCol="0">
+            <a:spAutoFit/>
+          </a:bodyPr>
+          <a:lstStyle/>
+          <a:p>
+            <a:pPr algn="ctr"/>
+            <a:r>
+              <a:rPr lang="en-US" sz="1600" b="1" dirty="0" smtClean="0">
+                <a:solidFill>
+                  <a:schemeClr val="bg1"/>
+                </a:solidFill>
+                <a:latin typeface="Candara" panose="020E0502030303020204" pitchFamily="34" charset="0"/>
+              </a:rPr>
+              <a:t>FUNCTIONS - I</a:t>
+            </a:r>
+            <a:endParaRPr lang="en-US" sz="1600" b="1" dirty="0">
+              <a:solidFill>
+                <a:schemeClr val="bg1"/>
+              </a:solidFill>
+              <a:latin typeface="Candara" panose="020E0502030303020204" pitchFamily="34" charset="0"/>
+            </a:endParaRPr>
+          </a:p>
+        </p:txBody>
+      </p:sp>
+      <p:pic>
+        <p:nvPicPr>
+          <p:cNvPr id="8" name="Picture 7"/>
+          <p:cNvPicPr>
+            <a:picLocks noChangeAspect="1"/>
+          </p:cNvPicPr>
+          <p:nvPr/>
+        </p:nvPicPr>
+        <p:blipFill>
+          <a:blip r:embed="rId3"/>
+          <a:stretch>
+            <a:fillRect/>
+          </a:stretch>
+        </p:blipFill>
+        <p:spPr>
+          <a:xfrm>
+            <a:off x="0" y="2582940"/>
+            <a:ext cx="9144000" cy="2496488"/>
+          </a:xfrm>
+          <a:prstGeom prst="rect">
+            <a:avLst/>
+          </a:prstGeom>
+        </p:spPr>
+      </p:pic>
+      <p:sp>
+        <p:nvSpPr>
+          <p:cNvPr id="9" name="Rectangle 8"/>
+          <p:cNvSpPr/>
+          <p:nvPr/>
+        </p:nvSpPr>
+        <p:spPr>
+          <a:xfrm>
+            <a:off x="459618" y="1171789"/>
+            <a:ext cx="7632095" cy="923330"/>
+          </a:xfrm>
+          <a:prstGeom prst="rect">
+            <a:avLst/>
+          </a:prstGeom>
+        </p:spPr>
+        <p:txBody>
+          <a:bodyPr wrap="square">
+            <a:spAutoFit/>
+          </a:bodyPr>
+          <a:lstStyle/>
+          <a:p>
+            <a:pPr algn="just"/>
+            <a:r>
+              <a:rPr lang="en-US" dirty="0">
+                <a:solidFill>
+                  <a:srgbClr val="CC3333"/>
+                </a:solidFill>
+                <a:latin typeface="Candara"/>
+                <a:cs typeface="Candara"/>
+              </a:rPr>
+              <a:t>Functions</a:t>
+            </a:r>
+            <a:r>
+              <a:rPr lang="en-US" dirty="0">
+                <a:latin typeface="Candara"/>
+                <a:cs typeface="Candara"/>
+              </a:rPr>
+              <a:t> contain blocks of code that need to be executed repeatedly. Functions can take zero or more arguments, and can optionally return a value.</a:t>
+            </a:r>
+          </a:p>
+        </p:txBody>
+      </p:sp>
+      <p:sp>
+        <p:nvSpPr>
+          <p:cNvPr id="10" name="Rectangle 9"/>
+          <p:cNvSpPr/>
+          <p:nvPr/>
+        </p:nvSpPr>
+        <p:spPr>
+          <a:xfrm>
+            <a:off x="430990" y="5647591"/>
+            <a:ext cx="8225329" cy="369332"/>
+          </a:xfrm>
+          <a:prstGeom prst="rect">
+            <a:avLst/>
+          </a:prstGeom>
+        </p:spPr>
+        <p:txBody>
+          <a:bodyPr wrap="none">
+            <a:spAutoFit/>
+          </a:bodyPr>
+          <a:lstStyle/>
+          <a:p>
+            <a:r>
+              <a:rPr lang="en-US" dirty="0" smtClean="0">
+                <a:solidFill>
+                  <a:srgbClr val="CC3333"/>
+                </a:solidFill>
+                <a:latin typeface="Candara"/>
+                <a:cs typeface="Candara"/>
+              </a:rPr>
+              <a:t>Named function declarations </a:t>
+            </a:r>
+            <a:r>
+              <a:rPr lang="en-US" dirty="0" smtClean="0">
+                <a:latin typeface="Candara"/>
+                <a:cs typeface="Candara"/>
+              </a:rPr>
+              <a:t>provide better debugging experience in the call stack</a:t>
+            </a:r>
+            <a:endParaRPr lang="en-US" dirty="0"/>
+          </a:p>
+        </p:txBody>
+      </p:sp>
+    </p:spTree>
+    <p:extLst>
+      <p:ext uri="{BB962C8B-B14F-4D97-AF65-F5344CB8AC3E}">
+        <p14:creationId xmlns:p14="http://schemas.microsoft.com/office/powerpoint/2010/main" val="1436878185"/>
+      </p:ext>
+    </p:extLst>
+  </p:cSld>
+  <p:clrMapOvr>
+    <a:masterClrMapping/>
+  </p:clrMapOvr>
+  <p:timing>
+    <p:tnLst>
+      <p:par>
+        <p:cTn xmlns:p14="http://schemas.microsoft.com/office/powerpoint/2010/main" id="1" dur="indefinite" restart="never" nodeType="tmRoot"/>
+      </p:par>
+    </p:tnLst>
+  </p:timing>
+</p:sld>
+</file>
+
+<file path=ppt/slides/slide22.xml><?xml version="1.0" encoding="utf-8"?>
+<p:sld xmlns:a="http://schemas.openxmlformats.org/drawingml/2006/main" xmlns:r="http://schemas.openxmlformats.org/officeDocument/2006/relationships" xmlns:p="http://schemas.openxmlformats.org/presentationml/2006/main">
+  <p:cSld>
+    <p:spTree>
+      <p:nvGrpSpPr>
+        <p:cNvPr id="1" name=""/>
+        <p:cNvGrpSpPr/>
+        <p:nvPr/>
+      </p:nvGrpSpPr>
+      <p:grpSpPr>
+        <a:xfrm>
+          <a:off x="0" y="0"/>
+          <a:ext cx="0" cy="0"/>
+          <a:chOff x="0" y="0"/>
+          <a:chExt cx="0" cy="0"/>
+        </a:xfrm>
+      </p:grpSpPr>
+      <p:sp>
+        <p:nvSpPr>
+          <p:cNvPr id="3" name="TextBox 2"/>
+          <p:cNvSpPr txBox="1"/>
+          <p:nvPr/>
+        </p:nvSpPr>
+        <p:spPr>
+          <a:xfrm>
+            <a:off x="0" y="152402"/>
+            <a:ext cx="1371600" cy="338554"/>
+          </a:xfrm>
+          <a:prstGeom prst="rect">
+            <a:avLst/>
+          </a:prstGeom>
+          <a:solidFill>
+            <a:schemeClr val="tx1">
+              <a:lumMod val="85000"/>
+              <a:lumOff val="15000"/>
+            </a:schemeClr>
+          </a:solidFill>
+        </p:spPr>
+        <p:txBody>
+          <a:bodyPr wrap="square" rtlCol="0">
+            <a:spAutoFit/>
+          </a:bodyPr>
+          <a:lstStyle/>
+          <a:p>
+            <a:pPr algn="ctr"/>
+            <a:r>
+              <a:rPr lang="en-US" sz="1600" b="1" dirty="0">
+                <a:solidFill>
+                  <a:schemeClr val="bg1"/>
+                </a:solidFill>
+                <a:latin typeface="Candara" panose="020E0502030303020204" pitchFamily="34" charset="0"/>
+              </a:rPr>
+              <a:t>JAVASCRIPT</a:t>
+            </a:r>
+          </a:p>
+        </p:txBody>
+      </p:sp>
+      <p:sp>
+        <p:nvSpPr>
+          <p:cNvPr id="4" name="TextBox 3"/>
+          <p:cNvSpPr txBox="1"/>
+          <p:nvPr/>
+        </p:nvSpPr>
+        <p:spPr>
+          <a:xfrm>
+            <a:off x="7499048" y="159446"/>
+            <a:ext cx="1652327" cy="338554"/>
+          </a:xfrm>
+          <a:prstGeom prst="rect">
+            <a:avLst/>
+          </a:prstGeom>
+          <a:solidFill>
+            <a:schemeClr val="accent5"/>
+          </a:solidFill>
+        </p:spPr>
+        <p:txBody>
+          <a:bodyPr wrap="square" rtlCol="0">
+            <a:spAutoFit/>
+          </a:bodyPr>
+          <a:lstStyle/>
+          <a:p>
+            <a:pPr algn="ctr"/>
+            <a:r>
+              <a:rPr lang="en-US" sz="1600" b="1" dirty="0" smtClean="0">
+                <a:solidFill>
+                  <a:schemeClr val="bg1"/>
+                </a:solidFill>
+                <a:latin typeface="Candara" panose="020E0502030303020204" pitchFamily="34" charset="0"/>
+              </a:rPr>
+              <a:t>FUNCTIONS - II</a:t>
+            </a:r>
+            <a:endParaRPr lang="en-US" sz="1600" b="1" dirty="0">
+              <a:solidFill>
+                <a:schemeClr val="bg1"/>
+              </a:solidFill>
+              <a:latin typeface="Candara" panose="020E0502030303020204" pitchFamily="34" charset="0"/>
+            </a:endParaRPr>
+          </a:p>
+        </p:txBody>
+      </p:sp>
+      <p:pic>
+        <p:nvPicPr>
+          <p:cNvPr id="2" name="Picture 1"/>
+          <p:cNvPicPr>
+            <a:picLocks noChangeAspect="1"/>
+          </p:cNvPicPr>
+          <p:nvPr/>
+        </p:nvPicPr>
+        <p:blipFill>
+          <a:blip r:embed="rId3"/>
+          <a:stretch>
+            <a:fillRect/>
+          </a:stretch>
+        </p:blipFill>
+        <p:spPr>
+          <a:xfrm>
+            <a:off x="1157981" y="529594"/>
+            <a:ext cx="7124285" cy="6328405"/>
+          </a:xfrm>
+          <a:prstGeom prst="rect">
+            <a:avLst/>
+          </a:prstGeom>
+        </p:spPr>
+      </p:pic>
+    </p:spTree>
+    <p:extLst>
+      <p:ext uri="{BB962C8B-B14F-4D97-AF65-F5344CB8AC3E}">
+        <p14:creationId xmlns:p14="http://schemas.microsoft.com/office/powerpoint/2010/main" val="3150382664"/>
+      </p:ext>
+    </p:extLst>
+  </p:cSld>
+  <p:clrMapOvr>
+    <a:masterClrMapping/>
+  </p:clrMapOvr>
+  <p:timing>
+    <p:tnLst>
+      <p:par>
+        <p:cTn xmlns:p14="http://schemas.microsoft.com/office/powerpoint/2010/main" id="1" dur="indefinite" restart="never" nodeType="tmRoot"/>
+      </p:par>
+    </p:tnLst>
+  </p:timing>
+</p:sld>
+</file>
+
+<file path=ppt/slides/slide23.xml><?xml version="1.0" encoding="utf-8"?>
+<p:sld xmlns:a="http://schemas.openxmlformats.org/drawingml/2006/main" xmlns:r="http://schemas.openxmlformats.org/officeDocument/2006/relationships" xmlns:p="http://schemas.openxmlformats.org/presentationml/2006/main">
+  <p:cSld>
+    <p:spTree>
+      <p:nvGrpSpPr>
+        <p:cNvPr id="1" name=""/>
+        <p:cNvGrpSpPr/>
+        <p:nvPr/>
+      </p:nvGrpSpPr>
+      <p:grpSpPr>
+        <a:xfrm>
+          <a:off x="0" y="0"/>
+          <a:ext cx="0" cy="0"/>
+          <a:chOff x="0" y="0"/>
+          <a:chExt cx="0" cy="0"/>
+        </a:xfrm>
+      </p:grpSpPr>
+      <p:sp>
+        <p:nvSpPr>
+          <p:cNvPr id="3" name="TextBox 2"/>
+          <p:cNvSpPr txBox="1"/>
+          <p:nvPr/>
+        </p:nvSpPr>
+        <p:spPr>
+          <a:xfrm>
+            <a:off x="0" y="152402"/>
+            <a:ext cx="1371600" cy="338554"/>
+          </a:xfrm>
+          <a:prstGeom prst="rect">
+            <a:avLst/>
+          </a:prstGeom>
+          <a:solidFill>
+            <a:schemeClr val="tx1">
+              <a:lumMod val="85000"/>
+              <a:lumOff val="15000"/>
+            </a:schemeClr>
+          </a:solidFill>
+        </p:spPr>
+        <p:txBody>
+          <a:bodyPr wrap="square" rtlCol="0">
+            <a:spAutoFit/>
+          </a:bodyPr>
+          <a:lstStyle/>
+          <a:p>
+            <a:pPr algn="ctr"/>
+            <a:r>
+              <a:rPr lang="en-US" sz="1600" b="1" dirty="0">
+                <a:solidFill>
+                  <a:schemeClr val="bg1"/>
+                </a:solidFill>
+                <a:latin typeface="Candara" panose="020E0502030303020204" pitchFamily="34" charset="0"/>
+              </a:rPr>
+              <a:t>JAVASCRIPT</a:t>
+            </a:r>
+          </a:p>
+        </p:txBody>
+      </p:sp>
+      <p:sp>
+        <p:nvSpPr>
+          <p:cNvPr id="4" name="TextBox 3"/>
+          <p:cNvSpPr txBox="1"/>
+          <p:nvPr/>
+        </p:nvSpPr>
+        <p:spPr>
+          <a:xfrm>
+            <a:off x="7499048" y="159446"/>
+            <a:ext cx="1652327" cy="338554"/>
+          </a:xfrm>
+          <a:prstGeom prst="rect">
+            <a:avLst/>
+          </a:prstGeom>
+          <a:solidFill>
+            <a:schemeClr val="accent5"/>
+          </a:solidFill>
+        </p:spPr>
+        <p:txBody>
+          <a:bodyPr wrap="square" rtlCol="0">
+            <a:spAutoFit/>
+          </a:bodyPr>
+          <a:lstStyle/>
+          <a:p>
+            <a:pPr algn="ctr"/>
+            <a:r>
+              <a:rPr lang="en-US" sz="1600" b="1" dirty="0" smtClean="0">
+                <a:solidFill>
+                  <a:schemeClr val="bg1"/>
+                </a:solidFill>
+                <a:latin typeface="Candara" panose="020E0502030303020204" pitchFamily="34" charset="0"/>
+              </a:rPr>
+              <a:t>FUNCTIONS - III</a:t>
+            </a:r>
+            <a:endParaRPr lang="en-US" sz="1600" b="1" dirty="0">
+              <a:solidFill>
+                <a:schemeClr val="bg1"/>
+              </a:solidFill>
+              <a:latin typeface="Candara" panose="020E0502030303020204" pitchFamily="34" charset="0"/>
+            </a:endParaRPr>
+          </a:p>
+        </p:txBody>
+      </p:sp>
+      <p:pic>
+        <p:nvPicPr>
+          <p:cNvPr id="5" name="Picture 4"/>
+          <p:cNvPicPr>
+            <a:picLocks noChangeAspect="1"/>
+          </p:cNvPicPr>
+          <p:nvPr/>
+        </p:nvPicPr>
+        <p:blipFill>
+          <a:blip r:embed="rId3"/>
+          <a:stretch>
+            <a:fillRect/>
+          </a:stretch>
+        </p:blipFill>
+        <p:spPr>
+          <a:xfrm>
+            <a:off x="0" y="603400"/>
+            <a:ext cx="9144000" cy="6253825"/>
+          </a:xfrm>
+          <a:prstGeom prst="rect">
+            <a:avLst/>
+          </a:prstGeom>
+        </p:spPr>
+      </p:pic>
+    </p:spTree>
+    <p:extLst>
+      <p:ext uri="{BB962C8B-B14F-4D97-AF65-F5344CB8AC3E}">
+        <p14:creationId xmlns:p14="http://schemas.microsoft.com/office/powerpoint/2010/main" val="2800220818"/>
+      </p:ext>
+    </p:extLst>
+  </p:cSld>
+  <p:clrMapOvr>
+    <a:masterClrMapping/>
+  </p:clrMapOvr>
+  <p:timing>
+    <p:tnLst>
+      <p:par>
+        <p:cTn xmlns:p14="http://schemas.microsoft.com/office/powerpoint/2010/main" id="1" dur="indefinite" restart="never" nodeType="tmRoot"/>
+      </p:par>
+    </p:tnLst>
+  </p:timing>
+</p:sld>
+</file>
+
+<file path=ppt/slides/slide24.xml><?xml version="1.0" encoding="utf-8"?>
+<p:sld xmlns:a="http://schemas.openxmlformats.org/drawingml/2006/main" xmlns:r="http://schemas.openxmlformats.org/officeDocument/2006/relationships" xmlns:p="http://schemas.openxmlformats.org/presentationml/2006/main">
+  <p:cSld>
+    <p:bg>
+      <p:bgPr>
+        <a:solidFill>
+          <a:schemeClr val="tx1">
+            <a:lumMod val="85000"/>
+            <a:lumOff val="15000"/>
+          </a:schemeClr>
+        </a:solidFill>
+        <a:effectLst/>
+      </p:bgPr>
+    </p:bg>
+    <p:spTree>
+      <p:nvGrpSpPr>
+        <p:cNvPr id="1" name=""/>
+        <p:cNvGrpSpPr/>
+        <p:nvPr/>
+      </p:nvGrpSpPr>
+      <p:grpSpPr>
+        <a:xfrm>
+          <a:off x="0" y="0"/>
+          <a:ext cx="0" cy="0"/>
+          <a:chOff x="0" y="0"/>
+          <a:chExt cx="0" cy="0"/>
+        </a:xfrm>
+      </p:grpSpPr>
+      <p:sp>
+        <p:nvSpPr>
+          <p:cNvPr id="4" name="TextBox 3"/>
+          <p:cNvSpPr txBox="1"/>
+          <p:nvPr/>
+        </p:nvSpPr>
+        <p:spPr>
+          <a:xfrm>
+            <a:off x="609600" y="3124201"/>
+            <a:ext cx="5257800" cy="523220"/>
+          </a:xfrm>
+          <a:prstGeom prst="rect">
+            <a:avLst/>
+          </a:prstGeom>
+          <a:noFill/>
+        </p:spPr>
+        <p:txBody>
+          <a:bodyPr wrap="square" rtlCol="0">
+            <a:spAutoFit/>
+          </a:bodyPr>
+          <a:lstStyle/>
+          <a:p>
+            <a:r>
+              <a:rPr lang="en-US" sz="2800" b="1" dirty="0" err="1" smtClean="0">
+                <a:solidFill>
+                  <a:schemeClr val="bg1"/>
+                </a:solidFill>
+                <a:latin typeface="Candara" panose="020E0502030303020204" pitchFamily="34" charset="0"/>
+                <a:cs typeface="Iskoola Pota" panose="020B0502040204020203" pitchFamily="34" charset="0"/>
+              </a:rPr>
+              <a:t>jQuery</a:t>
+            </a:r>
+            <a:endParaRPr lang="en-US" sz="2800" b="1" dirty="0">
+              <a:solidFill>
+                <a:schemeClr val="bg1"/>
+              </a:solidFill>
+              <a:latin typeface="Candara" panose="020E0502030303020204" pitchFamily="34" charset="0"/>
+              <a:cs typeface="Iskoola Pota" panose="020B0502040204020203" pitchFamily="34" charset="0"/>
+            </a:endParaRPr>
+          </a:p>
+        </p:txBody>
+      </p:sp>
+    </p:spTree>
+    <p:extLst>
+      <p:ext uri="{BB962C8B-B14F-4D97-AF65-F5344CB8AC3E}">
+        <p14:creationId xmlns:p14="http://schemas.microsoft.com/office/powerpoint/2010/main" val="2813627542"/>
+      </p:ext>
+    </p:extLst>
+  </p:cSld>
+  <p:clrMapOvr>
+    <a:masterClrMapping/>
+  </p:clrMapOvr>
+  <p:timing>
+    <p:tnLst>
+      <p:par>
+        <p:cTn xmlns:p14="http://schemas.microsoft.com/office/powerpoint/2010/main" id="1" dur="indefinite" restart="never" nodeType="tmRoot"/>
+      </p:par>
+    </p:tnLst>
+  </p:timing>
+</p:sld>
+</file>
+
+<file path=ppt/slides/slide25.xml><?xml version="1.0" encoding="utf-8"?>
+<p:sld xmlns:a="http://schemas.openxmlformats.org/drawingml/2006/main" xmlns:r="http://schemas.openxmlformats.org/officeDocument/2006/relationships" xmlns:p="http://schemas.openxmlformats.org/presentationml/2006/main">
+  <p:cSld>
+    <p:spTree>
+      <p:nvGrpSpPr>
+        <p:cNvPr id="1" name=""/>
+        <p:cNvGrpSpPr/>
+        <p:nvPr/>
+      </p:nvGrpSpPr>
+      <p:grpSpPr>
+        <a:xfrm>
+          <a:off x="0" y="0"/>
+          <a:ext cx="0" cy="0"/>
+          <a:chOff x="0" y="0"/>
+          <a:chExt cx="0" cy="0"/>
+        </a:xfrm>
+      </p:grpSpPr>
+      <p:sp>
+        <p:nvSpPr>
+          <p:cNvPr id="3" name="TextBox 2"/>
+          <p:cNvSpPr txBox="1"/>
+          <p:nvPr/>
+        </p:nvSpPr>
+        <p:spPr>
+          <a:xfrm>
+            <a:off x="0" y="152402"/>
+            <a:ext cx="1008564" cy="338554"/>
+          </a:xfrm>
+          <a:prstGeom prst="rect">
+            <a:avLst/>
+          </a:prstGeom>
+          <a:solidFill>
+            <a:schemeClr val="tx1">
+              <a:lumMod val="85000"/>
+              <a:lumOff val="15000"/>
+            </a:schemeClr>
+          </a:solidFill>
+        </p:spPr>
+        <p:txBody>
+          <a:bodyPr wrap="square" rtlCol="0">
+            <a:spAutoFit/>
+          </a:bodyPr>
+          <a:lstStyle/>
+          <a:p>
+            <a:pPr algn="ctr"/>
+            <a:r>
+              <a:rPr lang="en-US" sz="1600" b="1" dirty="0" err="1" smtClean="0">
+                <a:solidFill>
+                  <a:schemeClr val="bg1"/>
+                </a:solidFill>
+                <a:latin typeface="Candara" panose="020E0502030303020204" pitchFamily="34" charset="0"/>
+              </a:rPr>
+              <a:t>jQUERY</a:t>
+            </a:r>
+            <a:endParaRPr lang="en-US" sz="1600" b="1" dirty="0">
+              <a:solidFill>
+                <a:schemeClr val="bg1"/>
+              </a:solidFill>
+              <a:latin typeface="Candara" panose="020E0502030303020204" pitchFamily="34" charset="0"/>
+            </a:endParaRPr>
+          </a:p>
+        </p:txBody>
+      </p:sp>
+      <p:sp>
+        <p:nvSpPr>
+          <p:cNvPr id="4" name="TextBox 3"/>
+          <p:cNvSpPr txBox="1"/>
+          <p:nvPr/>
+        </p:nvSpPr>
+        <p:spPr>
+          <a:xfrm>
+            <a:off x="7172009" y="159446"/>
+            <a:ext cx="1979367" cy="338554"/>
+          </a:xfrm>
+          <a:prstGeom prst="rect">
+            <a:avLst/>
+          </a:prstGeom>
+          <a:solidFill>
+            <a:schemeClr val="accent5"/>
+          </a:solidFill>
+        </p:spPr>
+        <p:txBody>
+          <a:bodyPr wrap="square" rtlCol="0">
+            <a:spAutoFit/>
+          </a:bodyPr>
+          <a:lstStyle/>
+          <a:p>
+            <a:pPr algn="ctr"/>
+            <a:r>
+              <a:rPr lang="en-US" sz="1600" b="1" dirty="0" smtClean="0">
+                <a:solidFill>
+                  <a:schemeClr val="bg1"/>
+                </a:solidFill>
+                <a:latin typeface="Candara" panose="020E0502030303020204" pitchFamily="34" charset="0"/>
+              </a:rPr>
+              <a:t>DOCUMENT READY</a:t>
+            </a:r>
+            <a:endParaRPr lang="en-US" sz="1600" b="1" dirty="0">
+              <a:solidFill>
+                <a:schemeClr val="bg1"/>
+              </a:solidFill>
+              <a:latin typeface="Candara" panose="020E0502030303020204" pitchFamily="34" charset="0"/>
+            </a:endParaRPr>
+          </a:p>
+        </p:txBody>
+      </p:sp>
+      <p:sp>
+        <p:nvSpPr>
+          <p:cNvPr id="2" name="Rectangle 1"/>
+          <p:cNvSpPr/>
+          <p:nvPr/>
+        </p:nvSpPr>
+        <p:spPr>
+          <a:xfrm>
+            <a:off x="281324" y="1009302"/>
+            <a:ext cx="3105459" cy="923330"/>
+          </a:xfrm>
+          <a:prstGeom prst="rect">
+            <a:avLst/>
+          </a:prstGeom>
+          <a:ln>
+            <a:solidFill>
+              <a:schemeClr val="tx1">
+                <a:lumMod val="50000"/>
+                <a:lumOff val="50000"/>
+              </a:schemeClr>
+            </a:solidFill>
+          </a:ln>
+        </p:spPr>
+        <p:txBody>
+          <a:bodyPr wrap="square">
+            <a:spAutoFit/>
+          </a:bodyPr>
+          <a:lstStyle/>
+          <a:p>
+            <a:r>
+              <a:rPr lang="en-US" dirty="0" err="1">
+                <a:solidFill>
+                  <a:srgbClr val="CC3333"/>
+                </a:solidFill>
+                <a:latin typeface="Candara"/>
+                <a:cs typeface="Candara"/>
+              </a:rPr>
+              <a:t>window.onload</a:t>
+            </a:r>
+            <a:r>
+              <a:rPr lang="en-US" dirty="0">
+                <a:latin typeface="Candara"/>
+                <a:cs typeface="Candara"/>
+              </a:rPr>
+              <a:t> = function() </a:t>
+            </a:r>
+            <a:r>
+              <a:rPr lang="en-US" dirty="0" smtClean="0">
+                <a:latin typeface="Candara"/>
+                <a:cs typeface="Candara"/>
+              </a:rPr>
+              <a:t>{</a:t>
+            </a:r>
+            <a:endParaRPr lang="en-US" dirty="0">
+              <a:latin typeface="Candara"/>
+              <a:cs typeface="Candara"/>
+            </a:endParaRPr>
+          </a:p>
+          <a:p>
+            <a:r>
+              <a:rPr lang="en-US" dirty="0">
+                <a:latin typeface="Candara"/>
+                <a:cs typeface="Candara"/>
+              </a:rPr>
+              <a:t>    alert( "welcome" )</a:t>
+            </a:r>
+            <a:r>
+              <a:rPr lang="en-US" dirty="0" smtClean="0">
+                <a:latin typeface="Candara"/>
+                <a:cs typeface="Candara"/>
+              </a:rPr>
+              <a:t>;</a:t>
+            </a:r>
+            <a:endParaRPr lang="en-US" dirty="0">
+              <a:latin typeface="Candara"/>
+              <a:cs typeface="Candara"/>
+            </a:endParaRPr>
+          </a:p>
+          <a:p>
+            <a:r>
+              <a:rPr lang="en-US" dirty="0">
+                <a:latin typeface="Candara"/>
+                <a:cs typeface="Candara"/>
+              </a:rPr>
+              <a:t>};</a:t>
+            </a:r>
+          </a:p>
+        </p:txBody>
+      </p:sp>
+      <p:sp>
+        <p:nvSpPr>
+          <p:cNvPr id="6" name="Rectangle 5"/>
+          <p:cNvSpPr/>
+          <p:nvPr/>
+        </p:nvSpPr>
+        <p:spPr>
+          <a:xfrm>
+            <a:off x="3959545" y="2067730"/>
+            <a:ext cx="5080173" cy="923330"/>
+          </a:xfrm>
+          <a:prstGeom prst="rect">
+            <a:avLst/>
+          </a:prstGeom>
+        </p:spPr>
+        <p:txBody>
+          <a:bodyPr wrap="square">
+            <a:spAutoFit/>
+          </a:bodyPr>
+          <a:lstStyle/>
+          <a:p>
+            <a:pPr algn="just"/>
+            <a:r>
+              <a:rPr lang="en-US" i="1" dirty="0" smtClean="0">
+                <a:solidFill>
+                  <a:srgbClr val="7F7F7F"/>
+                </a:solidFill>
+                <a:latin typeface="Candara"/>
+                <a:cs typeface="Candara"/>
+              </a:rPr>
+              <a:t>To </a:t>
+            </a:r>
+            <a:r>
+              <a:rPr lang="en-US" i="1" dirty="0">
+                <a:solidFill>
+                  <a:srgbClr val="7F7F7F"/>
+                </a:solidFill>
+                <a:latin typeface="Candara"/>
+                <a:cs typeface="Candara"/>
+              </a:rPr>
+              <a:t>run code as soon as the document is ready to be manipulated, </a:t>
+            </a:r>
+            <a:r>
+              <a:rPr lang="en-US" i="1" dirty="0" err="1">
+                <a:solidFill>
+                  <a:srgbClr val="CC3333"/>
+                </a:solidFill>
+                <a:latin typeface="Candara"/>
+                <a:cs typeface="Candara"/>
+              </a:rPr>
+              <a:t>jQuery</a:t>
+            </a:r>
+            <a:r>
+              <a:rPr lang="en-US" i="1" dirty="0">
+                <a:solidFill>
+                  <a:srgbClr val="CC3333"/>
+                </a:solidFill>
+                <a:latin typeface="Candara"/>
+                <a:cs typeface="Candara"/>
+              </a:rPr>
+              <a:t> </a:t>
+            </a:r>
+            <a:r>
+              <a:rPr lang="en-US" i="1" dirty="0">
+                <a:solidFill>
+                  <a:srgbClr val="7F7F7F"/>
+                </a:solidFill>
+                <a:latin typeface="Candara"/>
+                <a:cs typeface="Candara"/>
+              </a:rPr>
+              <a:t>has a statement known as the ready </a:t>
+            </a:r>
+            <a:r>
+              <a:rPr lang="en-US" i="1" dirty="0" smtClean="0">
+                <a:solidFill>
+                  <a:srgbClr val="7F7F7F"/>
+                </a:solidFill>
+                <a:latin typeface="Candara"/>
+                <a:cs typeface="Candara"/>
+              </a:rPr>
+              <a:t>event:</a:t>
+            </a:r>
+            <a:endParaRPr lang="en-US" i="1" dirty="0">
+              <a:solidFill>
+                <a:srgbClr val="7F7F7F"/>
+              </a:solidFill>
+              <a:latin typeface="Candara"/>
+              <a:cs typeface="Candara"/>
+            </a:endParaRPr>
+          </a:p>
+        </p:txBody>
+      </p:sp>
+      <p:sp>
+        <p:nvSpPr>
+          <p:cNvPr id="7" name="Rectangle 6"/>
+          <p:cNvSpPr/>
+          <p:nvPr/>
+        </p:nvSpPr>
+        <p:spPr>
+          <a:xfrm>
+            <a:off x="4178613" y="984396"/>
+            <a:ext cx="4572000" cy="923330"/>
+          </a:xfrm>
+          <a:prstGeom prst="rect">
+            <a:avLst/>
+          </a:prstGeom>
+          <a:ln>
+            <a:solidFill>
+              <a:srgbClr val="7F7F7F"/>
+            </a:solidFill>
+          </a:ln>
+        </p:spPr>
+        <p:txBody>
+          <a:bodyPr>
+            <a:spAutoFit/>
+          </a:bodyPr>
+          <a:lstStyle/>
+          <a:p>
+            <a:r>
+              <a:rPr lang="en-US" dirty="0">
+                <a:latin typeface="Candara"/>
+                <a:cs typeface="Candara"/>
+              </a:rPr>
+              <a:t>$( document ).</a:t>
+            </a:r>
+            <a:r>
+              <a:rPr lang="en-US" dirty="0">
+                <a:solidFill>
+                  <a:srgbClr val="CC3333"/>
+                </a:solidFill>
+                <a:latin typeface="Candara"/>
+                <a:cs typeface="Candara"/>
+              </a:rPr>
+              <a:t>ready</a:t>
+            </a:r>
+            <a:r>
+              <a:rPr lang="en-US" dirty="0">
+                <a:latin typeface="Candara"/>
+                <a:cs typeface="Candara"/>
+              </a:rPr>
+              <a:t>(function() </a:t>
+            </a:r>
+            <a:r>
+              <a:rPr lang="en-US" dirty="0" smtClean="0">
+                <a:latin typeface="Candara"/>
+                <a:cs typeface="Candara"/>
+              </a:rPr>
+              <a:t>{</a:t>
+            </a:r>
+            <a:endParaRPr lang="en-US" dirty="0">
+              <a:latin typeface="Candara"/>
+              <a:cs typeface="Candara"/>
+            </a:endParaRPr>
+          </a:p>
+          <a:p>
+            <a:r>
+              <a:rPr lang="en-US" dirty="0">
+                <a:latin typeface="Candara"/>
+                <a:cs typeface="Candara"/>
+              </a:rPr>
+              <a:t>    </a:t>
+            </a:r>
+            <a:r>
+              <a:rPr lang="en-US" i="1" dirty="0">
+                <a:solidFill>
+                  <a:schemeClr val="tx1">
+                    <a:lumMod val="50000"/>
+                    <a:lumOff val="50000"/>
+                  </a:schemeClr>
+                </a:solidFill>
+                <a:latin typeface="Candara"/>
+                <a:cs typeface="Candara"/>
+              </a:rPr>
+              <a:t>// Your code </a:t>
+            </a:r>
+            <a:r>
+              <a:rPr lang="en-US" i="1" dirty="0" smtClean="0">
+                <a:solidFill>
+                  <a:schemeClr val="tx1">
+                    <a:lumMod val="50000"/>
+                    <a:lumOff val="50000"/>
+                  </a:schemeClr>
+                </a:solidFill>
+                <a:latin typeface="Candara"/>
+                <a:cs typeface="Candara"/>
+              </a:rPr>
+              <a:t>here</a:t>
+            </a:r>
+            <a:endParaRPr lang="en-US" dirty="0">
+              <a:latin typeface="Candara"/>
+              <a:cs typeface="Candara"/>
+            </a:endParaRPr>
+          </a:p>
+          <a:p>
+            <a:r>
+              <a:rPr lang="en-US" dirty="0">
+                <a:latin typeface="Candara"/>
+                <a:cs typeface="Candara"/>
+              </a:rPr>
+              <a:t>});</a:t>
+            </a:r>
+          </a:p>
+        </p:txBody>
+      </p:sp>
+      <p:sp>
+        <p:nvSpPr>
+          <p:cNvPr id="8" name="Rectangle 7"/>
+          <p:cNvSpPr/>
+          <p:nvPr/>
+        </p:nvSpPr>
+        <p:spPr>
+          <a:xfrm>
+            <a:off x="243970" y="2070783"/>
+            <a:ext cx="3454097" cy="1200329"/>
+          </a:xfrm>
+          <a:prstGeom prst="rect">
+            <a:avLst/>
+          </a:prstGeom>
+        </p:spPr>
+        <p:txBody>
+          <a:bodyPr wrap="square">
+            <a:spAutoFit/>
+          </a:bodyPr>
+          <a:lstStyle/>
+          <a:p>
+            <a:pPr algn="just"/>
+            <a:r>
+              <a:rPr lang="en-US" i="1" dirty="0">
+                <a:solidFill>
+                  <a:srgbClr val="7F7F7F"/>
+                </a:solidFill>
+                <a:latin typeface="Candara"/>
+                <a:cs typeface="Candara"/>
+              </a:rPr>
+              <a:t>Unfortunately, the code doesn't run until all images are finished downloading, including banner ads. </a:t>
+            </a:r>
+          </a:p>
+        </p:txBody>
+      </p:sp>
+      <p:sp>
+        <p:nvSpPr>
+          <p:cNvPr id="11" name="Rectangle 10"/>
+          <p:cNvSpPr/>
+          <p:nvPr/>
+        </p:nvSpPr>
+        <p:spPr>
+          <a:xfrm>
+            <a:off x="286382" y="3441680"/>
+            <a:ext cx="8715983" cy="3416320"/>
+          </a:xfrm>
+          <a:prstGeom prst="rect">
+            <a:avLst/>
+          </a:prstGeom>
+        </p:spPr>
+        <p:txBody>
+          <a:bodyPr wrap="square">
+            <a:spAutoFit/>
+          </a:bodyPr>
+          <a:lstStyle/>
+          <a:p>
+            <a:r>
+              <a:rPr lang="en-US" dirty="0"/>
+              <a:t>&lt;body&gt;</a:t>
+            </a:r>
+          </a:p>
+          <a:p>
+            <a:r>
+              <a:rPr lang="en-US" dirty="0"/>
+              <a:t>    &lt;a </a:t>
+            </a:r>
+            <a:r>
+              <a:rPr lang="en-US" dirty="0" err="1"/>
+              <a:t>href</a:t>
+            </a:r>
+            <a:r>
+              <a:rPr lang="en-US" dirty="0"/>
+              <a:t>="http://</a:t>
+            </a:r>
+            <a:r>
+              <a:rPr lang="en-US" dirty="0" err="1"/>
+              <a:t>jquery.com</a:t>
+            </a:r>
+            <a:r>
+              <a:rPr lang="en-US" dirty="0"/>
+              <a:t>/"&gt;</a:t>
+            </a:r>
+            <a:r>
+              <a:rPr lang="en-US" dirty="0" err="1"/>
+              <a:t>jQuery</a:t>
+            </a:r>
+            <a:r>
+              <a:rPr lang="en-US" dirty="0"/>
+              <a:t>&lt;/a&gt;</a:t>
+            </a:r>
+          </a:p>
+          <a:p>
+            <a:r>
+              <a:rPr lang="en-US" dirty="0"/>
+              <a:t>    &lt;script </a:t>
+            </a:r>
+            <a:r>
+              <a:rPr lang="en-US" dirty="0" err="1"/>
+              <a:t>src</a:t>
+            </a:r>
+            <a:r>
+              <a:rPr lang="en-US" dirty="0"/>
+              <a:t>=“https://</a:t>
+            </a:r>
+            <a:r>
+              <a:rPr lang="en-US" dirty="0" err="1"/>
+              <a:t>ajax.googleapis.com</a:t>
+            </a:r>
+            <a:r>
+              <a:rPr lang="en-US" dirty="0"/>
+              <a:t>/</a:t>
+            </a:r>
+            <a:r>
+              <a:rPr lang="en-US" dirty="0" err="1"/>
+              <a:t>ajax</a:t>
+            </a:r>
+            <a:r>
+              <a:rPr lang="en-US" dirty="0"/>
+              <a:t>/libs/</a:t>
+            </a:r>
+            <a:r>
+              <a:rPr lang="en-US" dirty="0" err="1"/>
+              <a:t>jquery</a:t>
+            </a:r>
+            <a:r>
+              <a:rPr lang="en-US" dirty="0"/>
+              <a:t>/2.1.3/</a:t>
+            </a:r>
+            <a:r>
+              <a:rPr lang="en-US" dirty="0" err="1"/>
+              <a:t>jquery.min.js</a:t>
+            </a:r>
+            <a:r>
+              <a:rPr lang="en-US" dirty="0"/>
+              <a:t>"&gt;&lt;/script&gt;</a:t>
+            </a:r>
+          </a:p>
+          <a:p>
+            <a:r>
+              <a:rPr lang="en-US" dirty="0"/>
+              <a:t>    &lt;script</a:t>
+            </a:r>
+            <a:r>
+              <a:rPr lang="en-US" dirty="0" smtClean="0"/>
+              <a:t>&gt;</a:t>
+            </a:r>
+            <a:endParaRPr lang="en-US" dirty="0"/>
+          </a:p>
+          <a:p>
+            <a:r>
+              <a:rPr lang="en-US" dirty="0"/>
+              <a:t>   </a:t>
+            </a:r>
+            <a:r>
+              <a:rPr lang="en-US" dirty="0">
+                <a:solidFill>
+                  <a:srgbClr val="CC3333"/>
+                </a:solidFill>
+              </a:rPr>
+              <a:t> $( document ).ready(function() {</a:t>
+            </a:r>
+          </a:p>
+          <a:p>
+            <a:r>
+              <a:rPr lang="en-US" dirty="0">
+                <a:solidFill>
+                  <a:srgbClr val="CC3333"/>
+                </a:solidFill>
+              </a:rPr>
+              <a:t>        $( "a" ).click(function( event ) {</a:t>
+            </a:r>
+          </a:p>
+          <a:p>
+            <a:r>
+              <a:rPr lang="en-US" dirty="0">
+                <a:solidFill>
+                  <a:srgbClr val="CC3333"/>
+                </a:solidFill>
+              </a:rPr>
+              <a:t>            alert( "The link will no longer take you to </a:t>
+            </a:r>
+            <a:r>
+              <a:rPr lang="en-US" dirty="0" err="1">
+                <a:solidFill>
+                  <a:srgbClr val="CC3333"/>
+                </a:solidFill>
+              </a:rPr>
+              <a:t>jquery.com</a:t>
+            </a:r>
+            <a:r>
+              <a:rPr lang="en-US" dirty="0">
+                <a:solidFill>
+                  <a:srgbClr val="CC3333"/>
+                </a:solidFill>
+              </a:rPr>
+              <a:t>" );</a:t>
+            </a:r>
+          </a:p>
+          <a:p>
+            <a:r>
+              <a:rPr lang="en-US" dirty="0">
+                <a:solidFill>
+                  <a:srgbClr val="CC3333"/>
+                </a:solidFill>
+              </a:rPr>
+              <a:t>            </a:t>
+            </a:r>
+            <a:r>
+              <a:rPr lang="en-US" dirty="0" err="1">
+                <a:solidFill>
+                  <a:srgbClr val="CC3333"/>
+                </a:solidFill>
+              </a:rPr>
+              <a:t>event.preventDefault</a:t>
+            </a:r>
+            <a:r>
+              <a:rPr lang="en-US" dirty="0">
+                <a:solidFill>
+                  <a:srgbClr val="CC3333"/>
+                </a:solidFill>
+              </a:rPr>
+              <a:t>();</a:t>
+            </a:r>
+          </a:p>
+          <a:p>
+            <a:r>
+              <a:rPr lang="en-US" dirty="0">
+                <a:solidFill>
+                  <a:srgbClr val="CC3333"/>
+                </a:solidFill>
+              </a:rPr>
+              <a:t>        });</a:t>
+            </a:r>
+          </a:p>
+          <a:p>
+            <a:r>
+              <a:rPr lang="en-US" dirty="0">
+                <a:solidFill>
+                  <a:srgbClr val="CC3333"/>
+                </a:solidFill>
+              </a:rPr>
+              <a:t>    })</a:t>
+            </a:r>
+            <a:r>
+              <a:rPr lang="en-US" dirty="0" smtClean="0">
+                <a:solidFill>
+                  <a:srgbClr val="CC3333"/>
+                </a:solidFill>
+              </a:rPr>
+              <a:t>;</a:t>
+            </a:r>
+            <a:endParaRPr lang="en-US" dirty="0">
+              <a:solidFill>
+                <a:srgbClr val="CC3333"/>
+              </a:solidFill>
+            </a:endParaRPr>
+          </a:p>
+          <a:p>
+            <a:r>
+              <a:rPr lang="en-US" dirty="0"/>
+              <a:t>    &lt;/script&gt;</a:t>
+            </a:r>
+          </a:p>
+          <a:p>
+            <a:r>
+              <a:rPr lang="en-US" dirty="0"/>
+              <a:t>&lt;/body&gt;</a:t>
+            </a:r>
+          </a:p>
+        </p:txBody>
+      </p:sp>
+    </p:spTree>
+    <p:extLst>
+      <p:ext uri="{BB962C8B-B14F-4D97-AF65-F5344CB8AC3E}">
+        <p14:creationId xmlns:p14="http://schemas.microsoft.com/office/powerpoint/2010/main" val="1365049884"/>
+      </p:ext>
+    </p:extLst>
+  </p:cSld>
+  <p:clrMapOvr>
+    <a:masterClrMapping/>
+  </p:clrMapOvr>
+  <p:timing>
+    <p:tnLst>
+      <p:par>
+        <p:cTn xmlns:p14="http://schemas.microsoft.com/office/powerpoint/2010/main" id="1" dur="indefinite" restart="never" nodeType="tmRoot"/>
+      </p:par>
+    </p:tnLst>
+  </p:timing>
+</p:sld>
+</file>
+
+<file path=ppt/slides/slide26.xml><?xml version="1.0" encoding="utf-8"?>
+<p:sld xmlns:a="http://schemas.openxmlformats.org/drawingml/2006/main" xmlns:r="http://schemas.openxmlformats.org/officeDocument/2006/relationships" xmlns:p="http://schemas.openxmlformats.org/presentationml/2006/main">
+  <p:cSld>
+    <p:spTree>
+      <p:nvGrpSpPr>
+        <p:cNvPr id="1" name=""/>
+        <p:cNvGrpSpPr/>
+        <p:nvPr/>
+      </p:nvGrpSpPr>
+      <p:grpSpPr>
+        <a:xfrm>
+          <a:off x="0" y="0"/>
+          <a:ext cx="0" cy="0"/>
+          <a:chOff x="0" y="0"/>
+          <a:chExt cx="0" cy="0"/>
+        </a:xfrm>
+      </p:grpSpPr>
+      <p:sp>
+        <p:nvSpPr>
+          <p:cNvPr id="3" name="TextBox 2"/>
+          <p:cNvSpPr txBox="1"/>
+          <p:nvPr/>
+        </p:nvSpPr>
+        <p:spPr>
+          <a:xfrm>
+            <a:off x="0" y="152402"/>
+            <a:ext cx="1008564" cy="338554"/>
+          </a:xfrm>
+          <a:prstGeom prst="rect">
+            <a:avLst/>
+          </a:prstGeom>
+          <a:solidFill>
+            <a:schemeClr val="tx1">
+              <a:lumMod val="85000"/>
+              <a:lumOff val="15000"/>
+            </a:schemeClr>
+          </a:solidFill>
+        </p:spPr>
+        <p:txBody>
+          <a:bodyPr wrap="square" rtlCol="0">
+            <a:spAutoFit/>
+          </a:bodyPr>
+          <a:lstStyle/>
+          <a:p>
+            <a:pPr algn="ctr"/>
+            <a:r>
+              <a:rPr lang="en-US" sz="1600" b="1" dirty="0" err="1" smtClean="0">
+                <a:solidFill>
+                  <a:schemeClr val="bg1"/>
+                </a:solidFill>
+                <a:latin typeface="Candara" panose="020E0502030303020204" pitchFamily="34" charset="0"/>
+              </a:rPr>
+              <a:t>jQUERY</a:t>
+            </a:r>
+            <a:endParaRPr lang="en-US" sz="1600" b="1" dirty="0">
+              <a:solidFill>
+                <a:schemeClr val="bg1"/>
+              </a:solidFill>
+              <a:latin typeface="Candara" panose="020E0502030303020204" pitchFamily="34" charset="0"/>
+            </a:endParaRPr>
+          </a:p>
+        </p:txBody>
+      </p:sp>
+      <p:sp>
+        <p:nvSpPr>
+          <p:cNvPr id="4" name="TextBox 3"/>
+          <p:cNvSpPr txBox="1"/>
+          <p:nvPr/>
+        </p:nvSpPr>
+        <p:spPr>
+          <a:xfrm>
+            <a:off x="7172009" y="159446"/>
+            <a:ext cx="1979367" cy="338554"/>
+          </a:xfrm>
+          <a:prstGeom prst="rect">
+            <a:avLst/>
+          </a:prstGeom>
+          <a:solidFill>
+            <a:schemeClr val="accent5"/>
+          </a:solidFill>
+        </p:spPr>
+        <p:txBody>
+          <a:bodyPr wrap="square" rtlCol="0">
+            <a:spAutoFit/>
+          </a:bodyPr>
+          <a:lstStyle/>
+          <a:p>
+            <a:pPr algn="ctr"/>
+            <a:r>
+              <a:rPr lang="en-US" sz="1600" b="1" dirty="0" smtClean="0">
+                <a:solidFill>
+                  <a:schemeClr val="bg1"/>
+                </a:solidFill>
+                <a:latin typeface="Candara" panose="020E0502030303020204" pitchFamily="34" charset="0"/>
+              </a:rPr>
+              <a:t>DOCUMENT READY</a:t>
+            </a:r>
+            <a:endParaRPr lang="en-US" sz="1600" b="1" dirty="0">
+              <a:solidFill>
+                <a:schemeClr val="bg1"/>
+              </a:solidFill>
+              <a:latin typeface="Candara" panose="020E0502030303020204" pitchFamily="34" charset="0"/>
+            </a:endParaRPr>
+          </a:p>
+        </p:txBody>
+      </p:sp>
+    </p:spTree>
+    <p:extLst>
+      <p:ext uri="{BB962C8B-B14F-4D97-AF65-F5344CB8AC3E}">
+        <p14:creationId xmlns:p14="http://schemas.microsoft.com/office/powerpoint/2010/main" val="2070659320"/>
+      </p:ext>
+    </p:extLst>
+  </p:cSld>
+  <p:clrMapOvr>
+    <a:masterClrMapping/>
+  </p:clrMapOvr>
+  <p:timing>
+    <p:tnLst>
+      <p:par>
+        <p:cTn xmlns:p14="http://schemas.microsoft.com/office/powerpoint/2010/main" id="1" dur="indefinite" restart="never" nodeType="tmRoot"/>
+      </p:par>
+    </p:tnLst>
+  </p:timing>
+</p:sld>
+</file>
+
+<file path=ppt/slides/slide27.xml><?xml version="1.0" encoding="utf-8"?>
+<p:sld xmlns:a="http://schemas.openxmlformats.org/drawingml/2006/main" xmlns:r="http://schemas.openxmlformats.org/officeDocument/2006/relationships" xmlns:p="http://schemas.openxmlformats.org/presentationml/2006/main">
+  <p:cSld>
+    <p:bg>
+      <p:bgPr>
+        <a:solidFill>
+          <a:schemeClr val="tx1">
+            <a:lumMod val="85000"/>
+            <a:lumOff val="15000"/>
+          </a:schemeClr>
+        </a:solidFill>
+        <a:effectLst/>
+      </p:bgPr>
+    </p:bg>
+    <p:spTree>
+      <p:nvGrpSpPr>
+        <p:cNvPr id="1" name=""/>
+        <p:cNvGrpSpPr/>
+        <p:nvPr/>
+      </p:nvGrpSpPr>
+      <p:grpSpPr>
+        <a:xfrm>
+          <a:off x="0" y="0"/>
+          <a:ext cx="0" cy="0"/>
+          <a:chOff x="0" y="0"/>
+          <a:chExt cx="0" cy="0"/>
+        </a:xfrm>
+      </p:grpSpPr>
+      <p:sp>
+        <p:nvSpPr>
+          <p:cNvPr id="4" name="TextBox 3"/>
+          <p:cNvSpPr txBox="1"/>
+          <p:nvPr/>
+        </p:nvSpPr>
+        <p:spPr>
+          <a:xfrm>
+            <a:off x="609600" y="3124201"/>
+            <a:ext cx="5257800" cy="523220"/>
+          </a:xfrm>
+          <a:prstGeom prst="rect">
+            <a:avLst/>
+          </a:prstGeom>
+          <a:noFill/>
+        </p:spPr>
+        <p:txBody>
+          <a:bodyPr wrap="square" rtlCol="0">
+            <a:spAutoFit/>
+          </a:bodyPr>
+          <a:lstStyle/>
+          <a:p>
+            <a:r>
+              <a:rPr lang="en-US" sz="2800" b="1" dirty="0" smtClean="0">
+                <a:solidFill>
+                  <a:schemeClr val="bg1"/>
+                </a:solidFill>
+                <a:latin typeface="Candara" panose="020E0502030303020204" pitchFamily="34" charset="0"/>
+                <a:cs typeface="Iskoola Pota" panose="020B0502040204020203" pitchFamily="34" charset="0"/>
+              </a:rPr>
+              <a:t>Other JS frameworks</a:t>
+            </a:r>
+            <a:endParaRPr lang="en-US" sz="2800" b="1" dirty="0">
+              <a:solidFill>
+                <a:schemeClr val="bg1"/>
+              </a:solidFill>
+              <a:latin typeface="Candara" panose="020E0502030303020204" pitchFamily="34" charset="0"/>
+              <a:cs typeface="Iskoola Pota" panose="020B0502040204020203" pitchFamily="34" charset="0"/>
+            </a:endParaRPr>
+          </a:p>
+        </p:txBody>
+      </p:sp>
+    </p:spTree>
+    <p:extLst>
+      <p:ext uri="{BB962C8B-B14F-4D97-AF65-F5344CB8AC3E}">
+        <p14:creationId xmlns:p14="http://schemas.microsoft.com/office/powerpoint/2010/main" val="207097700"/>
       </p:ext>
     </p:extLst>
   </p:cSld>

--- a/Session III - Javascript/Session III - Javascript.pptx
+++ b/Session III - Javascript/Session III - Javascript.pptx
@@ -5,7 +5,7 @@
     <p:sldMasterId id="2147483648" r:id="rId1"/>
   </p:sldMasterIdLst>
   <p:notesMasterIdLst>
-    <p:notesMasterId r:id="rId29"/>
+    <p:notesMasterId r:id="rId33"/>
   </p:notesMasterIdLst>
   <p:sldIdLst>
     <p:sldId id="256" r:id="rId2"/>
@@ -31,10 +31,14 @@
     <p:sldId id="280" r:id="rId22"/>
     <p:sldId id="281" r:id="rId23"/>
     <p:sldId id="282" r:id="rId24"/>
-    <p:sldId id="265" r:id="rId25"/>
-    <p:sldId id="283" r:id="rId26"/>
-    <p:sldId id="284" r:id="rId27"/>
-    <p:sldId id="266" r:id="rId28"/>
+    <p:sldId id="284" r:id="rId25"/>
+    <p:sldId id="285" r:id="rId26"/>
+    <p:sldId id="287" r:id="rId27"/>
+    <p:sldId id="265" r:id="rId28"/>
+    <p:sldId id="283" r:id="rId29"/>
+    <p:sldId id="286" r:id="rId30"/>
+    <p:sldId id="288" r:id="rId31"/>
+    <p:sldId id="266" r:id="rId32"/>
   </p:sldIdLst>
   <p:sldSz cx="9144000" cy="6858000" type="screen4x3"/>
   <p:notesSz cx="6858000" cy="9144000"/>
@@ -1903,7 +1907,7 @@
           <a:p>
             <a:fld id="{B46DC61D-F376-43F7-97B2-0F5A9328ABFE}" type="slidenum">
               <a:rPr lang="en-US" smtClean="0"/>
-              <a:t>25</a:t>
+              <a:t>24</a:t>
             </a:fld>
             <a:endParaRPr lang="en-US"/>
           </a:p>
@@ -1992,7 +1996,363 @@
           <a:p>
             <a:fld id="{B46DC61D-F376-43F7-97B2-0F5A9328ABFE}" type="slidenum">
               <a:rPr lang="en-US" smtClean="0"/>
+              <a:t>25</a:t>
+            </a:fld>
+            <a:endParaRPr lang="en-US"/>
+          </a:p>
+        </p:txBody>
+      </p:sp>
+    </p:spTree>
+    <p:extLst>
+      <p:ext uri="{BB962C8B-B14F-4D97-AF65-F5344CB8AC3E}">
+        <p14:creationId xmlns:p14="http://schemas.microsoft.com/office/powerpoint/2010/main" val="2525163576"/>
+      </p:ext>
+    </p:extLst>
+  </p:cSld>
+  <p:clrMapOvr>
+    <a:masterClrMapping/>
+  </p:clrMapOvr>
+</p:notes>
+</file>
+
+<file path=ppt/notesSlides/notesSlide25.xml><?xml version="1.0" encoding="utf-8"?>
+<p:notes xmlns:a="http://schemas.openxmlformats.org/drawingml/2006/main" xmlns:r="http://schemas.openxmlformats.org/officeDocument/2006/relationships" xmlns:p="http://schemas.openxmlformats.org/presentationml/2006/main">
+  <p:cSld>
+    <p:spTree>
+      <p:nvGrpSpPr>
+        <p:cNvPr id="1" name=""/>
+        <p:cNvGrpSpPr/>
+        <p:nvPr/>
+      </p:nvGrpSpPr>
+      <p:grpSpPr>
+        <a:xfrm>
+          <a:off x="0" y="0"/>
+          <a:ext cx="0" cy="0"/>
+          <a:chOff x="0" y="0"/>
+          <a:chExt cx="0" cy="0"/>
+        </a:xfrm>
+      </p:grpSpPr>
+      <p:sp>
+        <p:nvSpPr>
+          <p:cNvPr id="2" name="Slide Image Placeholder 1"/>
+          <p:cNvSpPr>
+            <a:spLocks noGrp="1" noRot="1" noChangeAspect="1"/>
+          </p:cNvSpPr>
+          <p:nvPr>
+            <p:ph type="sldImg"/>
+          </p:nvPr>
+        </p:nvSpPr>
+        <p:spPr>
+          <a:xfrm>
+            <a:off x="1143000" y="685800"/>
+            <a:ext cx="4572000" cy="3429000"/>
+          </a:xfrm>
+        </p:spPr>
+      </p:sp>
+      <p:sp>
+        <p:nvSpPr>
+          <p:cNvPr id="3" name="Notes Placeholder 2"/>
+          <p:cNvSpPr>
+            <a:spLocks noGrp="1"/>
+          </p:cNvSpPr>
+          <p:nvPr>
+            <p:ph type="body" idx="1"/>
+          </p:nvPr>
+        </p:nvSpPr>
+        <p:spPr/>
+        <p:txBody>
+          <a:bodyPr/>
+          <a:lstStyle/>
+          <a:p>
+            <a:endParaRPr lang="en-US" dirty="0"/>
+          </a:p>
+        </p:txBody>
+      </p:sp>
+      <p:sp>
+        <p:nvSpPr>
+          <p:cNvPr id="4" name="Slide Number Placeholder 3"/>
+          <p:cNvSpPr>
+            <a:spLocks noGrp="1"/>
+          </p:cNvSpPr>
+          <p:nvPr>
+            <p:ph type="sldNum" sz="quarter" idx="10"/>
+          </p:nvPr>
+        </p:nvSpPr>
+        <p:spPr/>
+        <p:txBody>
+          <a:bodyPr/>
+          <a:lstStyle/>
+          <a:p>
+            <a:fld id="{B46DC61D-F376-43F7-97B2-0F5A9328ABFE}" type="slidenum">
+              <a:rPr lang="en-US" smtClean="0"/>
               <a:t>26</a:t>
+            </a:fld>
+            <a:endParaRPr lang="en-US"/>
+          </a:p>
+        </p:txBody>
+      </p:sp>
+    </p:spTree>
+    <p:extLst>
+      <p:ext uri="{BB962C8B-B14F-4D97-AF65-F5344CB8AC3E}">
+        <p14:creationId xmlns:p14="http://schemas.microsoft.com/office/powerpoint/2010/main" val="2525163576"/>
+      </p:ext>
+    </p:extLst>
+  </p:cSld>
+  <p:clrMapOvr>
+    <a:masterClrMapping/>
+  </p:clrMapOvr>
+</p:notes>
+</file>
+
+<file path=ppt/notesSlides/notesSlide26.xml><?xml version="1.0" encoding="utf-8"?>
+<p:notes xmlns:a="http://schemas.openxmlformats.org/drawingml/2006/main" xmlns:r="http://schemas.openxmlformats.org/officeDocument/2006/relationships" xmlns:p="http://schemas.openxmlformats.org/presentationml/2006/main">
+  <p:cSld>
+    <p:spTree>
+      <p:nvGrpSpPr>
+        <p:cNvPr id="1" name=""/>
+        <p:cNvGrpSpPr/>
+        <p:nvPr/>
+      </p:nvGrpSpPr>
+      <p:grpSpPr>
+        <a:xfrm>
+          <a:off x="0" y="0"/>
+          <a:ext cx="0" cy="0"/>
+          <a:chOff x="0" y="0"/>
+          <a:chExt cx="0" cy="0"/>
+        </a:xfrm>
+      </p:grpSpPr>
+      <p:sp>
+        <p:nvSpPr>
+          <p:cNvPr id="2" name="Slide Image Placeholder 1"/>
+          <p:cNvSpPr>
+            <a:spLocks noGrp="1" noRot="1" noChangeAspect="1"/>
+          </p:cNvSpPr>
+          <p:nvPr>
+            <p:ph type="sldImg"/>
+          </p:nvPr>
+        </p:nvSpPr>
+        <p:spPr>
+          <a:xfrm>
+            <a:off x="1143000" y="685800"/>
+            <a:ext cx="4572000" cy="3429000"/>
+          </a:xfrm>
+        </p:spPr>
+      </p:sp>
+      <p:sp>
+        <p:nvSpPr>
+          <p:cNvPr id="3" name="Notes Placeholder 2"/>
+          <p:cNvSpPr>
+            <a:spLocks noGrp="1"/>
+          </p:cNvSpPr>
+          <p:nvPr>
+            <p:ph type="body" idx="1"/>
+          </p:nvPr>
+        </p:nvSpPr>
+        <p:spPr/>
+        <p:txBody>
+          <a:bodyPr/>
+          <a:lstStyle/>
+          <a:p>
+            <a:endParaRPr lang="en-US" dirty="0"/>
+          </a:p>
+        </p:txBody>
+      </p:sp>
+      <p:sp>
+        <p:nvSpPr>
+          <p:cNvPr id="4" name="Slide Number Placeholder 3"/>
+          <p:cNvSpPr>
+            <a:spLocks noGrp="1"/>
+          </p:cNvSpPr>
+          <p:nvPr>
+            <p:ph type="sldNum" sz="quarter" idx="10"/>
+          </p:nvPr>
+        </p:nvSpPr>
+        <p:spPr/>
+        <p:txBody>
+          <a:bodyPr/>
+          <a:lstStyle/>
+          <a:p>
+            <a:fld id="{B46DC61D-F376-43F7-97B2-0F5A9328ABFE}" type="slidenum">
+              <a:rPr lang="en-US" smtClean="0"/>
+              <a:t>28</a:t>
+            </a:fld>
+            <a:endParaRPr lang="en-US"/>
+          </a:p>
+        </p:txBody>
+      </p:sp>
+    </p:spTree>
+    <p:extLst>
+      <p:ext uri="{BB962C8B-B14F-4D97-AF65-F5344CB8AC3E}">
+        <p14:creationId xmlns:p14="http://schemas.microsoft.com/office/powerpoint/2010/main" val="2525163576"/>
+      </p:ext>
+    </p:extLst>
+  </p:cSld>
+  <p:clrMapOvr>
+    <a:masterClrMapping/>
+  </p:clrMapOvr>
+</p:notes>
+</file>
+
+<file path=ppt/notesSlides/notesSlide27.xml><?xml version="1.0" encoding="utf-8"?>
+<p:notes xmlns:a="http://schemas.openxmlformats.org/drawingml/2006/main" xmlns:r="http://schemas.openxmlformats.org/officeDocument/2006/relationships" xmlns:p="http://schemas.openxmlformats.org/presentationml/2006/main">
+  <p:cSld>
+    <p:spTree>
+      <p:nvGrpSpPr>
+        <p:cNvPr id="1" name=""/>
+        <p:cNvGrpSpPr/>
+        <p:nvPr/>
+      </p:nvGrpSpPr>
+      <p:grpSpPr>
+        <a:xfrm>
+          <a:off x="0" y="0"/>
+          <a:ext cx="0" cy="0"/>
+          <a:chOff x="0" y="0"/>
+          <a:chExt cx="0" cy="0"/>
+        </a:xfrm>
+      </p:grpSpPr>
+      <p:sp>
+        <p:nvSpPr>
+          <p:cNvPr id="2" name="Slide Image Placeholder 1"/>
+          <p:cNvSpPr>
+            <a:spLocks noGrp="1" noRot="1" noChangeAspect="1"/>
+          </p:cNvSpPr>
+          <p:nvPr>
+            <p:ph type="sldImg"/>
+          </p:nvPr>
+        </p:nvSpPr>
+        <p:spPr>
+          <a:xfrm>
+            <a:off x="1143000" y="685800"/>
+            <a:ext cx="4572000" cy="3429000"/>
+          </a:xfrm>
+        </p:spPr>
+      </p:sp>
+      <p:sp>
+        <p:nvSpPr>
+          <p:cNvPr id="3" name="Notes Placeholder 2"/>
+          <p:cNvSpPr>
+            <a:spLocks noGrp="1"/>
+          </p:cNvSpPr>
+          <p:nvPr>
+            <p:ph type="body" idx="1"/>
+          </p:nvPr>
+        </p:nvSpPr>
+        <p:spPr/>
+        <p:txBody>
+          <a:bodyPr/>
+          <a:lstStyle/>
+          <a:p>
+            <a:endParaRPr lang="en-US" dirty="0"/>
+          </a:p>
+        </p:txBody>
+      </p:sp>
+      <p:sp>
+        <p:nvSpPr>
+          <p:cNvPr id="4" name="Slide Number Placeholder 3"/>
+          <p:cNvSpPr>
+            <a:spLocks noGrp="1"/>
+          </p:cNvSpPr>
+          <p:nvPr>
+            <p:ph type="sldNum" sz="quarter" idx="10"/>
+          </p:nvPr>
+        </p:nvSpPr>
+        <p:spPr/>
+        <p:txBody>
+          <a:bodyPr/>
+          <a:lstStyle/>
+          <a:p>
+            <a:fld id="{B46DC61D-F376-43F7-97B2-0F5A9328ABFE}" type="slidenum">
+              <a:rPr lang="en-US" smtClean="0"/>
+              <a:t>29</a:t>
+            </a:fld>
+            <a:endParaRPr lang="en-US"/>
+          </a:p>
+        </p:txBody>
+      </p:sp>
+    </p:spTree>
+    <p:extLst>
+      <p:ext uri="{BB962C8B-B14F-4D97-AF65-F5344CB8AC3E}">
+        <p14:creationId xmlns:p14="http://schemas.microsoft.com/office/powerpoint/2010/main" val="2525163576"/>
+      </p:ext>
+    </p:extLst>
+  </p:cSld>
+  <p:clrMapOvr>
+    <a:masterClrMapping/>
+  </p:clrMapOvr>
+</p:notes>
+</file>
+
+<file path=ppt/notesSlides/notesSlide28.xml><?xml version="1.0" encoding="utf-8"?>
+<p:notes xmlns:a="http://schemas.openxmlformats.org/drawingml/2006/main" xmlns:r="http://schemas.openxmlformats.org/officeDocument/2006/relationships" xmlns:p="http://schemas.openxmlformats.org/presentationml/2006/main">
+  <p:cSld>
+    <p:spTree>
+      <p:nvGrpSpPr>
+        <p:cNvPr id="1" name=""/>
+        <p:cNvGrpSpPr/>
+        <p:nvPr/>
+      </p:nvGrpSpPr>
+      <p:grpSpPr>
+        <a:xfrm>
+          <a:off x="0" y="0"/>
+          <a:ext cx="0" cy="0"/>
+          <a:chOff x="0" y="0"/>
+          <a:chExt cx="0" cy="0"/>
+        </a:xfrm>
+      </p:grpSpPr>
+      <p:sp>
+        <p:nvSpPr>
+          <p:cNvPr id="2" name="Slide Image Placeholder 1"/>
+          <p:cNvSpPr>
+            <a:spLocks noGrp="1" noRot="1" noChangeAspect="1"/>
+          </p:cNvSpPr>
+          <p:nvPr>
+            <p:ph type="sldImg"/>
+          </p:nvPr>
+        </p:nvSpPr>
+        <p:spPr>
+          <a:xfrm>
+            <a:off x="1143000" y="685800"/>
+            <a:ext cx="4572000" cy="3429000"/>
+          </a:xfrm>
+        </p:spPr>
+      </p:sp>
+      <p:sp>
+        <p:nvSpPr>
+          <p:cNvPr id="3" name="Notes Placeholder 2"/>
+          <p:cNvSpPr>
+            <a:spLocks noGrp="1"/>
+          </p:cNvSpPr>
+          <p:nvPr>
+            <p:ph type="body" idx="1"/>
+          </p:nvPr>
+        </p:nvSpPr>
+        <p:spPr/>
+        <p:txBody>
+          <a:bodyPr/>
+          <a:lstStyle/>
+          <a:p>
+            <a:endParaRPr lang="en-US" dirty="0"/>
+          </a:p>
+        </p:txBody>
+      </p:sp>
+      <p:sp>
+        <p:nvSpPr>
+          <p:cNvPr id="4" name="Slide Number Placeholder 3"/>
+          <p:cNvSpPr>
+            <a:spLocks noGrp="1"/>
+          </p:cNvSpPr>
+          <p:nvPr>
+            <p:ph type="sldNum" sz="quarter" idx="10"/>
+          </p:nvPr>
+        </p:nvSpPr>
+        <p:spPr/>
+        <p:txBody>
+          <a:bodyPr/>
+          <a:lstStyle/>
+          <a:p>
+            <a:fld id="{B46DC61D-F376-43F7-97B2-0F5A9328ABFE}" type="slidenum">
+              <a:rPr lang="en-US" smtClean="0"/>
+              <a:t>30</a:t>
             </a:fld>
             <a:endParaRPr lang="en-US"/>
           </a:p>
@@ -8435,17 +8795,6 @@
 <file path=ppt/slides/slide24.xml><?xml version="1.0" encoding="utf-8"?>
 <p:sld xmlns:a="http://schemas.openxmlformats.org/drawingml/2006/main" xmlns:r="http://schemas.openxmlformats.org/officeDocument/2006/relationships" xmlns:p="http://schemas.openxmlformats.org/presentationml/2006/main">
   <p:cSld>
-    <p:bg>
-      <p:bgPr>
-        <a:solidFill>
-          <a:schemeClr val="tx1">
-            <a:lumMod val="85000"/>
-            <a:lumOff val="15000"/>
-          </a:schemeClr>
-        </a:solidFill>
-        <a:effectLst/>
-      </p:bgPr>
-    </p:bg>
     <p:spTree>
       <p:nvGrpSpPr>
         <p:cNvPr id="1" name=""/>
@@ -8462,19 +8811,24 @@
       </p:grpSpPr>
       <p:sp>
         <p:nvSpPr>
-          <p:cNvPr id="4" name="TextBox 3"/>
+          <p:cNvPr id="3" name="TextBox 2"/>
           <p:cNvSpPr txBox="1"/>
           <p:nvPr/>
         </p:nvSpPr>
         <p:spPr>
           <a:xfrm>
-            <a:off x="609600" y="3124201"/>
-            <a:ext cx="5257800" cy="523220"/>
+            <a:off x="0" y="152402"/>
+            <a:ext cx="1332300" cy="338554"/>
           </a:xfrm>
           <a:prstGeom prst="rect">
             <a:avLst/>
           </a:prstGeom>
-          <a:noFill/>
+          <a:solidFill>
+            <a:schemeClr val="tx1">
+              <a:lumMod val="85000"/>
+              <a:lumOff val="15000"/>
+            </a:schemeClr>
+          </a:solidFill>
         </p:spPr>
         <p:txBody>
           <a:bodyPr wrap="square" rtlCol="0">
@@ -8482,30 +8836,141 @@
           </a:bodyPr>
           <a:lstStyle/>
           <a:p>
-            <a:r>
-              <a:rPr lang="en-US" sz="2800" b="1" dirty="0" err="1" smtClean="0">
+            <a:pPr algn="ctr"/>
+            <a:r>
+              <a:rPr lang="en-US" sz="1600" b="1" dirty="0" smtClean="0">
                 <a:solidFill>
                   <a:schemeClr val="bg1"/>
                 </a:solidFill>
                 <a:latin typeface="Candara" panose="020E0502030303020204" pitchFamily="34" charset="0"/>
-                <a:cs typeface="Iskoola Pota" panose="020B0502040204020203" pitchFamily="34" charset="0"/>
-              </a:rPr>
-              <a:t>jQuery</a:t>
-            </a:r>
-            <a:endParaRPr lang="en-US" sz="2800" b="1" dirty="0">
+              </a:rPr>
+              <a:t>JAVASCRIPT</a:t>
+            </a:r>
+            <a:endParaRPr lang="en-US" sz="1600" b="1" dirty="0">
               <a:solidFill>
                 <a:schemeClr val="bg1"/>
               </a:solidFill>
               <a:latin typeface="Candara" panose="020E0502030303020204" pitchFamily="34" charset="0"/>
-              <a:cs typeface="Iskoola Pota" panose="020B0502040204020203" pitchFamily="34" charset="0"/>
             </a:endParaRPr>
           </a:p>
         </p:txBody>
       </p:sp>
+      <p:sp>
+        <p:nvSpPr>
+          <p:cNvPr id="4" name="TextBox 3"/>
+          <p:cNvSpPr txBox="1"/>
+          <p:nvPr/>
+        </p:nvSpPr>
+        <p:spPr>
+          <a:xfrm>
+            <a:off x="7919092" y="159446"/>
+            <a:ext cx="1232283" cy="338554"/>
+          </a:xfrm>
+          <a:prstGeom prst="rect">
+            <a:avLst/>
+          </a:prstGeom>
+          <a:solidFill>
+            <a:schemeClr val="accent5"/>
+          </a:solidFill>
+        </p:spPr>
+        <p:txBody>
+          <a:bodyPr wrap="square" rtlCol="0">
+            <a:spAutoFit/>
+          </a:bodyPr>
+          <a:lstStyle/>
+          <a:p>
+            <a:pPr algn="ctr"/>
+            <a:r>
+              <a:rPr lang="en-US" sz="1600" b="1" dirty="0" smtClean="0">
+                <a:solidFill>
+                  <a:schemeClr val="bg1"/>
+                </a:solidFill>
+                <a:latin typeface="Candara" panose="020E0502030303020204" pitchFamily="34" charset="0"/>
+              </a:rPr>
+              <a:t>SCOPE</a:t>
+            </a:r>
+            <a:endParaRPr lang="en-US" sz="1600" b="1" dirty="0">
+              <a:solidFill>
+                <a:schemeClr val="bg1"/>
+              </a:solidFill>
+              <a:latin typeface="Candara" panose="020E0502030303020204" pitchFamily="34" charset="0"/>
+            </a:endParaRPr>
+          </a:p>
+        </p:txBody>
+      </p:sp>
+      <p:sp>
+        <p:nvSpPr>
+          <p:cNvPr id="5" name="Rectangle 4"/>
+          <p:cNvSpPr/>
+          <p:nvPr/>
+        </p:nvSpPr>
+        <p:spPr>
+          <a:xfrm>
+            <a:off x="368482" y="690126"/>
+            <a:ext cx="8173181" cy="369332"/>
+          </a:xfrm>
+          <a:prstGeom prst="rect">
+            <a:avLst/>
+          </a:prstGeom>
+        </p:spPr>
+        <p:txBody>
+          <a:bodyPr wrap="square">
+            <a:spAutoFit/>
+          </a:bodyPr>
+          <a:lstStyle/>
+          <a:p>
+            <a:r>
+              <a:rPr lang="en-US" dirty="0" smtClean="0">
+                <a:solidFill>
+                  <a:srgbClr val="CC3333"/>
+                </a:solidFill>
+                <a:latin typeface="Candara"/>
+                <a:cs typeface="Candara"/>
+              </a:rPr>
+              <a:t>Scope</a:t>
+            </a:r>
+            <a:r>
+              <a:rPr lang="en-US" dirty="0" smtClean="0">
+                <a:latin typeface="Candara"/>
+                <a:cs typeface="Candara"/>
+              </a:rPr>
+              <a:t> refers to the variables that are available to a piece of code at a given time.</a:t>
+            </a:r>
+            <a:endParaRPr lang="en-US" dirty="0">
+              <a:latin typeface="Candara"/>
+              <a:cs typeface="Candara"/>
+            </a:endParaRPr>
+          </a:p>
+        </p:txBody>
+      </p:sp>
+      <p:pic>
+        <p:nvPicPr>
+          <p:cNvPr id="9" name="Picture 8"/>
+          <p:cNvPicPr>
+            <a:picLocks noChangeAspect="1"/>
+          </p:cNvPicPr>
+          <p:nvPr/>
+        </p:nvPicPr>
+        <p:blipFill>
+          <a:blip r:embed="rId3"/>
+          <a:stretch>
+            <a:fillRect/>
+          </a:stretch>
+        </p:blipFill>
+        <p:spPr>
+          <a:xfrm>
+            <a:off x="1182884" y="1180472"/>
+            <a:ext cx="6401878" cy="5677528"/>
+          </a:xfrm>
+          <a:prstGeom prst="rect">
+            <a:avLst/>
+          </a:prstGeom>
+        </p:spPr>
+      </p:pic>
     </p:spTree>
     <p:extLst>
       <p:ext uri="{BB962C8B-B14F-4D97-AF65-F5344CB8AC3E}">
-        <p14:creationId xmlns:p14="http://schemas.microsoft.com/office/powerpoint/2010/main" val="2813627542"/>
+        <p14:creationId xmlns:p14="http://schemas.microsoft.com/office/powerpoint/2010/main" val="2070659320"/>
       </p:ext>
     </p:extLst>
   </p:cSld>
@@ -8548,7 +9013,7 @@
         <p:spPr>
           <a:xfrm>
             <a:off x="0" y="152402"/>
-            <a:ext cx="1008564" cy="338554"/>
+            <a:ext cx="1332300" cy="338554"/>
           </a:xfrm>
           <a:prstGeom prst="rect">
             <a:avLst/>
@@ -8568,13 +9033,13 @@
           <a:p>
             <a:pPr algn="ctr"/>
             <a:r>
-              <a:rPr lang="en-US" sz="1600" b="1" dirty="0" err="1" smtClean="0">
+              <a:rPr lang="en-US" sz="1600" b="1" dirty="0" smtClean="0">
                 <a:solidFill>
                   <a:schemeClr val="bg1"/>
                 </a:solidFill>
                 <a:latin typeface="Candara" panose="020E0502030303020204" pitchFamily="34" charset="0"/>
               </a:rPr>
-              <a:t>jQUERY</a:t>
+              <a:t>JAVASCRIPT</a:t>
             </a:r>
             <a:endParaRPr lang="en-US" sz="1600" b="1" dirty="0">
               <a:solidFill>
@@ -8593,8 +9058,8 @@
         </p:nvSpPr>
         <p:spPr>
           <a:xfrm>
-            <a:off x="7172009" y="159446"/>
-            <a:ext cx="1979367" cy="338554"/>
+            <a:off x="7919092" y="159446"/>
+            <a:ext cx="1232283" cy="338554"/>
           </a:xfrm>
           <a:prstGeom prst="rect">
             <a:avLst/>
@@ -8617,7 +9082,7 @@
                 </a:solidFill>
                 <a:latin typeface="Candara" panose="020E0502030303020204" pitchFamily="34" charset="0"/>
               </a:rPr>
-              <a:t>DOCUMENT READY</a:t>
+              <a:t>SCOPE</a:t>
             </a:r>
             <a:endParaRPr lang="en-US" sz="1600" b="1" dirty="0">
               <a:solidFill>
@@ -8630,26 +9095,18 @@
       </p:sp>
       <p:sp>
         <p:nvSpPr>
-          <p:cNvPr id="2" name="Rectangle 1"/>
+          <p:cNvPr id="5" name="Rectangle 4"/>
           <p:cNvSpPr/>
           <p:nvPr/>
         </p:nvSpPr>
         <p:spPr>
           <a:xfrm>
-            <a:off x="281324" y="1009302"/>
-            <a:ext cx="3105459" cy="923330"/>
+            <a:off x="380934" y="6131698"/>
+            <a:ext cx="988721" cy="369332"/>
           </a:xfrm>
           <a:prstGeom prst="rect">
             <a:avLst/>
           </a:prstGeom>
-          <a:ln>
-            <a:solidFill>
-              <a:schemeClr val="tx1">
-                <a:lumMod val="50000"/>
-                <a:lumOff val="50000"/>
-              </a:schemeClr>
-            </a:solidFill>
-          </a:ln>
         </p:spPr>
         <p:txBody>
           <a:bodyPr wrap="square">
@@ -8658,544 +9115,52 @@
           <a:lstStyle/>
           <a:p>
             <a:r>
-              <a:rPr lang="en-US" dirty="0" err="1">
+              <a:rPr lang="en-US" dirty="0" smtClean="0">
                 <a:solidFill>
                   <a:srgbClr val="CC3333"/>
                 </a:solidFill>
                 <a:latin typeface="Candara"/>
                 <a:cs typeface="Candara"/>
               </a:rPr>
-              <a:t>window.onload</a:t>
-            </a:r>
-            <a:r>
-              <a:rPr lang="en-US" dirty="0">
-                <a:latin typeface="Candara"/>
-                <a:cs typeface="Candara"/>
-              </a:rPr>
-              <a:t> = function() </a:t>
-            </a:r>
-            <a:r>
-              <a:rPr lang="en-US" dirty="0" smtClean="0">
-                <a:latin typeface="Candara"/>
-                <a:cs typeface="Candara"/>
-              </a:rPr>
-              <a:t>{</a:t>
+              <a:t>WEIRD!!</a:t>
             </a:r>
             <a:endParaRPr lang="en-US" dirty="0">
               <a:latin typeface="Candara"/>
               <a:cs typeface="Candara"/>
             </a:endParaRPr>
           </a:p>
-          <a:p>
-            <a:r>
-              <a:rPr lang="en-US" dirty="0">
-                <a:latin typeface="Candara"/>
-                <a:cs typeface="Candara"/>
-              </a:rPr>
-              <a:t>    alert( "welcome" )</a:t>
-            </a:r>
-            <a:r>
-              <a:rPr lang="en-US" dirty="0" smtClean="0">
-                <a:latin typeface="Candara"/>
-                <a:cs typeface="Candara"/>
-              </a:rPr>
-              <a:t>;</a:t>
-            </a:r>
-            <a:endParaRPr lang="en-US" dirty="0">
-              <a:latin typeface="Candara"/>
-              <a:cs typeface="Candara"/>
-            </a:endParaRPr>
-          </a:p>
-          <a:p>
-            <a:r>
-              <a:rPr lang="en-US" dirty="0">
-                <a:latin typeface="Candara"/>
-                <a:cs typeface="Candara"/>
-              </a:rPr>
-              <a:t>};</a:t>
-            </a:r>
-          </a:p>
-        </p:txBody>
-      </p:sp>
-      <p:sp>
-        <p:nvSpPr>
-          <p:cNvPr id="6" name="Rectangle 5"/>
-          <p:cNvSpPr/>
+        </p:txBody>
+      </p:sp>
+      <p:pic>
+        <p:nvPicPr>
+          <p:cNvPr id="2" name="Picture 1"/>
+          <p:cNvPicPr>
+            <a:picLocks noChangeAspect="1"/>
+          </p:cNvPicPr>
           <p:nvPr/>
-        </p:nvSpPr>
-        <p:spPr>
-          <a:xfrm>
-            <a:off x="3959545" y="2067730"/>
-            <a:ext cx="5080173" cy="923330"/>
+        </p:nvPicPr>
+        <p:blipFill>
+          <a:blip r:embed="rId3">
+            <a:grayscl/>
+          </a:blip>
+          <a:stretch>
+            <a:fillRect/>
+          </a:stretch>
+        </p:blipFill>
+        <p:spPr>
+          <a:xfrm>
+            <a:off x="722182" y="1169859"/>
+            <a:ext cx="7525317" cy="4446778"/>
           </a:xfrm>
           <a:prstGeom prst="rect">
             <a:avLst/>
           </a:prstGeom>
         </p:spPr>
-        <p:txBody>
-          <a:bodyPr wrap="square">
-            <a:spAutoFit/>
-          </a:bodyPr>
-          <a:lstStyle/>
-          <a:p>
-            <a:pPr algn="just"/>
-            <a:r>
-              <a:rPr lang="en-US" i="1" dirty="0" smtClean="0">
-                <a:solidFill>
-                  <a:srgbClr val="7F7F7F"/>
-                </a:solidFill>
-                <a:latin typeface="Candara"/>
-                <a:cs typeface="Candara"/>
-              </a:rPr>
-              <a:t>To </a:t>
-            </a:r>
-            <a:r>
-              <a:rPr lang="en-US" i="1" dirty="0">
-                <a:solidFill>
-                  <a:srgbClr val="7F7F7F"/>
-                </a:solidFill>
-                <a:latin typeface="Candara"/>
-                <a:cs typeface="Candara"/>
-              </a:rPr>
-              <a:t>run code as soon as the document is ready to be manipulated, </a:t>
-            </a:r>
-            <a:r>
-              <a:rPr lang="en-US" i="1" dirty="0" err="1">
-                <a:solidFill>
-                  <a:srgbClr val="CC3333"/>
-                </a:solidFill>
-                <a:latin typeface="Candara"/>
-                <a:cs typeface="Candara"/>
-              </a:rPr>
-              <a:t>jQuery</a:t>
-            </a:r>
-            <a:r>
-              <a:rPr lang="en-US" i="1" dirty="0">
-                <a:solidFill>
-                  <a:srgbClr val="CC3333"/>
-                </a:solidFill>
-                <a:latin typeface="Candara"/>
-                <a:cs typeface="Candara"/>
-              </a:rPr>
-              <a:t> </a:t>
-            </a:r>
-            <a:r>
-              <a:rPr lang="en-US" i="1" dirty="0">
-                <a:solidFill>
-                  <a:srgbClr val="7F7F7F"/>
-                </a:solidFill>
-                <a:latin typeface="Candara"/>
-                <a:cs typeface="Candara"/>
-              </a:rPr>
-              <a:t>has a statement known as the ready </a:t>
-            </a:r>
-            <a:r>
-              <a:rPr lang="en-US" i="1" dirty="0" smtClean="0">
-                <a:solidFill>
-                  <a:srgbClr val="7F7F7F"/>
-                </a:solidFill>
-                <a:latin typeface="Candara"/>
-                <a:cs typeface="Candara"/>
-              </a:rPr>
-              <a:t>event:</a:t>
-            </a:r>
-            <a:endParaRPr lang="en-US" i="1" dirty="0">
-              <a:solidFill>
-                <a:srgbClr val="7F7F7F"/>
-              </a:solidFill>
-              <a:latin typeface="Candara"/>
-              <a:cs typeface="Candara"/>
-            </a:endParaRPr>
-          </a:p>
-        </p:txBody>
-      </p:sp>
-      <p:sp>
-        <p:nvSpPr>
-          <p:cNvPr id="7" name="Rectangle 6"/>
-          <p:cNvSpPr/>
-          <p:nvPr/>
-        </p:nvSpPr>
-        <p:spPr>
-          <a:xfrm>
-            <a:off x="4178613" y="984396"/>
-            <a:ext cx="4572000" cy="923330"/>
-          </a:xfrm>
-          <a:prstGeom prst="rect">
-            <a:avLst/>
-          </a:prstGeom>
-          <a:ln>
-            <a:solidFill>
-              <a:srgbClr val="7F7F7F"/>
-            </a:solidFill>
-          </a:ln>
-        </p:spPr>
-        <p:txBody>
-          <a:bodyPr>
-            <a:spAutoFit/>
-          </a:bodyPr>
-          <a:lstStyle/>
-          <a:p>
-            <a:r>
-              <a:rPr lang="en-US" dirty="0">
-                <a:latin typeface="Candara"/>
-                <a:cs typeface="Candara"/>
-              </a:rPr>
-              <a:t>$( document ).</a:t>
-            </a:r>
-            <a:r>
-              <a:rPr lang="en-US" dirty="0">
-                <a:solidFill>
-                  <a:srgbClr val="CC3333"/>
-                </a:solidFill>
-                <a:latin typeface="Candara"/>
-                <a:cs typeface="Candara"/>
-              </a:rPr>
-              <a:t>ready</a:t>
-            </a:r>
-            <a:r>
-              <a:rPr lang="en-US" dirty="0">
-                <a:latin typeface="Candara"/>
-                <a:cs typeface="Candara"/>
-              </a:rPr>
-              <a:t>(function() </a:t>
-            </a:r>
-            <a:r>
-              <a:rPr lang="en-US" dirty="0" smtClean="0">
-                <a:latin typeface="Candara"/>
-                <a:cs typeface="Candara"/>
-              </a:rPr>
-              <a:t>{</a:t>
-            </a:r>
-            <a:endParaRPr lang="en-US" dirty="0">
-              <a:latin typeface="Candara"/>
-              <a:cs typeface="Candara"/>
-            </a:endParaRPr>
-          </a:p>
-          <a:p>
-            <a:r>
-              <a:rPr lang="en-US" dirty="0">
-                <a:latin typeface="Candara"/>
-                <a:cs typeface="Candara"/>
-              </a:rPr>
-              <a:t>    </a:t>
-            </a:r>
-            <a:r>
-              <a:rPr lang="en-US" i="1" dirty="0">
-                <a:solidFill>
-                  <a:schemeClr val="tx1">
-                    <a:lumMod val="50000"/>
-                    <a:lumOff val="50000"/>
-                  </a:schemeClr>
-                </a:solidFill>
-                <a:latin typeface="Candara"/>
-                <a:cs typeface="Candara"/>
-              </a:rPr>
-              <a:t>// Your code </a:t>
-            </a:r>
-            <a:r>
-              <a:rPr lang="en-US" i="1" dirty="0" smtClean="0">
-                <a:solidFill>
-                  <a:schemeClr val="tx1">
-                    <a:lumMod val="50000"/>
-                    <a:lumOff val="50000"/>
-                  </a:schemeClr>
-                </a:solidFill>
-                <a:latin typeface="Candara"/>
-                <a:cs typeface="Candara"/>
-              </a:rPr>
-              <a:t>here</a:t>
-            </a:r>
-            <a:endParaRPr lang="en-US" dirty="0">
-              <a:latin typeface="Candara"/>
-              <a:cs typeface="Candara"/>
-            </a:endParaRPr>
-          </a:p>
-          <a:p>
-            <a:r>
-              <a:rPr lang="en-US" dirty="0">
-                <a:latin typeface="Candara"/>
-                <a:cs typeface="Candara"/>
-              </a:rPr>
-              <a:t>});</a:t>
-            </a:r>
-          </a:p>
-        </p:txBody>
-      </p:sp>
-      <p:sp>
-        <p:nvSpPr>
-          <p:cNvPr id="8" name="Rectangle 7"/>
-          <p:cNvSpPr/>
-          <p:nvPr/>
-        </p:nvSpPr>
-        <p:spPr>
-          <a:xfrm>
-            <a:off x="243970" y="2070783"/>
-            <a:ext cx="3454097" cy="1200329"/>
-          </a:xfrm>
-          <a:prstGeom prst="rect">
-            <a:avLst/>
-          </a:prstGeom>
-        </p:spPr>
-        <p:txBody>
-          <a:bodyPr wrap="square">
-            <a:spAutoFit/>
-          </a:bodyPr>
-          <a:lstStyle/>
-          <a:p>
-            <a:pPr algn="just"/>
-            <a:r>
-              <a:rPr lang="en-US" i="1" dirty="0">
-                <a:solidFill>
-                  <a:srgbClr val="7F7F7F"/>
-                </a:solidFill>
-                <a:latin typeface="Candara"/>
-                <a:cs typeface="Candara"/>
-              </a:rPr>
-              <a:t>Unfortunately, the code doesn't run until all images are finished downloading, including banner ads. </a:t>
-            </a:r>
-          </a:p>
-        </p:txBody>
-      </p:sp>
-      <p:sp>
-        <p:nvSpPr>
-          <p:cNvPr id="11" name="Rectangle 10"/>
-          <p:cNvSpPr/>
-          <p:nvPr/>
-        </p:nvSpPr>
-        <p:spPr>
-          <a:xfrm>
-            <a:off x="286382" y="3441680"/>
-            <a:ext cx="8715983" cy="3416320"/>
-          </a:xfrm>
-          <a:prstGeom prst="rect">
-            <a:avLst/>
-          </a:prstGeom>
-        </p:spPr>
-        <p:txBody>
-          <a:bodyPr wrap="square">
-            <a:spAutoFit/>
-          </a:bodyPr>
-          <a:lstStyle/>
-          <a:p>
-            <a:r>
-              <a:rPr lang="en-US" dirty="0"/>
-              <a:t>&lt;body&gt;</a:t>
-            </a:r>
-          </a:p>
-          <a:p>
-            <a:r>
-              <a:rPr lang="en-US" dirty="0"/>
-              <a:t>    &lt;a </a:t>
-            </a:r>
-            <a:r>
-              <a:rPr lang="en-US" dirty="0" err="1"/>
-              <a:t>href</a:t>
-            </a:r>
-            <a:r>
-              <a:rPr lang="en-US" dirty="0"/>
-              <a:t>="http://</a:t>
-            </a:r>
-            <a:r>
-              <a:rPr lang="en-US" dirty="0" err="1"/>
-              <a:t>jquery.com</a:t>
-            </a:r>
-            <a:r>
-              <a:rPr lang="en-US" dirty="0"/>
-              <a:t>/"&gt;</a:t>
-            </a:r>
-            <a:r>
-              <a:rPr lang="en-US" dirty="0" err="1"/>
-              <a:t>jQuery</a:t>
-            </a:r>
-            <a:r>
-              <a:rPr lang="en-US" dirty="0"/>
-              <a:t>&lt;/a&gt;</a:t>
-            </a:r>
-          </a:p>
-          <a:p>
-            <a:r>
-              <a:rPr lang="en-US" dirty="0"/>
-              <a:t>    &lt;script </a:t>
-            </a:r>
-            <a:r>
-              <a:rPr lang="en-US" dirty="0" err="1"/>
-              <a:t>src</a:t>
-            </a:r>
-            <a:r>
-              <a:rPr lang="en-US" dirty="0"/>
-              <a:t>=“https://</a:t>
-            </a:r>
-            <a:r>
-              <a:rPr lang="en-US" dirty="0" err="1"/>
-              <a:t>ajax.googleapis.com</a:t>
-            </a:r>
-            <a:r>
-              <a:rPr lang="en-US" dirty="0"/>
-              <a:t>/</a:t>
-            </a:r>
-            <a:r>
-              <a:rPr lang="en-US" dirty="0" err="1"/>
-              <a:t>ajax</a:t>
-            </a:r>
-            <a:r>
-              <a:rPr lang="en-US" dirty="0"/>
-              <a:t>/libs/</a:t>
-            </a:r>
-            <a:r>
-              <a:rPr lang="en-US" dirty="0" err="1"/>
-              <a:t>jquery</a:t>
-            </a:r>
-            <a:r>
-              <a:rPr lang="en-US" dirty="0"/>
-              <a:t>/2.1.3/</a:t>
-            </a:r>
-            <a:r>
-              <a:rPr lang="en-US" dirty="0" err="1"/>
-              <a:t>jquery.min.js</a:t>
-            </a:r>
-            <a:r>
-              <a:rPr lang="en-US" dirty="0"/>
-              <a:t>"&gt;&lt;/script&gt;</a:t>
-            </a:r>
-          </a:p>
-          <a:p>
-            <a:r>
-              <a:rPr lang="en-US" dirty="0"/>
-              <a:t>    &lt;script</a:t>
-            </a:r>
-            <a:r>
-              <a:rPr lang="en-US" dirty="0" smtClean="0"/>
-              <a:t>&gt;</a:t>
-            </a:r>
-            <a:endParaRPr lang="en-US" dirty="0"/>
-          </a:p>
-          <a:p>
-            <a:r>
-              <a:rPr lang="en-US" dirty="0"/>
-              <a:t>   </a:t>
-            </a:r>
-            <a:r>
-              <a:rPr lang="en-US" dirty="0">
-                <a:solidFill>
-                  <a:srgbClr val="CC3333"/>
-                </a:solidFill>
-              </a:rPr>
-              <a:t> $( document ).ready(function() {</a:t>
-            </a:r>
-          </a:p>
-          <a:p>
-            <a:r>
-              <a:rPr lang="en-US" dirty="0">
-                <a:solidFill>
-                  <a:srgbClr val="CC3333"/>
-                </a:solidFill>
-              </a:rPr>
-              <a:t>        $( "a" ).click(function( event ) {</a:t>
-            </a:r>
-          </a:p>
-          <a:p>
-            <a:r>
-              <a:rPr lang="en-US" dirty="0">
-                <a:solidFill>
-                  <a:srgbClr val="CC3333"/>
-                </a:solidFill>
-              </a:rPr>
-              <a:t>            alert( "The link will no longer take you to </a:t>
-            </a:r>
-            <a:r>
-              <a:rPr lang="en-US" dirty="0" err="1">
-                <a:solidFill>
-                  <a:srgbClr val="CC3333"/>
-                </a:solidFill>
-              </a:rPr>
-              <a:t>jquery.com</a:t>
-            </a:r>
-            <a:r>
-              <a:rPr lang="en-US" dirty="0">
-                <a:solidFill>
-                  <a:srgbClr val="CC3333"/>
-                </a:solidFill>
-              </a:rPr>
-              <a:t>" );</a:t>
-            </a:r>
-          </a:p>
-          <a:p>
-            <a:r>
-              <a:rPr lang="en-US" dirty="0">
-                <a:solidFill>
-                  <a:srgbClr val="CC3333"/>
-                </a:solidFill>
-              </a:rPr>
-              <a:t>            </a:t>
-            </a:r>
-            <a:r>
-              <a:rPr lang="en-US" dirty="0" err="1">
-                <a:solidFill>
-                  <a:srgbClr val="CC3333"/>
-                </a:solidFill>
-              </a:rPr>
-              <a:t>event.preventDefault</a:t>
-            </a:r>
-            <a:r>
-              <a:rPr lang="en-US" dirty="0">
-                <a:solidFill>
-                  <a:srgbClr val="CC3333"/>
-                </a:solidFill>
-              </a:rPr>
-              <a:t>();</a:t>
-            </a:r>
-          </a:p>
-          <a:p>
-            <a:r>
-              <a:rPr lang="en-US" dirty="0">
-                <a:solidFill>
-                  <a:srgbClr val="CC3333"/>
-                </a:solidFill>
-              </a:rPr>
-              <a:t>        });</a:t>
-            </a:r>
-          </a:p>
-          <a:p>
-            <a:r>
-              <a:rPr lang="en-US" dirty="0">
-                <a:solidFill>
-                  <a:srgbClr val="CC3333"/>
-                </a:solidFill>
-              </a:rPr>
-              <a:t>    })</a:t>
-            </a:r>
-            <a:r>
-              <a:rPr lang="en-US" dirty="0" smtClean="0">
-                <a:solidFill>
-                  <a:srgbClr val="CC3333"/>
-                </a:solidFill>
-              </a:rPr>
-              <a:t>;</a:t>
-            </a:r>
-            <a:endParaRPr lang="en-US" dirty="0">
-              <a:solidFill>
-                <a:srgbClr val="CC3333"/>
-              </a:solidFill>
-            </a:endParaRPr>
-          </a:p>
-          <a:p>
-            <a:r>
-              <a:rPr lang="en-US" dirty="0"/>
-              <a:t>    &lt;/script&gt;</a:t>
-            </a:r>
-          </a:p>
-          <a:p>
-            <a:r>
-              <a:rPr lang="en-US" dirty="0"/>
-              <a:t>&lt;/body&gt;</a:t>
-            </a:r>
-          </a:p>
-        </p:txBody>
-      </p:sp>
+      </p:pic>
     </p:spTree>
     <p:extLst>
       <p:ext uri="{BB962C8B-B14F-4D97-AF65-F5344CB8AC3E}">
-        <p14:creationId xmlns:p14="http://schemas.microsoft.com/office/powerpoint/2010/main" val="1365049884"/>
+        <p14:creationId xmlns:p14="http://schemas.microsoft.com/office/powerpoint/2010/main" val="4226930504"/>
       </p:ext>
     </p:extLst>
   </p:cSld>
@@ -9238,7 +9203,7 @@
         <p:spPr>
           <a:xfrm>
             <a:off x="0" y="152402"/>
-            <a:ext cx="1008564" cy="338554"/>
+            <a:ext cx="1332300" cy="338554"/>
           </a:xfrm>
           <a:prstGeom prst="rect">
             <a:avLst/>
@@ -9258,13 +9223,13 @@
           <a:p>
             <a:pPr algn="ctr"/>
             <a:r>
-              <a:rPr lang="en-US" sz="1600" b="1" dirty="0" err="1" smtClean="0">
+              <a:rPr lang="en-US" sz="1600" b="1" dirty="0" smtClean="0">
                 <a:solidFill>
                   <a:schemeClr val="bg1"/>
                 </a:solidFill>
                 <a:latin typeface="Candara" panose="020E0502030303020204" pitchFamily="34" charset="0"/>
               </a:rPr>
-              <a:t>jQUERY</a:t>
+              <a:t>JAVASCRIPT</a:t>
             </a:r>
             <a:endParaRPr lang="en-US" sz="1600" b="1" dirty="0">
               <a:solidFill>
@@ -9283,8 +9248,8 @@
         </p:nvSpPr>
         <p:spPr>
           <a:xfrm>
-            <a:off x="7172009" y="159446"/>
-            <a:ext cx="1979367" cy="338554"/>
+            <a:off x="7919092" y="159446"/>
+            <a:ext cx="1232283" cy="338554"/>
           </a:xfrm>
           <a:prstGeom prst="rect">
             <a:avLst/>
@@ -9307,7 +9272,7 @@
                 </a:solidFill>
                 <a:latin typeface="Candara" panose="020E0502030303020204" pitchFamily="34" charset="0"/>
               </a:rPr>
-              <a:t>DOCUMENT READY</a:t>
+              <a:t>SELECTORS</a:t>
             </a:r>
             <a:endParaRPr lang="en-US" sz="1600" b="1" dirty="0">
               <a:solidFill>
@@ -9318,10 +9283,201 @@
           </a:p>
         </p:txBody>
       </p:sp>
+      <p:sp>
+        <p:nvSpPr>
+          <p:cNvPr id="6" name="Rectangle 5"/>
+          <p:cNvSpPr/>
+          <p:nvPr/>
+        </p:nvSpPr>
+        <p:spPr>
+          <a:xfrm>
+            <a:off x="468095" y="1835720"/>
+            <a:ext cx="3391840" cy="369332"/>
+          </a:xfrm>
+          <a:prstGeom prst="rect">
+            <a:avLst/>
+          </a:prstGeom>
+        </p:spPr>
+        <p:txBody>
+          <a:bodyPr wrap="square">
+            <a:spAutoFit/>
+          </a:bodyPr>
+          <a:lstStyle/>
+          <a:p>
+            <a:r>
+              <a:rPr lang="en-US" dirty="0" err="1">
+                <a:solidFill>
+                  <a:srgbClr val="CC3333"/>
+                </a:solidFill>
+              </a:rPr>
+              <a:t>querySelector</a:t>
+            </a:r>
+            <a:r>
+              <a:rPr lang="en-US" dirty="0">
+                <a:solidFill>
+                  <a:srgbClr val="CC3333"/>
+                </a:solidFill>
+              </a:rPr>
+              <a:t> </a:t>
+            </a:r>
+            <a:r>
+              <a:rPr lang="en-US" dirty="0" smtClean="0"/>
+              <a:t>&amp; </a:t>
+            </a:r>
+            <a:r>
+              <a:rPr lang="en-US" dirty="0" err="1" smtClean="0">
+                <a:solidFill>
+                  <a:srgbClr val="CC3333"/>
+                </a:solidFill>
+              </a:rPr>
+              <a:t>querySelectorAll</a:t>
+            </a:r>
+            <a:r>
+              <a:rPr lang="en-US" dirty="0" smtClean="0">
+                <a:solidFill>
+                  <a:srgbClr val="CC3333"/>
+                </a:solidFill>
+              </a:rPr>
+              <a:t>  </a:t>
+            </a:r>
+            <a:endParaRPr lang="en-US" dirty="0">
+              <a:solidFill>
+                <a:srgbClr val="5B9BD5"/>
+              </a:solidFill>
+            </a:endParaRPr>
+          </a:p>
+        </p:txBody>
+      </p:sp>
+      <p:sp>
+        <p:nvSpPr>
+          <p:cNvPr id="7" name="Rectangle 6"/>
+          <p:cNvSpPr/>
+          <p:nvPr/>
+        </p:nvSpPr>
+        <p:spPr>
+          <a:xfrm>
+            <a:off x="1924907" y="2455273"/>
+            <a:ext cx="6928039" cy="923330"/>
+          </a:xfrm>
+          <a:prstGeom prst="rect">
+            <a:avLst/>
+          </a:prstGeom>
+        </p:spPr>
+        <p:txBody>
+          <a:bodyPr wrap="square">
+            <a:spAutoFit/>
+          </a:bodyPr>
+          <a:lstStyle/>
+          <a:p>
+            <a:r>
+              <a:rPr lang="en-US" dirty="0"/>
+              <a:t>Returns the first element within the document (using depth-first pre-order traversal of the document's nodes) that matches the </a:t>
+            </a:r>
+            <a:r>
+              <a:rPr lang="en-US" dirty="0" smtClean="0"/>
+              <a:t>specified </a:t>
+            </a:r>
+            <a:r>
+              <a:rPr lang="en-US" dirty="0"/>
+              <a:t>group of selectors.</a:t>
+            </a:r>
+          </a:p>
+        </p:txBody>
+      </p:sp>
+      <p:sp>
+        <p:nvSpPr>
+          <p:cNvPr id="8" name="Rectangle 7"/>
+          <p:cNvSpPr/>
+          <p:nvPr/>
+        </p:nvSpPr>
+        <p:spPr>
+          <a:xfrm>
+            <a:off x="2010489" y="4352572"/>
+            <a:ext cx="5432384" cy="369332"/>
+          </a:xfrm>
+          <a:prstGeom prst="rect">
+            <a:avLst/>
+          </a:prstGeom>
+        </p:spPr>
+        <p:txBody>
+          <a:bodyPr wrap="none">
+            <a:spAutoFit/>
+          </a:bodyPr>
+          <a:lstStyle/>
+          <a:p>
+            <a:r>
+              <a:rPr lang="en-US" dirty="0"/>
+              <a:t>Returns a reference to the element by its </a:t>
+            </a:r>
+            <a:r>
+              <a:rPr lang="en-US" dirty="0" smtClean="0"/>
+              <a:t>ID/Class name</a:t>
+            </a:r>
+            <a:endParaRPr lang="en-US" dirty="0"/>
+          </a:p>
+        </p:txBody>
+      </p:sp>
+      <p:sp>
+        <p:nvSpPr>
+          <p:cNvPr id="9" name="Rectangle 8"/>
+          <p:cNvSpPr/>
+          <p:nvPr/>
+        </p:nvSpPr>
+        <p:spPr>
+          <a:xfrm>
+            <a:off x="449216" y="3717513"/>
+            <a:ext cx="4360727" cy="369332"/>
+          </a:xfrm>
+          <a:prstGeom prst="rect">
+            <a:avLst/>
+          </a:prstGeom>
+        </p:spPr>
+        <p:txBody>
+          <a:bodyPr wrap="none">
+            <a:spAutoFit/>
+          </a:bodyPr>
+          <a:lstStyle/>
+          <a:p>
+            <a:r>
+              <a:rPr lang="en-US" dirty="0" err="1">
+                <a:solidFill>
+                  <a:schemeClr val="accent1"/>
+                </a:solidFill>
+              </a:rPr>
+              <a:t>getElementsByClassName</a:t>
+            </a:r>
+            <a:r>
+              <a:rPr lang="en-US" dirty="0">
+                <a:solidFill>
+                  <a:schemeClr val="accent1"/>
+                </a:solidFill>
+              </a:rPr>
+              <a:t> </a:t>
+            </a:r>
+            <a:r>
+              <a:rPr lang="en-US" dirty="0"/>
+              <a:t>&amp; </a:t>
+            </a:r>
+            <a:r>
+              <a:rPr lang="en-US" dirty="0" err="1">
+                <a:solidFill>
+                  <a:srgbClr val="5B9BD5"/>
+                </a:solidFill>
+              </a:rPr>
+              <a:t>getElementById</a:t>
+            </a:r>
+            <a:endParaRPr lang="en-US" dirty="0">
+              <a:solidFill>
+                <a:srgbClr val="5B9BD5"/>
+              </a:solidFill>
+            </a:endParaRPr>
+          </a:p>
+        </p:txBody>
+      </p:sp>
     </p:spTree>
     <p:extLst>
       <p:ext uri="{BB962C8B-B14F-4D97-AF65-F5344CB8AC3E}">
-        <p14:creationId xmlns:p14="http://schemas.microsoft.com/office/powerpoint/2010/main" val="2070659320"/>
+        <p14:creationId xmlns:p14="http://schemas.microsoft.com/office/powerpoint/2010/main" val="1982179937"/>
       </p:ext>
     </p:extLst>
   </p:cSld>
@@ -9389,14 +9545,14 @@
           <a:lstStyle/>
           <a:p>
             <a:r>
-              <a:rPr lang="en-US" sz="2800" b="1" dirty="0" smtClean="0">
+              <a:rPr lang="en-US" sz="2800" b="1" dirty="0" err="1" smtClean="0">
                 <a:solidFill>
                   <a:schemeClr val="bg1"/>
                 </a:solidFill>
                 <a:latin typeface="Candara" panose="020E0502030303020204" pitchFamily="34" charset="0"/>
                 <a:cs typeface="Iskoola Pota" panose="020B0502040204020203" pitchFamily="34" charset="0"/>
               </a:rPr>
-              <a:t>Other JS frameworks</a:t>
+              <a:t>jQuery</a:t>
             </a:r>
             <a:endParaRPr lang="en-US" sz="2800" b="1" dirty="0">
               <a:solidFill>
@@ -9411,7 +9567,1043 @@
     </p:spTree>
     <p:extLst>
       <p:ext uri="{BB962C8B-B14F-4D97-AF65-F5344CB8AC3E}">
-        <p14:creationId xmlns:p14="http://schemas.microsoft.com/office/powerpoint/2010/main" val="207097700"/>
+        <p14:creationId xmlns:p14="http://schemas.microsoft.com/office/powerpoint/2010/main" val="2813627542"/>
+      </p:ext>
+    </p:extLst>
+  </p:cSld>
+  <p:clrMapOvr>
+    <a:masterClrMapping/>
+  </p:clrMapOvr>
+  <p:timing>
+    <p:tnLst>
+      <p:par>
+        <p:cTn xmlns:p14="http://schemas.microsoft.com/office/powerpoint/2010/main" id="1" dur="indefinite" restart="never" nodeType="tmRoot"/>
+      </p:par>
+    </p:tnLst>
+  </p:timing>
+</p:sld>
+</file>
+
+<file path=ppt/slides/slide28.xml><?xml version="1.0" encoding="utf-8"?>
+<p:sld xmlns:a="http://schemas.openxmlformats.org/drawingml/2006/main" xmlns:r="http://schemas.openxmlformats.org/officeDocument/2006/relationships" xmlns:p="http://schemas.openxmlformats.org/presentationml/2006/main">
+  <p:cSld>
+    <p:spTree>
+      <p:nvGrpSpPr>
+        <p:cNvPr id="1" name=""/>
+        <p:cNvGrpSpPr/>
+        <p:nvPr/>
+      </p:nvGrpSpPr>
+      <p:grpSpPr>
+        <a:xfrm>
+          <a:off x="0" y="0"/>
+          <a:ext cx="0" cy="0"/>
+          <a:chOff x="0" y="0"/>
+          <a:chExt cx="0" cy="0"/>
+        </a:xfrm>
+      </p:grpSpPr>
+      <p:sp>
+        <p:nvSpPr>
+          <p:cNvPr id="3" name="TextBox 2"/>
+          <p:cNvSpPr txBox="1"/>
+          <p:nvPr/>
+        </p:nvSpPr>
+        <p:spPr>
+          <a:xfrm>
+            <a:off x="0" y="152402"/>
+            <a:ext cx="1008564" cy="338554"/>
+          </a:xfrm>
+          <a:prstGeom prst="rect">
+            <a:avLst/>
+          </a:prstGeom>
+          <a:solidFill>
+            <a:schemeClr val="tx1">
+              <a:lumMod val="85000"/>
+              <a:lumOff val="15000"/>
+            </a:schemeClr>
+          </a:solidFill>
+        </p:spPr>
+        <p:txBody>
+          <a:bodyPr wrap="square" rtlCol="0">
+            <a:spAutoFit/>
+          </a:bodyPr>
+          <a:lstStyle/>
+          <a:p>
+            <a:pPr algn="ctr"/>
+            <a:r>
+              <a:rPr lang="en-US" sz="1600" b="1" dirty="0" err="1" smtClean="0">
+                <a:solidFill>
+                  <a:schemeClr val="bg1"/>
+                </a:solidFill>
+                <a:latin typeface="Candara" panose="020E0502030303020204" pitchFamily="34" charset="0"/>
+              </a:rPr>
+              <a:t>jQUERY</a:t>
+            </a:r>
+            <a:endParaRPr lang="en-US" sz="1600" b="1" dirty="0">
+              <a:solidFill>
+                <a:schemeClr val="bg1"/>
+              </a:solidFill>
+              <a:latin typeface="Candara" panose="020E0502030303020204" pitchFamily="34" charset="0"/>
+            </a:endParaRPr>
+          </a:p>
+        </p:txBody>
+      </p:sp>
+      <p:sp>
+        <p:nvSpPr>
+          <p:cNvPr id="4" name="TextBox 3"/>
+          <p:cNvSpPr txBox="1"/>
+          <p:nvPr/>
+        </p:nvSpPr>
+        <p:spPr>
+          <a:xfrm>
+            <a:off x="7172009" y="159446"/>
+            <a:ext cx="1979367" cy="338554"/>
+          </a:xfrm>
+          <a:prstGeom prst="rect">
+            <a:avLst/>
+          </a:prstGeom>
+          <a:solidFill>
+            <a:schemeClr val="accent5"/>
+          </a:solidFill>
+        </p:spPr>
+        <p:txBody>
+          <a:bodyPr wrap="square" rtlCol="0">
+            <a:spAutoFit/>
+          </a:bodyPr>
+          <a:lstStyle/>
+          <a:p>
+            <a:pPr algn="ctr"/>
+            <a:r>
+              <a:rPr lang="en-US" sz="1600" b="1" dirty="0" smtClean="0">
+                <a:solidFill>
+                  <a:schemeClr val="bg1"/>
+                </a:solidFill>
+                <a:latin typeface="Candara" panose="020E0502030303020204" pitchFamily="34" charset="0"/>
+              </a:rPr>
+              <a:t>DOCUMENT READY</a:t>
+            </a:r>
+            <a:endParaRPr lang="en-US" sz="1600" b="1" dirty="0">
+              <a:solidFill>
+                <a:schemeClr val="bg1"/>
+              </a:solidFill>
+              <a:latin typeface="Candara" panose="020E0502030303020204" pitchFamily="34" charset="0"/>
+            </a:endParaRPr>
+          </a:p>
+        </p:txBody>
+      </p:sp>
+      <p:sp>
+        <p:nvSpPr>
+          <p:cNvPr id="2" name="Rectangle 1"/>
+          <p:cNvSpPr/>
+          <p:nvPr/>
+        </p:nvSpPr>
+        <p:spPr>
+          <a:xfrm>
+            <a:off x="281324" y="1009302"/>
+            <a:ext cx="3105459" cy="923330"/>
+          </a:xfrm>
+          <a:prstGeom prst="rect">
+            <a:avLst/>
+          </a:prstGeom>
+          <a:ln>
+            <a:solidFill>
+              <a:schemeClr val="tx1">
+                <a:lumMod val="50000"/>
+                <a:lumOff val="50000"/>
+              </a:schemeClr>
+            </a:solidFill>
+          </a:ln>
+        </p:spPr>
+        <p:txBody>
+          <a:bodyPr wrap="square">
+            <a:spAutoFit/>
+          </a:bodyPr>
+          <a:lstStyle/>
+          <a:p>
+            <a:r>
+              <a:rPr lang="en-US" dirty="0" err="1">
+                <a:solidFill>
+                  <a:srgbClr val="CC3333"/>
+                </a:solidFill>
+                <a:latin typeface="Candara"/>
+                <a:cs typeface="Candara"/>
+              </a:rPr>
+              <a:t>window.onload</a:t>
+            </a:r>
+            <a:r>
+              <a:rPr lang="en-US" dirty="0">
+                <a:latin typeface="Candara"/>
+                <a:cs typeface="Candara"/>
+              </a:rPr>
+              <a:t> = function() </a:t>
+            </a:r>
+            <a:r>
+              <a:rPr lang="en-US" dirty="0" smtClean="0">
+                <a:latin typeface="Candara"/>
+                <a:cs typeface="Candara"/>
+              </a:rPr>
+              <a:t>{</a:t>
+            </a:r>
+            <a:endParaRPr lang="en-US" dirty="0">
+              <a:latin typeface="Candara"/>
+              <a:cs typeface="Candara"/>
+            </a:endParaRPr>
+          </a:p>
+          <a:p>
+            <a:r>
+              <a:rPr lang="en-US" dirty="0">
+                <a:latin typeface="Candara"/>
+                <a:cs typeface="Candara"/>
+              </a:rPr>
+              <a:t>    alert( "welcome" )</a:t>
+            </a:r>
+            <a:r>
+              <a:rPr lang="en-US" dirty="0" smtClean="0">
+                <a:latin typeface="Candara"/>
+                <a:cs typeface="Candara"/>
+              </a:rPr>
+              <a:t>;</a:t>
+            </a:r>
+            <a:endParaRPr lang="en-US" dirty="0">
+              <a:latin typeface="Candara"/>
+              <a:cs typeface="Candara"/>
+            </a:endParaRPr>
+          </a:p>
+          <a:p>
+            <a:r>
+              <a:rPr lang="en-US" dirty="0">
+                <a:latin typeface="Candara"/>
+                <a:cs typeface="Candara"/>
+              </a:rPr>
+              <a:t>};</a:t>
+            </a:r>
+          </a:p>
+        </p:txBody>
+      </p:sp>
+      <p:sp>
+        <p:nvSpPr>
+          <p:cNvPr id="6" name="Rectangle 5"/>
+          <p:cNvSpPr/>
+          <p:nvPr/>
+        </p:nvSpPr>
+        <p:spPr>
+          <a:xfrm>
+            <a:off x="3959545" y="2067730"/>
+            <a:ext cx="5080173" cy="923330"/>
+          </a:xfrm>
+          <a:prstGeom prst="rect">
+            <a:avLst/>
+          </a:prstGeom>
+        </p:spPr>
+        <p:txBody>
+          <a:bodyPr wrap="square">
+            <a:spAutoFit/>
+          </a:bodyPr>
+          <a:lstStyle/>
+          <a:p>
+            <a:pPr algn="just"/>
+            <a:r>
+              <a:rPr lang="en-US" i="1" dirty="0" smtClean="0">
+                <a:solidFill>
+                  <a:srgbClr val="7F7F7F"/>
+                </a:solidFill>
+                <a:latin typeface="Candara"/>
+                <a:cs typeface="Candara"/>
+              </a:rPr>
+              <a:t>To </a:t>
+            </a:r>
+            <a:r>
+              <a:rPr lang="en-US" i="1" dirty="0">
+                <a:solidFill>
+                  <a:srgbClr val="7F7F7F"/>
+                </a:solidFill>
+                <a:latin typeface="Candara"/>
+                <a:cs typeface="Candara"/>
+              </a:rPr>
+              <a:t>run code as soon as the document is ready to be manipulated, </a:t>
+            </a:r>
+            <a:r>
+              <a:rPr lang="en-US" i="1" dirty="0" err="1">
+                <a:solidFill>
+                  <a:srgbClr val="CC3333"/>
+                </a:solidFill>
+                <a:latin typeface="Candara"/>
+                <a:cs typeface="Candara"/>
+              </a:rPr>
+              <a:t>jQuery</a:t>
+            </a:r>
+            <a:r>
+              <a:rPr lang="en-US" i="1" dirty="0">
+                <a:solidFill>
+                  <a:srgbClr val="CC3333"/>
+                </a:solidFill>
+                <a:latin typeface="Candara"/>
+                <a:cs typeface="Candara"/>
+              </a:rPr>
+              <a:t> </a:t>
+            </a:r>
+            <a:r>
+              <a:rPr lang="en-US" i="1" dirty="0">
+                <a:solidFill>
+                  <a:srgbClr val="7F7F7F"/>
+                </a:solidFill>
+                <a:latin typeface="Candara"/>
+                <a:cs typeface="Candara"/>
+              </a:rPr>
+              <a:t>has a statement known as the ready </a:t>
+            </a:r>
+            <a:r>
+              <a:rPr lang="en-US" i="1" dirty="0" smtClean="0">
+                <a:solidFill>
+                  <a:srgbClr val="7F7F7F"/>
+                </a:solidFill>
+                <a:latin typeface="Candara"/>
+                <a:cs typeface="Candara"/>
+              </a:rPr>
+              <a:t>event:</a:t>
+            </a:r>
+            <a:endParaRPr lang="en-US" i="1" dirty="0">
+              <a:solidFill>
+                <a:srgbClr val="7F7F7F"/>
+              </a:solidFill>
+              <a:latin typeface="Candara"/>
+              <a:cs typeface="Candara"/>
+            </a:endParaRPr>
+          </a:p>
+        </p:txBody>
+      </p:sp>
+      <p:sp>
+        <p:nvSpPr>
+          <p:cNvPr id="7" name="Rectangle 6"/>
+          <p:cNvSpPr/>
+          <p:nvPr/>
+        </p:nvSpPr>
+        <p:spPr>
+          <a:xfrm>
+            <a:off x="4178613" y="984396"/>
+            <a:ext cx="4572000" cy="923330"/>
+          </a:xfrm>
+          <a:prstGeom prst="rect">
+            <a:avLst/>
+          </a:prstGeom>
+          <a:ln>
+            <a:solidFill>
+              <a:srgbClr val="7F7F7F"/>
+            </a:solidFill>
+          </a:ln>
+        </p:spPr>
+        <p:txBody>
+          <a:bodyPr>
+            <a:spAutoFit/>
+          </a:bodyPr>
+          <a:lstStyle/>
+          <a:p>
+            <a:r>
+              <a:rPr lang="en-US" dirty="0">
+                <a:latin typeface="Candara"/>
+                <a:cs typeface="Candara"/>
+              </a:rPr>
+              <a:t>$( document ).</a:t>
+            </a:r>
+            <a:r>
+              <a:rPr lang="en-US" dirty="0">
+                <a:solidFill>
+                  <a:srgbClr val="CC3333"/>
+                </a:solidFill>
+                <a:latin typeface="Candara"/>
+                <a:cs typeface="Candara"/>
+              </a:rPr>
+              <a:t>ready</a:t>
+            </a:r>
+            <a:r>
+              <a:rPr lang="en-US" dirty="0">
+                <a:latin typeface="Candara"/>
+                <a:cs typeface="Candara"/>
+              </a:rPr>
+              <a:t>(function() </a:t>
+            </a:r>
+            <a:r>
+              <a:rPr lang="en-US" dirty="0" smtClean="0">
+                <a:latin typeface="Candara"/>
+                <a:cs typeface="Candara"/>
+              </a:rPr>
+              <a:t>{</a:t>
+            </a:r>
+            <a:endParaRPr lang="en-US" dirty="0">
+              <a:latin typeface="Candara"/>
+              <a:cs typeface="Candara"/>
+            </a:endParaRPr>
+          </a:p>
+          <a:p>
+            <a:r>
+              <a:rPr lang="en-US" dirty="0">
+                <a:latin typeface="Candara"/>
+                <a:cs typeface="Candara"/>
+              </a:rPr>
+              <a:t>    </a:t>
+            </a:r>
+            <a:r>
+              <a:rPr lang="en-US" i="1" dirty="0">
+                <a:solidFill>
+                  <a:schemeClr val="tx1">
+                    <a:lumMod val="50000"/>
+                    <a:lumOff val="50000"/>
+                  </a:schemeClr>
+                </a:solidFill>
+                <a:latin typeface="Candara"/>
+                <a:cs typeface="Candara"/>
+              </a:rPr>
+              <a:t>// Your code </a:t>
+            </a:r>
+            <a:r>
+              <a:rPr lang="en-US" i="1" dirty="0" smtClean="0">
+                <a:solidFill>
+                  <a:schemeClr val="tx1">
+                    <a:lumMod val="50000"/>
+                    <a:lumOff val="50000"/>
+                  </a:schemeClr>
+                </a:solidFill>
+                <a:latin typeface="Candara"/>
+                <a:cs typeface="Candara"/>
+              </a:rPr>
+              <a:t>here</a:t>
+            </a:r>
+            <a:endParaRPr lang="en-US" dirty="0">
+              <a:latin typeface="Candara"/>
+              <a:cs typeface="Candara"/>
+            </a:endParaRPr>
+          </a:p>
+          <a:p>
+            <a:r>
+              <a:rPr lang="en-US" dirty="0">
+                <a:latin typeface="Candara"/>
+                <a:cs typeface="Candara"/>
+              </a:rPr>
+              <a:t>});</a:t>
+            </a:r>
+          </a:p>
+        </p:txBody>
+      </p:sp>
+      <p:sp>
+        <p:nvSpPr>
+          <p:cNvPr id="8" name="Rectangle 7"/>
+          <p:cNvSpPr/>
+          <p:nvPr/>
+        </p:nvSpPr>
+        <p:spPr>
+          <a:xfrm>
+            <a:off x="243970" y="2070783"/>
+            <a:ext cx="3454097" cy="1200329"/>
+          </a:xfrm>
+          <a:prstGeom prst="rect">
+            <a:avLst/>
+          </a:prstGeom>
+        </p:spPr>
+        <p:txBody>
+          <a:bodyPr wrap="square">
+            <a:spAutoFit/>
+          </a:bodyPr>
+          <a:lstStyle/>
+          <a:p>
+            <a:pPr algn="just"/>
+            <a:r>
+              <a:rPr lang="en-US" i="1" dirty="0">
+                <a:solidFill>
+                  <a:srgbClr val="7F7F7F"/>
+                </a:solidFill>
+                <a:latin typeface="Candara"/>
+                <a:cs typeface="Candara"/>
+              </a:rPr>
+              <a:t>Unfortunately, the code doesn't run until all images are finished downloading, including banner ads. </a:t>
+            </a:r>
+          </a:p>
+        </p:txBody>
+      </p:sp>
+      <p:sp>
+        <p:nvSpPr>
+          <p:cNvPr id="11" name="Rectangle 10"/>
+          <p:cNvSpPr/>
+          <p:nvPr/>
+        </p:nvSpPr>
+        <p:spPr>
+          <a:xfrm>
+            <a:off x="286382" y="3441680"/>
+            <a:ext cx="8715983" cy="3416320"/>
+          </a:xfrm>
+          <a:prstGeom prst="rect">
+            <a:avLst/>
+          </a:prstGeom>
+        </p:spPr>
+        <p:txBody>
+          <a:bodyPr wrap="square">
+            <a:spAutoFit/>
+          </a:bodyPr>
+          <a:lstStyle/>
+          <a:p>
+            <a:r>
+              <a:rPr lang="en-US" dirty="0"/>
+              <a:t>&lt;body&gt;</a:t>
+            </a:r>
+          </a:p>
+          <a:p>
+            <a:r>
+              <a:rPr lang="en-US" dirty="0"/>
+              <a:t>    &lt;a </a:t>
+            </a:r>
+            <a:r>
+              <a:rPr lang="en-US" dirty="0" err="1"/>
+              <a:t>href</a:t>
+            </a:r>
+            <a:r>
+              <a:rPr lang="en-US" dirty="0"/>
+              <a:t>="http://</a:t>
+            </a:r>
+            <a:r>
+              <a:rPr lang="en-US" dirty="0" err="1"/>
+              <a:t>jquery.com</a:t>
+            </a:r>
+            <a:r>
+              <a:rPr lang="en-US" dirty="0"/>
+              <a:t>/"&gt;</a:t>
+            </a:r>
+            <a:r>
+              <a:rPr lang="en-US" dirty="0" err="1"/>
+              <a:t>jQuery</a:t>
+            </a:r>
+            <a:r>
+              <a:rPr lang="en-US" dirty="0"/>
+              <a:t>&lt;/a&gt;</a:t>
+            </a:r>
+          </a:p>
+          <a:p>
+            <a:r>
+              <a:rPr lang="en-US" dirty="0"/>
+              <a:t>    &lt;script </a:t>
+            </a:r>
+            <a:r>
+              <a:rPr lang="en-US" dirty="0" err="1"/>
+              <a:t>src</a:t>
+            </a:r>
+            <a:r>
+              <a:rPr lang="en-US" dirty="0"/>
+              <a:t>=“https://</a:t>
+            </a:r>
+            <a:r>
+              <a:rPr lang="en-US" dirty="0" err="1"/>
+              <a:t>ajax.googleapis.com</a:t>
+            </a:r>
+            <a:r>
+              <a:rPr lang="en-US" dirty="0"/>
+              <a:t>/</a:t>
+            </a:r>
+            <a:r>
+              <a:rPr lang="en-US" dirty="0" err="1"/>
+              <a:t>ajax</a:t>
+            </a:r>
+            <a:r>
+              <a:rPr lang="en-US" dirty="0"/>
+              <a:t>/libs/</a:t>
+            </a:r>
+            <a:r>
+              <a:rPr lang="en-US" dirty="0" err="1"/>
+              <a:t>jquery</a:t>
+            </a:r>
+            <a:r>
+              <a:rPr lang="en-US" dirty="0"/>
+              <a:t>/2.1.3/</a:t>
+            </a:r>
+            <a:r>
+              <a:rPr lang="en-US" dirty="0" err="1"/>
+              <a:t>jquery.min.js</a:t>
+            </a:r>
+            <a:r>
+              <a:rPr lang="en-US" dirty="0"/>
+              <a:t>"&gt;&lt;/script&gt;</a:t>
+            </a:r>
+          </a:p>
+          <a:p>
+            <a:r>
+              <a:rPr lang="en-US" dirty="0"/>
+              <a:t>    &lt;script</a:t>
+            </a:r>
+            <a:r>
+              <a:rPr lang="en-US" dirty="0" smtClean="0"/>
+              <a:t>&gt;</a:t>
+            </a:r>
+            <a:endParaRPr lang="en-US" dirty="0"/>
+          </a:p>
+          <a:p>
+            <a:r>
+              <a:rPr lang="en-US" dirty="0"/>
+              <a:t>   </a:t>
+            </a:r>
+            <a:r>
+              <a:rPr lang="en-US" dirty="0">
+                <a:solidFill>
+                  <a:srgbClr val="CC3333"/>
+                </a:solidFill>
+              </a:rPr>
+              <a:t> $( document ).ready(function() {</a:t>
+            </a:r>
+          </a:p>
+          <a:p>
+            <a:r>
+              <a:rPr lang="en-US" dirty="0">
+                <a:solidFill>
+                  <a:srgbClr val="CC3333"/>
+                </a:solidFill>
+              </a:rPr>
+              <a:t>        $( "a" ).click(function( event ) {</a:t>
+            </a:r>
+          </a:p>
+          <a:p>
+            <a:r>
+              <a:rPr lang="en-US" dirty="0">
+                <a:solidFill>
+                  <a:srgbClr val="CC3333"/>
+                </a:solidFill>
+              </a:rPr>
+              <a:t>            alert( "The link will no longer take you to </a:t>
+            </a:r>
+            <a:r>
+              <a:rPr lang="en-US" dirty="0" err="1">
+                <a:solidFill>
+                  <a:srgbClr val="CC3333"/>
+                </a:solidFill>
+              </a:rPr>
+              <a:t>jquery.com</a:t>
+            </a:r>
+            <a:r>
+              <a:rPr lang="en-US" dirty="0">
+                <a:solidFill>
+                  <a:srgbClr val="CC3333"/>
+                </a:solidFill>
+              </a:rPr>
+              <a:t>" );</a:t>
+            </a:r>
+          </a:p>
+          <a:p>
+            <a:r>
+              <a:rPr lang="en-US" dirty="0">
+                <a:solidFill>
+                  <a:srgbClr val="CC3333"/>
+                </a:solidFill>
+              </a:rPr>
+              <a:t>            </a:t>
+            </a:r>
+            <a:r>
+              <a:rPr lang="en-US" dirty="0" err="1">
+                <a:solidFill>
+                  <a:srgbClr val="CC3333"/>
+                </a:solidFill>
+              </a:rPr>
+              <a:t>event.preventDefault</a:t>
+            </a:r>
+            <a:r>
+              <a:rPr lang="en-US" dirty="0">
+                <a:solidFill>
+                  <a:srgbClr val="CC3333"/>
+                </a:solidFill>
+              </a:rPr>
+              <a:t>();</a:t>
+            </a:r>
+          </a:p>
+          <a:p>
+            <a:r>
+              <a:rPr lang="en-US" dirty="0">
+                <a:solidFill>
+                  <a:srgbClr val="CC3333"/>
+                </a:solidFill>
+              </a:rPr>
+              <a:t>        });</a:t>
+            </a:r>
+          </a:p>
+          <a:p>
+            <a:r>
+              <a:rPr lang="en-US" dirty="0">
+                <a:solidFill>
+                  <a:srgbClr val="CC3333"/>
+                </a:solidFill>
+              </a:rPr>
+              <a:t>    })</a:t>
+            </a:r>
+            <a:r>
+              <a:rPr lang="en-US" dirty="0" smtClean="0">
+                <a:solidFill>
+                  <a:srgbClr val="CC3333"/>
+                </a:solidFill>
+              </a:rPr>
+              <a:t>;</a:t>
+            </a:r>
+            <a:endParaRPr lang="en-US" dirty="0">
+              <a:solidFill>
+                <a:srgbClr val="CC3333"/>
+              </a:solidFill>
+            </a:endParaRPr>
+          </a:p>
+          <a:p>
+            <a:r>
+              <a:rPr lang="en-US" dirty="0"/>
+              <a:t>    &lt;/script&gt;</a:t>
+            </a:r>
+          </a:p>
+          <a:p>
+            <a:r>
+              <a:rPr lang="en-US" dirty="0"/>
+              <a:t>&lt;/body&gt;</a:t>
+            </a:r>
+          </a:p>
+        </p:txBody>
+      </p:sp>
+    </p:spTree>
+    <p:extLst>
+      <p:ext uri="{BB962C8B-B14F-4D97-AF65-F5344CB8AC3E}">
+        <p14:creationId xmlns:p14="http://schemas.microsoft.com/office/powerpoint/2010/main" val="1365049884"/>
+      </p:ext>
+    </p:extLst>
+  </p:cSld>
+  <p:clrMapOvr>
+    <a:masterClrMapping/>
+  </p:clrMapOvr>
+  <p:timing>
+    <p:tnLst>
+      <p:par>
+        <p:cTn xmlns:p14="http://schemas.microsoft.com/office/powerpoint/2010/main" id="1" dur="indefinite" restart="never" nodeType="tmRoot"/>
+      </p:par>
+    </p:tnLst>
+  </p:timing>
+</p:sld>
+</file>
+
+<file path=ppt/slides/slide29.xml><?xml version="1.0" encoding="utf-8"?>
+<p:sld xmlns:a="http://schemas.openxmlformats.org/drawingml/2006/main" xmlns:r="http://schemas.openxmlformats.org/officeDocument/2006/relationships" xmlns:p="http://schemas.openxmlformats.org/presentationml/2006/main">
+  <p:cSld>
+    <p:spTree>
+      <p:nvGrpSpPr>
+        <p:cNvPr id="1" name=""/>
+        <p:cNvGrpSpPr/>
+        <p:nvPr/>
+      </p:nvGrpSpPr>
+      <p:grpSpPr>
+        <a:xfrm>
+          <a:off x="0" y="0"/>
+          <a:ext cx="0" cy="0"/>
+          <a:chOff x="0" y="0"/>
+          <a:chExt cx="0" cy="0"/>
+        </a:xfrm>
+      </p:grpSpPr>
+      <p:sp>
+        <p:nvSpPr>
+          <p:cNvPr id="3" name="TextBox 2"/>
+          <p:cNvSpPr txBox="1"/>
+          <p:nvPr/>
+        </p:nvSpPr>
+        <p:spPr>
+          <a:xfrm>
+            <a:off x="0" y="152402"/>
+            <a:ext cx="1008564" cy="338554"/>
+          </a:xfrm>
+          <a:prstGeom prst="rect">
+            <a:avLst/>
+          </a:prstGeom>
+          <a:solidFill>
+            <a:schemeClr val="tx1">
+              <a:lumMod val="85000"/>
+              <a:lumOff val="15000"/>
+            </a:schemeClr>
+          </a:solidFill>
+        </p:spPr>
+        <p:txBody>
+          <a:bodyPr wrap="square" rtlCol="0">
+            <a:spAutoFit/>
+          </a:bodyPr>
+          <a:lstStyle/>
+          <a:p>
+            <a:pPr algn="ctr"/>
+            <a:r>
+              <a:rPr lang="en-US" sz="1600" b="1" dirty="0" err="1" smtClean="0">
+                <a:solidFill>
+                  <a:schemeClr val="bg1"/>
+                </a:solidFill>
+                <a:latin typeface="Candara" panose="020E0502030303020204" pitchFamily="34" charset="0"/>
+              </a:rPr>
+              <a:t>jQUERY</a:t>
+            </a:r>
+            <a:endParaRPr lang="en-US" sz="1600" b="1" dirty="0">
+              <a:solidFill>
+                <a:schemeClr val="bg1"/>
+              </a:solidFill>
+              <a:latin typeface="Candara" panose="020E0502030303020204" pitchFamily="34" charset="0"/>
+            </a:endParaRPr>
+          </a:p>
+        </p:txBody>
+      </p:sp>
+      <p:sp>
+        <p:nvSpPr>
+          <p:cNvPr id="4" name="TextBox 3"/>
+          <p:cNvSpPr txBox="1"/>
+          <p:nvPr/>
+        </p:nvSpPr>
+        <p:spPr>
+          <a:xfrm>
+            <a:off x="7856836" y="159446"/>
+            <a:ext cx="1294540" cy="338554"/>
+          </a:xfrm>
+          <a:prstGeom prst="rect">
+            <a:avLst/>
+          </a:prstGeom>
+          <a:solidFill>
+            <a:schemeClr val="accent5"/>
+          </a:solidFill>
+        </p:spPr>
+        <p:txBody>
+          <a:bodyPr wrap="square" rtlCol="0">
+            <a:spAutoFit/>
+          </a:bodyPr>
+          <a:lstStyle/>
+          <a:p>
+            <a:pPr algn="ctr"/>
+            <a:r>
+              <a:rPr lang="en-US" sz="1600" b="1" dirty="0" smtClean="0">
+                <a:solidFill>
+                  <a:schemeClr val="bg1"/>
+                </a:solidFill>
+                <a:latin typeface="Candara" panose="020E0502030303020204" pitchFamily="34" charset="0"/>
+              </a:rPr>
+              <a:t>CLASSES</a:t>
+            </a:r>
+            <a:endParaRPr lang="en-US" sz="1600" b="1" dirty="0">
+              <a:solidFill>
+                <a:schemeClr val="bg1"/>
+              </a:solidFill>
+              <a:latin typeface="Candara" panose="020E0502030303020204" pitchFamily="34" charset="0"/>
+            </a:endParaRPr>
+          </a:p>
+        </p:txBody>
+      </p:sp>
+      <p:sp>
+        <p:nvSpPr>
+          <p:cNvPr id="5" name="Rectangle 4"/>
+          <p:cNvSpPr/>
+          <p:nvPr/>
+        </p:nvSpPr>
+        <p:spPr>
+          <a:xfrm>
+            <a:off x="808564" y="1613107"/>
+            <a:ext cx="3273515" cy="369332"/>
+          </a:xfrm>
+          <a:prstGeom prst="rect">
+            <a:avLst/>
+          </a:prstGeom>
+        </p:spPr>
+        <p:txBody>
+          <a:bodyPr wrap="none">
+            <a:spAutoFit/>
+          </a:bodyPr>
+          <a:lstStyle/>
+          <a:p>
+            <a:r>
+              <a:rPr lang="nb-NO" dirty="0">
+                <a:latin typeface="Candara"/>
+                <a:cs typeface="Candara"/>
+              </a:rPr>
+              <a:t>$( </a:t>
+            </a:r>
+            <a:r>
+              <a:rPr lang="nb-NO" dirty="0" smtClean="0">
+                <a:latin typeface="Candara"/>
+                <a:cs typeface="Candara"/>
+              </a:rPr>
+              <a:t>”#demo" </a:t>
+            </a:r>
+            <a:r>
+              <a:rPr lang="nb-NO" dirty="0">
+                <a:latin typeface="Candara"/>
+                <a:cs typeface="Candara"/>
+              </a:rPr>
+              <a:t>).</a:t>
+            </a:r>
+            <a:r>
+              <a:rPr lang="nb-NO" dirty="0" err="1">
+                <a:solidFill>
+                  <a:srgbClr val="CC3333"/>
+                </a:solidFill>
+                <a:latin typeface="Candara"/>
+                <a:cs typeface="Candara"/>
+              </a:rPr>
+              <a:t>addClass</a:t>
+            </a:r>
+            <a:r>
+              <a:rPr lang="nb-NO" dirty="0">
+                <a:latin typeface="Candara"/>
+                <a:cs typeface="Candara"/>
+              </a:rPr>
+              <a:t>( "test" );</a:t>
+            </a:r>
+            <a:endParaRPr lang="en-US" dirty="0">
+              <a:latin typeface="Candara"/>
+              <a:cs typeface="Candara"/>
+            </a:endParaRPr>
+          </a:p>
+        </p:txBody>
+      </p:sp>
+      <p:sp>
+        <p:nvSpPr>
+          <p:cNvPr id="9" name="Rectangle 8"/>
+          <p:cNvSpPr/>
+          <p:nvPr/>
+        </p:nvSpPr>
+        <p:spPr>
+          <a:xfrm>
+            <a:off x="5007739" y="1625560"/>
+            <a:ext cx="3752763" cy="369332"/>
+          </a:xfrm>
+          <a:prstGeom prst="rect">
+            <a:avLst/>
+          </a:prstGeom>
+        </p:spPr>
+        <p:txBody>
+          <a:bodyPr wrap="none">
+            <a:spAutoFit/>
+          </a:bodyPr>
+          <a:lstStyle/>
+          <a:p>
+            <a:r>
+              <a:rPr lang="en-US" dirty="0">
+                <a:latin typeface="Candara"/>
+                <a:cs typeface="Candara"/>
+              </a:rPr>
+              <a:t>$( </a:t>
+            </a:r>
+            <a:r>
+              <a:rPr lang="en-US" dirty="0" smtClean="0">
+                <a:latin typeface="Candara"/>
+                <a:cs typeface="Candara"/>
+              </a:rPr>
+              <a:t>”#demo" </a:t>
+            </a:r>
+            <a:r>
+              <a:rPr lang="en-US" dirty="0">
+                <a:latin typeface="Candara"/>
+                <a:cs typeface="Candara"/>
+              </a:rPr>
+              <a:t>).</a:t>
+            </a:r>
+            <a:r>
+              <a:rPr lang="en-US" dirty="0" err="1">
+                <a:solidFill>
+                  <a:srgbClr val="CC3333"/>
+                </a:solidFill>
+                <a:latin typeface="Candara"/>
+                <a:cs typeface="Candara"/>
+              </a:rPr>
+              <a:t>removeClass</a:t>
+            </a:r>
+            <a:r>
+              <a:rPr lang="en-US" dirty="0">
+                <a:latin typeface="Candara"/>
+                <a:cs typeface="Candara"/>
+              </a:rPr>
+              <a:t>( "test" );</a:t>
+            </a:r>
+          </a:p>
+        </p:txBody>
+      </p:sp>
+      <p:sp>
+        <p:nvSpPr>
+          <p:cNvPr id="10" name="Rectangle 9"/>
+          <p:cNvSpPr/>
+          <p:nvPr/>
+        </p:nvSpPr>
+        <p:spPr>
+          <a:xfrm>
+            <a:off x="2575130" y="3194526"/>
+            <a:ext cx="4525059" cy="646331"/>
+          </a:xfrm>
+          <a:prstGeom prst="rect">
+            <a:avLst/>
+          </a:prstGeom>
+        </p:spPr>
+        <p:txBody>
+          <a:bodyPr wrap="none">
+            <a:spAutoFit/>
+          </a:bodyPr>
+          <a:lstStyle/>
+          <a:p>
+            <a:r>
+              <a:rPr lang="nb-NO" dirty="0" smtClean="0">
+                <a:latin typeface="Candara"/>
+                <a:cs typeface="Candara"/>
+              </a:rPr>
+              <a:t>var d = </a:t>
+            </a:r>
+            <a:r>
+              <a:rPr lang="nb-NO" dirty="0" err="1" smtClean="0">
+                <a:latin typeface="Candara"/>
+                <a:cs typeface="Candara"/>
+              </a:rPr>
+              <a:t>document.getElementById</a:t>
+            </a:r>
+            <a:r>
+              <a:rPr lang="nb-NO" dirty="0" smtClean="0">
+                <a:latin typeface="Candara"/>
+                <a:cs typeface="Candara"/>
+              </a:rPr>
+              <a:t>(”demo”);</a:t>
+            </a:r>
+          </a:p>
+          <a:p>
+            <a:r>
+              <a:rPr lang="nb-NO" dirty="0" err="1" smtClean="0">
+                <a:solidFill>
+                  <a:schemeClr val="accent1"/>
+                </a:solidFill>
+                <a:latin typeface="Candara"/>
+                <a:cs typeface="Candara"/>
+              </a:rPr>
+              <a:t>d.className</a:t>
+            </a:r>
+            <a:r>
+              <a:rPr lang="nb-NO" dirty="0" smtClean="0">
+                <a:solidFill>
+                  <a:schemeClr val="accent1"/>
+                </a:solidFill>
+                <a:latin typeface="Candara"/>
+                <a:cs typeface="Candara"/>
+              </a:rPr>
+              <a:t> </a:t>
+            </a:r>
+            <a:r>
+              <a:rPr lang="nb-NO" dirty="0" smtClean="0">
+                <a:latin typeface="Candara"/>
+                <a:cs typeface="Candara"/>
+              </a:rPr>
+              <a:t>= </a:t>
+            </a:r>
+            <a:r>
+              <a:rPr lang="nb-NO" dirty="0" err="1" smtClean="0">
+                <a:latin typeface="Candara"/>
+                <a:cs typeface="Candara"/>
+              </a:rPr>
+              <a:t>className</a:t>
+            </a:r>
+            <a:r>
+              <a:rPr lang="nb-NO" dirty="0" smtClean="0">
+                <a:latin typeface="Candara"/>
+                <a:cs typeface="Candara"/>
+              </a:rPr>
+              <a:t> + test;</a:t>
+            </a:r>
+            <a:endParaRPr lang="en-US" dirty="0">
+              <a:latin typeface="Candara"/>
+              <a:cs typeface="Candara"/>
+            </a:endParaRPr>
+          </a:p>
+        </p:txBody>
+      </p:sp>
+    </p:spTree>
+    <p:extLst>
+      <p:ext uri="{BB962C8B-B14F-4D97-AF65-F5344CB8AC3E}">
+        <p14:creationId xmlns:p14="http://schemas.microsoft.com/office/powerpoint/2010/main" val="3894239493"/>
       </p:ext>
     </p:extLst>
   </p:cSld>
@@ -9567,6 +10759,222 @@
     <p:extLst>
       <p:ext uri="{BB962C8B-B14F-4D97-AF65-F5344CB8AC3E}">
         <p14:creationId xmlns:p14="http://schemas.microsoft.com/office/powerpoint/2010/main" val="2085627161"/>
+      </p:ext>
+    </p:extLst>
+  </p:cSld>
+  <p:clrMapOvr>
+    <a:masterClrMapping/>
+  </p:clrMapOvr>
+  <p:timing>
+    <p:tnLst>
+      <p:par>
+        <p:cTn xmlns:p14="http://schemas.microsoft.com/office/powerpoint/2010/main" id="1" dur="indefinite" restart="never" nodeType="tmRoot"/>
+      </p:par>
+    </p:tnLst>
+  </p:timing>
+</p:sld>
+</file>
+
+<file path=ppt/slides/slide30.xml><?xml version="1.0" encoding="utf-8"?>
+<p:sld xmlns:a="http://schemas.openxmlformats.org/drawingml/2006/main" xmlns:r="http://schemas.openxmlformats.org/officeDocument/2006/relationships" xmlns:p="http://schemas.openxmlformats.org/presentationml/2006/main">
+  <p:cSld>
+    <p:spTree>
+      <p:nvGrpSpPr>
+        <p:cNvPr id="1" name=""/>
+        <p:cNvGrpSpPr/>
+        <p:nvPr/>
+      </p:nvGrpSpPr>
+      <p:grpSpPr>
+        <a:xfrm>
+          <a:off x="0" y="0"/>
+          <a:ext cx="0" cy="0"/>
+          <a:chOff x="0" y="0"/>
+          <a:chExt cx="0" cy="0"/>
+        </a:xfrm>
+      </p:grpSpPr>
+      <p:sp>
+        <p:nvSpPr>
+          <p:cNvPr id="3" name="TextBox 2"/>
+          <p:cNvSpPr txBox="1"/>
+          <p:nvPr/>
+        </p:nvSpPr>
+        <p:spPr>
+          <a:xfrm>
+            <a:off x="0" y="152402"/>
+            <a:ext cx="1008564" cy="338554"/>
+          </a:xfrm>
+          <a:prstGeom prst="rect">
+            <a:avLst/>
+          </a:prstGeom>
+          <a:solidFill>
+            <a:schemeClr val="tx1">
+              <a:lumMod val="85000"/>
+              <a:lumOff val="15000"/>
+            </a:schemeClr>
+          </a:solidFill>
+        </p:spPr>
+        <p:txBody>
+          <a:bodyPr wrap="square" rtlCol="0">
+            <a:spAutoFit/>
+          </a:bodyPr>
+          <a:lstStyle/>
+          <a:p>
+            <a:pPr algn="ctr"/>
+            <a:r>
+              <a:rPr lang="en-US" sz="1600" b="1" dirty="0" err="1" smtClean="0">
+                <a:solidFill>
+                  <a:schemeClr val="bg1"/>
+                </a:solidFill>
+                <a:latin typeface="Candara" panose="020E0502030303020204" pitchFamily="34" charset="0"/>
+              </a:rPr>
+              <a:t>jQUERY</a:t>
+            </a:r>
+            <a:endParaRPr lang="en-US" sz="1600" b="1" dirty="0">
+              <a:solidFill>
+                <a:schemeClr val="bg1"/>
+              </a:solidFill>
+              <a:latin typeface="Candara" panose="020E0502030303020204" pitchFamily="34" charset="0"/>
+            </a:endParaRPr>
+          </a:p>
+        </p:txBody>
+      </p:sp>
+      <p:sp>
+        <p:nvSpPr>
+          <p:cNvPr id="4" name="TextBox 3"/>
+          <p:cNvSpPr txBox="1"/>
+          <p:nvPr/>
+        </p:nvSpPr>
+        <p:spPr>
+          <a:xfrm>
+            <a:off x="8205474" y="159446"/>
+            <a:ext cx="945901" cy="338554"/>
+          </a:xfrm>
+          <a:prstGeom prst="rect">
+            <a:avLst/>
+          </a:prstGeom>
+          <a:solidFill>
+            <a:schemeClr val="accent5"/>
+          </a:solidFill>
+        </p:spPr>
+        <p:txBody>
+          <a:bodyPr wrap="square" rtlCol="0">
+            <a:spAutoFit/>
+          </a:bodyPr>
+          <a:lstStyle/>
+          <a:p>
+            <a:pPr algn="ctr"/>
+            <a:r>
+              <a:rPr lang="en-US" sz="1600" b="1" dirty="0" smtClean="0">
+                <a:solidFill>
+                  <a:schemeClr val="bg1"/>
+                </a:solidFill>
+                <a:latin typeface="Candara" panose="020E0502030303020204" pitchFamily="34" charset="0"/>
+              </a:rPr>
+              <a:t>AJAX</a:t>
+            </a:r>
+            <a:endParaRPr lang="en-US" sz="1600" b="1" dirty="0">
+              <a:solidFill>
+                <a:schemeClr val="bg1"/>
+              </a:solidFill>
+              <a:latin typeface="Candara" panose="020E0502030303020204" pitchFamily="34" charset="0"/>
+            </a:endParaRPr>
+          </a:p>
+        </p:txBody>
+      </p:sp>
+    </p:spTree>
+    <p:extLst>
+      <p:ext uri="{BB962C8B-B14F-4D97-AF65-F5344CB8AC3E}">
+        <p14:creationId xmlns:p14="http://schemas.microsoft.com/office/powerpoint/2010/main" val="2111447974"/>
+      </p:ext>
+    </p:extLst>
+  </p:cSld>
+  <p:clrMapOvr>
+    <a:masterClrMapping/>
+  </p:clrMapOvr>
+  <p:timing>
+    <p:tnLst>
+      <p:par>
+        <p:cTn xmlns:p14="http://schemas.microsoft.com/office/powerpoint/2010/main" id="1" dur="indefinite" restart="never" nodeType="tmRoot"/>
+      </p:par>
+    </p:tnLst>
+  </p:timing>
+</p:sld>
+</file>
+
+<file path=ppt/slides/slide31.xml><?xml version="1.0" encoding="utf-8"?>
+<p:sld xmlns:a="http://schemas.openxmlformats.org/drawingml/2006/main" xmlns:r="http://schemas.openxmlformats.org/officeDocument/2006/relationships" xmlns:p="http://schemas.openxmlformats.org/presentationml/2006/main">
+  <p:cSld>
+    <p:bg>
+      <p:bgPr>
+        <a:solidFill>
+          <a:schemeClr val="tx1">
+            <a:lumMod val="85000"/>
+            <a:lumOff val="15000"/>
+          </a:schemeClr>
+        </a:solidFill>
+        <a:effectLst/>
+      </p:bgPr>
+    </p:bg>
+    <p:spTree>
+      <p:nvGrpSpPr>
+        <p:cNvPr id="1" name=""/>
+        <p:cNvGrpSpPr/>
+        <p:nvPr/>
+      </p:nvGrpSpPr>
+      <p:grpSpPr>
+        <a:xfrm>
+          <a:off x="0" y="0"/>
+          <a:ext cx="0" cy="0"/>
+          <a:chOff x="0" y="0"/>
+          <a:chExt cx="0" cy="0"/>
+        </a:xfrm>
+      </p:grpSpPr>
+      <p:sp>
+        <p:nvSpPr>
+          <p:cNvPr id="4" name="TextBox 3"/>
+          <p:cNvSpPr txBox="1"/>
+          <p:nvPr/>
+        </p:nvSpPr>
+        <p:spPr>
+          <a:xfrm>
+            <a:off x="609600" y="3124201"/>
+            <a:ext cx="5257800" cy="523220"/>
+          </a:xfrm>
+          <a:prstGeom prst="rect">
+            <a:avLst/>
+          </a:prstGeom>
+          <a:noFill/>
+        </p:spPr>
+        <p:txBody>
+          <a:bodyPr wrap="square" rtlCol="0">
+            <a:spAutoFit/>
+          </a:bodyPr>
+          <a:lstStyle/>
+          <a:p>
+            <a:r>
+              <a:rPr lang="en-US" sz="2800" b="1" dirty="0" smtClean="0">
+                <a:solidFill>
+                  <a:schemeClr val="bg1"/>
+                </a:solidFill>
+                <a:latin typeface="Candara" panose="020E0502030303020204" pitchFamily="34" charset="0"/>
+                <a:cs typeface="Iskoola Pota" panose="020B0502040204020203" pitchFamily="34" charset="0"/>
+              </a:rPr>
+              <a:t>Other JS frameworks</a:t>
+            </a:r>
+            <a:endParaRPr lang="en-US" sz="2800" b="1" dirty="0">
+              <a:solidFill>
+                <a:schemeClr val="bg1"/>
+              </a:solidFill>
+              <a:latin typeface="Candara" panose="020E0502030303020204" pitchFamily="34" charset="0"/>
+              <a:cs typeface="Iskoola Pota" panose="020B0502040204020203" pitchFamily="34" charset="0"/>
+            </a:endParaRPr>
+          </a:p>
+        </p:txBody>
+      </p:sp>
+    </p:spTree>
+    <p:extLst>
+      <p:ext uri="{BB962C8B-B14F-4D97-AF65-F5344CB8AC3E}">
+        <p14:creationId xmlns:p14="http://schemas.microsoft.com/office/powerpoint/2010/main" val="207097700"/>
       </p:ext>
     </p:extLst>
   </p:cSld>

--- a/Session III - Javascript/Session III - Javascript.pptx
+++ b/Session III - Javascript/Session III - Javascript.pptx
@@ -137,6 +137,22 @@
       </a:defRPr>
     </a:lvl9pPr>
   </p:defaultTextStyle>
+  <p:extLst>
+    <p:ext uri="{EFAFB233-063F-42B5-8137-9DF3F51BA10A}">
+      <p15:sldGuideLst xmlns:p15="http://schemas.microsoft.com/office/powerpoint/2012/main">
+        <p15:guide id="1" orient="horz" pos="2160">
+          <p15:clr>
+            <a:srgbClr val="A4A3A4"/>
+          </p15:clr>
+        </p15:guide>
+        <p15:guide id="2" pos="2880">
+          <p15:clr>
+            <a:srgbClr val="A4A3A4"/>
+          </p15:clr>
+        </p15:guide>
+      </p15:sldGuideLst>
+    </p:ext>
+  </p:extLst>
 </p:presentation>
 </file>
 
@@ -222,7 +238,7 @@
           <a:p>
             <a:fld id="{4CE4D18D-5A8C-490C-B74C-2A622DAD4B6A}" type="datetimeFigureOut">
               <a:rPr lang="en-US" smtClean="0"/>
-              <a:t>28/6/15</a:t>
+              <a:t>29/6/2015</a:t>
             </a:fld>
             <a:endParaRPr lang="en-US"/>
           </a:p>
@@ -3125,7 +3141,7 @@
           <a:p>
             <a:fld id="{544FE318-C7DE-4051-894E-ED2E119555D3}" type="datetimeFigureOut">
               <a:rPr lang="en-US" smtClean="0"/>
-              <a:t>28/6/15</a:t>
+              <a:t>29/6/2015</a:t>
             </a:fld>
             <a:endParaRPr lang="en-US"/>
           </a:p>
@@ -3295,7 +3311,7 @@
           <a:p>
             <a:fld id="{544FE318-C7DE-4051-894E-ED2E119555D3}" type="datetimeFigureOut">
               <a:rPr lang="en-US" smtClean="0"/>
-              <a:t>28/6/15</a:t>
+              <a:t>29/6/2015</a:t>
             </a:fld>
             <a:endParaRPr lang="en-US"/>
           </a:p>
@@ -3475,7 +3491,7 @@
           <a:p>
             <a:fld id="{544FE318-C7DE-4051-894E-ED2E119555D3}" type="datetimeFigureOut">
               <a:rPr lang="en-US" smtClean="0"/>
-              <a:t>28/6/15</a:t>
+              <a:t>29/6/2015</a:t>
             </a:fld>
             <a:endParaRPr lang="en-US"/>
           </a:p>
@@ -3645,7 +3661,7 @@
           <a:p>
             <a:fld id="{544FE318-C7DE-4051-894E-ED2E119555D3}" type="datetimeFigureOut">
               <a:rPr lang="en-US" smtClean="0"/>
-              <a:t>28/6/15</a:t>
+              <a:t>29/6/2015</a:t>
             </a:fld>
             <a:endParaRPr lang="en-US"/>
           </a:p>
@@ -3891,7 +3907,7 @@
           <a:p>
             <a:fld id="{544FE318-C7DE-4051-894E-ED2E119555D3}" type="datetimeFigureOut">
               <a:rPr lang="en-US" smtClean="0"/>
-              <a:t>28/6/15</a:t>
+              <a:t>29/6/2015</a:t>
             </a:fld>
             <a:endParaRPr lang="en-US"/>
           </a:p>
@@ -4123,7 +4139,7 @@
           <a:p>
             <a:fld id="{544FE318-C7DE-4051-894E-ED2E119555D3}" type="datetimeFigureOut">
               <a:rPr lang="en-US" smtClean="0"/>
-              <a:t>28/6/15</a:t>
+              <a:t>29/6/2015</a:t>
             </a:fld>
             <a:endParaRPr lang="en-US"/>
           </a:p>
@@ -4490,7 +4506,7 @@
           <a:p>
             <a:fld id="{544FE318-C7DE-4051-894E-ED2E119555D3}" type="datetimeFigureOut">
               <a:rPr lang="en-US" smtClean="0"/>
-              <a:t>28/6/15</a:t>
+              <a:t>29/6/2015</a:t>
             </a:fld>
             <a:endParaRPr lang="en-US"/>
           </a:p>
@@ -4608,7 +4624,7 @@
           <a:p>
             <a:fld id="{544FE318-C7DE-4051-894E-ED2E119555D3}" type="datetimeFigureOut">
               <a:rPr lang="en-US" smtClean="0"/>
-              <a:t>28/6/15</a:t>
+              <a:t>29/6/2015</a:t>
             </a:fld>
             <a:endParaRPr lang="en-US"/>
           </a:p>
@@ -4703,7 +4719,7 @@
           <a:p>
             <a:fld id="{544FE318-C7DE-4051-894E-ED2E119555D3}" type="datetimeFigureOut">
               <a:rPr lang="en-US" smtClean="0"/>
-              <a:t>28/6/15</a:t>
+              <a:t>29/6/2015</a:t>
             </a:fld>
             <a:endParaRPr lang="en-US"/>
           </a:p>
@@ -4980,7 +4996,7 @@
           <a:p>
             <a:fld id="{544FE318-C7DE-4051-894E-ED2E119555D3}" type="datetimeFigureOut">
               <a:rPr lang="en-US" smtClean="0"/>
-              <a:t>28/6/15</a:t>
+              <a:t>29/6/2015</a:t>
             </a:fld>
             <a:endParaRPr lang="en-US"/>
           </a:p>
@@ -5233,7 +5249,7 @@
           <a:p>
             <a:fld id="{544FE318-C7DE-4051-894E-ED2E119555D3}" type="datetimeFigureOut">
               <a:rPr lang="en-US" smtClean="0"/>
-              <a:t>28/6/15</a:t>
+              <a:t>29/6/2015</a:t>
             </a:fld>
             <a:endParaRPr lang="en-US"/>
           </a:p>
@@ -5446,7 +5462,7 @@
           <a:p>
             <a:fld id="{544FE318-C7DE-4051-894E-ED2E119555D3}" type="datetimeFigureOut">
               <a:rPr lang="en-US" smtClean="0"/>
-              <a:t>28/6/15</a:t>
+              <a:t>29/6/2015</a:t>
             </a:fld>
             <a:endParaRPr lang="en-US"/>
           </a:p>
@@ -5910,7 +5926,7 @@
   <p:timing>
     <p:tnLst>
       <p:par>
-        <p:cTn xmlns:p14="http://schemas.microsoft.com/office/powerpoint/2010/main" id="1" dur="indefinite" restart="never" nodeType="tmRoot"/>
+        <p:cTn id="1" dur="indefinite" restart="never" nodeType="tmRoot"/>
       </p:par>
     </p:tnLst>
   </p:timing>
@@ -6088,7 +6104,7 @@
   <p:timing>
     <p:tnLst>
       <p:par>
-        <p:cTn xmlns:p14="http://schemas.microsoft.com/office/powerpoint/2010/main" id="1" dur="indefinite" restart="never" nodeType="tmRoot"/>
+        <p:cTn id="1" dur="indefinite" restart="never" nodeType="tmRoot"/>
       </p:par>
     </p:tnLst>
   </p:timing>
@@ -6256,7 +6272,7 @@
   <p:timing>
     <p:tnLst>
       <p:par>
-        <p:cTn xmlns:p14="http://schemas.microsoft.com/office/powerpoint/2010/main" id="1" dur="indefinite" restart="never" nodeType="tmRoot"/>
+        <p:cTn id="1" dur="indefinite" restart="never" nodeType="tmRoot"/>
       </p:par>
     </p:tnLst>
   </p:timing>
@@ -6352,16 +6368,7 @@
                 </a:solidFill>
                 <a:latin typeface="Candara" panose="020E0502030303020204" pitchFamily="34" charset="0"/>
               </a:rPr>
-              <a:t>COMPARISON </a:t>
-            </a:r>
-            <a:r>
-              <a:rPr lang="en-US" sz="1600" b="1" dirty="0" smtClean="0">
-                <a:solidFill>
-                  <a:schemeClr val="bg1"/>
-                </a:solidFill>
-                <a:latin typeface="Candara" panose="020E0502030303020204" pitchFamily="34" charset="0"/>
-              </a:rPr>
-              <a:t>OPERATORS</a:t>
+              <a:t>COMPARISON OPERATORS</a:t>
             </a:r>
             <a:endParaRPr lang="en-US" sz="1600" b="1" dirty="0">
               <a:solidFill>
@@ -6408,7 +6415,7 @@
   <p:timing>
     <p:tnLst>
       <p:par>
-        <p:cTn xmlns:p14="http://schemas.microsoft.com/office/powerpoint/2010/main" id="1" dur="indefinite" restart="never" nodeType="tmRoot"/>
+        <p:cTn id="1" dur="indefinite" restart="never" nodeType="tmRoot"/>
       </p:par>
     </p:tnLst>
   </p:timing>
@@ -6552,7 +6559,7 @@
   <p:timing>
     <p:tnLst>
       <p:par>
-        <p:cTn xmlns:p14="http://schemas.microsoft.com/office/powerpoint/2010/main" id="1" dur="indefinite" restart="never" nodeType="tmRoot"/>
+        <p:cTn id="1" dur="indefinite" restart="never" nodeType="tmRoot"/>
       </p:par>
     </p:tnLst>
   </p:timing>
@@ -6696,7 +6703,7 @@
   <p:timing>
     <p:tnLst>
       <p:par>
-        <p:cTn xmlns:p14="http://schemas.microsoft.com/office/powerpoint/2010/main" id="1" dur="indefinite" restart="never" nodeType="tmRoot"/>
+        <p:cTn id="1" dur="indefinite" restart="never" nodeType="tmRoot"/>
       </p:par>
     </p:tnLst>
   </p:timing>
@@ -6907,7 +6914,7 @@
   <p:timing>
     <p:tnLst>
       <p:par>
-        <p:cTn xmlns:p14="http://schemas.microsoft.com/office/powerpoint/2010/main" id="1" dur="indefinite" restart="never" nodeType="tmRoot"/>
+        <p:cTn id="1" dur="indefinite" restart="never" nodeType="tmRoot"/>
       </p:par>
     </p:tnLst>
   </p:timing>
@@ -7183,7 +7190,7 @@
   <p:timing>
     <p:tnLst>
       <p:par>
-        <p:cTn xmlns:p14="http://schemas.microsoft.com/office/powerpoint/2010/main" id="1" dur="indefinite" restart="never" nodeType="tmRoot"/>
+        <p:cTn id="1" dur="indefinite" restart="never" nodeType="tmRoot"/>
       </p:par>
     </p:tnLst>
   </p:timing>
@@ -7329,7 +7336,7 @@
   <p:timing>
     <p:tnLst>
       <p:par>
-        <p:cTn xmlns:p14="http://schemas.microsoft.com/office/powerpoint/2010/main" id="1" dur="indefinite" restart="never" nodeType="tmRoot"/>
+        <p:cTn id="1" dur="indefinite" restart="never" nodeType="tmRoot"/>
       </p:par>
     </p:tnLst>
   </p:timing>
@@ -7473,7 +7480,7 @@
   <p:timing>
     <p:tnLst>
       <p:par>
-        <p:cTn xmlns:p14="http://schemas.microsoft.com/office/powerpoint/2010/main" id="1" dur="indefinite" restart="never" nodeType="tmRoot"/>
+        <p:cTn id="1" dur="indefinite" restart="never" nodeType="tmRoot"/>
       </p:par>
     </p:tnLst>
   </p:timing>
@@ -7617,7 +7624,7 @@
   <p:timing>
     <p:tnLst>
       <p:par>
-        <p:cTn xmlns:p14="http://schemas.microsoft.com/office/powerpoint/2010/main" id="1" dur="indefinite" restart="never" nodeType="tmRoot"/>
+        <p:cTn id="1" dur="indefinite" restart="never" nodeType="tmRoot"/>
       </p:par>
     </p:tnLst>
   </p:timing>
@@ -7958,7 +7965,7 @@
   <p:timing>
     <p:tnLst>
       <p:par>
-        <p:cTn xmlns:p14="http://schemas.microsoft.com/office/powerpoint/2010/main" id="1" dur="indefinite" restart="never" nodeType="tmRoot"/>
+        <p:cTn id="1" dur="indefinite" restart="never" nodeType="tmRoot"/>
       </p:par>
     </p:tnLst>
   </p:timing>
@@ -8269,7 +8276,7 @@
   <p:timing>
     <p:tnLst>
       <p:par>
-        <p:cTn xmlns:p14="http://schemas.microsoft.com/office/powerpoint/2010/main" id="1" dur="indefinite" restart="never" nodeType="tmRoot"/>
+        <p:cTn id="1" dur="indefinite" restart="never" nodeType="tmRoot"/>
       </p:par>
     </p:tnLst>
   </p:timing>
@@ -8497,7 +8504,7 @@
   <p:timing>
     <p:tnLst>
       <p:par>
-        <p:cTn xmlns:p14="http://schemas.microsoft.com/office/powerpoint/2010/main" id="1" dur="indefinite" restart="never" nodeType="tmRoot"/>
+        <p:cTn id="1" dur="indefinite" restart="never" nodeType="tmRoot"/>
       </p:par>
     </p:tnLst>
   </p:timing>
@@ -8641,7 +8648,7 @@
   <p:timing>
     <p:tnLst>
       <p:par>
-        <p:cTn xmlns:p14="http://schemas.microsoft.com/office/powerpoint/2010/main" id="1" dur="indefinite" restart="never" nodeType="tmRoot"/>
+        <p:cTn id="1" dur="indefinite" restart="never" nodeType="tmRoot"/>
       </p:par>
     </p:tnLst>
   </p:timing>
@@ -8785,7 +8792,7 @@
   <p:timing>
     <p:tnLst>
       <p:par>
-        <p:cTn xmlns:p14="http://schemas.microsoft.com/office/powerpoint/2010/main" id="1" dur="indefinite" restart="never" nodeType="tmRoot"/>
+        <p:cTn id="1" dur="indefinite" restart="never" nodeType="tmRoot"/>
       </p:par>
     </p:tnLst>
   </p:timing>
@@ -8980,7 +8987,7 @@
   <p:timing>
     <p:tnLst>
       <p:par>
-        <p:cTn xmlns:p14="http://schemas.microsoft.com/office/powerpoint/2010/main" id="1" dur="indefinite" restart="never" nodeType="tmRoot"/>
+        <p:cTn id="1" dur="indefinite" restart="never" nodeType="tmRoot"/>
       </p:par>
     </p:tnLst>
   </p:timing>
@@ -9170,7 +9177,7 @@
   <p:timing>
     <p:tnLst>
       <p:par>
-        <p:cTn xmlns:p14="http://schemas.microsoft.com/office/powerpoint/2010/main" id="1" dur="indefinite" restart="never" nodeType="tmRoot"/>
+        <p:cTn id="1" dur="indefinite" restart="never" nodeType="tmRoot"/>
       </p:par>
     </p:tnLst>
   </p:timing>
@@ -9487,7 +9494,7 @@
   <p:timing>
     <p:tnLst>
       <p:par>
-        <p:cTn xmlns:p14="http://schemas.microsoft.com/office/powerpoint/2010/main" id="1" dur="indefinite" restart="never" nodeType="tmRoot"/>
+        <p:cTn id="1" dur="indefinite" restart="never" nodeType="tmRoot"/>
       </p:par>
     </p:tnLst>
   </p:timing>
@@ -9577,7 +9584,7 @@
   <p:timing>
     <p:tnLst>
       <p:par>
-        <p:cTn xmlns:p14="http://schemas.microsoft.com/office/powerpoint/2010/main" id="1" dur="indefinite" restart="never" nodeType="tmRoot"/>
+        <p:cTn id="1" dur="indefinite" restart="never" nodeType="tmRoot"/>
       </p:par>
     </p:tnLst>
   </p:timing>
@@ -10267,7 +10274,7 @@
   <p:timing>
     <p:tnLst>
       <p:par>
-        <p:cTn xmlns:p14="http://schemas.microsoft.com/office/powerpoint/2010/main" id="1" dur="indefinite" restart="never" nodeType="tmRoot"/>
+        <p:cTn id="1" dur="indefinite" restart="never" nodeType="tmRoot"/>
       </p:par>
     </p:tnLst>
   </p:timing>
@@ -10613,7 +10620,7 @@
   <p:timing>
     <p:tnLst>
       <p:par>
-        <p:cTn xmlns:p14="http://schemas.microsoft.com/office/powerpoint/2010/main" id="1" dur="indefinite" restart="never" nodeType="tmRoot"/>
+        <p:cTn id="1" dur="indefinite" restart="never" nodeType="tmRoot"/>
       </p:par>
     </p:tnLst>
   </p:timing>
@@ -10746,7 +10753,7 @@
           <a:noFill/>
           <a:extLst>
             <a:ext uri="{909E8E84-426E-40dd-AFC4-6F175D3DCCD1}">
-              <a14:hiddenFill xmlns:a14="http://schemas.microsoft.com/office/drawing/2010/main">
+              <a14:hiddenFill xmlns:a14="http://schemas.microsoft.com/office/drawing/2010/main" xmlns="">
                 <a:solidFill>
                   <a:srgbClr val="FFFFFF"/>
                 </a:solidFill>
@@ -10768,7 +10775,7 @@
   <p:timing>
     <p:tnLst>
       <p:par>
-        <p:cTn xmlns:p14="http://schemas.microsoft.com/office/powerpoint/2010/main" id="1" dur="indefinite" restart="never" nodeType="tmRoot"/>
+        <p:cTn id="1" dur="indefinite" restart="never" nodeType="tmRoot"/>
       </p:par>
     </p:tnLst>
   </p:timing>
@@ -10881,6 +10888,285 @@
           </a:p>
         </p:txBody>
       </p:sp>
+      <p:sp>
+        <p:nvSpPr>
+          <p:cNvPr id="2" name="Rectangle 1"/>
+          <p:cNvSpPr/>
+          <p:nvPr/>
+        </p:nvSpPr>
+        <p:spPr>
+          <a:xfrm>
+            <a:off x="2130357" y="5703121"/>
+            <a:ext cx="4572000" cy="646331"/>
+          </a:xfrm>
+          <a:prstGeom prst="rect">
+            <a:avLst/>
+          </a:prstGeom>
+          <a:solidFill>
+            <a:schemeClr val="accent2">
+              <a:lumMod val="50000"/>
+            </a:schemeClr>
+          </a:solidFill>
+        </p:spPr>
+        <p:txBody>
+          <a:bodyPr>
+            <a:spAutoFit/>
+          </a:bodyPr>
+          <a:lstStyle/>
+          <a:p>
+            <a:r>
+              <a:rPr lang="en-US" dirty="0">
+                <a:solidFill>
+                  <a:schemeClr val="bg1"/>
+                </a:solidFill>
+              </a:rPr>
+              <a:t>http://www.w3schools.com/jquery/tryit.asp?filename=tryjquery_ajax_ajax</a:t>
+            </a:r>
+          </a:p>
+        </p:txBody>
+      </p:sp>
+      <p:sp>
+        <p:nvSpPr>
+          <p:cNvPr id="5" name="Rectangle 4"/>
+          <p:cNvSpPr/>
+          <p:nvPr/>
+        </p:nvSpPr>
+        <p:spPr>
+          <a:xfrm>
+            <a:off x="1425295" y="711878"/>
+            <a:ext cx="6780179" cy="3970318"/>
+          </a:xfrm>
+          <a:prstGeom prst="rect">
+            <a:avLst/>
+          </a:prstGeom>
+        </p:spPr>
+        <p:txBody>
+          <a:bodyPr wrap="square">
+            <a:spAutoFit/>
+          </a:bodyPr>
+          <a:lstStyle/>
+          <a:p>
+            <a:r>
+              <a:rPr lang="en-US" dirty="0">
+                <a:latin typeface="Candara" panose="020E0502030303020204" pitchFamily="34" charset="0"/>
+              </a:rPr>
+              <a:t>$.</a:t>
+            </a:r>
+            <a:r>
+              <a:rPr lang="en-US" dirty="0" err="1">
+                <a:latin typeface="Candara" panose="020E0502030303020204" pitchFamily="34" charset="0"/>
+              </a:rPr>
+              <a:t>ajax</a:t>
+            </a:r>
+            <a:r>
+              <a:rPr lang="en-US" dirty="0">
+                <a:latin typeface="Candara" panose="020E0502030303020204" pitchFamily="34" charset="0"/>
+              </a:rPr>
+              <a:t>(</a:t>
+            </a:r>
+          </a:p>
+          <a:p>
+            <a:r>
+              <a:rPr lang="en-US" dirty="0">
+                <a:latin typeface="Candara" panose="020E0502030303020204" pitchFamily="34" charset="0"/>
+              </a:rPr>
+              <a:t>                    {</a:t>
+            </a:r>
+          </a:p>
+          <a:p>
+            <a:r>
+              <a:rPr lang="en-US" dirty="0">
+                <a:latin typeface="Candara" panose="020E0502030303020204" pitchFamily="34" charset="0"/>
+              </a:rPr>
+              <a:t>                        </a:t>
+            </a:r>
+            <a:r>
+              <a:rPr lang="en-US" dirty="0" err="1">
+                <a:latin typeface="Candara" panose="020E0502030303020204" pitchFamily="34" charset="0"/>
+              </a:rPr>
+              <a:t>url</a:t>
+            </a:r>
+            <a:r>
+              <a:rPr lang="en-US" dirty="0">
+                <a:latin typeface="Candara" panose="020E0502030303020204" pitchFamily="34" charset="0"/>
+              </a:rPr>
+              <a:t> : '/reservations',</a:t>
+            </a:r>
+          </a:p>
+          <a:p>
+            <a:r>
+              <a:rPr lang="en-US" dirty="0">
+                <a:latin typeface="Candara" panose="020E0502030303020204" pitchFamily="34" charset="0"/>
+              </a:rPr>
+              <a:t>                        type: "POST",</a:t>
+            </a:r>
+          </a:p>
+          <a:p>
+            <a:r>
+              <a:rPr lang="en-US" dirty="0">
+                <a:latin typeface="Candara" panose="020E0502030303020204" pitchFamily="34" charset="0"/>
+              </a:rPr>
+              <a:t>                        data : </a:t>
+            </a:r>
+            <a:r>
+              <a:rPr lang="en-US" dirty="0" err="1">
+                <a:latin typeface="Candara" panose="020E0502030303020204" pitchFamily="34" charset="0"/>
+              </a:rPr>
+              <a:t>postData</a:t>
+            </a:r>
+            <a:r>
+              <a:rPr lang="en-US" dirty="0">
+                <a:latin typeface="Candara" panose="020E0502030303020204" pitchFamily="34" charset="0"/>
+              </a:rPr>
+              <a:t>,</a:t>
+            </a:r>
+          </a:p>
+          <a:p>
+            <a:r>
+              <a:rPr lang="en-US" dirty="0">
+                <a:latin typeface="Candara" panose="020E0502030303020204" pitchFamily="34" charset="0"/>
+              </a:rPr>
+              <a:t>                        </a:t>
+            </a:r>
+            <a:r>
+              <a:rPr lang="en-US" dirty="0" err="1">
+                <a:latin typeface="Candara" panose="020E0502030303020204" pitchFamily="34" charset="0"/>
+              </a:rPr>
+              <a:t>success:function</a:t>
+            </a:r>
+            <a:r>
+              <a:rPr lang="en-US" dirty="0">
+                <a:latin typeface="Candara" panose="020E0502030303020204" pitchFamily="34" charset="0"/>
+              </a:rPr>
+              <a:t>(data, </a:t>
+            </a:r>
+            <a:r>
+              <a:rPr lang="en-US" dirty="0" err="1">
+                <a:latin typeface="Candara" panose="020E0502030303020204" pitchFamily="34" charset="0"/>
+              </a:rPr>
+              <a:t>textStatus</a:t>
+            </a:r>
+            <a:r>
+              <a:rPr lang="en-US" dirty="0">
+                <a:latin typeface="Candara" panose="020E0502030303020204" pitchFamily="34" charset="0"/>
+              </a:rPr>
+              <a:t>, </a:t>
+            </a:r>
+            <a:r>
+              <a:rPr lang="en-US" dirty="0" err="1">
+                <a:latin typeface="Candara" panose="020E0502030303020204" pitchFamily="34" charset="0"/>
+              </a:rPr>
+              <a:t>jqXHR</a:t>
+            </a:r>
+            <a:r>
+              <a:rPr lang="en-US" dirty="0">
+                <a:latin typeface="Candara" panose="020E0502030303020204" pitchFamily="34" charset="0"/>
+              </a:rPr>
+              <a:t>) </a:t>
+            </a:r>
+          </a:p>
+          <a:p>
+            <a:r>
+              <a:rPr lang="en-US" dirty="0">
+                <a:latin typeface="Candara" panose="020E0502030303020204" pitchFamily="34" charset="0"/>
+              </a:rPr>
+              <a:t>                        {</a:t>
+            </a:r>
+          </a:p>
+          <a:p>
+            <a:r>
+              <a:rPr lang="en-US" dirty="0">
+                <a:latin typeface="Candara" panose="020E0502030303020204" pitchFamily="34" charset="0"/>
+              </a:rPr>
+              <a:t>                            //data: return data from server</a:t>
+            </a:r>
+          </a:p>
+          <a:p>
+            <a:r>
+              <a:rPr lang="en-US" dirty="0">
+                <a:latin typeface="Candara" panose="020E0502030303020204" pitchFamily="34" charset="0"/>
+              </a:rPr>
+              <a:t>                        },</a:t>
+            </a:r>
+          </a:p>
+          <a:p>
+            <a:r>
+              <a:rPr lang="en-US" dirty="0">
+                <a:latin typeface="Candara" panose="020E0502030303020204" pitchFamily="34" charset="0"/>
+              </a:rPr>
+              <a:t>                        error: function(</a:t>
+            </a:r>
+            <a:r>
+              <a:rPr lang="en-US" dirty="0" err="1">
+                <a:latin typeface="Candara" panose="020E0502030303020204" pitchFamily="34" charset="0"/>
+              </a:rPr>
+              <a:t>jqXHR</a:t>
+            </a:r>
+            <a:r>
+              <a:rPr lang="en-US" dirty="0">
+                <a:latin typeface="Candara" panose="020E0502030303020204" pitchFamily="34" charset="0"/>
+              </a:rPr>
+              <a:t>, </a:t>
+            </a:r>
+            <a:r>
+              <a:rPr lang="en-US" dirty="0" err="1">
+                <a:latin typeface="Candara" panose="020E0502030303020204" pitchFamily="34" charset="0"/>
+              </a:rPr>
+              <a:t>textStatus</a:t>
+            </a:r>
+            <a:r>
+              <a:rPr lang="en-US" dirty="0">
+                <a:latin typeface="Candara" panose="020E0502030303020204" pitchFamily="34" charset="0"/>
+              </a:rPr>
+              <a:t>, </a:t>
+            </a:r>
+            <a:r>
+              <a:rPr lang="en-US" dirty="0" err="1">
+                <a:latin typeface="Candara" panose="020E0502030303020204" pitchFamily="34" charset="0"/>
+              </a:rPr>
+              <a:t>errorThrown</a:t>
+            </a:r>
+            <a:r>
+              <a:rPr lang="en-US" dirty="0">
+                <a:latin typeface="Candara" panose="020E0502030303020204" pitchFamily="34" charset="0"/>
+              </a:rPr>
+              <a:t>) </a:t>
+            </a:r>
+          </a:p>
+          <a:p>
+            <a:r>
+              <a:rPr lang="en-US" dirty="0">
+                <a:latin typeface="Candara" panose="020E0502030303020204" pitchFamily="34" charset="0"/>
+              </a:rPr>
+              <a:t>                        {</a:t>
+            </a:r>
+          </a:p>
+          <a:p>
+            <a:r>
+              <a:rPr lang="en-US" dirty="0">
+                <a:latin typeface="Candara" panose="020E0502030303020204" pitchFamily="34" charset="0"/>
+              </a:rPr>
+              <a:t>                            //if fails      </a:t>
+            </a:r>
+          </a:p>
+          <a:p>
+            <a:r>
+              <a:rPr lang="en-US" dirty="0">
+                <a:latin typeface="Candara" panose="020E0502030303020204" pitchFamily="34" charset="0"/>
+              </a:rPr>
+              <a:t>                        }</a:t>
+            </a:r>
+          </a:p>
+          <a:p>
+            <a:r>
+              <a:rPr lang="en-US" dirty="0">
+                <a:latin typeface="Candara" panose="020E0502030303020204" pitchFamily="34" charset="0"/>
+              </a:rPr>
+              <a:t>                    });</a:t>
+            </a:r>
+          </a:p>
+        </p:txBody>
+      </p:sp>
     </p:spTree>
     <p:extLst>
       <p:ext uri="{BB962C8B-B14F-4D97-AF65-F5344CB8AC3E}">
@@ -10894,7 +11180,7 @@
   <p:timing>
     <p:tnLst>
       <p:par>
-        <p:cTn xmlns:p14="http://schemas.microsoft.com/office/powerpoint/2010/main" id="1" dur="indefinite" restart="never" nodeType="tmRoot"/>
+        <p:cTn id="1" dur="indefinite" restart="never" nodeType="tmRoot"/>
       </p:par>
     </p:tnLst>
   </p:timing>
@@ -10984,7 +11270,7 @@
   <p:timing>
     <p:tnLst>
       <p:par>
-        <p:cTn xmlns:p14="http://schemas.microsoft.com/office/powerpoint/2010/main" id="1" dur="indefinite" restart="never" nodeType="tmRoot"/>
+        <p:cTn id="1" dur="indefinite" restart="never" nodeType="tmRoot"/>
       </p:par>
     </p:tnLst>
   </p:timing>
@@ -11232,7 +11518,7 @@
   <p:timing>
     <p:tnLst>
       <p:par>
-        <p:cTn xmlns:p14="http://schemas.microsoft.com/office/powerpoint/2010/main" id="1" dur="indefinite" restart="never" nodeType="tmRoot"/>
+        <p:cTn id="1" dur="indefinite" restart="never" nodeType="tmRoot"/>
       </p:par>
     </p:tnLst>
   </p:timing>
@@ -11582,7 +11868,7 @@
   <p:timing>
     <p:tnLst>
       <p:par>
-        <p:cTn xmlns:p14="http://schemas.microsoft.com/office/powerpoint/2010/main" id="1" dur="indefinite" restart="never" nodeType="tmRoot"/>
+        <p:cTn id="1" dur="indefinite" restart="never" nodeType="tmRoot"/>
       </p:par>
     </p:tnLst>
   </p:timing>
@@ -11844,7 +12130,7 @@
   <p:timing>
     <p:tnLst>
       <p:par>
-        <p:cTn xmlns:p14="http://schemas.microsoft.com/office/powerpoint/2010/main" id="1" dur="indefinite" restart="never" nodeType="tmRoot"/>
+        <p:cTn id="1" dur="indefinite" restart="never" nodeType="tmRoot"/>
       </p:par>
     </p:tnLst>
   </p:timing>
@@ -12208,7 +12494,7 @@
   <p:timing>
     <p:tnLst>
       <p:par>
-        <p:cTn xmlns:p14="http://schemas.microsoft.com/office/powerpoint/2010/main" id="1" dur="indefinite" restart="never" nodeType="tmRoot"/>
+        <p:cTn id="1" dur="indefinite" restart="never" nodeType="tmRoot"/>
       </p:par>
     </p:tnLst>
   </p:timing>
@@ -12386,7 +12672,7 @@
   <p:timing>
     <p:tnLst>
       <p:par>
-        <p:cTn xmlns:p14="http://schemas.microsoft.com/office/powerpoint/2010/main" id="1" dur="indefinite" restart="never" nodeType="tmRoot"/>
+        <p:cTn id="1" dur="indefinite" restart="never" nodeType="tmRoot"/>
       </p:par>
     </p:tnLst>
   </p:timing>
@@ -12564,7 +12850,7 @@
   <p:timing>
     <p:tnLst>
       <p:par>
-        <p:cTn xmlns:p14="http://schemas.microsoft.com/office/powerpoint/2010/main" id="1" dur="indefinite" restart="never" nodeType="tmRoot"/>
+        <p:cTn id="1" dur="indefinite" restart="never" nodeType="tmRoot"/>
       </p:par>
     </p:tnLst>
   </p:timing>
@@ -12826,7 +13112,7 @@
   <a:extraClrSchemeLst/>
   <a:extLst>
     <a:ext uri="{05A4C25C-085E-4340-85A3-A5531E510DB2}">
-      <thm15:themeFamily xmlns="" xmlns:thm15="http://schemas.microsoft.com/office/thememl/2012/main" name="Office Theme" id="{62F939B6-93AF-4DB8-9C6B-D6C7DFDC589F}" vid="{4A3C46E8-61CC-4603-A589-7422A47A8E4A}"/>
+      <thm15:themeFamily xmlns:thm15="http://schemas.microsoft.com/office/thememl/2012/main" name="Office Theme" id="{62F939B6-93AF-4DB8-9C6B-D6C7DFDC589F}" vid="{4A3C46E8-61CC-4603-A589-7422A47A8E4A}"/>
     </a:ext>
   </a:extLst>
 </a:theme>
@@ -13087,7 +13373,7 @@
   <a:extraClrSchemeLst/>
   <a:extLst>
     <a:ext uri="{05A4C25C-085E-4340-85A3-A5531E510DB2}">
-      <thm15:themeFamily xmlns="" xmlns:thm15="http://schemas.microsoft.com/office/thememl/2012/main" name="Office Theme" id="{62F939B6-93AF-4DB8-9C6B-D6C7DFDC589F}" vid="{4A3C46E8-61CC-4603-A589-7422A47A8E4A}"/>
+      <thm15:themeFamily xmlns:thm15="http://schemas.microsoft.com/office/thememl/2012/main" name="Office Theme" id="{62F939B6-93AF-4DB8-9C6B-D6C7DFDC589F}" vid="{4A3C46E8-61CC-4603-A589-7422A47A8E4A}"/>
     </a:ext>
   </a:extLst>
 </a:theme>
